--- a/assigns/assign10/t1-a10.pptx
+++ b/assigns/assign10/t1-a10.pptx
@@ -5,20 +5,25 @@
     <p:sldMasterId id="2147483672" r:id="rId2"/>
   </p:sldMasterIdLst>
   <p:notesMasterIdLst>
-    <p:notesMasterId r:id="rId11"/>
+    <p:notesMasterId r:id="rId16"/>
   </p:notesMasterIdLst>
   <p:handoutMasterIdLst>
-    <p:handoutMasterId r:id="rId12"/>
+    <p:handoutMasterId r:id="rId17"/>
   </p:handoutMasterIdLst>
   <p:sldIdLst>
     <p:sldId id="256" r:id="rId3"/>
     <p:sldId id="257" r:id="rId4"/>
     <p:sldId id="258" r:id="rId5"/>
-    <p:sldId id="274" r:id="rId6"/>
-    <p:sldId id="278" r:id="rId7"/>
-    <p:sldId id="275" r:id="rId8"/>
-    <p:sldId id="276" r:id="rId9"/>
-    <p:sldId id="277" r:id="rId10"/>
+    <p:sldId id="279" r:id="rId6"/>
+    <p:sldId id="280" r:id="rId7"/>
+    <p:sldId id="274" r:id="rId8"/>
+    <p:sldId id="278" r:id="rId9"/>
+    <p:sldId id="281" r:id="rId10"/>
+    <p:sldId id="282" r:id="rId11"/>
+    <p:sldId id="283" r:id="rId12"/>
+    <p:sldId id="284" r:id="rId13"/>
+    <p:sldId id="275" r:id="rId14"/>
+    <p:sldId id="276" r:id="rId15"/>
   </p:sldIdLst>
   <p:sldSz cx="12192000" cy="6858000"/>
   <p:notesSz cx="6858000" cy="9144000"/>
@@ -236,7 +241,7 @@
           <a:p>
             <a:fld id="{85B84C55-34AB-4F04-8C6E-103378987567}" type="datetimeFigureOut">
               <a:rPr lang="en-US" smtClean="0"/>
-              <a:t>6/4/2015</a:t>
+              <a:t>6/6/2015</a:t>
             </a:fld>
             <a:endParaRPr lang="en-US" dirty="0"/>
           </a:p>
@@ -401,7 +406,7 @@
           <a:p>
             <a:fld id="{86832DD9-7C6A-4C91-8CF1-0788B8213502}" type="datetimeFigureOut">
               <a:rPr lang="en-US" smtClean="0"/>
-              <a:t>6/4/2015</a:t>
+              <a:t>6/6/2015</a:t>
             </a:fld>
             <a:endParaRPr lang="en-US" dirty="0"/>
           </a:p>
@@ -787,7 +792,7 @@
           <a:p>
             <a:fld id="{8A57DA2E-A198-42B8-A77A-6063A9DC8646}" type="datetime1">
               <a:rPr lang="en-US" smtClean="0"/>
-              <a:t>6/4/2015</a:t>
+              <a:t>6/6/2015</a:t>
             </a:fld>
             <a:endParaRPr lang="en-US" dirty="0"/>
           </a:p>
@@ -1202,7 +1207,7 @@
           <a:p>
             <a:fld id="{5D0B467C-85F7-469C-B16D-CF41F04F5F22}" type="datetime1">
               <a:rPr lang="en-US" smtClean="0"/>
-              <a:t>6/4/2015</a:t>
+              <a:t>6/6/2015</a:t>
             </a:fld>
             <a:endParaRPr lang="en-US" dirty="0"/>
           </a:p>
@@ -1384,7 +1389,7 @@
           <a:p>
             <a:fld id="{38E79436-BD82-44D9-9B6F-6D45FC4FB282}" type="datetime1">
               <a:rPr lang="en-US" smtClean="0"/>
-              <a:t>6/4/2015</a:t>
+              <a:t>6/6/2015</a:t>
             </a:fld>
             <a:endParaRPr lang="en-US" dirty="0"/>
           </a:p>
@@ -1576,7 +1581,7 @@
           <a:p>
             <a:fld id="{6955B0D3-E9C4-4790-9AFC-472238E9D978}" type="datetime1">
               <a:rPr lang="en-US" smtClean="0"/>
-              <a:t>6/4/2015</a:t>
+              <a:t>6/6/2015</a:t>
             </a:fld>
             <a:endParaRPr lang="en-US" dirty="0"/>
           </a:p>
@@ -1762,7 +1767,7 @@
           <a:p>
             <a:fld id="{A9EFB39F-05CF-4198-9763-0EA4BE92E0D0}" type="datetime1">
               <a:rPr lang="en-US" smtClean="0"/>
-              <a:t>6/4/2015</a:t>
+              <a:t>6/6/2015</a:t>
             </a:fld>
             <a:endParaRPr lang="en-US" dirty="0"/>
           </a:p>
@@ -1999,7 +2004,7 @@
           <a:p>
             <a:fld id="{FF2491D0-1B86-4F30-8D90-913BBBB0A4F2}" type="datetime1">
               <a:rPr lang="en-US" smtClean="0"/>
-              <a:t>6/4/2015</a:t>
+              <a:t>6/6/2015</a:t>
             </a:fld>
             <a:endParaRPr lang="en-US" dirty="0"/>
           </a:p>
@@ -2280,7 +2285,7 @@
           <a:p>
             <a:fld id="{A28FD5D4-22BE-49CA-89DE-DEB7778B4EA0}" type="datetime1">
               <a:rPr lang="en-US" smtClean="0"/>
-              <a:t>6/4/2015</a:t>
+              <a:t>6/6/2015</a:t>
             </a:fld>
             <a:endParaRPr lang="en-US" dirty="0"/>
           </a:p>
@@ -2671,7 +2676,7 @@
           <a:p>
             <a:fld id="{98A942CB-856E-4E4B-8C89-197AEAE66A5F}" type="datetime1">
               <a:rPr lang="en-US" smtClean="0"/>
-              <a:t>6/4/2015</a:t>
+              <a:t>6/6/2015</a:t>
             </a:fld>
             <a:endParaRPr lang="en-US" dirty="0"/>
           </a:p>
@@ -2810,7 +2815,7 @@
           <a:p>
             <a:fld id="{90C5A565-20AE-4CD1-A4DD-E062216372E9}" type="datetime1">
               <a:rPr lang="en-US" smtClean="0"/>
-              <a:t>6/4/2015</a:t>
+              <a:t>6/6/2015</a:t>
             </a:fld>
             <a:endParaRPr lang="en-US" dirty="0"/>
           </a:p>
@@ -2990,7 +2995,7 @@
           <a:p>
             <a:fld id="{43669077-B497-459B-927D-21898BE78E1B}" type="datetime1">
               <a:rPr lang="en-US" smtClean="0"/>
-              <a:t>6/4/2015</a:t>
+              <a:t>6/6/2015</a:t>
             </a:fld>
             <a:endParaRPr lang="en-US" dirty="0"/>
           </a:p>
@@ -3261,7 +3266,7 @@
           <a:p>
             <a:fld id="{E5371151-446F-4595-B3D3-21EF3A6E9BFE}" type="datetime1">
               <a:rPr lang="en-US" smtClean="0"/>
-              <a:t>6/4/2015</a:t>
+              <a:t>6/6/2015</a:t>
             </a:fld>
             <a:endParaRPr lang="en-US" dirty="0"/>
           </a:p>
@@ -3576,7 +3581,7 @@
           <a:p>
             <a:fld id="{671E04DB-BE65-47F8-B877-7DBE6DFA71B8}" type="datetime1">
               <a:rPr lang="en-US" smtClean="0"/>
-              <a:t>6/4/2015</a:t>
+              <a:t>6/6/2015</a:t>
             </a:fld>
             <a:endParaRPr lang="en-US" dirty="0"/>
           </a:p>
@@ -4283,6 +4288,523 @@
 </p:sld>
 </file>
 
+<file path=ppt/slides/slide10.xml><?xml version="1.0" encoding="utf-8"?>
+<p:sld xmlns:a="http://schemas.openxmlformats.org/drawingml/2006/main" xmlns:r="http://schemas.openxmlformats.org/officeDocument/2006/relationships" xmlns:p="http://schemas.openxmlformats.org/presentationml/2006/main">
+  <p:cSld>
+    <p:spTree>
+      <p:nvGrpSpPr>
+        <p:cNvPr id="1" name=""/>
+        <p:cNvGrpSpPr/>
+        <p:nvPr/>
+      </p:nvGrpSpPr>
+      <p:grpSpPr>
+        <a:xfrm>
+          <a:off x="0" y="0"/>
+          <a:ext cx="0" cy="0"/>
+          <a:chOff x="0" y="0"/>
+          <a:chExt cx="0" cy="0"/>
+        </a:xfrm>
+      </p:grpSpPr>
+      <p:sp>
+        <p:nvSpPr>
+          <p:cNvPr id="3" name="Content Placeholder 2"/>
+          <p:cNvSpPr>
+            <a:spLocks noGrp="1"/>
+          </p:cNvSpPr>
+          <p:nvPr>
+            <p:ph idx="1"/>
+          </p:nvPr>
+        </p:nvSpPr>
+        <p:spPr/>
+        <p:txBody>
+          <a:bodyPr/>
+          <a:lstStyle/>
+          <a:p>
+            <a:endParaRPr lang="en-US" dirty="0" smtClean="0"/>
+          </a:p>
+          <a:p>
+            <a:endParaRPr lang="en-US" dirty="0"/>
+          </a:p>
+        </p:txBody>
+      </p:sp>
+      <p:sp>
+        <p:nvSpPr>
+          <p:cNvPr id="2" name="Title 1"/>
+          <p:cNvSpPr>
+            <a:spLocks noGrp="1"/>
+          </p:cNvSpPr>
+          <p:nvPr>
+            <p:ph type="title"/>
+          </p:nvPr>
+        </p:nvSpPr>
+        <p:spPr/>
+        <p:txBody>
+          <a:bodyPr/>
+          <a:lstStyle/>
+          <a:p>
+            <a:r>
+              <a:rPr lang="en-US" dirty="0" smtClean="0"/>
+              <a:t>Overview – Test Results Reporting</a:t>
+            </a:r>
+            <a:endParaRPr lang="en-US" dirty="0"/>
+          </a:p>
+        </p:txBody>
+      </p:sp>
+    </p:spTree>
+    <p:extLst>
+      <p:ext uri="{BB962C8B-B14F-4D97-AF65-F5344CB8AC3E}">
+        <p14:creationId xmlns:p14="http://schemas.microsoft.com/office/powerpoint/2010/main" val="3330300547"/>
+      </p:ext>
+    </p:extLst>
+  </p:cSld>
+  <p:clrMapOvr>
+    <a:masterClrMapping/>
+  </p:clrMapOvr>
+  <mc:AlternateContent xmlns:mc="http://schemas.openxmlformats.org/markup-compatibility/2006" xmlns:p14="http://schemas.microsoft.com/office/powerpoint/2010/main">
+    <mc:Choice Requires="p14">
+      <p:transition spd="med" p14:dur="700">
+        <p:fade/>
+      </p:transition>
+    </mc:Choice>
+    <mc:Fallback xmlns="">
+      <p:transition spd="med">
+        <p:fade/>
+      </p:transition>
+    </mc:Fallback>
+  </mc:AlternateContent>
+  <p:timing>
+    <p:tnLst>
+      <p:par>
+        <p:cTn id="1" dur="indefinite" restart="never" nodeType="tmRoot"/>
+      </p:par>
+    </p:tnLst>
+  </p:timing>
+</p:sld>
+</file>
+
+<file path=ppt/slides/slide11.xml><?xml version="1.0" encoding="utf-8"?>
+<p:sld xmlns:a="http://schemas.openxmlformats.org/drawingml/2006/main" xmlns:r="http://schemas.openxmlformats.org/officeDocument/2006/relationships" xmlns:p="http://schemas.openxmlformats.org/presentationml/2006/main">
+  <p:cSld>
+    <p:spTree>
+      <p:nvGrpSpPr>
+        <p:cNvPr id="1" name=""/>
+        <p:cNvGrpSpPr/>
+        <p:nvPr/>
+      </p:nvGrpSpPr>
+      <p:grpSpPr>
+        <a:xfrm>
+          <a:off x="0" y="0"/>
+          <a:ext cx="0" cy="0"/>
+          <a:chOff x="0" y="0"/>
+          <a:chExt cx="0" cy="0"/>
+        </a:xfrm>
+      </p:grpSpPr>
+      <p:sp>
+        <p:nvSpPr>
+          <p:cNvPr id="3" name="Content Placeholder 2"/>
+          <p:cNvSpPr>
+            <a:spLocks noGrp="1"/>
+          </p:cNvSpPr>
+          <p:nvPr>
+            <p:ph idx="1"/>
+          </p:nvPr>
+        </p:nvSpPr>
+        <p:spPr/>
+        <p:txBody>
+          <a:bodyPr/>
+          <a:lstStyle/>
+          <a:p>
+            <a:pPr lvl="1"/>
+            <a:endParaRPr lang="en-US" dirty="0" smtClean="0"/>
+          </a:p>
+          <a:p>
+            <a:endParaRPr lang="en-US" dirty="0"/>
+          </a:p>
+        </p:txBody>
+      </p:sp>
+      <p:sp>
+        <p:nvSpPr>
+          <p:cNvPr id="2" name="Title 1"/>
+          <p:cNvSpPr>
+            <a:spLocks noGrp="1"/>
+          </p:cNvSpPr>
+          <p:nvPr>
+            <p:ph type="title"/>
+          </p:nvPr>
+        </p:nvSpPr>
+        <p:spPr/>
+        <p:txBody>
+          <a:bodyPr/>
+          <a:lstStyle/>
+          <a:p>
+            <a:r>
+              <a:rPr lang="en-US" dirty="0" smtClean="0"/>
+              <a:t>Overview – Test Results Reporting</a:t>
+            </a:r>
+            <a:endParaRPr lang="en-US" dirty="0"/>
+          </a:p>
+        </p:txBody>
+      </p:sp>
+      <p:pic>
+        <p:nvPicPr>
+          <p:cNvPr id="8" name="Picture 7"/>
+          <p:cNvPicPr>
+            <a:picLocks noChangeAspect="1"/>
+          </p:cNvPicPr>
+          <p:nvPr/>
+        </p:nvPicPr>
+        <p:blipFill>
+          <a:blip r:embed="rId2"/>
+          <a:stretch>
+            <a:fillRect/>
+          </a:stretch>
+        </p:blipFill>
+        <p:spPr>
+          <a:xfrm>
+            <a:off x="147109" y="1910557"/>
+            <a:ext cx="3905250" cy="3905250"/>
+          </a:xfrm>
+          <a:prstGeom prst="rect">
+            <a:avLst/>
+          </a:prstGeom>
+        </p:spPr>
+      </p:pic>
+      <p:pic>
+        <p:nvPicPr>
+          <p:cNvPr id="10" name="Picture 9"/>
+          <p:cNvPicPr>
+            <a:picLocks noChangeAspect="1"/>
+          </p:cNvPicPr>
+          <p:nvPr/>
+        </p:nvPicPr>
+        <p:blipFill>
+          <a:blip r:embed="rId3"/>
+          <a:stretch>
+            <a:fillRect/>
+          </a:stretch>
+        </p:blipFill>
+        <p:spPr>
+          <a:xfrm>
+            <a:off x="4131733" y="1910557"/>
+            <a:ext cx="3905250" cy="3905250"/>
+          </a:xfrm>
+          <a:prstGeom prst="rect">
+            <a:avLst/>
+          </a:prstGeom>
+        </p:spPr>
+      </p:pic>
+      <p:pic>
+        <p:nvPicPr>
+          <p:cNvPr id="11" name="Picture 10"/>
+          <p:cNvPicPr>
+            <a:picLocks noChangeAspect="1"/>
+          </p:cNvPicPr>
+          <p:nvPr/>
+        </p:nvPicPr>
+        <p:blipFill>
+          <a:blip r:embed="rId4"/>
+          <a:stretch>
+            <a:fillRect/>
+          </a:stretch>
+        </p:blipFill>
+        <p:spPr>
+          <a:xfrm>
+            <a:off x="8116358" y="1910557"/>
+            <a:ext cx="3905250" cy="3905250"/>
+          </a:xfrm>
+          <a:prstGeom prst="rect">
+            <a:avLst/>
+          </a:prstGeom>
+        </p:spPr>
+      </p:pic>
+    </p:spTree>
+    <p:extLst>
+      <p:ext uri="{BB962C8B-B14F-4D97-AF65-F5344CB8AC3E}">
+        <p14:creationId xmlns:p14="http://schemas.microsoft.com/office/powerpoint/2010/main" val="2533236408"/>
+      </p:ext>
+    </p:extLst>
+  </p:cSld>
+  <p:clrMapOvr>
+    <a:masterClrMapping/>
+  </p:clrMapOvr>
+  <mc:AlternateContent xmlns:mc="http://schemas.openxmlformats.org/markup-compatibility/2006" xmlns:p14="http://schemas.microsoft.com/office/powerpoint/2010/main">
+    <mc:Choice Requires="p14">
+      <p:transition spd="med" p14:dur="700">
+        <p:fade/>
+      </p:transition>
+    </mc:Choice>
+    <mc:Fallback xmlns="">
+      <p:transition spd="med">
+        <p:fade/>
+      </p:transition>
+    </mc:Fallback>
+  </mc:AlternateContent>
+  <p:timing>
+    <p:tnLst>
+      <p:par>
+        <p:cTn id="1" dur="indefinite" restart="never" nodeType="tmRoot"/>
+      </p:par>
+    </p:tnLst>
+  </p:timing>
+</p:sld>
+</file>
+
+<file path=ppt/slides/slide12.xml><?xml version="1.0" encoding="utf-8"?>
+<p:sld xmlns:a="http://schemas.openxmlformats.org/drawingml/2006/main" xmlns:r="http://schemas.openxmlformats.org/officeDocument/2006/relationships" xmlns:p="http://schemas.openxmlformats.org/presentationml/2006/main">
+  <p:cSld>
+    <p:spTree>
+      <p:nvGrpSpPr>
+        <p:cNvPr id="1" name=""/>
+        <p:cNvGrpSpPr/>
+        <p:nvPr/>
+      </p:nvGrpSpPr>
+      <p:grpSpPr>
+        <a:xfrm>
+          <a:off x="0" y="0"/>
+          <a:ext cx="0" cy="0"/>
+          <a:chOff x="0" y="0"/>
+          <a:chExt cx="0" cy="0"/>
+        </a:xfrm>
+      </p:grpSpPr>
+      <p:sp>
+        <p:nvSpPr>
+          <p:cNvPr id="3" name="Content Placeholder 2"/>
+          <p:cNvSpPr>
+            <a:spLocks noGrp="1"/>
+          </p:cNvSpPr>
+          <p:nvPr>
+            <p:ph idx="1"/>
+          </p:nvPr>
+        </p:nvSpPr>
+        <p:spPr/>
+        <p:txBody>
+          <a:bodyPr/>
+          <a:lstStyle/>
+          <a:p>
+            <a:r>
+              <a:rPr lang="en-US" dirty="0" smtClean="0"/>
+              <a:t>Get familiar with the Eclipse IDE</a:t>
+            </a:r>
+          </a:p>
+          <a:p>
+            <a:r>
+              <a:rPr lang="en-US" dirty="0" smtClean="0"/>
+              <a:t>Design the database</a:t>
+            </a:r>
+          </a:p>
+          <a:p>
+            <a:r>
+              <a:rPr lang="en-US" dirty="0" smtClean="0"/>
+              <a:t>Setup the class models</a:t>
+            </a:r>
+          </a:p>
+          <a:p>
+            <a:r>
+              <a:rPr lang="en-US" dirty="0" smtClean="0"/>
+              <a:t>Get familiar with the MVC design pattern</a:t>
+            </a:r>
+          </a:p>
+          <a:p>
+            <a:r>
+              <a:rPr lang="en-US" dirty="0" smtClean="0"/>
+              <a:t>Divide up the stories in the sprint</a:t>
+            </a:r>
+          </a:p>
+          <a:p>
+            <a:r>
+              <a:rPr lang="en-US" dirty="0" smtClean="0"/>
+              <a:t>Start coding</a:t>
+            </a:r>
+            <a:endParaRPr lang="en-US" dirty="0" smtClean="0"/>
+          </a:p>
+          <a:p>
+            <a:endParaRPr lang="en-US" dirty="0" smtClean="0"/>
+          </a:p>
+          <a:p>
+            <a:endParaRPr lang="en-US" dirty="0" smtClean="0"/>
+          </a:p>
+          <a:p>
+            <a:endParaRPr lang="en-US" dirty="0"/>
+          </a:p>
+        </p:txBody>
+      </p:sp>
+      <p:sp>
+        <p:nvSpPr>
+          <p:cNvPr id="2" name="Title 1"/>
+          <p:cNvSpPr>
+            <a:spLocks noGrp="1"/>
+          </p:cNvSpPr>
+          <p:nvPr>
+            <p:ph type="title"/>
+          </p:nvPr>
+        </p:nvSpPr>
+        <p:spPr/>
+        <p:txBody>
+          <a:bodyPr/>
+          <a:lstStyle/>
+          <a:p>
+            <a:r>
+              <a:rPr lang="en-US" dirty="0" smtClean="0"/>
+              <a:t>Approach</a:t>
+            </a:r>
+            <a:endParaRPr lang="en-US" dirty="0"/>
+          </a:p>
+        </p:txBody>
+      </p:sp>
+    </p:spTree>
+    <p:extLst>
+      <p:ext uri="{BB962C8B-B14F-4D97-AF65-F5344CB8AC3E}">
+        <p14:creationId xmlns:p14="http://schemas.microsoft.com/office/powerpoint/2010/main" val="2933535503"/>
+      </p:ext>
+    </p:extLst>
+  </p:cSld>
+  <p:clrMapOvr>
+    <a:masterClrMapping/>
+  </p:clrMapOvr>
+  <mc:AlternateContent xmlns:mc="http://schemas.openxmlformats.org/markup-compatibility/2006" xmlns:p14="http://schemas.microsoft.com/office/powerpoint/2010/main">
+    <mc:Choice Requires="p14">
+      <p:transition spd="med" p14:dur="700">
+        <p:fade/>
+      </p:transition>
+    </mc:Choice>
+    <mc:Fallback xmlns="">
+      <p:transition spd="med">
+        <p:fade/>
+      </p:transition>
+    </mc:Fallback>
+  </mc:AlternateContent>
+  <p:timing>
+    <p:tnLst>
+      <p:par>
+        <p:cTn id="1" dur="indefinite" restart="never" nodeType="tmRoot"/>
+      </p:par>
+    </p:tnLst>
+  </p:timing>
+</p:sld>
+</file>
+
+<file path=ppt/slides/slide13.xml><?xml version="1.0" encoding="utf-8"?>
+<p:sld xmlns:a="http://schemas.openxmlformats.org/drawingml/2006/main" xmlns:r="http://schemas.openxmlformats.org/officeDocument/2006/relationships" xmlns:p="http://schemas.openxmlformats.org/presentationml/2006/main">
+  <p:cSld>
+    <p:spTree>
+      <p:nvGrpSpPr>
+        <p:cNvPr id="1" name=""/>
+        <p:cNvGrpSpPr/>
+        <p:nvPr/>
+      </p:nvGrpSpPr>
+      <p:grpSpPr>
+        <a:xfrm>
+          <a:off x="0" y="0"/>
+          <a:ext cx="0" cy="0"/>
+          <a:chOff x="0" y="0"/>
+          <a:chExt cx="0" cy="0"/>
+        </a:xfrm>
+      </p:grpSpPr>
+      <p:sp>
+        <p:nvSpPr>
+          <p:cNvPr id="3" name="Content Placeholder 2"/>
+          <p:cNvSpPr>
+            <a:spLocks noGrp="1"/>
+          </p:cNvSpPr>
+          <p:nvPr>
+            <p:ph idx="1"/>
+          </p:nvPr>
+        </p:nvSpPr>
+        <p:spPr/>
+        <p:txBody>
+          <a:bodyPr/>
+          <a:lstStyle/>
+          <a:p>
+            <a:r>
+              <a:rPr lang="en-US" dirty="0" smtClean="0"/>
+              <a:t>Constant Check-ins</a:t>
+            </a:r>
+          </a:p>
+          <a:p>
+            <a:r>
+              <a:rPr lang="en-US" dirty="0" smtClean="0"/>
+              <a:t>GitHub – Revision Control</a:t>
+            </a:r>
+          </a:p>
+          <a:p>
+            <a:r>
+              <a:rPr lang="en-US" dirty="0" smtClean="0"/>
+              <a:t>Proper MVC coding</a:t>
+            </a:r>
+          </a:p>
+          <a:p>
+            <a:r>
+              <a:rPr lang="en-US" dirty="0" smtClean="0"/>
+              <a:t>Eclipse IDE</a:t>
+            </a:r>
+          </a:p>
+          <a:p>
+            <a:r>
+              <a:rPr lang="en-US" dirty="0" smtClean="0"/>
+              <a:t>Assumptions</a:t>
+            </a:r>
+            <a:endParaRPr lang="en-US" dirty="0" smtClean="0"/>
+          </a:p>
+          <a:p>
+            <a:endParaRPr lang="en-US" dirty="0"/>
+          </a:p>
+        </p:txBody>
+      </p:sp>
+      <p:sp>
+        <p:nvSpPr>
+          <p:cNvPr id="2" name="Title 1"/>
+          <p:cNvSpPr>
+            <a:spLocks noGrp="1"/>
+          </p:cNvSpPr>
+          <p:nvPr>
+            <p:ph type="title"/>
+          </p:nvPr>
+        </p:nvSpPr>
+        <p:spPr/>
+        <p:txBody>
+          <a:bodyPr/>
+          <a:lstStyle/>
+          <a:p>
+            <a:r>
+              <a:rPr lang="en-US" dirty="0" smtClean="0"/>
+              <a:t>Challenges / Lessons Learned</a:t>
+            </a:r>
+            <a:endParaRPr lang="en-US" dirty="0"/>
+          </a:p>
+        </p:txBody>
+      </p:sp>
+    </p:spTree>
+    <p:extLst>
+      <p:ext uri="{BB962C8B-B14F-4D97-AF65-F5344CB8AC3E}">
+        <p14:creationId xmlns:p14="http://schemas.microsoft.com/office/powerpoint/2010/main" val="588025368"/>
+      </p:ext>
+    </p:extLst>
+  </p:cSld>
+  <p:clrMapOvr>
+    <a:masterClrMapping/>
+  </p:clrMapOvr>
+  <mc:AlternateContent xmlns:mc="http://schemas.openxmlformats.org/markup-compatibility/2006" xmlns:p14="http://schemas.microsoft.com/office/powerpoint/2010/main">
+    <mc:Choice Requires="p14">
+      <p:transition spd="med" p14:dur="700">
+        <p:fade/>
+      </p:transition>
+    </mc:Choice>
+    <mc:Fallback xmlns="">
+      <p:transition spd="med">
+        <p:fade/>
+      </p:transition>
+    </mc:Fallback>
+  </mc:AlternateContent>
+  <p:timing>
+    <p:tnLst>
+      <p:par>
+        <p:cTn id="1" dur="indefinite" restart="never" nodeType="tmRoot"/>
+      </p:par>
+    </p:tnLst>
+  </p:timing>
+</p:sld>
+</file>
+
 <file path=ppt/slides/slide2.xml><?xml version="1.0" encoding="utf-8"?>
 <p:sld xmlns:a="http://schemas.openxmlformats.org/drawingml/2006/main" xmlns:r="http://schemas.openxmlformats.org/officeDocument/2006/relationships" xmlns:p="http://schemas.openxmlformats.org/presentationml/2006/main">
   <p:cSld>
@@ -4319,7 +4841,6 @@
               <a:rPr lang="en-US" dirty="0" smtClean="0"/>
               <a:t>Stories Completed</a:t>
             </a:r>
-            <a:endParaRPr lang="en-US" dirty="0" smtClean="0"/>
           </a:p>
           <a:p>
             <a:r>
@@ -4338,7 +4859,6 @@
               <a:rPr lang="en-US" dirty="0" smtClean="0"/>
               <a:t>Challenges / Lessons Learned</a:t>
             </a:r>
-            <a:endParaRPr lang="en-US" dirty="0" smtClean="0"/>
           </a:p>
           <a:p>
             <a:endParaRPr lang="en-US" dirty="0" smtClean="0"/>
@@ -4433,27 +4953,23 @@
           <a:lstStyle/>
           <a:p>
             <a:r>
-              <a:rPr lang="en-US" b="1" dirty="0"/>
-              <a:t>N-item Sort </a:t>
-            </a:r>
-            <a:endParaRPr lang="en-US" b="1" dirty="0" smtClean="0"/>
+              <a:rPr lang="en-US" b="1" dirty="0" smtClean="0"/>
+              <a:t>Foundation </a:t>
+            </a:r>
+            <a:r>
+              <a:rPr lang="en-US" b="1" dirty="0" smtClean="0"/>
+              <a:t>stories</a:t>
+            </a:r>
           </a:p>
           <a:p>
             <a:pPr lvl="1"/>
-            <a:r>
-              <a:rPr lang="en-US" b="1" dirty="0" smtClean="0"/>
-              <a:t>Foundation stories</a:t>
-            </a:r>
-          </a:p>
-          <a:p>
-            <a:pPr lvl="2"/>
             <a:r>
               <a:rPr lang="en-US" b="1" dirty="0" smtClean="0"/>
               <a:t>Admin Set-up</a:t>
             </a:r>
           </a:p>
           <a:p>
-            <a:pPr lvl="2"/>
+            <a:pPr lvl="1"/>
             <a:r>
               <a:rPr lang="en-US" b="1" dirty="0" smtClean="0"/>
               <a:t>User </a:t>
@@ -4465,14 +4981,17 @@
             <a:endParaRPr lang="en-US" b="1" dirty="0" smtClean="0"/>
           </a:p>
           <a:p>
+            <a:r>
+              <a:rPr lang="en-US" b="1" dirty="0" smtClean="0"/>
+              <a:t>Side </a:t>
+            </a:r>
+            <a:r>
+              <a:rPr lang="en-US" b="1" dirty="0" smtClean="0"/>
+              <a:t>Stories</a:t>
+            </a:r>
+          </a:p>
+          <a:p>
             <a:pPr lvl="1"/>
-            <a:r>
-              <a:rPr lang="en-US" b="1" dirty="0" smtClean="0"/>
-              <a:t>Elected Side Stories</a:t>
-            </a:r>
-          </a:p>
-          <a:p>
-            <a:pPr lvl="2"/>
             <a:r>
               <a:rPr lang="en-US" b="1" dirty="0"/>
               <a:t>Basic Result Reporting </a:t>
@@ -4480,21 +4999,21 @@
             <a:endParaRPr lang="en-US" b="1" dirty="0" smtClean="0"/>
           </a:p>
           <a:p>
-            <a:pPr lvl="2"/>
+            <a:pPr lvl="1"/>
             <a:r>
               <a:rPr lang="en-US" b="1" dirty="0" smtClean="0"/>
               <a:t>Progress Meter</a:t>
             </a:r>
           </a:p>
           <a:p>
-            <a:pPr lvl="2"/>
+            <a:pPr lvl="1"/>
             <a:r>
               <a:rPr lang="en-US" b="1" dirty="0" smtClean="0"/>
               <a:t>Custom Comparison with Images</a:t>
             </a:r>
           </a:p>
           <a:p>
-            <a:pPr lvl="2"/>
+            <a:pPr lvl="1"/>
             <a:r>
               <a:rPr lang="en-US" b="1" dirty="0" smtClean="0"/>
               <a:t>User Tracking</a:t>
@@ -4530,7 +5049,15 @@
           <a:p>
             <a:r>
               <a:rPr lang="en-US" dirty="0" smtClean="0"/>
-              <a:t>Stories Completed</a:t>
+              <a:t>Stories </a:t>
+            </a:r>
+            <a:r>
+              <a:rPr lang="en-US" dirty="0" smtClean="0"/>
+              <a:t>Completed – N-</a:t>
+            </a:r>
+            <a:r>
+              <a:rPr lang="en-US" dirty="0" err="1" smtClean="0"/>
+              <a:t>ItemSort</a:t>
             </a:r>
             <a:endParaRPr lang="en-US" dirty="0"/>
           </a:p>
@@ -4602,44 +5129,21 @@
           <a:p>
             <a:r>
               <a:rPr lang="en-US" dirty="0" smtClean="0"/>
-              <a:t>Admin Test Setup</a:t>
-            </a:r>
-          </a:p>
-          <a:p>
-            <a:pPr lvl="1"/>
+              <a:t>New user registration</a:t>
+            </a:r>
+          </a:p>
+          <a:p>
             <a:r>
               <a:rPr lang="en-US" dirty="0" smtClean="0"/>
-              <a:t>Add / Delete Existing Database Items (e.g. words or phrases)</a:t>
-            </a:r>
-          </a:p>
-          <a:p>
-            <a:pPr lvl="1"/>
+              <a:t>Login by username</a:t>
+            </a:r>
+            <a:endParaRPr lang="en-US" dirty="0" smtClean="0"/>
+          </a:p>
+          <a:p>
             <a:r>
               <a:rPr lang="en-US" dirty="0" smtClean="0"/>
-              <a:t>Add / Remove Test Items</a:t>
-            </a:r>
-          </a:p>
-          <a:p>
-            <a:pPr lvl="1"/>
-            <a:r>
-              <a:rPr lang="en-US" dirty="0" smtClean="0"/>
-              <a:t>Associate New or Existing Database Images to Existing Items</a:t>
-            </a:r>
-          </a:p>
-          <a:p>
-            <a:pPr lvl="1"/>
-            <a:r>
-              <a:rPr lang="en-US" dirty="0" smtClean="0"/>
-              <a:t>Display Progress Meter During the User Test</a:t>
-            </a:r>
-          </a:p>
-          <a:p>
-            <a:pPr lvl="1"/>
-            <a:r>
-              <a:rPr lang="en-US" dirty="0" smtClean="0"/>
-              <a:t>View Test Results</a:t>
-            </a:r>
-            <a:endParaRPr lang="en-US" dirty="0" smtClean="0"/>
+              <a:t>Username credentials determine access role</a:t>
+            </a:r>
           </a:p>
           <a:p>
             <a:pPr lvl="1"/>
@@ -4667,7 +5171,7 @@
           <a:p>
             <a:r>
               <a:rPr lang="en-US" dirty="0" smtClean="0"/>
-              <a:t>Overview</a:t>
+              <a:t>Overview - Login</a:t>
             </a:r>
             <a:endParaRPr lang="en-US" dirty="0"/>
           </a:p>
@@ -4676,7 +5180,7 @@
     </p:spTree>
     <p:extLst>
       <p:ext uri="{BB962C8B-B14F-4D97-AF65-F5344CB8AC3E}">
-        <p14:creationId xmlns:p14="http://schemas.microsoft.com/office/powerpoint/2010/main" val="344505319"/>
+        <p14:creationId xmlns:p14="http://schemas.microsoft.com/office/powerpoint/2010/main" val="2343073498"/>
       </p:ext>
     </p:extLst>
   </p:cSld>
@@ -4762,7 +5266,7 @@
           <a:p>
             <a:r>
               <a:rPr lang="en-US" dirty="0" smtClean="0"/>
-              <a:t>Overview</a:t>
+              <a:t>Overview – Login Screen</a:t>
             </a:r>
             <a:endParaRPr lang="en-US" dirty="0"/>
           </a:p>
@@ -4784,8 +5288,8 @@
         </p:blipFill>
         <p:spPr>
           <a:xfrm>
-            <a:off x="2878667" y="1154679"/>
-            <a:ext cx="7612978" cy="5381588"/>
+            <a:off x="2383366" y="2021946"/>
+            <a:ext cx="7153302" cy="3359152"/>
           </a:xfrm>
           <a:prstGeom prst="rect">
             <a:avLst/>
@@ -4795,7 +5299,7 @@
     </p:spTree>
     <p:extLst>
       <p:ext uri="{BB962C8B-B14F-4D97-AF65-F5344CB8AC3E}">
-        <p14:creationId xmlns:p14="http://schemas.microsoft.com/office/powerpoint/2010/main" val="1453078861"/>
+        <p14:creationId xmlns:p14="http://schemas.microsoft.com/office/powerpoint/2010/main" val="1833388435"/>
       </p:ext>
     </p:extLst>
   </p:cSld>
@@ -4856,6 +5360,53 @@
           <a:bodyPr/>
           <a:lstStyle/>
           <a:p>
+            <a:r>
+              <a:rPr lang="en-US" dirty="0" smtClean="0"/>
+              <a:t>Manage </a:t>
+            </a:r>
+            <a:r>
+              <a:rPr lang="en-US" dirty="0" smtClean="0"/>
+              <a:t>Existing Database Items (e.g. words or phrases)</a:t>
+            </a:r>
+          </a:p>
+          <a:p>
+            <a:r>
+              <a:rPr lang="en-US" dirty="0" smtClean="0"/>
+              <a:t>Manage Test </a:t>
+            </a:r>
+            <a:r>
+              <a:rPr lang="en-US" dirty="0" smtClean="0"/>
+              <a:t>Items</a:t>
+            </a:r>
+          </a:p>
+          <a:p>
+            <a:r>
+              <a:rPr lang="en-US" dirty="0" smtClean="0"/>
+              <a:t>Associate </a:t>
+            </a:r>
+            <a:r>
+              <a:rPr lang="en-US" dirty="0" smtClean="0"/>
+              <a:t>Images </a:t>
+            </a:r>
+            <a:r>
+              <a:rPr lang="en-US" dirty="0" smtClean="0"/>
+              <a:t>to Existing Items</a:t>
+            </a:r>
+          </a:p>
+          <a:p>
+            <a:r>
+              <a:rPr lang="en-US" dirty="0" smtClean="0"/>
+              <a:t>Display Progress Meter During the User Test</a:t>
+            </a:r>
+          </a:p>
+          <a:p>
+            <a:r>
+              <a:rPr lang="en-US" dirty="0" smtClean="0"/>
+              <a:t>View Test Results</a:t>
+            </a:r>
+          </a:p>
+          <a:p>
+            <a:pPr lvl="1"/>
             <a:endParaRPr lang="en-US" dirty="0" smtClean="0"/>
           </a:p>
           <a:p>
@@ -4880,7 +5431,7 @@
           <a:p>
             <a:r>
               <a:rPr lang="en-US" dirty="0" smtClean="0"/>
-              <a:t>Approach</a:t>
+              <a:t>Overview – Admin Test Setup</a:t>
             </a:r>
             <a:endParaRPr lang="en-US" dirty="0"/>
           </a:p>
@@ -4889,7 +5440,7 @@
     </p:spTree>
     <p:extLst>
       <p:ext uri="{BB962C8B-B14F-4D97-AF65-F5344CB8AC3E}">
-        <p14:creationId xmlns:p14="http://schemas.microsoft.com/office/powerpoint/2010/main" val="2933535503"/>
+        <p14:creationId xmlns:p14="http://schemas.microsoft.com/office/powerpoint/2010/main" val="344505319"/>
       </p:ext>
     </p:extLst>
   </p:cSld>
@@ -4950,6 +5501,7 @@
           <a:bodyPr/>
           <a:lstStyle/>
           <a:p>
+            <a:pPr lvl="1"/>
             <a:endParaRPr lang="en-US" dirty="0" smtClean="0"/>
           </a:p>
           <a:p>
@@ -4974,16 +5526,40 @@
           <a:p>
             <a:r>
               <a:rPr lang="en-US" dirty="0" smtClean="0"/>
-              <a:t>Challenges / Lessons Learned</a:t>
-            </a:r>
-            <a:endParaRPr lang="en-US" dirty="0"/>
-          </a:p>
-        </p:txBody>
-      </p:sp>
+              <a:t>Overview – Admin Test Setup Screen</a:t>
+            </a:r>
+            <a:endParaRPr lang="en-US" dirty="0"/>
+          </a:p>
+        </p:txBody>
+      </p:sp>
+      <p:pic>
+        <p:nvPicPr>
+          <p:cNvPr id="6" name="Picture 5"/>
+          <p:cNvPicPr>
+            <a:picLocks noChangeAspect="1"/>
+          </p:cNvPicPr>
+          <p:nvPr/>
+        </p:nvPicPr>
+        <p:blipFill>
+          <a:blip r:embed="rId2"/>
+          <a:stretch>
+            <a:fillRect/>
+          </a:stretch>
+        </p:blipFill>
+        <p:spPr>
+          <a:xfrm>
+            <a:off x="1049868" y="1253067"/>
+            <a:ext cx="10182123" cy="5418813"/>
+          </a:xfrm>
+          <a:prstGeom prst="rect">
+            <a:avLst/>
+          </a:prstGeom>
+        </p:spPr>
+      </p:pic>
     </p:spTree>
     <p:extLst>
       <p:ext uri="{BB962C8B-B14F-4D97-AF65-F5344CB8AC3E}">
-        <p14:creationId xmlns:p14="http://schemas.microsoft.com/office/powerpoint/2010/main" val="588025368"/>
+        <p14:creationId xmlns:p14="http://schemas.microsoft.com/office/powerpoint/2010/main" val="1453078861"/>
       </p:ext>
     </p:extLst>
   </p:cSld>
@@ -5068,7 +5644,7 @@
           <a:p>
             <a:r>
               <a:rPr lang="en-US" dirty="0" smtClean="0"/>
-              <a:t>Overview</a:t>
+              <a:t>Overview – User Test</a:t>
             </a:r>
             <a:endParaRPr lang="en-US" dirty="0"/>
           </a:p>
@@ -5077,7 +5653,147 @@
     </p:spTree>
     <p:extLst>
       <p:ext uri="{BB962C8B-B14F-4D97-AF65-F5344CB8AC3E}">
-        <p14:creationId xmlns:p14="http://schemas.microsoft.com/office/powerpoint/2010/main" val="2370716947"/>
+        <p14:creationId xmlns:p14="http://schemas.microsoft.com/office/powerpoint/2010/main" val="3467767327"/>
+      </p:ext>
+    </p:extLst>
+  </p:cSld>
+  <p:clrMapOvr>
+    <a:masterClrMapping/>
+  </p:clrMapOvr>
+  <mc:AlternateContent xmlns:mc="http://schemas.openxmlformats.org/markup-compatibility/2006" xmlns:p14="http://schemas.microsoft.com/office/powerpoint/2010/main">
+    <mc:Choice Requires="p14">
+      <p:transition spd="med" p14:dur="700">
+        <p:fade/>
+      </p:transition>
+    </mc:Choice>
+    <mc:Fallback xmlns="">
+      <p:transition spd="med">
+        <p:fade/>
+      </p:transition>
+    </mc:Fallback>
+  </mc:AlternateContent>
+  <p:timing>
+    <p:tnLst>
+      <p:par>
+        <p:cTn id="1" dur="indefinite" restart="never" nodeType="tmRoot"/>
+      </p:par>
+    </p:tnLst>
+  </p:timing>
+</p:sld>
+</file>
+
+<file path=ppt/slides/slide9.xml><?xml version="1.0" encoding="utf-8"?>
+<p:sld xmlns:a="http://schemas.openxmlformats.org/drawingml/2006/main" xmlns:r="http://schemas.openxmlformats.org/officeDocument/2006/relationships" xmlns:p="http://schemas.openxmlformats.org/presentationml/2006/main">
+  <p:cSld>
+    <p:spTree>
+      <p:nvGrpSpPr>
+        <p:cNvPr id="1" name=""/>
+        <p:cNvGrpSpPr/>
+        <p:nvPr/>
+      </p:nvGrpSpPr>
+      <p:grpSpPr>
+        <a:xfrm>
+          <a:off x="0" y="0"/>
+          <a:ext cx="0" cy="0"/>
+          <a:chOff x="0" y="0"/>
+          <a:chExt cx="0" cy="0"/>
+        </a:xfrm>
+      </p:grpSpPr>
+      <p:sp>
+        <p:nvSpPr>
+          <p:cNvPr id="3" name="Content Placeholder 2"/>
+          <p:cNvSpPr>
+            <a:spLocks noGrp="1"/>
+          </p:cNvSpPr>
+          <p:nvPr>
+            <p:ph idx="1"/>
+          </p:nvPr>
+        </p:nvSpPr>
+        <p:spPr/>
+        <p:txBody>
+          <a:bodyPr/>
+          <a:lstStyle/>
+          <a:p>
+            <a:pPr lvl="1"/>
+            <a:endParaRPr lang="en-US" dirty="0" smtClean="0"/>
+          </a:p>
+          <a:p>
+            <a:endParaRPr lang="en-US" dirty="0"/>
+          </a:p>
+        </p:txBody>
+      </p:sp>
+      <p:pic>
+        <p:nvPicPr>
+          <p:cNvPr id="4" name="Picture 3"/>
+          <p:cNvPicPr>
+            <a:picLocks noChangeAspect="1"/>
+          </p:cNvPicPr>
+          <p:nvPr/>
+        </p:nvPicPr>
+        <p:blipFill>
+          <a:blip r:embed="rId2"/>
+          <a:stretch>
+            <a:fillRect/>
+          </a:stretch>
+        </p:blipFill>
+        <p:spPr>
+          <a:xfrm>
+            <a:off x="4255029" y="119021"/>
+            <a:ext cx="6679142" cy="6641084"/>
+          </a:xfrm>
+          <a:prstGeom prst="rect">
+            <a:avLst/>
+          </a:prstGeom>
+        </p:spPr>
+      </p:pic>
+      <p:sp>
+        <p:nvSpPr>
+          <p:cNvPr id="5" name="Title 4"/>
+          <p:cNvSpPr>
+            <a:spLocks noGrp="1"/>
+          </p:cNvSpPr>
+          <p:nvPr>
+            <p:ph type="title"/>
+          </p:nvPr>
+        </p:nvSpPr>
+        <p:spPr>
+          <a:xfrm>
+            <a:off x="609600" y="274638"/>
+            <a:ext cx="4013200" cy="6380162"/>
+          </a:xfrm>
+        </p:spPr>
+        <p:txBody>
+          <a:bodyPr>
+            <a:normAutofit/>
+          </a:bodyPr>
+          <a:lstStyle/>
+          <a:p>
+            <a:r>
+              <a:rPr lang="en-US" dirty="0" smtClean="0"/>
+              <a:t>Overview </a:t>
+            </a:r>
+            <a:br>
+              <a:rPr lang="en-US" dirty="0" smtClean="0"/>
+            </a:br>
+            <a:r>
+              <a:rPr lang="en-US" dirty="0" smtClean="0"/>
+              <a:t>User Test </a:t>
+            </a:r>
+            <a:br>
+              <a:rPr lang="en-US" dirty="0" smtClean="0"/>
+            </a:br>
+            <a:r>
+              <a:rPr lang="en-US" dirty="0" smtClean="0"/>
+              <a:t>Screen</a:t>
+            </a:r>
+            <a:endParaRPr lang="en-US" dirty="0"/>
+          </a:p>
+        </p:txBody>
+      </p:sp>
+    </p:spTree>
+    <p:extLst>
+      <p:ext uri="{BB962C8B-B14F-4D97-AF65-F5344CB8AC3E}">
+        <p14:creationId xmlns:p14="http://schemas.microsoft.com/office/powerpoint/2010/main" val="2655541122"/>
       </p:ext>
     </p:extLst>
   </p:cSld>

--- a/assigns/assign10/t1-a10.pptx
+++ b/assigns/assign10/t1-a10.pptx
@@ -18,7 +18,7 @@
     <p:sldId id="280" r:id="rId7"/>
     <p:sldId id="274" r:id="rId8"/>
     <p:sldId id="278" r:id="rId9"/>
-    <p:sldId id="281" r:id="rId10"/>
+    <p:sldId id="285" r:id="rId10"/>
     <p:sldId id="282" r:id="rId11"/>
     <p:sldId id="283" r:id="rId12"/>
     <p:sldId id="284" r:id="rId13"/>
@@ -3689,35 +3689,35 @@
           <a:p>
             <a:pPr lvl="0" eaLnBrk="1" latinLnBrk="0" hangingPunct="1"/>
             <a:r>
-              <a:rPr kumimoji="0" lang="en-US" smtClean="0"/>
+              <a:rPr kumimoji="0" lang="en-US" dirty="0" smtClean="0"/>
               <a:t>Click to edit Master text styles</a:t>
             </a:r>
           </a:p>
           <a:p>
             <a:pPr lvl="1" eaLnBrk="1" latinLnBrk="0" hangingPunct="1"/>
             <a:r>
-              <a:rPr kumimoji="0" lang="en-US" smtClean="0"/>
+              <a:rPr kumimoji="0" lang="en-US" dirty="0" smtClean="0"/>
               <a:t>Second level</a:t>
             </a:r>
           </a:p>
           <a:p>
             <a:pPr lvl="2" eaLnBrk="1" latinLnBrk="0" hangingPunct="1"/>
             <a:r>
-              <a:rPr kumimoji="0" lang="en-US" smtClean="0"/>
+              <a:rPr kumimoji="0" lang="en-US" dirty="0" smtClean="0"/>
               <a:t>Third level</a:t>
             </a:r>
           </a:p>
           <a:p>
             <a:pPr lvl="3" eaLnBrk="1" latinLnBrk="0" hangingPunct="1"/>
             <a:r>
-              <a:rPr kumimoji="0" lang="en-US" smtClean="0"/>
+              <a:rPr kumimoji="0" lang="en-US" dirty="0" smtClean="0"/>
               <a:t>Fourth level</a:t>
             </a:r>
           </a:p>
           <a:p>
             <a:pPr lvl="4" eaLnBrk="1" latinLnBrk="0" hangingPunct="1"/>
             <a:r>
-              <a:rPr kumimoji="0" lang="en-US" smtClean="0"/>
+              <a:rPr kumimoji="0" lang="en-US" dirty="0" smtClean="0"/>
               <a:t>Fifth level</a:t>
             </a:r>
             <a:endParaRPr kumimoji="0" lang="en-US" dirty="0"/>
@@ -4197,28 +4197,6 @@
       </p:grpSpPr>
       <p:sp>
         <p:nvSpPr>
-          <p:cNvPr id="18" name="Subtitle 17"/>
-          <p:cNvSpPr>
-            <a:spLocks noGrp="1"/>
-          </p:cNvSpPr>
-          <p:nvPr>
-            <p:ph type="subTitle" idx="1"/>
-          </p:nvPr>
-        </p:nvSpPr>
-        <p:spPr/>
-        <p:txBody>
-          <a:bodyPr>
-            <a:normAutofit/>
-          </a:bodyPr>
-          <a:lstStyle/>
-          <a:p>
-            <a:pPr algn="l"/>
-            <a:endParaRPr lang="en-US" sz="4200" dirty="0"/>
-          </a:p>
-        </p:txBody>
-      </p:sp>
-      <p:sp>
-        <p:nvSpPr>
           <p:cNvPr id="2" name="Title 1"/>
           <p:cNvSpPr>
             <a:spLocks noGrp="1"/>
@@ -4337,15 +4315,249 @@
             <p:ph type="title"/>
           </p:nvPr>
         </p:nvSpPr>
-        <p:spPr/>
-        <p:txBody>
-          <a:bodyPr/>
+        <p:spPr>
+          <a:xfrm>
+            <a:off x="609600" y="274637"/>
+            <a:ext cx="9956800" cy="1521111"/>
+          </a:xfrm>
+        </p:spPr>
+        <p:txBody>
+          <a:bodyPr>
+            <a:normAutofit/>
+          </a:bodyPr>
           <a:lstStyle/>
           <a:p>
             <a:r>
               <a:rPr lang="en-US" dirty="0" smtClean="0"/>
-              <a:t>Overview – Test Results Reporting</a:t>
-            </a:r>
+              <a:t>Functional Overview </a:t>
+            </a:r>
+            <a:r>
+              <a:rPr lang="en-US" dirty="0" smtClean="0"/>
+              <a:t>– Test Results Reporting</a:t>
+            </a:r>
+            <a:endParaRPr lang="en-US" dirty="0"/>
+          </a:p>
+        </p:txBody>
+      </p:sp>
+      <p:sp>
+        <p:nvSpPr>
+          <p:cNvPr id="4" name="Content Placeholder 2"/>
+          <p:cNvSpPr txBox="1">
+            <a:spLocks/>
+          </p:cNvSpPr>
+          <p:nvPr/>
+        </p:nvSpPr>
+        <p:spPr>
+          <a:xfrm>
+            <a:off x="762000" y="1752601"/>
+            <a:ext cx="9956800" cy="4525963"/>
+          </a:xfrm>
+          <a:prstGeom prst="rect">
+            <a:avLst/>
+          </a:prstGeom>
+        </p:spPr>
+        <p:txBody>
+          <a:bodyPr vert="horz">
+            <a:normAutofit/>
+          </a:bodyPr>
+          <a:lstStyle>
+            <a:lvl1pPr marL="420624" indent="-384048" algn="l" rtl="0" eaLnBrk="1" latinLnBrk="0" hangingPunct="1">
+              <a:spcBef>
+                <a:spcPct val="20000"/>
+              </a:spcBef>
+              <a:buClr>
+                <a:schemeClr val="accent1"/>
+              </a:buClr>
+              <a:buSzPct val="80000"/>
+              <a:buFont typeface="Wingdings 2"/>
+              <a:buChar char=""/>
+              <a:defRPr kumimoji="0" sz="3000" kern="1200">
+                <a:solidFill>
+                  <a:schemeClr val="tx1"/>
+                </a:solidFill>
+                <a:latin typeface="+mn-lt"/>
+                <a:ea typeface="+mn-ea"/>
+                <a:cs typeface="+mn-cs"/>
+              </a:defRPr>
+            </a:lvl1pPr>
+            <a:lvl2pPr marL="722376" indent="-274320" algn="l" rtl="0" eaLnBrk="1" latinLnBrk="0" hangingPunct="1">
+              <a:spcBef>
+                <a:spcPct val="20000"/>
+              </a:spcBef>
+              <a:buClr>
+                <a:schemeClr val="accent1"/>
+              </a:buClr>
+              <a:buSzPct val="90000"/>
+              <a:buFont typeface="Wingdings 2"/>
+              <a:buChar char=""/>
+              <a:defRPr kumimoji="0" sz="2600" kern="1200">
+                <a:solidFill>
+                  <a:schemeClr val="tx1"/>
+                </a:solidFill>
+                <a:latin typeface="+mn-lt"/>
+                <a:ea typeface="+mn-ea"/>
+                <a:cs typeface="+mn-cs"/>
+              </a:defRPr>
+            </a:lvl2pPr>
+            <a:lvl3pPr marL="1005840" indent="-256032" algn="l" rtl="0" eaLnBrk="1" latinLnBrk="0" hangingPunct="1">
+              <a:spcBef>
+                <a:spcPct val="20000"/>
+              </a:spcBef>
+              <a:buClr>
+                <a:schemeClr val="accent2"/>
+              </a:buClr>
+              <a:buSzPct val="85000"/>
+              <a:buFont typeface="Arial"/>
+              <a:buChar char="○"/>
+              <a:defRPr kumimoji="0" sz="2400" kern="1200">
+                <a:solidFill>
+                  <a:schemeClr val="tx1"/>
+                </a:solidFill>
+                <a:latin typeface="+mn-lt"/>
+                <a:ea typeface="+mn-ea"/>
+                <a:cs typeface="+mn-cs"/>
+              </a:defRPr>
+            </a:lvl3pPr>
+            <a:lvl4pPr marL="1280160" indent="-237744" algn="l" rtl="0" eaLnBrk="1" latinLnBrk="0" hangingPunct="1">
+              <a:spcBef>
+                <a:spcPct val="20000"/>
+              </a:spcBef>
+              <a:buClr>
+                <a:schemeClr val="accent3"/>
+              </a:buClr>
+              <a:buSzPct val="90000"/>
+              <a:buFont typeface="Wingdings 2"/>
+              <a:buChar char=""/>
+              <a:defRPr kumimoji="0" sz="2000" kern="1200">
+                <a:solidFill>
+                  <a:schemeClr val="tx1"/>
+                </a:solidFill>
+                <a:latin typeface="+mn-lt"/>
+                <a:ea typeface="+mn-ea"/>
+                <a:cs typeface="+mn-cs"/>
+              </a:defRPr>
+            </a:lvl4pPr>
+            <a:lvl5pPr marL="1490472" indent="-182880" algn="l" rtl="0" eaLnBrk="1" latinLnBrk="0" hangingPunct="1">
+              <a:spcBef>
+                <a:spcPct val="20000"/>
+              </a:spcBef>
+              <a:buClr>
+                <a:schemeClr val="accent4"/>
+              </a:buClr>
+              <a:buSzPct val="100000"/>
+              <a:buFont typeface="Arial"/>
+              <a:buChar char="-"/>
+              <a:defRPr kumimoji="0" sz="2000" kern="1200">
+                <a:solidFill>
+                  <a:schemeClr val="tx1"/>
+                </a:solidFill>
+                <a:latin typeface="+mn-lt"/>
+                <a:ea typeface="+mn-ea"/>
+                <a:cs typeface="+mn-cs"/>
+              </a:defRPr>
+            </a:lvl5pPr>
+            <a:lvl6pPr marL="1700784" indent="-182880" algn="l" rtl="0" eaLnBrk="1" latinLnBrk="0" hangingPunct="1">
+              <a:spcBef>
+                <a:spcPct val="20000"/>
+              </a:spcBef>
+              <a:buClr>
+                <a:schemeClr val="accent5"/>
+              </a:buClr>
+              <a:buFont typeface="Arial"/>
+              <a:buChar char="-"/>
+              <a:defRPr kumimoji="0" sz="2000" kern="1200" baseline="0">
+                <a:solidFill>
+                  <a:schemeClr val="tx1"/>
+                </a:solidFill>
+                <a:latin typeface="+mn-lt"/>
+                <a:ea typeface="+mn-ea"/>
+                <a:cs typeface="+mn-cs"/>
+              </a:defRPr>
+            </a:lvl6pPr>
+            <a:lvl7pPr marL="1920240" indent="-182880" algn="l" rtl="0" eaLnBrk="1" latinLnBrk="0" hangingPunct="1">
+              <a:spcBef>
+                <a:spcPct val="20000"/>
+              </a:spcBef>
+              <a:buClr>
+                <a:schemeClr val="accent6"/>
+              </a:buClr>
+              <a:buSzPct val="100000"/>
+              <a:buFont typeface="Arial"/>
+              <a:buChar char="•"/>
+              <a:defRPr kumimoji="0" sz="1800" kern="1200" baseline="0">
+                <a:solidFill>
+                  <a:schemeClr val="tx1"/>
+                </a:solidFill>
+                <a:latin typeface="+mn-lt"/>
+                <a:ea typeface="+mn-ea"/>
+                <a:cs typeface="+mn-cs"/>
+              </a:defRPr>
+            </a:lvl7pPr>
+            <a:lvl8pPr marL="2139696" indent="-182880" algn="l" rtl="0" eaLnBrk="1" latinLnBrk="0" hangingPunct="1">
+              <a:spcBef>
+                <a:spcPct val="20000"/>
+              </a:spcBef>
+              <a:buClr>
+                <a:schemeClr val="accent6"/>
+              </a:buClr>
+              <a:buFont typeface="Arial"/>
+              <a:buChar char="▪"/>
+              <a:defRPr kumimoji="0" sz="1600" kern="1200">
+                <a:solidFill>
+                  <a:schemeClr val="tx1"/>
+                </a:solidFill>
+                <a:latin typeface="+mn-lt"/>
+                <a:ea typeface="+mn-ea"/>
+                <a:cs typeface="+mn-cs"/>
+              </a:defRPr>
+            </a:lvl8pPr>
+            <a:lvl9pPr marL="2331720" indent="-182880" algn="l" rtl="0" eaLnBrk="1" latinLnBrk="0" hangingPunct="1">
+              <a:spcBef>
+                <a:spcPct val="20000"/>
+              </a:spcBef>
+              <a:buClr>
+                <a:schemeClr val="accent6"/>
+              </a:buClr>
+              <a:buFont typeface="Arial"/>
+              <a:buChar char="•"/>
+              <a:defRPr kumimoji="0" sz="1600" kern="1200">
+                <a:solidFill>
+                  <a:schemeClr val="tx1"/>
+                </a:solidFill>
+                <a:latin typeface="+mn-lt"/>
+                <a:ea typeface="+mn-ea"/>
+                <a:cs typeface="+mn-cs"/>
+              </a:defRPr>
+            </a:lvl9pPr>
+          </a:lstStyle>
+          <a:p>
+            <a:r>
+              <a:rPr lang="en-US" sz="4000" dirty="0" smtClean="0"/>
+              <a:t>View results of users for data gathering</a:t>
+            </a:r>
+          </a:p>
+          <a:p>
+            <a:r>
+              <a:rPr lang="en-US" sz="4000" dirty="0" smtClean="0"/>
+              <a:t>Select User, then </a:t>
+            </a:r>
+            <a:r>
+              <a:rPr lang="en-US" sz="4000" dirty="0" err="1" smtClean="0"/>
+              <a:t>TestID</a:t>
+            </a:r>
+            <a:r>
+              <a:rPr lang="en-US" sz="4000" dirty="0" smtClean="0"/>
+              <a:t> and Date, and View Results</a:t>
+            </a:r>
+          </a:p>
+          <a:p>
+            <a:r>
+              <a:rPr lang="en-US" sz="4000" dirty="0" smtClean="0"/>
+              <a:t>View Progress Meter During the User Test</a:t>
+            </a:r>
+            <a:endParaRPr lang="en-US" dirty="0" smtClean="0"/>
+          </a:p>
+          <a:p>
             <a:endParaRPr lang="en-US" dirty="0"/>
           </a:p>
         </p:txBody>
@@ -4375,7 +4587,177 @@
   <p:timing>
     <p:tnLst>
       <p:par>
-        <p:cTn id="1" dur="indefinite" restart="never" nodeType="tmRoot"/>
+        <p:cTn id="1" dur="indefinite" restart="never" nodeType="tmRoot">
+          <p:childTnLst>
+            <p:seq concurrent="1" nextAc="seek">
+              <p:cTn id="2" dur="indefinite" nodeType="mainSeq">
+                <p:childTnLst>
+                  <p:par>
+                    <p:cTn id="3" fill="hold">
+                      <p:stCondLst>
+                        <p:cond delay="indefinite"/>
+                      </p:stCondLst>
+                      <p:childTnLst>
+                        <p:par>
+                          <p:cTn id="4" fill="hold">
+                            <p:stCondLst>
+                              <p:cond delay="0"/>
+                            </p:stCondLst>
+                            <p:childTnLst>
+                              <p:par>
+                                <p:cTn id="5" presetID="1" presetClass="entr" presetSubtype="0" fill="hold" nodeType="clickEffect">
+                                  <p:stCondLst>
+                                    <p:cond delay="0"/>
+                                  </p:stCondLst>
+                                  <p:childTnLst>
+                                    <p:set>
+                                      <p:cBhvr>
+                                        <p:cTn id="6" dur="1" fill="hold">
+                                          <p:stCondLst>
+                                            <p:cond delay="0"/>
+                                          </p:stCondLst>
+                                        </p:cTn>
+                                        <p:tgtEl>
+                                          <p:spTgt spid="4">
+                                            <p:txEl>
+                                              <p:pRg st="0" end="0"/>
+                                            </p:txEl>
+                                          </p:spTgt>
+                                        </p:tgtEl>
+                                        <p:attrNameLst>
+                                          <p:attrName>style.visibility</p:attrName>
+                                        </p:attrNameLst>
+                                      </p:cBhvr>
+                                      <p:to>
+                                        <p:strVal val="visible"/>
+                                      </p:to>
+                                    </p:set>
+                                  </p:childTnLst>
+                                </p:cTn>
+                              </p:par>
+                            </p:childTnLst>
+                          </p:cTn>
+                        </p:par>
+                      </p:childTnLst>
+                    </p:cTn>
+                  </p:par>
+                  <p:par>
+                    <p:cTn id="7" fill="hold">
+                      <p:stCondLst>
+                        <p:cond delay="indefinite"/>
+                      </p:stCondLst>
+                      <p:childTnLst>
+                        <p:par>
+                          <p:cTn id="8" fill="hold">
+                            <p:stCondLst>
+                              <p:cond delay="0"/>
+                            </p:stCondLst>
+                            <p:childTnLst>
+                              <p:par>
+                                <p:cTn id="9" presetID="1" presetClass="entr" presetSubtype="0" fill="hold" nodeType="clickEffect">
+                                  <p:stCondLst>
+                                    <p:cond delay="0"/>
+                                  </p:stCondLst>
+                                  <p:childTnLst>
+                                    <p:set>
+                                      <p:cBhvr>
+                                        <p:cTn id="10" dur="1" fill="hold">
+                                          <p:stCondLst>
+                                            <p:cond delay="0"/>
+                                          </p:stCondLst>
+                                        </p:cTn>
+                                        <p:tgtEl>
+                                          <p:spTgt spid="4">
+                                            <p:txEl>
+                                              <p:pRg st="1" end="1"/>
+                                            </p:txEl>
+                                          </p:spTgt>
+                                        </p:tgtEl>
+                                        <p:attrNameLst>
+                                          <p:attrName>style.visibility</p:attrName>
+                                        </p:attrNameLst>
+                                      </p:cBhvr>
+                                      <p:to>
+                                        <p:strVal val="visible"/>
+                                      </p:to>
+                                    </p:set>
+                                  </p:childTnLst>
+                                </p:cTn>
+                              </p:par>
+                            </p:childTnLst>
+                          </p:cTn>
+                        </p:par>
+                      </p:childTnLst>
+                    </p:cTn>
+                  </p:par>
+                  <p:par>
+                    <p:cTn id="11" fill="hold">
+                      <p:stCondLst>
+                        <p:cond delay="indefinite"/>
+                      </p:stCondLst>
+                      <p:childTnLst>
+                        <p:par>
+                          <p:cTn id="12" fill="hold">
+                            <p:stCondLst>
+                              <p:cond delay="0"/>
+                            </p:stCondLst>
+                            <p:childTnLst>
+                              <p:par>
+                                <p:cTn id="13" presetID="1" presetClass="entr" presetSubtype="0" fill="hold" nodeType="clickEffect">
+                                  <p:stCondLst>
+                                    <p:cond delay="0"/>
+                                  </p:stCondLst>
+                                  <p:childTnLst>
+                                    <p:set>
+                                      <p:cBhvr>
+                                        <p:cTn id="14" dur="1" fill="hold">
+                                          <p:stCondLst>
+                                            <p:cond delay="0"/>
+                                          </p:stCondLst>
+                                        </p:cTn>
+                                        <p:tgtEl>
+                                          <p:spTgt spid="4">
+                                            <p:txEl>
+                                              <p:pRg st="2" end="2"/>
+                                            </p:txEl>
+                                          </p:spTgt>
+                                        </p:tgtEl>
+                                        <p:attrNameLst>
+                                          <p:attrName>style.visibility</p:attrName>
+                                        </p:attrNameLst>
+                                      </p:cBhvr>
+                                      <p:to>
+                                        <p:strVal val="visible"/>
+                                      </p:to>
+                                    </p:set>
+                                  </p:childTnLst>
+                                </p:cTn>
+                              </p:par>
+                            </p:childTnLst>
+                          </p:cTn>
+                        </p:par>
+                      </p:childTnLst>
+                    </p:cTn>
+                  </p:par>
+                </p:childTnLst>
+              </p:cTn>
+              <p:prevCondLst>
+                <p:cond evt="onPrev" delay="0">
+                  <p:tgtEl>
+                    <p:sldTgt/>
+                  </p:tgtEl>
+                </p:cond>
+              </p:prevCondLst>
+              <p:nextCondLst>
+                <p:cond evt="onNext" delay="0">
+                  <p:tgtEl>
+                    <p:sldTgt/>
+                  </p:tgtEl>
+                </p:cond>
+              </p:nextCondLst>
+            </p:seq>
+          </p:childTnLst>
+        </p:cTn>
       </p:par>
     </p:tnLst>
   </p:timing>
@@ -4447,7 +4829,7 @@
       </p:sp>
       <p:pic>
         <p:nvPicPr>
-          <p:cNvPr id="8" name="Picture 7"/>
+          <p:cNvPr id="4" name="Picture 3"/>
           <p:cNvPicPr>
             <a:picLocks noChangeAspect="1"/>
           </p:cNvPicPr>
@@ -4461,8 +4843,8 @@
         </p:blipFill>
         <p:spPr>
           <a:xfrm>
-            <a:off x="147109" y="1910557"/>
-            <a:ext cx="3905250" cy="3905250"/>
+            <a:off x="4148137" y="1906029"/>
+            <a:ext cx="3895725" cy="3905250"/>
           </a:xfrm>
           <a:prstGeom prst="rect">
             <a:avLst/>
@@ -4471,7 +4853,7 @@
       </p:pic>
       <p:pic>
         <p:nvPicPr>
-          <p:cNvPr id="10" name="Picture 9"/>
+          <p:cNvPr id="6" name="Picture 5"/>
           <p:cNvPicPr>
             <a:picLocks noChangeAspect="1"/>
           </p:cNvPicPr>
@@ -4485,8 +4867,8 @@
         </p:blipFill>
         <p:spPr>
           <a:xfrm>
-            <a:off x="4131733" y="1910557"/>
-            <a:ext cx="3905250" cy="3905250"/>
+            <a:off x="151341" y="1906029"/>
+            <a:ext cx="3924300" cy="3905250"/>
           </a:xfrm>
           <a:prstGeom prst="rect">
             <a:avLst/>
@@ -4495,7 +4877,7 @@
       </p:pic>
       <p:pic>
         <p:nvPicPr>
-          <p:cNvPr id="11" name="Picture 10"/>
+          <p:cNvPr id="7" name="Picture 6"/>
           <p:cNvPicPr>
             <a:picLocks noChangeAspect="1"/>
           </p:cNvPicPr>
@@ -4509,8 +4891,8 @@
         </p:blipFill>
         <p:spPr>
           <a:xfrm>
-            <a:off x="8116358" y="1910557"/>
-            <a:ext cx="3905250" cy="3905250"/>
+            <a:off x="8116358" y="1906029"/>
+            <a:ext cx="3914775" cy="3905250"/>
           </a:xfrm>
           <a:prstGeom prst="rect">
             <a:avLst/>
@@ -4542,7 +4924,120 @@
   <p:timing>
     <p:tnLst>
       <p:par>
-        <p:cTn id="1" dur="indefinite" restart="never" nodeType="tmRoot"/>
+        <p:cTn id="1" dur="indefinite" restart="never" nodeType="tmRoot">
+          <p:childTnLst>
+            <p:seq concurrent="1" nextAc="seek">
+              <p:cTn id="2" dur="indefinite" nodeType="mainSeq">
+                <p:childTnLst>
+                  <p:par>
+                    <p:cTn id="3" fill="hold">
+                      <p:stCondLst>
+                        <p:cond delay="indefinite"/>
+                      </p:stCondLst>
+                      <p:childTnLst>
+                        <p:par>
+                          <p:cTn id="4" fill="hold">
+                            <p:stCondLst>
+                              <p:cond delay="0"/>
+                            </p:stCondLst>
+                            <p:childTnLst>
+                              <p:par>
+                                <p:cTn id="5" presetID="1" presetClass="entr" presetSubtype="0" fill="hold" nodeType="clickEffect">
+                                  <p:stCondLst>
+                                    <p:cond delay="0"/>
+                                  </p:stCondLst>
+                                  <p:childTnLst>
+                                    <p:set>
+                                      <p:cBhvr>
+                                        <p:cTn id="6" dur="1" fill="hold">
+                                          <p:stCondLst>
+                                            <p:cond delay="0"/>
+                                          </p:stCondLst>
+                                        </p:cTn>
+                                        <p:tgtEl>
+                                          <p:spTgt spid="4"/>
+                                        </p:tgtEl>
+                                        <p:attrNameLst>
+                                          <p:attrName>style.visibility</p:attrName>
+                                        </p:attrNameLst>
+                                      </p:cBhvr>
+                                      <p:to>
+                                        <p:strVal val="visible"/>
+                                      </p:to>
+                                    </p:set>
+                                  </p:childTnLst>
+                                </p:cTn>
+                              </p:par>
+                            </p:childTnLst>
+                          </p:cTn>
+                        </p:par>
+                      </p:childTnLst>
+                    </p:cTn>
+                  </p:par>
+                  <p:par>
+                    <p:cTn id="7" fill="hold">
+                      <p:stCondLst>
+                        <p:cond delay="indefinite"/>
+                      </p:stCondLst>
+                      <p:childTnLst>
+                        <p:par>
+                          <p:cTn id="8" fill="hold">
+                            <p:stCondLst>
+                              <p:cond delay="0"/>
+                            </p:stCondLst>
+                            <p:childTnLst>
+                              <p:par>
+                                <p:cTn id="9" presetID="1" presetClass="entr" presetSubtype="0" fill="hold" nodeType="clickEffect">
+                                  <p:stCondLst>
+                                    <p:cond delay="0"/>
+                                  </p:stCondLst>
+                                  <p:childTnLst>
+                                    <p:set>
+                                      <p:cBhvr>
+                                        <p:cTn id="10" dur="1" fill="hold">
+                                          <p:stCondLst>
+                                            <p:cond delay="0"/>
+                                          </p:stCondLst>
+                                        </p:cTn>
+                                        <p:tgtEl>
+                                          <p:spTgt spid="7"/>
+                                        </p:tgtEl>
+                                        <p:attrNameLst>
+                                          <p:attrName>style.visibility</p:attrName>
+                                        </p:attrNameLst>
+                                      </p:cBhvr>
+                                      <p:to>
+                                        <p:strVal val="visible"/>
+                                      </p:to>
+                                    </p:set>
+                                  </p:childTnLst>
+                                </p:cTn>
+                              </p:par>
+                            </p:childTnLst>
+                          </p:cTn>
+                        </p:par>
+                      </p:childTnLst>
+                    </p:cTn>
+                  </p:par>
+                </p:childTnLst>
+              </p:cTn>
+              <p:prevCondLst>
+                <p:cond evt="onPrev" delay="0">
+                  <p:tgtEl>
+                    <p:sldTgt/>
+                  </p:tgtEl>
+                </p:cond>
+              </p:prevCondLst>
+              <p:nextCondLst>
+                <p:cond evt="onNext" delay="0">
+                  <p:tgtEl>
+                    <p:sldTgt/>
+                  </p:tgtEl>
+                </p:cond>
+              </p:nextCondLst>
+            </p:seq>
+          </p:childTnLst>
+        </p:cTn>
       </p:par>
     </p:tnLst>
   </p:timing>
@@ -4582,40 +5077,39 @@
           <a:lstStyle/>
           <a:p>
             <a:r>
-              <a:rPr lang="en-US" dirty="0" smtClean="0"/>
+              <a:rPr lang="en-US" sz="4000" dirty="0" smtClean="0"/>
               <a:t>Get familiar with the Eclipse IDE</a:t>
             </a:r>
           </a:p>
           <a:p>
             <a:r>
-              <a:rPr lang="en-US" dirty="0" smtClean="0"/>
+              <a:rPr lang="en-US" sz="4000" dirty="0" smtClean="0"/>
               <a:t>Design the database</a:t>
             </a:r>
           </a:p>
           <a:p>
             <a:r>
-              <a:rPr lang="en-US" dirty="0" smtClean="0"/>
+              <a:rPr lang="en-US" sz="4000" dirty="0" smtClean="0"/>
               <a:t>Setup the class models</a:t>
             </a:r>
           </a:p>
           <a:p>
             <a:r>
-              <a:rPr lang="en-US" dirty="0" smtClean="0"/>
+              <a:rPr lang="en-US" sz="4000" dirty="0" smtClean="0"/>
               <a:t>Get familiar with the MVC design pattern</a:t>
             </a:r>
           </a:p>
           <a:p>
             <a:r>
-              <a:rPr lang="en-US" dirty="0" smtClean="0"/>
+              <a:rPr lang="en-US" sz="4000" dirty="0" smtClean="0"/>
               <a:t>Divide up the stories in the sprint</a:t>
             </a:r>
           </a:p>
           <a:p>
             <a:r>
-              <a:rPr lang="en-US" dirty="0" smtClean="0"/>
+              <a:rPr lang="en-US" sz="4000" dirty="0" smtClean="0"/>
               <a:t>Start coding</a:t>
             </a:r>
-            <a:endParaRPr lang="en-US" dirty="0" smtClean="0"/>
           </a:p>
           <a:p>
             <a:endParaRPr lang="en-US" dirty="0" smtClean="0"/>
@@ -4676,7 +5170,324 @@
   <p:timing>
     <p:tnLst>
       <p:par>
-        <p:cTn id="1" dur="indefinite" restart="never" nodeType="tmRoot"/>
+        <p:cTn id="1" dur="indefinite" restart="never" nodeType="tmRoot">
+          <p:childTnLst>
+            <p:seq concurrent="1" nextAc="seek">
+              <p:cTn id="2" dur="indefinite" nodeType="mainSeq">
+                <p:childTnLst>
+                  <p:par>
+                    <p:cTn id="3" fill="hold">
+                      <p:stCondLst>
+                        <p:cond delay="indefinite"/>
+                      </p:stCondLst>
+                      <p:childTnLst>
+                        <p:par>
+                          <p:cTn id="4" fill="hold">
+                            <p:stCondLst>
+                              <p:cond delay="0"/>
+                            </p:stCondLst>
+                            <p:childTnLst>
+                              <p:par>
+                                <p:cTn id="5" presetID="1" presetClass="entr" presetSubtype="0" fill="hold" nodeType="clickEffect">
+                                  <p:stCondLst>
+                                    <p:cond delay="0"/>
+                                  </p:stCondLst>
+                                  <p:childTnLst>
+                                    <p:set>
+                                      <p:cBhvr>
+                                        <p:cTn id="6" dur="1" fill="hold">
+                                          <p:stCondLst>
+                                            <p:cond delay="0"/>
+                                          </p:stCondLst>
+                                        </p:cTn>
+                                        <p:tgtEl>
+                                          <p:spTgt spid="3">
+                                            <p:txEl>
+                                              <p:pRg st="0" end="0"/>
+                                            </p:txEl>
+                                          </p:spTgt>
+                                        </p:tgtEl>
+                                        <p:attrNameLst>
+                                          <p:attrName>style.visibility</p:attrName>
+                                        </p:attrNameLst>
+                                      </p:cBhvr>
+                                      <p:to>
+                                        <p:strVal val="visible"/>
+                                      </p:to>
+                                    </p:set>
+                                  </p:childTnLst>
+                                </p:cTn>
+                              </p:par>
+                            </p:childTnLst>
+                          </p:cTn>
+                        </p:par>
+                      </p:childTnLst>
+                    </p:cTn>
+                  </p:par>
+                  <p:par>
+                    <p:cTn id="7" fill="hold">
+                      <p:stCondLst>
+                        <p:cond delay="indefinite"/>
+                      </p:stCondLst>
+                      <p:childTnLst>
+                        <p:par>
+                          <p:cTn id="8" fill="hold">
+                            <p:stCondLst>
+                              <p:cond delay="0"/>
+                            </p:stCondLst>
+                            <p:childTnLst>
+                              <p:par>
+                                <p:cTn id="9" presetID="1" presetClass="entr" presetSubtype="0" fill="hold" nodeType="clickEffect">
+                                  <p:stCondLst>
+                                    <p:cond delay="0"/>
+                                  </p:stCondLst>
+                                  <p:childTnLst>
+                                    <p:set>
+                                      <p:cBhvr>
+                                        <p:cTn id="10" dur="1" fill="hold">
+                                          <p:stCondLst>
+                                            <p:cond delay="0"/>
+                                          </p:stCondLst>
+                                        </p:cTn>
+                                        <p:tgtEl>
+                                          <p:spTgt spid="3">
+                                            <p:txEl>
+                                              <p:pRg st="1" end="1"/>
+                                            </p:txEl>
+                                          </p:spTgt>
+                                        </p:tgtEl>
+                                        <p:attrNameLst>
+                                          <p:attrName>style.visibility</p:attrName>
+                                        </p:attrNameLst>
+                                      </p:cBhvr>
+                                      <p:to>
+                                        <p:strVal val="visible"/>
+                                      </p:to>
+                                    </p:set>
+                                  </p:childTnLst>
+                                </p:cTn>
+                              </p:par>
+                            </p:childTnLst>
+                          </p:cTn>
+                        </p:par>
+                      </p:childTnLst>
+                    </p:cTn>
+                  </p:par>
+                  <p:par>
+                    <p:cTn id="11" fill="hold">
+                      <p:stCondLst>
+                        <p:cond delay="indefinite"/>
+                      </p:stCondLst>
+                      <p:childTnLst>
+                        <p:par>
+                          <p:cTn id="12" fill="hold">
+                            <p:stCondLst>
+                              <p:cond delay="0"/>
+                            </p:stCondLst>
+                            <p:childTnLst>
+                              <p:par>
+                                <p:cTn id="13" presetID="1" presetClass="entr" presetSubtype="0" fill="hold" nodeType="clickEffect">
+                                  <p:stCondLst>
+                                    <p:cond delay="0"/>
+                                  </p:stCondLst>
+                                  <p:childTnLst>
+                                    <p:set>
+                                      <p:cBhvr>
+                                        <p:cTn id="14" dur="1" fill="hold">
+                                          <p:stCondLst>
+                                            <p:cond delay="0"/>
+                                          </p:stCondLst>
+                                        </p:cTn>
+                                        <p:tgtEl>
+                                          <p:spTgt spid="3">
+                                            <p:txEl>
+                                              <p:pRg st="2" end="2"/>
+                                            </p:txEl>
+                                          </p:spTgt>
+                                        </p:tgtEl>
+                                        <p:attrNameLst>
+                                          <p:attrName>style.visibility</p:attrName>
+                                        </p:attrNameLst>
+                                      </p:cBhvr>
+                                      <p:to>
+                                        <p:strVal val="visible"/>
+                                      </p:to>
+                                    </p:set>
+                                  </p:childTnLst>
+                                </p:cTn>
+                              </p:par>
+                            </p:childTnLst>
+                          </p:cTn>
+                        </p:par>
+                      </p:childTnLst>
+                    </p:cTn>
+                  </p:par>
+                  <p:par>
+                    <p:cTn id="15" fill="hold">
+                      <p:stCondLst>
+                        <p:cond delay="indefinite"/>
+                      </p:stCondLst>
+                      <p:childTnLst>
+                        <p:par>
+                          <p:cTn id="16" fill="hold">
+                            <p:stCondLst>
+                              <p:cond delay="0"/>
+                            </p:stCondLst>
+                            <p:childTnLst>
+                              <p:par>
+                                <p:cTn id="17" presetID="1" presetClass="entr" presetSubtype="0" fill="hold" nodeType="clickEffect">
+                                  <p:stCondLst>
+                                    <p:cond delay="0"/>
+                                  </p:stCondLst>
+                                  <p:childTnLst>
+                                    <p:set>
+                                      <p:cBhvr>
+                                        <p:cTn id="18" dur="1" fill="hold">
+                                          <p:stCondLst>
+                                            <p:cond delay="0"/>
+                                          </p:stCondLst>
+                                        </p:cTn>
+                                        <p:tgtEl>
+                                          <p:spTgt spid="3">
+                                            <p:txEl>
+                                              <p:pRg st="3" end="3"/>
+                                            </p:txEl>
+                                          </p:spTgt>
+                                        </p:tgtEl>
+                                        <p:attrNameLst>
+                                          <p:attrName>style.visibility</p:attrName>
+                                        </p:attrNameLst>
+                                      </p:cBhvr>
+                                      <p:to>
+                                        <p:strVal val="visible"/>
+                                      </p:to>
+                                    </p:set>
+                                  </p:childTnLst>
+                                </p:cTn>
+                              </p:par>
+                            </p:childTnLst>
+                          </p:cTn>
+                        </p:par>
+                      </p:childTnLst>
+                    </p:cTn>
+                  </p:par>
+                  <p:par>
+                    <p:cTn id="19" fill="hold">
+                      <p:stCondLst>
+                        <p:cond delay="indefinite"/>
+                      </p:stCondLst>
+                      <p:childTnLst>
+                        <p:par>
+                          <p:cTn id="20" fill="hold">
+                            <p:stCondLst>
+                              <p:cond delay="0"/>
+                            </p:stCondLst>
+                            <p:childTnLst>
+                              <p:par>
+                                <p:cTn id="21" presetID="1" presetClass="entr" presetSubtype="0" fill="hold" nodeType="clickEffect">
+                                  <p:stCondLst>
+                                    <p:cond delay="0"/>
+                                  </p:stCondLst>
+                                  <p:childTnLst>
+                                    <p:set>
+                                      <p:cBhvr>
+                                        <p:cTn id="22" dur="1" fill="hold">
+                                          <p:stCondLst>
+                                            <p:cond delay="0"/>
+                                          </p:stCondLst>
+                                        </p:cTn>
+                                        <p:tgtEl>
+                                          <p:spTgt spid="3">
+                                            <p:txEl>
+                                              <p:pRg st="4" end="4"/>
+                                            </p:txEl>
+                                          </p:spTgt>
+                                        </p:tgtEl>
+                                        <p:attrNameLst>
+                                          <p:attrName>style.visibility</p:attrName>
+                                        </p:attrNameLst>
+                                      </p:cBhvr>
+                                      <p:to>
+                                        <p:strVal val="visible"/>
+                                      </p:to>
+                                    </p:set>
+                                  </p:childTnLst>
+                                </p:cTn>
+                              </p:par>
+                            </p:childTnLst>
+                          </p:cTn>
+                        </p:par>
+                      </p:childTnLst>
+                    </p:cTn>
+                  </p:par>
+                  <p:par>
+                    <p:cTn id="23" fill="hold">
+                      <p:stCondLst>
+                        <p:cond delay="indefinite"/>
+                      </p:stCondLst>
+                      <p:childTnLst>
+                        <p:par>
+                          <p:cTn id="24" fill="hold">
+                            <p:stCondLst>
+                              <p:cond delay="0"/>
+                            </p:stCondLst>
+                            <p:childTnLst>
+                              <p:par>
+                                <p:cTn id="25" presetID="1" presetClass="entr" presetSubtype="0" fill="hold" nodeType="clickEffect">
+                                  <p:stCondLst>
+                                    <p:cond delay="0"/>
+                                  </p:stCondLst>
+                                  <p:childTnLst>
+                                    <p:set>
+                                      <p:cBhvr>
+                                        <p:cTn id="26" dur="1" fill="hold">
+                                          <p:stCondLst>
+                                            <p:cond delay="0"/>
+                                          </p:stCondLst>
+                                        </p:cTn>
+                                        <p:tgtEl>
+                                          <p:spTgt spid="3">
+                                            <p:txEl>
+                                              <p:pRg st="5" end="5"/>
+                                            </p:txEl>
+                                          </p:spTgt>
+                                        </p:tgtEl>
+                                        <p:attrNameLst>
+                                          <p:attrName>style.visibility</p:attrName>
+                                        </p:attrNameLst>
+                                      </p:cBhvr>
+                                      <p:to>
+                                        <p:strVal val="visible"/>
+                                      </p:to>
+                                    </p:set>
+                                  </p:childTnLst>
+                                </p:cTn>
+                              </p:par>
+                            </p:childTnLst>
+                          </p:cTn>
+                        </p:par>
+                      </p:childTnLst>
+                    </p:cTn>
+                  </p:par>
+                </p:childTnLst>
+              </p:cTn>
+              <p:prevCondLst>
+                <p:cond evt="onPrev" delay="0">
+                  <p:tgtEl>
+                    <p:sldTgt/>
+                  </p:tgtEl>
+                </p:cond>
+              </p:prevCondLst>
+              <p:nextCondLst>
+                <p:cond evt="onNext" delay="0">
+                  <p:tgtEl>
+                    <p:sldTgt/>
+                  </p:tgtEl>
+                </p:cond>
+              </p:nextCondLst>
+            </p:seq>
+          </p:childTnLst>
+        </p:cTn>
       </p:par>
     </p:tnLst>
   </p:timing>
@@ -4716,34 +5527,33 @@
           <a:lstStyle/>
           <a:p>
             <a:r>
-              <a:rPr lang="en-US" dirty="0" smtClean="0"/>
+              <a:rPr lang="en-US" sz="4000" dirty="0" smtClean="0"/>
               <a:t>Constant Check-ins</a:t>
             </a:r>
           </a:p>
           <a:p>
             <a:r>
-              <a:rPr lang="en-US" dirty="0" smtClean="0"/>
+              <a:rPr lang="en-US" sz="4000" dirty="0" smtClean="0"/>
               <a:t>GitHub – Revision Control</a:t>
             </a:r>
           </a:p>
           <a:p>
             <a:r>
-              <a:rPr lang="en-US" dirty="0" smtClean="0"/>
+              <a:rPr lang="en-US" sz="4000" dirty="0" smtClean="0"/>
               <a:t>Proper MVC coding</a:t>
             </a:r>
           </a:p>
           <a:p>
             <a:r>
-              <a:rPr lang="en-US" dirty="0" smtClean="0"/>
+              <a:rPr lang="en-US" sz="4000" dirty="0" smtClean="0"/>
               <a:t>Eclipse IDE</a:t>
             </a:r>
           </a:p>
           <a:p>
             <a:r>
-              <a:rPr lang="en-US" dirty="0" smtClean="0"/>
+              <a:rPr lang="en-US" sz="4000" dirty="0" smtClean="0"/>
               <a:t>Assumptions</a:t>
             </a:r>
-            <a:endParaRPr lang="en-US" dirty="0" smtClean="0"/>
           </a:p>
           <a:p>
             <a:endParaRPr lang="en-US" dirty="0"/>
@@ -4798,7 +5608,275 @@
   <p:timing>
     <p:tnLst>
       <p:par>
-        <p:cTn id="1" dur="indefinite" restart="never" nodeType="tmRoot"/>
+        <p:cTn id="1" dur="indefinite" restart="never" nodeType="tmRoot">
+          <p:childTnLst>
+            <p:seq concurrent="1" nextAc="seek">
+              <p:cTn id="2" dur="indefinite" nodeType="mainSeq">
+                <p:childTnLst>
+                  <p:par>
+                    <p:cTn id="3" fill="hold">
+                      <p:stCondLst>
+                        <p:cond delay="indefinite"/>
+                      </p:stCondLst>
+                      <p:childTnLst>
+                        <p:par>
+                          <p:cTn id="4" fill="hold">
+                            <p:stCondLst>
+                              <p:cond delay="0"/>
+                            </p:stCondLst>
+                            <p:childTnLst>
+                              <p:par>
+                                <p:cTn id="5" presetID="1" presetClass="entr" presetSubtype="0" fill="hold" nodeType="clickEffect">
+                                  <p:stCondLst>
+                                    <p:cond delay="0"/>
+                                  </p:stCondLst>
+                                  <p:childTnLst>
+                                    <p:set>
+                                      <p:cBhvr>
+                                        <p:cTn id="6" dur="1" fill="hold">
+                                          <p:stCondLst>
+                                            <p:cond delay="0"/>
+                                          </p:stCondLst>
+                                        </p:cTn>
+                                        <p:tgtEl>
+                                          <p:spTgt spid="3">
+                                            <p:txEl>
+                                              <p:pRg st="0" end="0"/>
+                                            </p:txEl>
+                                          </p:spTgt>
+                                        </p:tgtEl>
+                                        <p:attrNameLst>
+                                          <p:attrName>style.visibility</p:attrName>
+                                        </p:attrNameLst>
+                                      </p:cBhvr>
+                                      <p:to>
+                                        <p:strVal val="visible"/>
+                                      </p:to>
+                                    </p:set>
+                                  </p:childTnLst>
+                                </p:cTn>
+                              </p:par>
+                            </p:childTnLst>
+                          </p:cTn>
+                        </p:par>
+                      </p:childTnLst>
+                    </p:cTn>
+                  </p:par>
+                  <p:par>
+                    <p:cTn id="7" fill="hold">
+                      <p:stCondLst>
+                        <p:cond delay="indefinite"/>
+                      </p:stCondLst>
+                      <p:childTnLst>
+                        <p:par>
+                          <p:cTn id="8" fill="hold">
+                            <p:stCondLst>
+                              <p:cond delay="0"/>
+                            </p:stCondLst>
+                            <p:childTnLst>
+                              <p:par>
+                                <p:cTn id="9" presetID="1" presetClass="entr" presetSubtype="0" fill="hold" nodeType="clickEffect">
+                                  <p:stCondLst>
+                                    <p:cond delay="0"/>
+                                  </p:stCondLst>
+                                  <p:childTnLst>
+                                    <p:set>
+                                      <p:cBhvr>
+                                        <p:cTn id="10" dur="1" fill="hold">
+                                          <p:stCondLst>
+                                            <p:cond delay="0"/>
+                                          </p:stCondLst>
+                                        </p:cTn>
+                                        <p:tgtEl>
+                                          <p:spTgt spid="3">
+                                            <p:txEl>
+                                              <p:pRg st="1" end="1"/>
+                                            </p:txEl>
+                                          </p:spTgt>
+                                        </p:tgtEl>
+                                        <p:attrNameLst>
+                                          <p:attrName>style.visibility</p:attrName>
+                                        </p:attrNameLst>
+                                      </p:cBhvr>
+                                      <p:to>
+                                        <p:strVal val="visible"/>
+                                      </p:to>
+                                    </p:set>
+                                  </p:childTnLst>
+                                </p:cTn>
+                              </p:par>
+                            </p:childTnLst>
+                          </p:cTn>
+                        </p:par>
+                      </p:childTnLst>
+                    </p:cTn>
+                  </p:par>
+                  <p:par>
+                    <p:cTn id="11" fill="hold">
+                      <p:stCondLst>
+                        <p:cond delay="indefinite"/>
+                      </p:stCondLst>
+                      <p:childTnLst>
+                        <p:par>
+                          <p:cTn id="12" fill="hold">
+                            <p:stCondLst>
+                              <p:cond delay="0"/>
+                            </p:stCondLst>
+                            <p:childTnLst>
+                              <p:par>
+                                <p:cTn id="13" presetID="1" presetClass="entr" presetSubtype="0" fill="hold" nodeType="clickEffect">
+                                  <p:stCondLst>
+                                    <p:cond delay="0"/>
+                                  </p:stCondLst>
+                                  <p:childTnLst>
+                                    <p:set>
+                                      <p:cBhvr>
+                                        <p:cTn id="14" dur="1" fill="hold">
+                                          <p:stCondLst>
+                                            <p:cond delay="0"/>
+                                          </p:stCondLst>
+                                        </p:cTn>
+                                        <p:tgtEl>
+                                          <p:spTgt spid="3">
+                                            <p:txEl>
+                                              <p:pRg st="2" end="2"/>
+                                            </p:txEl>
+                                          </p:spTgt>
+                                        </p:tgtEl>
+                                        <p:attrNameLst>
+                                          <p:attrName>style.visibility</p:attrName>
+                                        </p:attrNameLst>
+                                      </p:cBhvr>
+                                      <p:to>
+                                        <p:strVal val="visible"/>
+                                      </p:to>
+                                    </p:set>
+                                  </p:childTnLst>
+                                </p:cTn>
+                              </p:par>
+                            </p:childTnLst>
+                          </p:cTn>
+                        </p:par>
+                      </p:childTnLst>
+                    </p:cTn>
+                  </p:par>
+                  <p:par>
+                    <p:cTn id="15" fill="hold">
+                      <p:stCondLst>
+                        <p:cond delay="indefinite"/>
+                      </p:stCondLst>
+                      <p:childTnLst>
+                        <p:par>
+                          <p:cTn id="16" fill="hold">
+                            <p:stCondLst>
+                              <p:cond delay="0"/>
+                            </p:stCondLst>
+                            <p:childTnLst>
+                              <p:par>
+                                <p:cTn id="17" presetID="1" presetClass="entr" presetSubtype="0" fill="hold" nodeType="clickEffect">
+                                  <p:stCondLst>
+                                    <p:cond delay="0"/>
+                                  </p:stCondLst>
+                                  <p:childTnLst>
+                                    <p:set>
+                                      <p:cBhvr>
+                                        <p:cTn id="18" dur="1" fill="hold">
+                                          <p:stCondLst>
+                                            <p:cond delay="0"/>
+                                          </p:stCondLst>
+                                        </p:cTn>
+                                        <p:tgtEl>
+                                          <p:spTgt spid="3">
+                                            <p:txEl>
+                                              <p:pRg st="3" end="3"/>
+                                            </p:txEl>
+                                          </p:spTgt>
+                                        </p:tgtEl>
+                                        <p:attrNameLst>
+                                          <p:attrName>style.visibility</p:attrName>
+                                        </p:attrNameLst>
+                                      </p:cBhvr>
+                                      <p:to>
+                                        <p:strVal val="visible"/>
+                                      </p:to>
+                                    </p:set>
+                                  </p:childTnLst>
+                                </p:cTn>
+                              </p:par>
+                            </p:childTnLst>
+                          </p:cTn>
+                        </p:par>
+                      </p:childTnLst>
+                    </p:cTn>
+                  </p:par>
+                  <p:par>
+                    <p:cTn id="19" fill="hold">
+                      <p:stCondLst>
+                        <p:cond delay="indefinite"/>
+                      </p:stCondLst>
+                      <p:childTnLst>
+                        <p:par>
+                          <p:cTn id="20" fill="hold">
+                            <p:stCondLst>
+                              <p:cond delay="0"/>
+                            </p:stCondLst>
+                            <p:childTnLst>
+                              <p:par>
+                                <p:cTn id="21" presetID="1" presetClass="entr" presetSubtype="0" fill="hold" nodeType="clickEffect">
+                                  <p:stCondLst>
+                                    <p:cond delay="0"/>
+                                  </p:stCondLst>
+                                  <p:childTnLst>
+                                    <p:set>
+                                      <p:cBhvr>
+                                        <p:cTn id="22" dur="1" fill="hold">
+                                          <p:stCondLst>
+                                            <p:cond delay="0"/>
+                                          </p:stCondLst>
+                                        </p:cTn>
+                                        <p:tgtEl>
+                                          <p:spTgt spid="3">
+                                            <p:txEl>
+                                              <p:pRg st="4" end="4"/>
+                                            </p:txEl>
+                                          </p:spTgt>
+                                        </p:tgtEl>
+                                        <p:attrNameLst>
+                                          <p:attrName>style.visibility</p:attrName>
+                                        </p:attrNameLst>
+                                      </p:cBhvr>
+                                      <p:to>
+                                        <p:strVal val="visible"/>
+                                      </p:to>
+                                    </p:set>
+                                  </p:childTnLst>
+                                </p:cTn>
+                              </p:par>
+                            </p:childTnLst>
+                          </p:cTn>
+                        </p:par>
+                      </p:childTnLst>
+                    </p:cTn>
+                  </p:par>
+                </p:childTnLst>
+              </p:cTn>
+              <p:prevCondLst>
+                <p:cond evt="onPrev" delay="0">
+                  <p:tgtEl>
+                    <p:sldTgt/>
+                  </p:tgtEl>
+                </p:cond>
+              </p:prevCondLst>
+              <p:nextCondLst>
+                <p:cond evt="onNext" delay="0">
+                  <p:tgtEl>
+                    <p:sldTgt/>
+                  </p:tgtEl>
+                </p:cond>
+              </p:nextCondLst>
+            </p:seq>
+          </p:childTnLst>
+        </p:cTn>
       </p:par>
     </p:tnLst>
   </p:timing>
@@ -4838,51 +5916,58 @@
           <a:lstStyle/>
           <a:p>
             <a:r>
-              <a:rPr lang="en-US" dirty="0" smtClean="0"/>
-              <a:t>Stories Completed</a:t>
-            </a:r>
-          </a:p>
+              <a:rPr lang="en-US" sz="4000" dirty="0" smtClean="0"/>
+              <a:t>Completed Functionality</a:t>
+            </a:r>
+            <a:endParaRPr lang="en-US" sz="4000" dirty="0" smtClean="0"/>
+          </a:p>
+          <a:p>
+            <a:r>
+              <a:rPr lang="en-US" sz="4000" dirty="0" smtClean="0"/>
+              <a:t>Functional Overview</a:t>
+            </a:r>
+            <a:endParaRPr lang="en-US" sz="4000" dirty="0" smtClean="0"/>
+          </a:p>
+          <a:p>
+            <a:r>
+              <a:rPr lang="en-US" sz="4000" dirty="0" smtClean="0"/>
+              <a:t>Approach</a:t>
+            </a:r>
+            <a:endParaRPr lang="en-US" sz="4000" dirty="0" smtClean="0"/>
+          </a:p>
+          <a:p>
+            <a:r>
+              <a:rPr lang="en-US" sz="4000" dirty="0" smtClean="0"/>
+              <a:t>Challenges </a:t>
+            </a:r>
+            <a:r>
+              <a:rPr lang="en-US" sz="4000" dirty="0" smtClean="0"/>
+              <a:t>/ Lessons Learned</a:t>
+            </a:r>
+          </a:p>
+          <a:p>
+            <a:endParaRPr lang="en-US" dirty="0" smtClean="0"/>
+          </a:p>
+        </p:txBody>
+      </p:sp>
+      <p:sp>
+        <p:nvSpPr>
+          <p:cNvPr id="2" name="Title 1"/>
+          <p:cNvSpPr>
+            <a:spLocks noGrp="1"/>
+          </p:cNvSpPr>
+          <p:nvPr>
+            <p:ph type="title"/>
+          </p:nvPr>
+        </p:nvSpPr>
+        <p:spPr/>
+        <p:txBody>
+          <a:bodyPr/>
+          <a:lstStyle/>
           <a:p>
             <a:r>
               <a:rPr lang="en-US" dirty="0" smtClean="0"/>
               <a:t>Overview</a:t>
-            </a:r>
-          </a:p>
-          <a:p>
-            <a:r>
-              <a:rPr lang="en-US" dirty="0" smtClean="0"/>
-              <a:t>Approach</a:t>
-            </a:r>
-          </a:p>
-          <a:p>
-            <a:r>
-              <a:rPr lang="en-US" dirty="0" smtClean="0"/>
-              <a:t>Challenges / Lessons Learned</a:t>
-            </a:r>
-          </a:p>
-          <a:p>
-            <a:endParaRPr lang="en-US" dirty="0" smtClean="0"/>
-          </a:p>
-        </p:txBody>
-      </p:sp>
-      <p:sp>
-        <p:nvSpPr>
-          <p:cNvPr id="2" name="Title 1"/>
-          <p:cNvSpPr>
-            <a:spLocks noGrp="1"/>
-          </p:cNvSpPr>
-          <p:nvPr>
-            <p:ph type="title"/>
-          </p:nvPr>
-        </p:nvSpPr>
-        <p:spPr/>
-        <p:txBody>
-          <a:bodyPr/>
-          <a:lstStyle/>
-          <a:p>
-            <a:r>
-              <a:rPr lang="en-US" dirty="0" smtClean="0"/>
-              <a:t>Agenda</a:t>
             </a:r>
             <a:endParaRPr lang="en-US" dirty="0"/>
           </a:p>
@@ -4913,7 +5998,229 @@
   <p:timing>
     <p:tnLst>
       <p:par>
-        <p:cTn id="1" dur="indefinite" restart="never" nodeType="tmRoot"/>
+        <p:cTn id="1" dur="indefinite" restart="never" nodeType="tmRoot">
+          <p:childTnLst>
+            <p:seq concurrent="1" nextAc="seek">
+              <p:cTn id="2" dur="indefinite" nodeType="mainSeq">
+                <p:childTnLst>
+                  <p:par>
+                    <p:cTn id="3" fill="hold">
+                      <p:stCondLst>
+                        <p:cond delay="indefinite"/>
+                      </p:stCondLst>
+                      <p:childTnLst>
+                        <p:par>
+                          <p:cTn id="4" fill="hold">
+                            <p:stCondLst>
+                              <p:cond delay="0"/>
+                            </p:stCondLst>
+                            <p:childTnLst>
+                              <p:par>
+                                <p:cTn id="5" presetID="1" presetClass="entr" presetSubtype="0" fill="hold" nodeType="clickEffect">
+                                  <p:stCondLst>
+                                    <p:cond delay="0"/>
+                                  </p:stCondLst>
+                                  <p:iterate type="lt">
+                                    <p:tmAbs val="0"/>
+                                  </p:iterate>
+                                  <p:childTnLst>
+                                    <p:set>
+                                      <p:cBhvr>
+                                        <p:cTn id="6" dur="1" fill="hold">
+                                          <p:stCondLst>
+                                            <p:cond delay="0"/>
+                                          </p:stCondLst>
+                                        </p:cTn>
+                                        <p:tgtEl>
+                                          <p:spTgt spid="3">
+                                            <p:txEl>
+                                              <p:pRg st="0" end="0"/>
+                                            </p:txEl>
+                                          </p:spTgt>
+                                        </p:tgtEl>
+                                        <p:attrNameLst>
+                                          <p:attrName>style.visibility</p:attrName>
+                                        </p:attrNameLst>
+                                      </p:cBhvr>
+                                      <p:to>
+                                        <p:strVal val="visible"/>
+                                      </p:to>
+                                    </p:set>
+                                  </p:childTnLst>
+                                </p:cTn>
+                              </p:par>
+                            </p:childTnLst>
+                          </p:cTn>
+                        </p:par>
+                      </p:childTnLst>
+                    </p:cTn>
+                  </p:par>
+                  <p:par>
+                    <p:cTn id="7" fill="hold">
+                      <p:stCondLst>
+                        <p:cond delay="indefinite"/>
+                      </p:stCondLst>
+                      <p:childTnLst>
+                        <p:par>
+                          <p:cTn id="8" fill="hold">
+                            <p:stCondLst>
+                              <p:cond delay="0"/>
+                            </p:stCondLst>
+                            <p:childTnLst>
+                              <p:par>
+                                <p:cTn id="9" presetID="1" presetClass="entr" presetSubtype="0" fill="hold" nodeType="clickEffect">
+                                  <p:stCondLst>
+                                    <p:cond delay="0"/>
+                                  </p:stCondLst>
+                                  <p:childTnLst>
+                                    <p:set>
+                                      <p:cBhvr>
+                                        <p:cTn id="10" dur="1" fill="hold">
+                                          <p:stCondLst>
+                                            <p:cond delay="0"/>
+                                          </p:stCondLst>
+                                        </p:cTn>
+                                        <p:tgtEl>
+                                          <p:spTgt spid="3">
+                                            <p:txEl>
+                                              <p:pRg st="1" end="1"/>
+                                            </p:txEl>
+                                          </p:spTgt>
+                                        </p:tgtEl>
+                                        <p:attrNameLst>
+                                          <p:attrName>style.visibility</p:attrName>
+                                        </p:attrNameLst>
+                                      </p:cBhvr>
+                                      <p:to>
+                                        <p:strVal val="visible"/>
+                                      </p:to>
+                                    </p:set>
+                                  </p:childTnLst>
+                                </p:cTn>
+                              </p:par>
+                            </p:childTnLst>
+                          </p:cTn>
+                        </p:par>
+                      </p:childTnLst>
+                    </p:cTn>
+                  </p:par>
+                  <p:par>
+                    <p:cTn id="11" fill="hold">
+                      <p:stCondLst>
+                        <p:cond delay="indefinite"/>
+                      </p:stCondLst>
+                      <p:childTnLst>
+                        <p:par>
+                          <p:cTn id="12" fill="hold">
+                            <p:stCondLst>
+                              <p:cond delay="0"/>
+                            </p:stCondLst>
+                            <p:childTnLst>
+                              <p:par>
+                                <p:cTn id="13" presetID="1" presetClass="entr" presetSubtype="0" fill="hold" nodeType="clickEffect">
+                                  <p:stCondLst>
+                                    <p:cond delay="0"/>
+                                  </p:stCondLst>
+                                  <p:childTnLst>
+                                    <p:set>
+                                      <p:cBhvr>
+                                        <p:cTn id="14" dur="1" fill="hold">
+                                          <p:stCondLst>
+                                            <p:cond delay="0"/>
+                                          </p:stCondLst>
+                                        </p:cTn>
+                                        <p:tgtEl>
+                                          <p:spTgt spid="3">
+                                            <p:txEl>
+                                              <p:pRg st="2" end="2"/>
+                                            </p:txEl>
+                                          </p:spTgt>
+                                        </p:tgtEl>
+                                        <p:attrNameLst>
+                                          <p:attrName>style.visibility</p:attrName>
+                                        </p:attrNameLst>
+                                      </p:cBhvr>
+                                      <p:to>
+                                        <p:strVal val="visible"/>
+                                      </p:to>
+                                    </p:set>
+                                  </p:childTnLst>
+                                </p:cTn>
+                              </p:par>
+                            </p:childTnLst>
+                          </p:cTn>
+                        </p:par>
+                      </p:childTnLst>
+                    </p:cTn>
+                  </p:par>
+                  <p:par>
+                    <p:cTn id="15" fill="hold">
+                      <p:stCondLst>
+                        <p:cond delay="indefinite"/>
+                      </p:stCondLst>
+                      <p:childTnLst>
+                        <p:par>
+                          <p:cTn id="16" fill="hold">
+                            <p:stCondLst>
+                              <p:cond delay="0"/>
+                            </p:stCondLst>
+                            <p:childTnLst>
+                              <p:par>
+                                <p:cTn id="17" presetID="1" presetClass="entr" presetSubtype="0" fill="hold" nodeType="clickEffect">
+                                  <p:stCondLst>
+                                    <p:cond delay="0"/>
+                                  </p:stCondLst>
+                                  <p:childTnLst>
+                                    <p:set>
+                                      <p:cBhvr>
+                                        <p:cTn id="18" dur="1" fill="hold">
+                                          <p:stCondLst>
+                                            <p:cond delay="0"/>
+                                          </p:stCondLst>
+                                        </p:cTn>
+                                        <p:tgtEl>
+                                          <p:spTgt spid="3">
+                                            <p:txEl>
+                                              <p:pRg st="3" end="3"/>
+                                            </p:txEl>
+                                          </p:spTgt>
+                                        </p:tgtEl>
+                                        <p:attrNameLst>
+                                          <p:attrName>style.visibility</p:attrName>
+                                        </p:attrNameLst>
+                                      </p:cBhvr>
+                                      <p:to>
+                                        <p:strVal val="visible"/>
+                                      </p:to>
+                                    </p:set>
+                                  </p:childTnLst>
+                                </p:cTn>
+                              </p:par>
+                            </p:childTnLst>
+                          </p:cTn>
+                        </p:par>
+                      </p:childTnLst>
+                    </p:cTn>
+                  </p:par>
+                </p:childTnLst>
+              </p:cTn>
+              <p:prevCondLst>
+                <p:cond evt="onPrev" delay="0">
+                  <p:tgtEl>
+                    <p:sldTgt/>
+                  </p:tgtEl>
+                </p:cond>
+              </p:prevCondLst>
+              <p:nextCondLst>
+                <p:cond evt="onNext" delay="0">
+                  <p:tgtEl>
+                    <p:sldTgt/>
+                  </p:tgtEl>
+                </p:cond>
+              </p:nextCondLst>
+            </p:seq>
+          </p:childTnLst>
+        </p:cTn>
       </p:par>
     </p:tnLst>
   </p:timing>
@@ -4949,115 +6256,102 @@
         </p:nvSpPr>
         <p:spPr/>
         <p:txBody>
+          <a:bodyPr>
+            <a:normAutofit fontScale="92500" lnSpcReduction="10000"/>
+          </a:bodyPr>
+          <a:lstStyle/>
+          <a:p>
+            <a:r>
+              <a:rPr lang="en-US" sz="4000" b="1" dirty="0" smtClean="0"/>
+              <a:t>Base Functionality</a:t>
+            </a:r>
+            <a:endParaRPr lang="en-US" sz="4000" b="1" dirty="0" smtClean="0"/>
+          </a:p>
+          <a:p>
+            <a:pPr lvl="1"/>
+            <a:r>
+              <a:rPr lang="en-US" sz="3200" b="1" dirty="0" smtClean="0"/>
+              <a:t>Admin Set-up</a:t>
+            </a:r>
+          </a:p>
+          <a:p>
+            <a:pPr lvl="1"/>
+            <a:r>
+              <a:rPr lang="en-US" sz="3200" b="1" dirty="0" smtClean="0"/>
+              <a:t>User </a:t>
+            </a:r>
+            <a:r>
+              <a:rPr lang="en-US" sz="3200" b="1" dirty="0"/>
+              <a:t>Taking Test </a:t>
+            </a:r>
+            <a:endParaRPr lang="en-US" sz="3200" b="1" dirty="0" smtClean="0"/>
+          </a:p>
+          <a:p>
+            <a:r>
+              <a:rPr lang="en-US" sz="4000" b="1" dirty="0" smtClean="0"/>
+              <a:t>Side Stories</a:t>
+            </a:r>
+          </a:p>
+          <a:p>
+            <a:pPr lvl="1"/>
+            <a:r>
+              <a:rPr lang="en-US" sz="3200" b="1" dirty="0"/>
+              <a:t>Basic Result Reporting </a:t>
+            </a:r>
+            <a:endParaRPr lang="en-US" sz="3200" b="1" dirty="0" smtClean="0"/>
+          </a:p>
+          <a:p>
+            <a:pPr lvl="1"/>
+            <a:r>
+              <a:rPr lang="en-US" sz="3200" b="1" dirty="0" smtClean="0"/>
+              <a:t>Progress Meter</a:t>
+            </a:r>
+          </a:p>
+          <a:p>
+            <a:pPr lvl="1"/>
+            <a:r>
+              <a:rPr lang="en-US" sz="3200" b="1" dirty="0" smtClean="0"/>
+              <a:t>Custom Comparison with Images</a:t>
+            </a:r>
+          </a:p>
+          <a:p>
+            <a:pPr lvl="1"/>
+            <a:r>
+              <a:rPr lang="en-US" sz="3200" b="1" dirty="0" smtClean="0"/>
+              <a:t>User Tracking</a:t>
+            </a:r>
+          </a:p>
+          <a:p>
+            <a:pPr lvl="2"/>
+            <a:endParaRPr lang="en-US" b="1" dirty="0" smtClean="0"/>
+          </a:p>
+          <a:p>
+            <a:pPr lvl="2"/>
+            <a:endParaRPr lang="en-US" dirty="0" smtClean="0"/>
+          </a:p>
+          <a:p>
+            <a:endParaRPr lang="en-US" dirty="0"/>
+          </a:p>
+        </p:txBody>
+      </p:sp>
+      <p:sp>
+        <p:nvSpPr>
+          <p:cNvPr id="2" name="Title 1"/>
+          <p:cNvSpPr>
+            <a:spLocks noGrp="1"/>
+          </p:cNvSpPr>
+          <p:nvPr>
+            <p:ph type="title"/>
+          </p:nvPr>
+        </p:nvSpPr>
+        <p:spPr/>
+        <p:txBody>
           <a:bodyPr/>
           <a:lstStyle/>
           <a:p>
             <a:r>
-              <a:rPr lang="en-US" b="1" dirty="0" smtClean="0"/>
-              <a:t>Foundation </a:t>
-            </a:r>
-            <a:r>
-              <a:rPr lang="en-US" b="1" dirty="0" smtClean="0"/>
-              <a:t>stories</a:t>
-            </a:r>
-          </a:p>
-          <a:p>
-            <a:pPr lvl="1"/>
-            <a:r>
-              <a:rPr lang="en-US" b="1" dirty="0" smtClean="0"/>
-              <a:t>Admin Set-up</a:t>
-            </a:r>
-          </a:p>
-          <a:p>
-            <a:pPr lvl="1"/>
-            <a:r>
-              <a:rPr lang="en-US" b="1" dirty="0" smtClean="0"/>
-              <a:t>User </a:t>
-            </a:r>
-            <a:r>
-              <a:rPr lang="en-US" b="1" dirty="0"/>
-              <a:t>Taking Test </a:t>
-            </a:r>
-            <a:endParaRPr lang="en-US" b="1" dirty="0" smtClean="0"/>
-          </a:p>
-          <a:p>
-            <a:r>
-              <a:rPr lang="en-US" b="1" dirty="0" smtClean="0"/>
-              <a:t>Side </a:t>
-            </a:r>
-            <a:r>
-              <a:rPr lang="en-US" b="1" dirty="0" smtClean="0"/>
-              <a:t>Stories</a:t>
-            </a:r>
-          </a:p>
-          <a:p>
-            <a:pPr lvl="1"/>
-            <a:r>
-              <a:rPr lang="en-US" b="1" dirty="0"/>
-              <a:t>Basic Result Reporting </a:t>
-            </a:r>
-            <a:endParaRPr lang="en-US" b="1" dirty="0" smtClean="0"/>
-          </a:p>
-          <a:p>
-            <a:pPr lvl="1"/>
-            <a:r>
-              <a:rPr lang="en-US" b="1" dirty="0" smtClean="0"/>
-              <a:t>Progress Meter</a:t>
-            </a:r>
-          </a:p>
-          <a:p>
-            <a:pPr lvl="1"/>
-            <a:r>
-              <a:rPr lang="en-US" b="1" dirty="0" smtClean="0"/>
-              <a:t>Custom Comparison with Images</a:t>
-            </a:r>
-          </a:p>
-          <a:p>
-            <a:pPr lvl="1"/>
-            <a:r>
-              <a:rPr lang="en-US" b="1" dirty="0" smtClean="0"/>
-              <a:t>User Tracking</a:t>
-            </a:r>
-          </a:p>
-          <a:p>
-            <a:pPr lvl="2"/>
-            <a:endParaRPr lang="en-US" b="1" dirty="0" smtClean="0"/>
-          </a:p>
-          <a:p>
-            <a:pPr lvl="2"/>
-            <a:endParaRPr lang="en-US" dirty="0" smtClean="0"/>
-          </a:p>
-          <a:p>
-            <a:endParaRPr lang="en-US" dirty="0"/>
-          </a:p>
-        </p:txBody>
-      </p:sp>
-      <p:sp>
-        <p:nvSpPr>
-          <p:cNvPr id="2" name="Title 1"/>
-          <p:cNvSpPr>
-            <a:spLocks noGrp="1"/>
-          </p:cNvSpPr>
-          <p:nvPr>
-            <p:ph type="title"/>
-          </p:nvPr>
-        </p:nvSpPr>
-        <p:spPr/>
-        <p:txBody>
-          <a:bodyPr/>
-          <a:lstStyle/>
-          <a:p>
-            <a:r>
               <a:rPr lang="en-US" dirty="0" smtClean="0"/>
-              <a:t>Stories </a:t>
-            </a:r>
-            <a:r>
-              <a:rPr lang="en-US" dirty="0" smtClean="0"/>
-              <a:t>Completed – N-</a:t>
-            </a:r>
-            <a:r>
-              <a:rPr lang="en-US" dirty="0" err="1" smtClean="0"/>
-              <a:t>ItemSort</a:t>
+              <a:t>Completed Functionality</a:t>
             </a:r>
             <a:endParaRPr lang="en-US" dirty="0"/>
           </a:p>
@@ -5088,7 +6382,386 @@
   <p:timing>
     <p:tnLst>
       <p:par>
-        <p:cTn id="1" dur="indefinite" restart="never" nodeType="tmRoot"/>
+        <p:cTn id="1" dur="indefinite" restart="never" nodeType="tmRoot">
+          <p:childTnLst>
+            <p:seq concurrent="1" nextAc="seek">
+              <p:cTn id="2" dur="indefinite" nodeType="mainSeq">
+                <p:childTnLst>
+                  <p:par>
+                    <p:cTn id="3" fill="hold">
+                      <p:stCondLst>
+                        <p:cond delay="indefinite"/>
+                      </p:stCondLst>
+                      <p:childTnLst>
+                        <p:par>
+                          <p:cTn id="4" fill="hold">
+                            <p:stCondLst>
+                              <p:cond delay="0"/>
+                            </p:stCondLst>
+                            <p:childTnLst>
+                              <p:par>
+                                <p:cTn id="5" presetID="1" presetClass="entr" presetSubtype="0" fill="hold" nodeType="clickEffect">
+                                  <p:stCondLst>
+                                    <p:cond delay="0"/>
+                                  </p:stCondLst>
+                                  <p:childTnLst>
+                                    <p:set>
+                                      <p:cBhvr>
+                                        <p:cTn id="6" dur="1" fill="hold">
+                                          <p:stCondLst>
+                                            <p:cond delay="0"/>
+                                          </p:stCondLst>
+                                        </p:cTn>
+                                        <p:tgtEl>
+                                          <p:spTgt spid="3">
+                                            <p:txEl>
+                                              <p:pRg st="0" end="0"/>
+                                            </p:txEl>
+                                          </p:spTgt>
+                                        </p:tgtEl>
+                                        <p:attrNameLst>
+                                          <p:attrName>style.visibility</p:attrName>
+                                        </p:attrNameLst>
+                                      </p:cBhvr>
+                                      <p:to>
+                                        <p:strVal val="visible"/>
+                                      </p:to>
+                                    </p:set>
+                                  </p:childTnLst>
+                                </p:cTn>
+                              </p:par>
+                              <p:par>
+                                <p:cTn id="7" presetID="1" presetClass="entr" presetSubtype="0" fill="hold" nodeType="withEffect">
+                                  <p:stCondLst>
+                                    <p:cond delay="0"/>
+                                  </p:stCondLst>
+                                  <p:childTnLst>
+                                    <p:set>
+                                      <p:cBhvr>
+                                        <p:cTn id="8" dur="1" fill="hold">
+                                          <p:stCondLst>
+                                            <p:cond delay="0"/>
+                                          </p:stCondLst>
+                                        </p:cTn>
+                                        <p:tgtEl>
+                                          <p:spTgt spid="3">
+                                            <p:txEl>
+                                              <p:pRg st="3" end="3"/>
+                                            </p:txEl>
+                                          </p:spTgt>
+                                        </p:tgtEl>
+                                        <p:attrNameLst>
+                                          <p:attrName>style.visibility</p:attrName>
+                                        </p:attrNameLst>
+                                      </p:cBhvr>
+                                      <p:to>
+                                        <p:strVal val="visible"/>
+                                      </p:to>
+                                    </p:set>
+                                  </p:childTnLst>
+                                </p:cTn>
+                              </p:par>
+                            </p:childTnLst>
+                          </p:cTn>
+                        </p:par>
+                      </p:childTnLst>
+                    </p:cTn>
+                  </p:par>
+                  <p:par>
+                    <p:cTn id="9" fill="hold">
+                      <p:stCondLst>
+                        <p:cond delay="indefinite"/>
+                      </p:stCondLst>
+                      <p:childTnLst>
+                        <p:par>
+                          <p:cTn id="10" fill="hold">
+                            <p:stCondLst>
+                              <p:cond delay="0"/>
+                            </p:stCondLst>
+                            <p:childTnLst>
+                              <p:par>
+                                <p:cTn id="11" presetID="1" presetClass="entr" presetSubtype="0" fill="hold" nodeType="clickEffect">
+                                  <p:stCondLst>
+                                    <p:cond delay="0"/>
+                                  </p:stCondLst>
+                                  <p:childTnLst>
+                                    <p:set>
+                                      <p:cBhvr>
+                                        <p:cTn id="12" dur="1" fill="hold">
+                                          <p:stCondLst>
+                                            <p:cond delay="0"/>
+                                          </p:stCondLst>
+                                        </p:cTn>
+                                        <p:tgtEl>
+                                          <p:spTgt spid="3">
+                                            <p:txEl>
+                                              <p:pRg st="1" end="1"/>
+                                            </p:txEl>
+                                          </p:spTgt>
+                                        </p:tgtEl>
+                                        <p:attrNameLst>
+                                          <p:attrName>style.visibility</p:attrName>
+                                        </p:attrNameLst>
+                                      </p:cBhvr>
+                                      <p:to>
+                                        <p:strVal val="visible"/>
+                                      </p:to>
+                                    </p:set>
+                                  </p:childTnLst>
+                                </p:cTn>
+                              </p:par>
+                              <p:par>
+                                <p:cTn id="13" presetID="1" presetClass="entr" presetSubtype="0" fill="hold" nodeType="withEffect">
+                                  <p:stCondLst>
+                                    <p:cond delay="0"/>
+                                  </p:stCondLst>
+                                  <p:childTnLst>
+                                    <p:set>
+                                      <p:cBhvr>
+                                        <p:cTn id="14" dur="1" fill="hold">
+                                          <p:stCondLst>
+                                            <p:cond delay="0"/>
+                                          </p:stCondLst>
+                                        </p:cTn>
+                                        <p:tgtEl>
+                                          <p:spTgt spid="3">
+                                            <p:txEl>
+                                              <p:pRg st="2" end="2"/>
+                                            </p:txEl>
+                                          </p:spTgt>
+                                        </p:tgtEl>
+                                        <p:attrNameLst>
+                                          <p:attrName>style.visibility</p:attrName>
+                                        </p:attrNameLst>
+                                      </p:cBhvr>
+                                      <p:to>
+                                        <p:strVal val="visible"/>
+                                      </p:to>
+                                    </p:set>
+                                  </p:childTnLst>
+                                </p:cTn>
+                              </p:par>
+                            </p:childTnLst>
+                          </p:cTn>
+                        </p:par>
+                      </p:childTnLst>
+                    </p:cTn>
+                  </p:par>
+                  <p:par>
+                    <p:cTn id="15" fill="hold">
+                      <p:stCondLst>
+                        <p:cond delay="indefinite"/>
+                      </p:stCondLst>
+                      <p:childTnLst>
+                        <p:par>
+                          <p:cTn id="16" fill="hold">
+                            <p:stCondLst>
+                              <p:cond delay="0"/>
+                            </p:stCondLst>
+                            <p:childTnLst>
+                              <p:par>
+                                <p:cTn id="17" presetID="1" presetClass="entr" presetSubtype="0" fill="hold" nodeType="clickEffect">
+                                  <p:stCondLst>
+                                    <p:cond delay="0"/>
+                                  </p:stCondLst>
+                                  <p:childTnLst>
+                                    <p:set>
+                                      <p:cBhvr>
+                                        <p:cTn id="18" dur="1" fill="hold">
+                                          <p:stCondLst>
+                                            <p:cond delay="0"/>
+                                          </p:stCondLst>
+                                        </p:cTn>
+                                        <p:tgtEl>
+                                          <p:spTgt spid="3">
+                                            <p:txEl>
+                                              <p:pRg st="4" end="4"/>
+                                            </p:txEl>
+                                          </p:spTgt>
+                                        </p:tgtEl>
+                                        <p:attrNameLst>
+                                          <p:attrName>style.visibility</p:attrName>
+                                        </p:attrNameLst>
+                                      </p:cBhvr>
+                                      <p:to>
+                                        <p:strVal val="visible"/>
+                                      </p:to>
+                                    </p:set>
+                                  </p:childTnLst>
+                                </p:cTn>
+                              </p:par>
+                            </p:childTnLst>
+                          </p:cTn>
+                        </p:par>
+                      </p:childTnLst>
+                    </p:cTn>
+                  </p:par>
+                  <p:par>
+                    <p:cTn id="19" fill="hold">
+                      <p:stCondLst>
+                        <p:cond delay="indefinite"/>
+                      </p:stCondLst>
+                      <p:childTnLst>
+                        <p:par>
+                          <p:cTn id="20" fill="hold">
+                            <p:stCondLst>
+                              <p:cond delay="0"/>
+                            </p:stCondLst>
+                            <p:childTnLst>
+                              <p:par>
+                                <p:cTn id="21" presetID="1" presetClass="entr" presetSubtype="0" fill="hold" nodeType="clickEffect">
+                                  <p:stCondLst>
+                                    <p:cond delay="0"/>
+                                  </p:stCondLst>
+                                  <p:childTnLst>
+                                    <p:set>
+                                      <p:cBhvr>
+                                        <p:cTn id="22" dur="1" fill="hold">
+                                          <p:stCondLst>
+                                            <p:cond delay="0"/>
+                                          </p:stCondLst>
+                                        </p:cTn>
+                                        <p:tgtEl>
+                                          <p:spTgt spid="3">
+                                            <p:txEl>
+                                              <p:pRg st="5" end="5"/>
+                                            </p:txEl>
+                                          </p:spTgt>
+                                        </p:tgtEl>
+                                        <p:attrNameLst>
+                                          <p:attrName>style.visibility</p:attrName>
+                                        </p:attrNameLst>
+                                      </p:cBhvr>
+                                      <p:to>
+                                        <p:strVal val="visible"/>
+                                      </p:to>
+                                    </p:set>
+                                  </p:childTnLst>
+                                </p:cTn>
+                              </p:par>
+                            </p:childTnLst>
+                          </p:cTn>
+                        </p:par>
+                      </p:childTnLst>
+                    </p:cTn>
+                  </p:par>
+                  <p:par>
+                    <p:cTn id="23" fill="hold">
+                      <p:stCondLst>
+                        <p:cond delay="indefinite"/>
+                      </p:stCondLst>
+                      <p:childTnLst>
+                        <p:par>
+                          <p:cTn id="24" fill="hold">
+                            <p:stCondLst>
+                              <p:cond delay="0"/>
+                            </p:stCondLst>
+                            <p:childTnLst>
+                              <p:par>
+                                <p:cTn id="25" presetID="1" presetClass="entr" presetSubtype="0" fill="hold" nodeType="clickEffect">
+                                  <p:stCondLst>
+                                    <p:cond delay="0"/>
+                                  </p:stCondLst>
+                                  <p:childTnLst>
+                                    <p:set>
+                                      <p:cBhvr>
+                                        <p:cTn id="26" dur="1" fill="hold">
+                                          <p:stCondLst>
+                                            <p:cond delay="0"/>
+                                          </p:stCondLst>
+                                        </p:cTn>
+                                        <p:tgtEl>
+                                          <p:spTgt spid="3">
+                                            <p:txEl>
+                                              <p:pRg st="6" end="6"/>
+                                            </p:txEl>
+                                          </p:spTgt>
+                                        </p:tgtEl>
+                                        <p:attrNameLst>
+                                          <p:attrName>style.visibility</p:attrName>
+                                        </p:attrNameLst>
+                                      </p:cBhvr>
+                                      <p:to>
+                                        <p:strVal val="visible"/>
+                                      </p:to>
+                                    </p:set>
+                                  </p:childTnLst>
+                                </p:cTn>
+                              </p:par>
+                            </p:childTnLst>
+                          </p:cTn>
+                        </p:par>
+                      </p:childTnLst>
+                    </p:cTn>
+                  </p:par>
+                  <p:par>
+                    <p:cTn id="27" fill="hold">
+                      <p:stCondLst>
+                        <p:cond delay="indefinite"/>
+                      </p:stCondLst>
+                      <p:childTnLst>
+                        <p:par>
+                          <p:cTn id="28" fill="hold">
+                            <p:stCondLst>
+                              <p:cond delay="0"/>
+                            </p:stCondLst>
+                            <p:childTnLst>
+                              <p:par>
+                                <p:cTn id="29" presetID="1" presetClass="entr" presetSubtype="0" fill="hold" nodeType="clickEffect">
+                                  <p:stCondLst>
+                                    <p:cond delay="0"/>
+                                  </p:stCondLst>
+                                  <p:childTnLst>
+                                    <p:set>
+                                      <p:cBhvr>
+                                        <p:cTn id="30" dur="1" fill="hold">
+                                          <p:stCondLst>
+                                            <p:cond delay="0"/>
+                                          </p:stCondLst>
+                                        </p:cTn>
+                                        <p:tgtEl>
+                                          <p:spTgt spid="3">
+                                            <p:txEl>
+                                              <p:pRg st="7" end="7"/>
+                                            </p:txEl>
+                                          </p:spTgt>
+                                        </p:tgtEl>
+                                        <p:attrNameLst>
+                                          <p:attrName>style.visibility</p:attrName>
+                                        </p:attrNameLst>
+                                      </p:cBhvr>
+                                      <p:to>
+                                        <p:strVal val="visible"/>
+                                      </p:to>
+                                    </p:set>
+                                  </p:childTnLst>
+                                </p:cTn>
+                              </p:par>
+                            </p:childTnLst>
+                          </p:cTn>
+                        </p:par>
+                      </p:childTnLst>
+                    </p:cTn>
+                  </p:par>
+                </p:childTnLst>
+              </p:cTn>
+              <p:prevCondLst>
+                <p:cond evt="onPrev" delay="0">
+                  <p:tgtEl>
+                    <p:sldTgt/>
+                  </p:tgtEl>
+                </p:cond>
+              </p:prevCondLst>
+              <p:nextCondLst>
+                <p:cond evt="onNext" delay="0">
+                  <p:tgtEl>
+                    <p:sldTgt/>
+                  </p:tgtEl>
+                </p:cond>
+              </p:nextCondLst>
+            </p:seq>
+          </p:childTnLst>
+        </p:cTn>
       </p:par>
     </p:tnLst>
   </p:timing>
@@ -5128,20 +6801,19 @@
           <a:lstStyle/>
           <a:p>
             <a:r>
-              <a:rPr lang="en-US" dirty="0" smtClean="0"/>
+              <a:rPr lang="en-US" sz="4000" dirty="0" smtClean="0"/>
               <a:t>New user registration</a:t>
             </a:r>
           </a:p>
           <a:p>
             <a:r>
-              <a:rPr lang="en-US" dirty="0" smtClean="0"/>
+              <a:rPr lang="en-US" sz="4000" dirty="0" smtClean="0"/>
               <a:t>Login by username</a:t>
             </a:r>
-            <a:endParaRPr lang="en-US" dirty="0" smtClean="0"/>
-          </a:p>
-          <a:p>
-            <a:r>
-              <a:rPr lang="en-US" dirty="0" smtClean="0"/>
+          </a:p>
+          <a:p>
+            <a:r>
+              <a:rPr lang="en-US" sz="4000" dirty="0" smtClean="0"/>
               <a:t>Username credentials determine access role</a:t>
             </a:r>
           </a:p>
@@ -5171,7 +6843,11 @@
           <a:p>
             <a:r>
               <a:rPr lang="en-US" dirty="0" smtClean="0"/>
-              <a:t>Overview - Login</a:t>
+              <a:t>Functional Overview </a:t>
+            </a:r>
+            <a:r>
+              <a:rPr lang="en-US" dirty="0" smtClean="0"/>
+              <a:t>- Login</a:t>
             </a:r>
             <a:endParaRPr lang="en-US" dirty="0"/>
           </a:p>
@@ -5202,7 +6878,177 @@
   <p:timing>
     <p:tnLst>
       <p:par>
-        <p:cTn id="1" dur="indefinite" restart="never" nodeType="tmRoot"/>
+        <p:cTn id="1" dur="indefinite" restart="never" nodeType="tmRoot">
+          <p:childTnLst>
+            <p:seq concurrent="1" nextAc="seek">
+              <p:cTn id="2" dur="indefinite" nodeType="mainSeq">
+                <p:childTnLst>
+                  <p:par>
+                    <p:cTn id="3" fill="hold">
+                      <p:stCondLst>
+                        <p:cond delay="indefinite"/>
+                      </p:stCondLst>
+                      <p:childTnLst>
+                        <p:par>
+                          <p:cTn id="4" fill="hold">
+                            <p:stCondLst>
+                              <p:cond delay="0"/>
+                            </p:stCondLst>
+                            <p:childTnLst>
+                              <p:par>
+                                <p:cTn id="5" presetID="1" presetClass="entr" presetSubtype="0" fill="hold" nodeType="clickEffect">
+                                  <p:stCondLst>
+                                    <p:cond delay="0"/>
+                                  </p:stCondLst>
+                                  <p:childTnLst>
+                                    <p:set>
+                                      <p:cBhvr>
+                                        <p:cTn id="6" dur="1" fill="hold">
+                                          <p:stCondLst>
+                                            <p:cond delay="0"/>
+                                          </p:stCondLst>
+                                        </p:cTn>
+                                        <p:tgtEl>
+                                          <p:spTgt spid="3">
+                                            <p:txEl>
+                                              <p:pRg st="0" end="0"/>
+                                            </p:txEl>
+                                          </p:spTgt>
+                                        </p:tgtEl>
+                                        <p:attrNameLst>
+                                          <p:attrName>style.visibility</p:attrName>
+                                        </p:attrNameLst>
+                                      </p:cBhvr>
+                                      <p:to>
+                                        <p:strVal val="visible"/>
+                                      </p:to>
+                                    </p:set>
+                                  </p:childTnLst>
+                                </p:cTn>
+                              </p:par>
+                            </p:childTnLst>
+                          </p:cTn>
+                        </p:par>
+                      </p:childTnLst>
+                    </p:cTn>
+                  </p:par>
+                  <p:par>
+                    <p:cTn id="7" fill="hold">
+                      <p:stCondLst>
+                        <p:cond delay="indefinite"/>
+                      </p:stCondLst>
+                      <p:childTnLst>
+                        <p:par>
+                          <p:cTn id="8" fill="hold">
+                            <p:stCondLst>
+                              <p:cond delay="0"/>
+                            </p:stCondLst>
+                            <p:childTnLst>
+                              <p:par>
+                                <p:cTn id="9" presetID="1" presetClass="entr" presetSubtype="0" fill="hold" nodeType="clickEffect">
+                                  <p:stCondLst>
+                                    <p:cond delay="0"/>
+                                  </p:stCondLst>
+                                  <p:childTnLst>
+                                    <p:set>
+                                      <p:cBhvr>
+                                        <p:cTn id="10" dur="1" fill="hold">
+                                          <p:stCondLst>
+                                            <p:cond delay="0"/>
+                                          </p:stCondLst>
+                                        </p:cTn>
+                                        <p:tgtEl>
+                                          <p:spTgt spid="3">
+                                            <p:txEl>
+                                              <p:pRg st="1" end="1"/>
+                                            </p:txEl>
+                                          </p:spTgt>
+                                        </p:tgtEl>
+                                        <p:attrNameLst>
+                                          <p:attrName>style.visibility</p:attrName>
+                                        </p:attrNameLst>
+                                      </p:cBhvr>
+                                      <p:to>
+                                        <p:strVal val="visible"/>
+                                      </p:to>
+                                    </p:set>
+                                  </p:childTnLst>
+                                </p:cTn>
+                              </p:par>
+                            </p:childTnLst>
+                          </p:cTn>
+                        </p:par>
+                      </p:childTnLst>
+                    </p:cTn>
+                  </p:par>
+                  <p:par>
+                    <p:cTn id="11" fill="hold">
+                      <p:stCondLst>
+                        <p:cond delay="indefinite"/>
+                      </p:stCondLst>
+                      <p:childTnLst>
+                        <p:par>
+                          <p:cTn id="12" fill="hold">
+                            <p:stCondLst>
+                              <p:cond delay="0"/>
+                            </p:stCondLst>
+                            <p:childTnLst>
+                              <p:par>
+                                <p:cTn id="13" presetID="1" presetClass="entr" presetSubtype="0" fill="hold" nodeType="clickEffect">
+                                  <p:stCondLst>
+                                    <p:cond delay="0"/>
+                                  </p:stCondLst>
+                                  <p:childTnLst>
+                                    <p:set>
+                                      <p:cBhvr>
+                                        <p:cTn id="14" dur="1" fill="hold">
+                                          <p:stCondLst>
+                                            <p:cond delay="0"/>
+                                          </p:stCondLst>
+                                        </p:cTn>
+                                        <p:tgtEl>
+                                          <p:spTgt spid="3">
+                                            <p:txEl>
+                                              <p:pRg st="2" end="2"/>
+                                            </p:txEl>
+                                          </p:spTgt>
+                                        </p:tgtEl>
+                                        <p:attrNameLst>
+                                          <p:attrName>style.visibility</p:attrName>
+                                        </p:attrNameLst>
+                                      </p:cBhvr>
+                                      <p:to>
+                                        <p:strVal val="visible"/>
+                                      </p:to>
+                                    </p:set>
+                                  </p:childTnLst>
+                                </p:cTn>
+                              </p:par>
+                            </p:childTnLst>
+                          </p:cTn>
+                        </p:par>
+                      </p:childTnLst>
+                    </p:cTn>
+                  </p:par>
+                </p:childTnLst>
+              </p:cTn>
+              <p:prevCondLst>
+                <p:cond evt="onPrev" delay="0">
+                  <p:tgtEl>
+                    <p:sldTgt/>
+                  </p:tgtEl>
+                </p:cond>
+              </p:prevCondLst>
+              <p:nextCondLst>
+                <p:cond evt="onNext" delay="0">
+                  <p:tgtEl>
+                    <p:sldTgt/>
+                  </p:tgtEl>
+                </p:cond>
+              </p:nextCondLst>
+            </p:seq>
+          </p:childTnLst>
+        </p:cTn>
       </p:par>
     </p:tnLst>
   </p:timing>
@@ -5361,47 +7207,31 @@
           <a:lstStyle/>
           <a:p>
             <a:r>
-              <a:rPr lang="en-US" dirty="0" smtClean="0"/>
-              <a:t>Manage </a:t>
-            </a:r>
-            <a:r>
-              <a:rPr lang="en-US" dirty="0" smtClean="0"/>
-              <a:t>Existing Database Items (e.g. words or phrases)</a:t>
-            </a:r>
-          </a:p>
-          <a:p>
-            <a:r>
-              <a:rPr lang="en-US" dirty="0" smtClean="0"/>
-              <a:t>Manage Test </a:t>
-            </a:r>
-            <a:r>
-              <a:rPr lang="en-US" dirty="0" smtClean="0"/>
-              <a:t>Items</a:t>
-            </a:r>
-          </a:p>
-          <a:p>
-            <a:r>
-              <a:rPr lang="en-US" dirty="0" smtClean="0"/>
-              <a:t>Associate </a:t>
-            </a:r>
-            <a:r>
-              <a:rPr lang="en-US" dirty="0" smtClean="0"/>
-              <a:t>Images </a:t>
-            </a:r>
-            <a:r>
-              <a:rPr lang="en-US" dirty="0" smtClean="0"/>
-              <a:t>to Existing Items</a:t>
-            </a:r>
-          </a:p>
-          <a:p>
-            <a:r>
-              <a:rPr lang="en-US" dirty="0" smtClean="0"/>
+              <a:rPr lang="en-US" sz="4000" dirty="0" smtClean="0"/>
+              <a:t>Manage Existing Database Items (e.g. words or phrases)</a:t>
+            </a:r>
+          </a:p>
+          <a:p>
+            <a:r>
+              <a:rPr lang="en-US" sz="4000" dirty="0" smtClean="0"/>
+              <a:t>Manage Test Items</a:t>
+            </a:r>
+          </a:p>
+          <a:p>
+            <a:r>
+              <a:rPr lang="en-US" sz="4000" dirty="0" smtClean="0"/>
+              <a:t>Associate Images to Existing Items</a:t>
+            </a:r>
+          </a:p>
+          <a:p>
+            <a:r>
+              <a:rPr lang="en-US" sz="4000" dirty="0" smtClean="0"/>
               <a:t>Display Progress Meter During the User Test</a:t>
             </a:r>
           </a:p>
           <a:p>
             <a:r>
-              <a:rPr lang="en-US" dirty="0" smtClean="0"/>
+              <a:rPr lang="en-US" sz="4000" dirty="0" smtClean="0"/>
               <a:t>View Test Results</a:t>
             </a:r>
           </a:p>
@@ -5431,7 +7261,11 @@
           <a:p>
             <a:r>
               <a:rPr lang="en-US" dirty="0" smtClean="0"/>
-              <a:t>Overview – Admin Test Setup</a:t>
+              <a:t>Functional Overview </a:t>
+            </a:r>
+            <a:r>
+              <a:rPr lang="en-US" dirty="0" smtClean="0"/>
+              <a:t>– Admin Test Setup</a:t>
             </a:r>
             <a:endParaRPr lang="en-US" dirty="0"/>
           </a:p>
@@ -5462,7 +7296,275 @@
   <p:timing>
     <p:tnLst>
       <p:par>
-        <p:cTn id="1" dur="indefinite" restart="never" nodeType="tmRoot"/>
+        <p:cTn id="1" dur="indefinite" restart="never" nodeType="tmRoot">
+          <p:childTnLst>
+            <p:seq concurrent="1" nextAc="seek">
+              <p:cTn id="2" dur="indefinite" nodeType="mainSeq">
+                <p:childTnLst>
+                  <p:par>
+                    <p:cTn id="3" fill="hold">
+                      <p:stCondLst>
+                        <p:cond delay="indefinite"/>
+                      </p:stCondLst>
+                      <p:childTnLst>
+                        <p:par>
+                          <p:cTn id="4" fill="hold">
+                            <p:stCondLst>
+                              <p:cond delay="0"/>
+                            </p:stCondLst>
+                            <p:childTnLst>
+                              <p:par>
+                                <p:cTn id="5" presetID="1" presetClass="entr" presetSubtype="0" fill="hold" nodeType="clickEffect">
+                                  <p:stCondLst>
+                                    <p:cond delay="0"/>
+                                  </p:stCondLst>
+                                  <p:childTnLst>
+                                    <p:set>
+                                      <p:cBhvr>
+                                        <p:cTn id="6" dur="1" fill="hold">
+                                          <p:stCondLst>
+                                            <p:cond delay="0"/>
+                                          </p:stCondLst>
+                                        </p:cTn>
+                                        <p:tgtEl>
+                                          <p:spTgt spid="3">
+                                            <p:txEl>
+                                              <p:pRg st="0" end="0"/>
+                                            </p:txEl>
+                                          </p:spTgt>
+                                        </p:tgtEl>
+                                        <p:attrNameLst>
+                                          <p:attrName>style.visibility</p:attrName>
+                                        </p:attrNameLst>
+                                      </p:cBhvr>
+                                      <p:to>
+                                        <p:strVal val="visible"/>
+                                      </p:to>
+                                    </p:set>
+                                  </p:childTnLst>
+                                </p:cTn>
+                              </p:par>
+                            </p:childTnLst>
+                          </p:cTn>
+                        </p:par>
+                      </p:childTnLst>
+                    </p:cTn>
+                  </p:par>
+                  <p:par>
+                    <p:cTn id="7" fill="hold">
+                      <p:stCondLst>
+                        <p:cond delay="indefinite"/>
+                      </p:stCondLst>
+                      <p:childTnLst>
+                        <p:par>
+                          <p:cTn id="8" fill="hold">
+                            <p:stCondLst>
+                              <p:cond delay="0"/>
+                            </p:stCondLst>
+                            <p:childTnLst>
+                              <p:par>
+                                <p:cTn id="9" presetID="1" presetClass="entr" presetSubtype="0" fill="hold" nodeType="clickEffect">
+                                  <p:stCondLst>
+                                    <p:cond delay="0"/>
+                                  </p:stCondLst>
+                                  <p:childTnLst>
+                                    <p:set>
+                                      <p:cBhvr>
+                                        <p:cTn id="10" dur="1" fill="hold">
+                                          <p:stCondLst>
+                                            <p:cond delay="0"/>
+                                          </p:stCondLst>
+                                        </p:cTn>
+                                        <p:tgtEl>
+                                          <p:spTgt spid="3">
+                                            <p:txEl>
+                                              <p:pRg st="1" end="1"/>
+                                            </p:txEl>
+                                          </p:spTgt>
+                                        </p:tgtEl>
+                                        <p:attrNameLst>
+                                          <p:attrName>style.visibility</p:attrName>
+                                        </p:attrNameLst>
+                                      </p:cBhvr>
+                                      <p:to>
+                                        <p:strVal val="visible"/>
+                                      </p:to>
+                                    </p:set>
+                                  </p:childTnLst>
+                                </p:cTn>
+                              </p:par>
+                            </p:childTnLst>
+                          </p:cTn>
+                        </p:par>
+                      </p:childTnLst>
+                    </p:cTn>
+                  </p:par>
+                  <p:par>
+                    <p:cTn id="11" fill="hold">
+                      <p:stCondLst>
+                        <p:cond delay="indefinite"/>
+                      </p:stCondLst>
+                      <p:childTnLst>
+                        <p:par>
+                          <p:cTn id="12" fill="hold">
+                            <p:stCondLst>
+                              <p:cond delay="0"/>
+                            </p:stCondLst>
+                            <p:childTnLst>
+                              <p:par>
+                                <p:cTn id="13" presetID="1" presetClass="entr" presetSubtype="0" fill="hold" nodeType="clickEffect">
+                                  <p:stCondLst>
+                                    <p:cond delay="0"/>
+                                  </p:stCondLst>
+                                  <p:childTnLst>
+                                    <p:set>
+                                      <p:cBhvr>
+                                        <p:cTn id="14" dur="1" fill="hold">
+                                          <p:stCondLst>
+                                            <p:cond delay="0"/>
+                                          </p:stCondLst>
+                                        </p:cTn>
+                                        <p:tgtEl>
+                                          <p:spTgt spid="3">
+                                            <p:txEl>
+                                              <p:pRg st="2" end="2"/>
+                                            </p:txEl>
+                                          </p:spTgt>
+                                        </p:tgtEl>
+                                        <p:attrNameLst>
+                                          <p:attrName>style.visibility</p:attrName>
+                                        </p:attrNameLst>
+                                      </p:cBhvr>
+                                      <p:to>
+                                        <p:strVal val="visible"/>
+                                      </p:to>
+                                    </p:set>
+                                  </p:childTnLst>
+                                </p:cTn>
+                              </p:par>
+                            </p:childTnLst>
+                          </p:cTn>
+                        </p:par>
+                      </p:childTnLst>
+                    </p:cTn>
+                  </p:par>
+                  <p:par>
+                    <p:cTn id="15" fill="hold">
+                      <p:stCondLst>
+                        <p:cond delay="indefinite"/>
+                      </p:stCondLst>
+                      <p:childTnLst>
+                        <p:par>
+                          <p:cTn id="16" fill="hold">
+                            <p:stCondLst>
+                              <p:cond delay="0"/>
+                            </p:stCondLst>
+                            <p:childTnLst>
+                              <p:par>
+                                <p:cTn id="17" presetID="1" presetClass="entr" presetSubtype="0" fill="hold" nodeType="clickEffect">
+                                  <p:stCondLst>
+                                    <p:cond delay="0"/>
+                                  </p:stCondLst>
+                                  <p:childTnLst>
+                                    <p:set>
+                                      <p:cBhvr>
+                                        <p:cTn id="18" dur="1" fill="hold">
+                                          <p:stCondLst>
+                                            <p:cond delay="0"/>
+                                          </p:stCondLst>
+                                        </p:cTn>
+                                        <p:tgtEl>
+                                          <p:spTgt spid="3">
+                                            <p:txEl>
+                                              <p:pRg st="3" end="3"/>
+                                            </p:txEl>
+                                          </p:spTgt>
+                                        </p:tgtEl>
+                                        <p:attrNameLst>
+                                          <p:attrName>style.visibility</p:attrName>
+                                        </p:attrNameLst>
+                                      </p:cBhvr>
+                                      <p:to>
+                                        <p:strVal val="visible"/>
+                                      </p:to>
+                                    </p:set>
+                                  </p:childTnLst>
+                                </p:cTn>
+                              </p:par>
+                            </p:childTnLst>
+                          </p:cTn>
+                        </p:par>
+                      </p:childTnLst>
+                    </p:cTn>
+                  </p:par>
+                  <p:par>
+                    <p:cTn id="19" fill="hold">
+                      <p:stCondLst>
+                        <p:cond delay="indefinite"/>
+                      </p:stCondLst>
+                      <p:childTnLst>
+                        <p:par>
+                          <p:cTn id="20" fill="hold">
+                            <p:stCondLst>
+                              <p:cond delay="0"/>
+                            </p:stCondLst>
+                            <p:childTnLst>
+                              <p:par>
+                                <p:cTn id="21" presetID="1" presetClass="entr" presetSubtype="0" fill="hold" nodeType="clickEffect">
+                                  <p:stCondLst>
+                                    <p:cond delay="0"/>
+                                  </p:stCondLst>
+                                  <p:childTnLst>
+                                    <p:set>
+                                      <p:cBhvr>
+                                        <p:cTn id="22" dur="1" fill="hold">
+                                          <p:stCondLst>
+                                            <p:cond delay="0"/>
+                                          </p:stCondLst>
+                                        </p:cTn>
+                                        <p:tgtEl>
+                                          <p:spTgt spid="3">
+                                            <p:txEl>
+                                              <p:pRg st="4" end="4"/>
+                                            </p:txEl>
+                                          </p:spTgt>
+                                        </p:tgtEl>
+                                        <p:attrNameLst>
+                                          <p:attrName>style.visibility</p:attrName>
+                                        </p:attrNameLst>
+                                      </p:cBhvr>
+                                      <p:to>
+                                        <p:strVal val="visible"/>
+                                      </p:to>
+                                    </p:set>
+                                  </p:childTnLst>
+                                </p:cTn>
+                              </p:par>
+                            </p:childTnLst>
+                          </p:cTn>
+                        </p:par>
+                      </p:childTnLst>
+                    </p:cTn>
+                  </p:par>
+                </p:childTnLst>
+              </p:cTn>
+              <p:prevCondLst>
+                <p:cond evt="onPrev" delay="0">
+                  <p:tgtEl>
+                    <p:sldTgt/>
+                  </p:tgtEl>
+                </p:cond>
+              </p:prevCondLst>
+              <p:nextCondLst>
+                <p:cond evt="onNext" delay="0">
+                  <p:tgtEl>
+                    <p:sldTgt/>
+                  </p:tgtEl>
+                </p:cond>
+              </p:nextCondLst>
+            </p:seq>
+          </p:childTnLst>
+        </p:cTn>
       </p:par>
     </p:tnLst>
   </p:timing>
@@ -5620,6 +7722,32 @@
           <a:bodyPr/>
           <a:lstStyle/>
           <a:p>
+            <a:r>
+              <a:rPr lang="en-US" sz="4000" dirty="0" smtClean="0"/>
+              <a:t>Compare defined test in groups of two</a:t>
+            </a:r>
+            <a:endParaRPr lang="en-US" sz="4000" dirty="0" smtClean="0"/>
+          </a:p>
+          <a:p>
+            <a:r>
+              <a:rPr lang="en-US" sz="4000" dirty="0" smtClean="0"/>
+              <a:t>Selected Left, Right, or Unsure</a:t>
+            </a:r>
+            <a:endParaRPr lang="en-US" sz="4000" dirty="0" smtClean="0"/>
+          </a:p>
+          <a:p>
+            <a:r>
+              <a:rPr lang="en-US" sz="4000" dirty="0" smtClean="0"/>
+              <a:t>View Progress </a:t>
+            </a:r>
+            <a:r>
+              <a:rPr lang="en-US" sz="4000" dirty="0" smtClean="0"/>
+              <a:t>Meter During the User </a:t>
+            </a:r>
+            <a:r>
+              <a:rPr lang="en-US" sz="4000" dirty="0" smtClean="0"/>
+              <a:t>Test</a:t>
+            </a:r>
             <a:endParaRPr lang="en-US" dirty="0" smtClean="0"/>
           </a:p>
           <a:p>
@@ -5644,7 +7772,15 @@
           <a:p>
             <a:r>
               <a:rPr lang="en-US" dirty="0" smtClean="0"/>
-              <a:t>Overview – User Test</a:t>
+              <a:t>Functional Overview </a:t>
+            </a:r>
+            <a:r>
+              <a:rPr lang="en-US" dirty="0" smtClean="0"/>
+              <a:t>– </a:t>
+            </a:r>
+            <a:r>
+              <a:rPr lang="en-US" dirty="0" smtClean="0"/>
+              <a:t>User Take Test</a:t>
             </a:r>
             <a:endParaRPr lang="en-US" dirty="0"/>
           </a:p>
@@ -5653,7 +7789,7 @@
     </p:spTree>
     <p:extLst>
       <p:ext uri="{BB962C8B-B14F-4D97-AF65-F5344CB8AC3E}">
-        <p14:creationId xmlns:p14="http://schemas.microsoft.com/office/powerpoint/2010/main" val="3467767327"/>
+        <p14:creationId xmlns:p14="http://schemas.microsoft.com/office/powerpoint/2010/main" val="3190350960"/>
       </p:ext>
     </p:extLst>
   </p:cSld>
@@ -5675,7 +7811,177 @@
   <p:timing>
     <p:tnLst>
       <p:par>
-        <p:cTn id="1" dur="indefinite" restart="never" nodeType="tmRoot"/>
+        <p:cTn id="1" dur="indefinite" restart="never" nodeType="tmRoot">
+          <p:childTnLst>
+            <p:seq concurrent="1" nextAc="seek">
+              <p:cTn id="2" dur="indefinite" nodeType="mainSeq">
+                <p:childTnLst>
+                  <p:par>
+                    <p:cTn id="3" fill="hold">
+                      <p:stCondLst>
+                        <p:cond delay="indefinite"/>
+                      </p:stCondLst>
+                      <p:childTnLst>
+                        <p:par>
+                          <p:cTn id="4" fill="hold">
+                            <p:stCondLst>
+                              <p:cond delay="0"/>
+                            </p:stCondLst>
+                            <p:childTnLst>
+                              <p:par>
+                                <p:cTn id="5" presetID="1" presetClass="entr" presetSubtype="0" fill="hold" nodeType="clickEffect">
+                                  <p:stCondLst>
+                                    <p:cond delay="0"/>
+                                  </p:stCondLst>
+                                  <p:childTnLst>
+                                    <p:set>
+                                      <p:cBhvr>
+                                        <p:cTn id="6" dur="1" fill="hold">
+                                          <p:stCondLst>
+                                            <p:cond delay="0"/>
+                                          </p:stCondLst>
+                                        </p:cTn>
+                                        <p:tgtEl>
+                                          <p:spTgt spid="3">
+                                            <p:txEl>
+                                              <p:pRg st="0" end="0"/>
+                                            </p:txEl>
+                                          </p:spTgt>
+                                        </p:tgtEl>
+                                        <p:attrNameLst>
+                                          <p:attrName>style.visibility</p:attrName>
+                                        </p:attrNameLst>
+                                      </p:cBhvr>
+                                      <p:to>
+                                        <p:strVal val="visible"/>
+                                      </p:to>
+                                    </p:set>
+                                  </p:childTnLst>
+                                </p:cTn>
+                              </p:par>
+                            </p:childTnLst>
+                          </p:cTn>
+                        </p:par>
+                      </p:childTnLst>
+                    </p:cTn>
+                  </p:par>
+                  <p:par>
+                    <p:cTn id="7" fill="hold">
+                      <p:stCondLst>
+                        <p:cond delay="indefinite"/>
+                      </p:stCondLst>
+                      <p:childTnLst>
+                        <p:par>
+                          <p:cTn id="8" fill="hold">
+                            <p:stCondLst>
+                              <p:cond delay="0"/>
+                            </p:stCondLst>
+                            <p:childTnLst>
+                              <p:par>
+                                <p:cTn id="9" presetID="1" presetClass="entr" presetSubtype="0" fill="hold" nodeType="clickEffect">
+                                  <p:stCondLst>
+                                    <p:cond delay="0"/>
+                                  </p:stCondLst>
+                                  <p:childTnLst>
+                                    <p:set>
+                                      <p:cBhvr>
+                                        <p:cTn id="10" dur="1" fill="hold">
+                                          <p:stCondLst>
+                                            <p:cond delay="0"/>
+                                          </p:stCondLst>
+                                        </p:cTn>
+                                        <p:tgtEl>
+                                          <p:spTgt spid="3">
+                                            <p:txEl>
+                                              <p:pRg st="1" end="1"/>
+                                            </p:txEl>
+                                          </p:spTgt>
+                                        </p:tgtEl>
+                                        <p:attrNameLst>
+                                          <p:attrName>style.visibility</p:attrName>
+                                        </p:attrNameLst>
+                                      </p:cBhvr>
+                                      <p:to>
+                                        <p:strVal val="visible"/>
+                                      </p:to>
+                                    </p:set>
+                                  </p:childTnLst>
+                                </p:cTn>
+                              </p:par>
+                            </p:childTnLst>
+                          </p:cTn>
+                        </p:par>
+                      </p:childTnLst>
+                    </p:cTn>
+                  </p:par>
+                  <p:par>
+                    <p:cTn id="11" fill="hold">
+                      <p:stCondLst>
+                        <p:cond delay="indefinite"/>
+                      </p:stCondLst>
+                      <p:childTnLst>
+                        <p:par>
+                          <p:cTn id="12" fill="hold">
+                            <p:stCondLst>
+                              <p:cond delay="0"/>
+                            </p:stCondLst>
+                            <p:childTnLst>
+                              <p:par>
+                                <p:cTn id="13" presetID="1" presetClass="entr" presetSubtype="0" fill="hold" nodeType="clickEffect">
+                                  <p:stCondLst>
+                                    <p:cond delay="0"/>
+                                  </p:stCondLst>
+                                  <p:childTnLst>
+                                    <p:set>
+                                      <p:cBhvr>
+                                        <p:cTn id="14" dur="1" fill="hold">
+                                          <p:stCondLst>
+                                            <p:cond delay="0"/>
+                                          </p:stCondLst>
+                                        </p:cTn>
+                                        <p:tgtEl>
+                                          <p:spTgt spid="3">
+                                            <p:txEl>
+                                              <p:pRg st="2" end="2"/>
+                                            </p:txEl>
+                                          </p:spTgt>
+                                        </p:tgtEl>
+                                        <p:attrNameLst>
+                                          <p:attrName>style.visibility</p:attrName>
+                                        </p:attrNameLst>
+                                      </p:cBhvr>
+                                      <p:to>
+                                        <p:strVal val="visible"/>
+                                      </p:to>
+                                    </p:set>
+                                  </p:childTnLst>
+                                </p:cTn>
+                              </p:par>
+                            </p:childTnLst>
+                          </p:cTn>
+                        </p:par>
+                      </p:childTnLst>
+                    </p:cTn>
+                  </p:par>
+                </p:childTnLst>
+              </p:cTn>
+              <p:prevCondLst>
+                <p:cond evt="onPrev" delay="0">
+                  <p:tgtEl>
+                    <p:sldTgt/>
+                  </p:tgtEl>
+                </p:cond>
+              </p:prevCondLst>
+              <p:nextCondLst>
+                <p:cond evt="onNext" delay="0">
+                  <p:tgtEl>
+                    <p:sldTgt/>
+                  </p:tgtEl>
+                </p:cond>
+              </p:nextCondLst>
+            </p:seq>
+          </p:childTnLst>
+        </p:cTn>
       </p:par>
     </p:tnLst>
   </p:timing>

--- a/assigns/assign10/t1-a10.pptx
+++ b/assigns/assign10/t1-a10.pptx
@@ -5,25 +5,26 @@
     <p:sldMasterId id="2147483672" r:id="rId2"/>
   </p:sldMasterIdLst>
   <p:notesMasterIdLst>
-    <p:notesMasterId r:id="rId16"/>
+    <p:notesMasterId r:id="rId17"/>
   </p:notesMasterIdLst>
   <p:handoutMasterIdLst>
-    <p:handoutMasterId r:id="rId17"/>
+    <p:handoutMasterId r:id="rId18"/>
   </p:handoutMasterIdLst>
   <p:sldIdLst>
     <p:sldId id="256" r:id="rId3"/>
     <p:sldId id="257" r:id="rId4"/>
     <p:sldId id="258" r:id="rId5"/>
-    <p:sldId id="279" r:id="rId6"/>
-    <p:sldId id="280" r:id="rId7"/>
-    <p:sldId id="274" r:id="rId8"/>
-    <p:sldId id="278" r:id="rId9"/>
-    <p:sldId id="285" r:id="rId10"/>
-    <p:sldId id="282" r:id="rId11"/>
-    <p:sldId id="283" r:id="rId12"/>
-    <p:sldId id="284" r:id="rId13"/>
-    <p:sldId id="275" r:id="rId14"/>
+    <p:sldId id="286" r:id="rId6"/>
+    <p:sldId id="279" r:id="rId7"/>
+    <p:sldId id="280" r:id="rId8"/>
+    <p:sldId id="274" r:id="rId9"/>
+    <p:sldId id="278" r:id="rId10"/>
+    <p:sldId id="285" r:id="rId11"/>
+    <p:sldId id="282" r:id="rId12"/>
+    <p:sldId id="283" r:id="rId13"/>
+    <p:sldId id="284" r:id="rId14"/>
     <p:sldId id="276" r:id="rId15"/>
+    <p:sldId id="287" r:id="rId16"/>
   </p:sldIdLst>
   <p:sldSz cx="12192000" cy="6858000"/>
   <p:notesSz cx="6858000" cy="9144000"/>
@@ -241,7 +242,7 @@
           <a:p>
             <a:fld id="{85B84C55-34AB-4F04-8C6E-103378987567}" type="datetimeFigureOut">
               <a:rPr lang="en-US" smtClean="0"/>
-              <a:t>6/6/2015</a:t>
+              <a:t>6/7/2015</a:t>
             </a:fld>
             <a:endParaRPr lang="en-US" dirty="0"/>
           </a:p>
@@ -406,7 +407,7 @@
           <a:p>
             <a:fld id="{86832DD9-7C6A-4C91-8CF1-0788B8213502}" type="datetimeFigureOut">
               <a:rPr lang="en-US" smtClean="0"/>
-              <a:t>6/6/2015</a:t>
+              <a:t>6/7/2015</a:t>
             </a:fld>
             <a:endParaRPr lang="en-US" dirty="0"/>
           </a:p>
@@ -792,7 +793,7 @@
           <a:p>
             <a:fld id="{8A57DA2E-A198-42B8-A77A-6063A9DC8646}" type="datetime1">
               <a:rPr lang="en-US" smtClean="0"/>
-              <a:t>6/6/2015</a:t>
+              <a:t>6/7/2015</a:t>
             </a:fld>
             <a:endParaRPr lang="en-US" dirty="0"/>
           </a:p>
@@ -1207,7 +1208,7 @@
           <a:p>
             <a:fld id="{5D0B467C-85F7-469C-B16D-CF41F04F5F22}" type="datetime1">
               <a:rPr lang="en-US" smtClean="0"/>
-              <a:t>6/6/2015</a:t>
+              <a:t>6/7/2015</a:t>
             </a:fld>
             <a:endParaRPr lang="en-US" dirty="0"/>
           </a:p>
@@ -1389,7 +1390,7 @@
           <a:p>
             <a:fld id="{38E79436-BD82-44D9-9B6F-6D45FC4FB282}" type="datetime1">
               <a:rPr lang="en-US" smtClean="0"/>
-              <a:t>6/6/2015</a:t>
+              <a:t>6/7/2015</a:t>
             </a:fld>
             <a:endParaRPr lang="en-US" dirty="0"/>
           </a:p>
@@ -1581,7 +1582,7 @@
           <a:p>
             <a:fld id="{6955B0D3-E9C4-4790-9AFC-472238E9D978}" type="datetime1">
               <a:rPr lang="en-US" smtClean="0"/>
-              <a:t>6/6/2015</a:t>
+              <a:t>6/7/2015</a:t>
             </a:fld>
             <a:endParaRPr lang="en-US" dirty="0"/>
           </a:p>
@@ -1767,7 +1768,7 @@
           <a:p>
             <a:fld id="{A9EFB39F-05CF-4198-9763-0EA4BE92E0D0}" type="datetime1">
               <a:rPr lang="en-US" smtClean="0"/>
-              <a:t>6/6/2015</a:t>
+              <a:t>6/7/2015</a:t>
             </a:fld>
             <a:endParaRPr lang="en-US" dirty="0"/>
           </a:p>
@@ -2004,7 +2005,7 @@
           <a:p>
             <a:fld id="{FF2491D0-1B86-4F30-8D90-913BBBB0A4F2}" type="datetime1">
               <a:rPr lang="en-US" smtClean="0"/>
-              <a:t>6/6/2015</a:t>
+              <a:t>6/7/2015</a:t>
             </a:fld>
             <a:endParaRPr lang="en-US" dirty="0"/>
           </a:p>
@@ -2285,7 +2286,7 @@
           <a:p>
             <a:fld id="{A28FD5D4-22BE-49CA-89DE-DEB7778B4EA0}" type="datetime1">
               <a:rPr lang="en-US" smtClean="0"/>
-              <a:t>6/6/2015</a:t>
+              <a:t>6/7/2015</a:t>
             </a:fld>
             <a:endParaRPr lang="en-US" dirty="0"/>
           </a:p>
@@ -2676,7 +2677,7 @@
           <a:p>
             <a:fld id="{98A942CB-856E-4E4B-8C89-197AEAE66A5F}" type="datetime1">
               <a:rPr lang="en-US" smtClean="0"/>
-              <a:t>6/6/2015</a:t>
+              <a:t>6/7/2015</a:t>
             </a:fld>
             <a:endParaRPr lang="en-US" dirty="0"/>
           </a:p>
@@ -2815,7 +2816,7 @@
           <a:p>
             <a:fld id="{90C5A565-20AE-4CD1-A4DD-E062216372E9}" type="datetime1">
               <a:rPr lang="en-US" smtClean="0"/>
-              <a:t>6/6/2015</a:t>
+              <a:t>6/7/2015</a:t>
             </a:fld>
             <a:endParaRPr lang="en-US" dirty="0"/>
           </a:p>
@@ -2995,7 +2996,7 @@
           <a:p>
             <a:fld id="{43669077-B497-459B-927D-21898BE78E1B}" type="datetime1">
               <a:rPr lang="en-US" smtClean="0"/>
-              <a:t>6/6/2015</a:t>
+              <a:t>6/7/2015</a:t>
             </a:fld>
             <a:endParaRPr lang="en-US" dirty="0"/>
           </a:p>
@@ -3266,7 +3267,7 @@
           <a:p>
             <a:fld id="{E5371151-446F-4595-B3D3-21EF3A6E9BFE}" type="datetime1">
               <a:rPr lang="en-US" smtClean="0"/>
-              <a:t>6/6/2015</a:t>
+              <a:t>6/7/2015</a:t>
             </a:fld>
             <a:endParaRPr lang="en-US" dirty="0"/>
           </a:p>
@@ -3581,7 +3582,7 @@
           <a:p>
             <a:fld id="{671E04DB-BE65-47F8-B877-7DBE6DFA71B8}" type="datetime1">
               <a:rPr lang="en-US" smtClean="0"/>
-              <a:t>6/6/2015</a:t>
+              <a:t>6/7/2015</a:t>
             </a:fld>
             <a:endParaRPr lang="en-US" dirty="0"/>
           </a:p>
@@ -4213,8 +4214,24 @@
           <a:lstStyle/>
           <a:p>
             <a:r>
+              <a:rPr lang="en-US" cap="none" dirty="0" smtClean="0"/>
+              <a:t>CIS234a </a:t>
+            </a:r>
+            <a:r>
               <a:rPr lang="en-US" dirty="0" smtClean="0"/>
-              <a:t>CIS234a – t1</a:t>
+              <a:t>– </a:t>
+            </a:r>
+            <a:r>
+              <a:rPr lang="en-US" cap="none" dirty="0"/>
+              <a:t>t</a:t>
+            </a:r>
+            <a:r>
+              <a:rPr lang="en-US" cap="none" dirty="0" smtClean="0"/>
+              <a:t>1</a:t>
+            </a:r>
+            <a:r>
+              <a:rPr lang="en-US" dirty="0" smtClean="0"/>
+              <a:t/>
             </a:r>
             <a:br>
               <a:rPr lang="en-US" dirty="0" smtClean="0"/>
@@ -4259,9 +4276,137 @@
   <p:timing>
     <p:tnLst>
       <p:par>
-        <p:cTn id="1" dur="indefinite" restart="never" nodeType="tmRoot"/>
+        <p:cTn id="1" dur="indefinite" restart="never" nodeType="tmRoot">
+          <p:childTnLst>
+            <p:seq concurrent="1" nextAc="seek">
+              <p:cTn id="2" dur="indefinite" nodeType="mainSeq">
+                <p:childTnLst>
+                  <p:par>
+                    <p:cTn id="3" fill="hold">
+                      <p:stCondLst>
+                        <p:cond delay="indefinite"/>
+                        <p:cond evt="onBegin" delay="0">
+                          <p:tn val="2"/>
+                        </p:cond>
+                      </p:stCondLst>
+                      <p:childTnLst>
+                        <p:par>
+                          <p:cTn id="4" fill="hold">
+                            <p:stCondLst>
+                              <p:cond delay="0"/>
+                            </p:stCondLst>
+                            <p:childTnLst>
+                              <p:par>
+                                <p:cTn id="5" presetID="42" presetClass="entr" presetSubtype="0" fill="hold" grpId="0" nodeType="withEffect">
+                                  <p:stCondLst>
+                                    <p:cond delay="0"/>
+                                  </p:stCondLst>
+                                  <p:childTnLst>
+                                    <p:set>
+                                      <p:cBhvr>
+                                        <p:cTn id="6" dur="1" fill="hold">
+                                          <p:stCondLst>
+                                            <p:cond delay="0"/>
+                                          </p:stCondLst>
+                                        </p:cTn>
+                                        <p:tgtEl>
+                                          <p:spTgt spid="2"/>
+                                        </p:tgtEl>
+                                        <p:attrNameLst>
+                                          <p:attrName>style.visibility</p:attrName>
+                                        </p:attrNameLst>
+                                      </p:cBhvr>
+                                      <p:to>
+                                        <p:strVal val="visible"/>
+                                      </p:to>
+                                    </p:set>
+                                    <p:animEffect transition="in" filter="fade">
+                                      <p:cBhvr>
+                                        <p:cTn id="7" dur="1000"/>
+                                        <p:tgtEl>
+                                          <p:spTgt spid="2"/>
+                                        </p:tgtEl>
+                                      </p:cBhvr>
+                                    </p:animEffect>
+                                    <p:anim calcmode="lin" valueType="num">
+                                      <p:cBhvr>
+                                        <p:cTn id="8" dur="1000" fill="hold"/>
+                                        <p:tgtEl>
+                                          <p:spTgt spid="2"/>
+                                        </p:tgtEl>
+                                        <p:attrNameLst>
+                                          <p:attrName>ppt_x</p:attrName>
+                                        </p:attrNameLst>
+                                      </p:cBhvr>
+                                      <p:tavLst>
+                                        <p:tav tm="0">
+                                          <p:val>
+                                            <p:strVal val="#ppt_x"/>
+                                          </p:val>
+                                        </p:tav>
+                                        <p:tav tm="100000">
+                                          <p:val>
+                                            <p:strVal val="#ppt_x"/>
+                                          </p:val>
+                                        </p:tav>
+                                      </p:tavLst>
+                                    </p:anim>
+                                    <p:anim calcmode="lin" valueType="num">
+                                      <p:cBhvr>
+                                        <p:cTn id="9" dur="1000" fill="hold"/>
+                                        <p:tgtEl>
+                                          <p:spTgt spid="2"/>
+                                        </p:tgtEl>
+                                        <p:attrNameLst>
+                                          <p:attrName>ppt_y</p:attrName>
+                                        </p:attrNameLst>
+                                      </p:cBhvr>
+                                      <p:tavLst>
+                                        <p:tav tm="0">
+                                          <p:val>
+                                            <p:strVal val="#ppt_y+.1"/>
+                                          </p:val>
+                                        </p:tav>
+                                        <p:tav tm="100000">
+                                          <p:val>
+                                            <p:strVal val="#ppt_y"/>
+                                          </p:val>
+                                        </p:tav>
+                                      </p:tavLst>
+                                    </p:anim>
+                                  </p:childTnLst>
+                                </p:cTn>
+                              </p:par>
+                            </p:childTnLst>
+                          </p:cTn>
+                        </p:par>
+                      </p:childTnLst>
+                    </p:cTn>
+                  </p:par>
+                </p:childTnLst>
+              </p:cTn>
+              <p:prevCondLst>
+                <p:cond evt="onPrev" delay="0">
+                  <p:tgtEl>
+                    <p:sldTgt/>
+                  </p:tgtEl>
+                </p:cond>
+              </p:prevCondLst>
+              <p:nextCondLst>
+                <p:cond evt="onNext" delay="0">
+                  <p:tgtEl>
+                    <p:sldTgt/>
+                  </p:tgtEl>
+                </p:cond>
+              </p:nextCondLst>
+            </p:seq>
+          </p:childTnLst>
+        </p:cTn>
       </p:par>
     </p:tnLst>
+    <p:bldLst>
+      <p:bldP spid="2" grpId="0"/>
+    </p:bldLst>
   </p:timing>
 </p:sld>
 </file>
@@ -4298,6 +4443,7 @@
           <a:bodyPr/>
           <a:lstStyle/>
           <a:p>
+            <a:pPr lvl="1"/>
             <a:endParaRPr lang="en-US" dirty="0" smtClean="0"/>
           </a:p>
           <a:p>
@@ -4305,9 +4451,33 @@
           </a:p>
         </p:txBody>
       </p:sp>
-      <p:sp>
-        <p:nvSpPr>
-          <p:cNvPr id="2" name="Title 1"/>
+      <p:pic>
+        <p:nvPicPr>
+          <p:cNvPr id="4" name="Picture 3"/>
+          <p:cNvPicPr>
+            <a:picLocks noChangeAspect="1"/>
+          </p:cNvPicPr>
+          <p:nvPr/>
+        </p:nvPicPr>
+        <p:blipFill>
+          <a:blip r:embed="rId2"/>
+          <a:stretch>
+            <a:fillRect/>
+          </a:stretch>
+        </p:blipFill>
+        <p:spPr>
+          <a:xfrm>
+            <a:off x="4255029" y="119021"/>
+            <a:ext cx="6679142" cy="6641084"/>
+          </a:xfrm>
+          <a:prstGeom prst="rect">
+            <a:avLst/>
+          </a:prstGeom>
+        </p:spPr>
+      </p:pic>
+      <p:sp>
+        <p:nvSpPr>
+          <p:cNvPr id="5" name="Title 4"/>
           <p:cNvSpPr>
             <a:spLocks noGrp="1"/>
           </p:cNvSpPr>
@@ -4317,8 +4487,240 @@
         </p:nvSpPr>
         <p:spPr>
           <a:xfrm>
-            <a:off x="609600" y="274637"/>
-            <a:ext cx="9956800" cy="1521111"/>
+            <a:off x="609600" y="274638"/>
+            <a:ext cx="4013200" cy="6380162"/>
+          </a:xfrm>
+        </p:spPr>
+        <p:txBody>
+          <a:bodyPr anchor="t">
+            <a:normAutofit/>
+          </a:bodyPr>
+          <a:lstStyle/>
+          <a:p>
+            <a:r>
+              <a:rPr lang="en-US" dirty="0" smtClean="0"/>
+              <a:t>Overview -  </a:t>
+            </a:r>
+            <a:br>
+              <a:rPr lang="en-US" dirty="0" smtClean="0"/>
+            </a:br>
+            <a:r>
+              <a:rPr lang="en-US" dirty="0" smtClean="0"/>
+              <a:t>User Test </a:t>
+            </a:r>
+            <a:br>
+              <a:rPr lang="en-US" dirty="0" smtClean="0"/>
+            </a:br>
+            <a:r>
+              <a:rPr lang="en-US" dirty="0" smtClean="0"/>
+              <a:t>Screen</a:t>
+            </a:r>
+            <a:endParaRPr lang="en-US" dirty="0"/>
+          </a:p>
+        </p:txBody>
+      </p:sp>
+    </p:spTree>
+    <p:extLst>
+      <p:ext uri="{BB962C8B-B14F-4D97-AF65-F5344CB8AC3E}">
+        <p14:creationId xmlns:p14="http://schemas.microsoft.com/office/powerpoint/2010/main" val="2655541122"/>
+      </p:ext>
+    </p:extLst>
+  </p:cSld>
+  <p:clrMapOvr>
+    <a:masterClrMapping/>
+  </p:clrMapOvr>
+  <mc:AlternateContent xmlns:mc="http://schemas.openxmlformats.org/markup-compatibility/2006" xmlns:p14="http://schemas.microsoft.com/office/powerpoint/2010/main">
+    <mc:Choice Requires="p14">
+      <p:transition spd="med" p14:dur="700">
+        <p:fade/>
+      </p:transition>
+    </mc:Choice>
+    <mc:Fallback xmlns="">
+      <p:transition spd="med">
+        <p:fade/>
+      </p:transition>
+    </mc:Fallback>
+  </mc:AlternateContent>
+  <p:timing>
+    <p:tnLst>
+      <p:par>
+        <p:cTn id="1" dur="indefinite" restart="never" nodeType="tmRoot">
+          <p:childTnLst>
+            <p:seq concurrent="1" nextAc="seek">
+              <p:cTn id="2" dur="indefinite" nodeType="mainSeq">
+                <p:childTnLst>
+                  <p:par>
+                    <p:cTn id="3" fill="hold">
+                      <p:stCondLst>
+                        <p:cond delay="indefinite"/>
+                        <p:cond evt="onBegin" delay="0">
+                          <p:tn val="2"/>
+                        </p:cond>
+                      </p:stCondLst>
+                      <p:childTnLst>
+                        <p:par>
+                          <p:cTn id="4" fill="hold">
+                            <p:stCondLst>
+                              <p:cond delay="0"/>
+                            </p:stCondLst>
+                            <p:childTnLst>
+                              <p:par>
+                                <p:cTn id="5" presetID="22" presetClass="entr" presetSubtype="1" fill="hold" grpId="0" nodeType="withEffect">
+                                  <p:stCondLst>
+                                    <p:cond delay="0"/>
+                                  </p:stCondLst>
+                                  <p:childTnLst>
+                                    <p:set>
+                                      <p:cBhvr>
+                                        <p:cTn id="6" dur="1" fill="hold">
+                                          <p:stCondLst>
+                                            <p:cond delay="0"/>
+                                          </p:stCondLst>
+                                        </p:cTn>
+                                        <p:tgtEl>
+                                          <p:spTgt spid="5"/>
+                                        </p:tgtEl>
+                                        <p:attrNameLst>
+                                          <p:attrName>style.visibility</p:attrName>
+                                        </p:attrNameLst>
+                                      </p:cBhvr>
+                                      <p:to>
+                                        <p:strVal val="visible"/>
+                                      </p:to>
+                                    </p:set>
+                                    <p:animEffect transition="in" filter="wipe(up)">
+                                      <p:cBhvr>
+                                        <p:cTn id="7" dur="500"/>
+                                        <p:tgtEl>
+                                          <p:spTgt spid="5"/>
+                                        </p:tgtEl>
+                                      </p:cBhvr>
+                                    </p:animEffect>
+                                  </p:childTnLst>
+                                </p:cTn>
+                              </p:par>
+                              <p:par>
+                                <p:cTn id="8" presetID="10" presetClass="entr" presetSubtype="0" fill="hold" nodeType="withEffect">
+                                  <p:stCondLst>
+                                    <p:cond delay="1000"/>
+                                  </p:stCondLst>
+                                  <p:childTnLst>
+                                    <p:set>
+                                      <p:cBhvr>
+                                        <p:cTn id="9" dur="1" fill="hold">
+                                          <p:stCondLst>
+                                            <p:cond delay="0"/>
+                                          </p:stCondLst>
+                                        </p:cTn>
+                                        <p:tgtEl>
+                                          <p:spTgt spid="4"/>
+                                        </p:tgtEl>
+                                        <p:attrNameLst>
+                                          <p:attrName>style.visibility</p:attrName>
+                                        </p:attrNameLst>
+                                      </p:cBhvr>
+                                      <p:to>
+                                        <p:strVal val="visible"/>
+                                      </p:to>
+                                    </p:set>
+                                    <p:animEffect transition="in" filter="fade">
+                                      <p:cBhvr>
+                                        <p:cTn id="10" dur="10"/>
+                                        <p:tgtEl>
+                                          <p:spTgt spid="4"/>
+                                        </p:tgtEl>
+                                      </p:cBhvr>
+                                    </p:animEffect>
+                                  </p:childTnLst>
+                                </p:cTn>
+                              </p:par>
+                            </p:childTnLst>
+                          </p:cTn>
+                        </p:par>
+                      </p:childTnLst>
+                    </p:cTn>
+                  </p:par>
+                </p:childTnLst>
+              </p:cTn>
+              <p:prevCondLst>
+                <p:cond evt="onPrev" delay="0">
+                  <p:tgtEl>
+                    <p:sldTgt/>
+                  </p:tgtEl>
+                </p:cond>
+              </p:prevCondLst>
+              <p:nextCondLst>
+                <p:cond evt="onNext" delay="0">
+                  <p:tgtEl>
+                    <p:sldTgt/>
+                  </p:tgtEl>
+                </p:cond>
+              </p:nextCondLst>
+            </p:seq>
+          </p:childTnLst>
+        </p:cTn>
+      </p:par>
+    </p:tnLst>
+    <p:bldLst>
+      <p:bldP spid="5" grpId="0"/>
+    </p:bldLst>
+  </p:timing>
+</p:sld>
+</file>
+
+<file path=ppt/slides/slide11.xml><?xml version="1.0" encoding="utf-8"?>
+<p:sld xmlns:a="http://schemas.openxmlformats.org/drawingml/2006/main" xmlns:r="http://schemas.openxmlformats.org/officeDocument/2006/relationships" xmlns:p="http://schemas.openxmlformats.org/presentationml/2006/main">
+  <p:cSld>
+    <p:spTree>
+      <p:nvGrpSpPr>
+        <p:cNvPr id="1" name=""/>
+        <p:cNvGrpSpPr/>
+        <p:nvPr/>
+      </p:nvGrpSpPr>
+      <p:grpSpPr>
+        <a:xfrm>
+          <a:off x="0" y="0"/>
+          <a:ext cx="0" cy="0"/>
+          <a:chOff x="0" y="0"/>
+          <a:chExt cx="0" cy="0"/>
+        </a:xfrm>
+      </p:grpSpPr>
+      <p:sp>
+        <p:nvSpPr>
+          <p:cNvPr id="3" name="Content Placeholder 2"/>
+          <p:cNvSpPr>
+            <a:spLocks noGrp="1"/>
+          </p:cNvSpPr>
+          <p:nvPr>
+            <p:ph idx="1"/>
+          </p:nvPr>
+        </p:nvSpPr>
+        <p:spPr/>
+        <p:txBody>
+          <a:bodyPr/>
+          <a:lstStyle/>
+          <a:p>
+            <a:endParaRPr lang="en-US" dirty="0" smtClean="0"/>
+          </a:p>
+          <a:p>
+            <a:endParaRPr lang="en-US" dirty="0"/>
+          </a:p>
+        </p:txBody>
+      </p:sp>
+      <p:sp>
+        <p:nvSpPr>
+          <p:cNvPr id="2" name="Title 1"/>
+          <p:cNvSpPr>
+            <a:spLocks noGrp="1"/>
+          </p:cNvSpPr>
+          <p:nvPr>
+            <p:ph type="title"/>
+          </p:nvPr>
+        </p:nvSpPr>
+        <p:spPr>
+          <a:xfrm>
+            <a:off x="609600" y="84776"/>
+            <a:ext cx="10936406" cy="1521111"/>
           </a:xfrm>
         </p:spPr>
         <p:txBody>
@@ -4329,11 +4731,15 @@
           <a:p>
             <a:r>
               <a:rPr lang="en-US" dirty="0" smtClean="0"/>
-              <a:t>Functional Overview </a:t>
+              <a:t>Overview </a:t>
+            </a:r>
+            <a:r>
+              <a:rPr lang="en-US" dirty="0"/>
+              <a:t>-</a:t>
             </a:r>
             <a:r>
               <a:rPr lang="en-US" dirty="0" smtClean="0"/>
-              <a:t>– Test Results Reporting</a:t>
+              <a:t> Test Results Reporting</a:t>
             </a:r>
             <a:endParaRPr lang="en-US" dirty="0"/>
           </a:p>
@@ -4349,8 +4755,8 @@
         </p:nvSpPr>
         <p:spPr>
           <a:xfrm>
-            <a:off x="762000" y="1752601"/>
-            <a:ext cx="9956800" cy="4525963"/>
+            <a:off x="761999" y="1752601"/>
+            <a:ext cx="10251744" cy="4525963"/>
           </a:xfrm>
           <a:prstGeom prst="rect">
             <a:avLst/>
@@ -4533,32 +4939,35 @@
           <a:p>
             <a:r>
               <a:rPr lang="en-US" sz="4000" dirty="0" smtClean="0"/>
-              <a:t>View results of users for data gathering</a:t>
+              <a:t>Found By User and Unique Test Session ID </a:t>
             </a:r>
           </a:p>
           <a:p>
             <a:r>
               <a:rPr lang="en-US" sz="4000" dirty="0" smtClean="0"/>
-              <a:t>Select User, then </a:t>
-            </a:r>
-            <a:r>
-              <a:rPr lang="en-US" sz="4000" dirty="0" err="1" smtClean="0"/>
-              <a:t>TestID</a:t>
-            </a:r>
-            <a:r>
-              <a:rPr lang="en-US" sz="4000" dirty="0" smtClean="0"/>
-              <a:t> and Date, and View Results</a:t>
-            </a:r>
-          </a:p>
-          <a:p>
-            <a:r>
-              <a:rPr lang="en-US" sz="4000" dirty="0" smtClean="0"/>
-              <a:t>View Progress Meter During the User Test</a:t>
-            </a:r>
-            <a:endParaRPr lang="en-US" dirty="0" smtClean="0"/>
-          </a:p>
-          <a:p>
-            <a:endParaRPr lang="en-US" dirty="0"/>
+              <a:t>Item Ranking Order</a:t>
+            </a:r>
+          </a:p>
+          <a:p>
+            <a:pPr lvl="1"/>
+            <a:r>
+              <a:rPr lang="en-US" sz="3600" dirty="0" smtClean="0"/>
+              <a:t>Win	 1 	Point</a:t>
+            </a:r>
+          </a:p>
+          <a:p>
+            <a:pPr lvl="1"/>
+            <a:r>
+              <a:rPr lang="en-US" sz="3600" dirty="0" smtClean="0"/>
+              <a:t>Loss	-1	Point</a:t>
+            </a:r>
+          </a:p>
+          <a:p>
+            <a:pPr lvl="1"/>
+            <a:r>
+              <a:rPr lang="en-US" sz="3600" dirty="0" smtClean="0"/>
+              <a:t>Tie	 0 	Points</a:t>
+            </a:r>
           </a:p>
         </p:txBody>
       </p:sp>
@@ -4596,6 +5005,9 @@
                     <p:cTn id="3" fill="hold">
                       <p:stCondLst>
                         <p:cond delay="indefinite"/>
+                        <p:cond evt="onBegin" delay="0">
+                          <p:tn val="2"/>
+                        </p:cond>
                       </p:stCondLst>
                       <p:childTnLst>
                         <p:par>
@@ -4605,9 +5017,9 @@
                             </p:stCondLst>
                             <p:childTnLst>
                               <p:par>
-                                <p:cTn id="5" presetID="1" presetClass="entr" presetSubtype="0" fill="hold" nodeType="clickEffect">
+                                <p:cTn id="5" presetID="1" presetClass="entr" presetSubtype="0" fill="hold" nodeType="withEffect">
                                   <p:stCondLst>
-                                    <p:cond delay="0"/>
+                                    <p:cond delay="1000"/>
                                   </p:stCondLst>
                                   <p:childTnLst>
                                     <p:set>
@@ -4635,6 +5047,41 @@
                                   </p:childTnLst>
                                 </p:cTn>
                               </p:par>
+                              <p:par>
+                                <p:cTn id="7" presetID="22" presetClass="entr" presetSubtype="8" fill="hold" grpId="0" nodeType="withEffect">
+                                  <p:stCondLst>
+                                    <p:cond delay="0"/>
+                                  </p:stCondLst>
+                                  <p:childTnLst>
+                                    <p:set>
+                                      <p:cBhvr>
+                                        <p:cTn id="8" dur="1" fill="hold">
+                                          <p:stCondLst>
+                                            <p:cond delay="0"/>
+                                          </p:stCondLst>
+                                        </p:cTn>
+                                        <p:tgtEl>
+                                          <p:spTgt spid="2"/>
+                                        </p:tgtEl>
+                                        <p:attrNameLst>
+                                          <p:attrName>style.visibility</p:attrName>
+                                        </p:attrNameLst>
+                                      </p:cBhvr>
+                                      <p:to>
+                                        <p:strVal val="visible"/>
+                                      </p:to>
+                                    </p:set>
+                                    <p:animEffect transition="in" filter="wipe(left)">
+                                      <p:cBhvr>
+                                        <p:cTn id="9" dur="500"/>
+                                        <p:tgtEl>
+                                          <p:spTgt spid="2"/>
+                                        </p:tgtEl>
+                                      </p:cBhvr>
+                                    </p:animEffect>
+                                  </p:childTnLst>
+                                </p:cTn>
+                              </p:par>
                             </p:childTnLst>
                           </p:cTn>
                         </p:par>
@@ -4642,26 +5089,26 @@
                     </p:cTn>
                   </p:par>
                   <p:par>
-                    <p:cTn id="7" fill="hold">
+                    <p:cTn id="10" fill="hold">
                       <p:stCondLst>
                         <p:cond delay="indefinite"/>
                       </p:stCondLst>
                       <p:childTnLst>
                         <p:par>
-                          <p:cTn id="8" fill="hold">
+                          <p:cTn id="11" fill="hold">
                             <p:stCondLst>
                               <p:cond delay="0"/>
                             </p:stCondLst>
                             <p:childTnLst>
                               <p:par>
-                                <p:cTn id="9" presetID="1" presetClass="entr" presetSubtype="0" fill="hold" nodeType="clickEffect">
+                                <p:cTn id="12" presetID="1" presetClass="entr" presetSubtype="0" fill="hold" nodeType="clickEffect">
                                   <p:stCondLst>
                                     <p:cond delay="0"/>
                                   </p:stCondLst>
                                   <p:childTnLst>
                                     <p:set>
                                       <p:cBhvr>
-                                        <p:cTn id="10" dur="1" fill="hold">
+                                        <p:cTn id="13" dur="1" fill="hold">
                                           <p:stCondLst>
                                             <p:cond delay="0"/>
                                           </p:stCondLst>
@@ -4691,34 +5138,96 @@
                     </p:cTn>
                   </p:par>
                   <p:par>
-                    <p:cTn id="11" fill="hold">
+                    <p:cTn id="14" fill="hold">
                       <p:stCondLst>
                         <p:cond delay="indefinite"/>
                       </p:stCondLst>
                       <p:childTnLst>
                         <p:par>
-                          <p:cTn id="12" fill="hold">
+                          <p:cTn id="15" fill="hold">
                             <p:stCondLst>
                               <p:cond delay="0"/>
                             </p:stCondLst>
                             <p:childTnLst>
                               <p:par>
-                                <p:cTn id="13" presetID="1" presetClass="entr" presetSubtype="0" fill="hold" nodeType="clickEffect">
+                                <p:cTn id="16" presetID="1" presetClass="entr" presetSubtype="0" fill="hold" nodeType="clickEffect">
                                   <p:stCondLst>
                                     <p:cond delay="0"/>
                                   </p:stCondLst>
                                   <p:childTnLst>
                                     <p:set>
                                       <p:cBhvr>
-                                        <p:cTn id="14" dur="1" fill="hold">
+                                        <p:cTn id="17" dur="1" fill="hold">
                                           <p:stCondLst>
-                                            <p:cond delay="0"/>
+                                            <p:cond delay="9"/>
                                           </p:stCondLst>
                                         </p:cTn>
                                         <p:tgtEl>
                                           <p:spTgt spid="4">
                                             <p:txEl>
                                               <p:pRg st="2" end="2"/>
+                                            </p:txEl>
+                                          </p:spTgt>
+                                        </p:tgtEl>
+                                        <p:attrNameLst>
+                                          <p:attrName>style.visibility</p:attrName>
+                                        </p:attrNameLst>
+                                      </p:cBhvr>
+                                      <p:to>
+                                        <p:strVal val="visible"/>
+                                      </p:to>
+                                    </p:set>
+                                  </p:childTnLst>
+                                </p:cTn>
+                              </p:par>
+                              <p:par>
+                                <p:cTn id="18" presetID="1" presetClass="entr" presetSubtype="0" fill="hold" nodeType="withEffect">
+                                  <p:stCondLst>
+                                    <p:cond delay="0"/>
+                                  </p:stCondLst>
+                                  <p:childTnLst>
+                                    <p:set>
+                                      <p:cBhvr>
+                                        <p:cTn id="19" dur="1" fill="hold">
+                                          <p:stCondLst>
+                                            <p:cond delay="499"/>
+                                          </p:stCondLst>
+                                        </p:cTn>
+                                        <p:tgtEl>
+                                          <p:spTgt spid="4">
+                                            <p:txEl>
+                                              <p:pRg st="3" end="3"/>
+                                            </p:txEl>
+                                          </p:spTgt>
+                                        </p:tgtEl>
+                                        <p:attrNameLst>
+                                          <p:attrName>style.visibility</p:attrName>
+                                        </p:attrNameLst>
+                                      </p:cBhvr>
+                                      <p:to>
+                                        <p:strVal val="visible"/>
+                                      </p:to>
+                                    </p:set>
+                                  </p:childTnLst>
+                                </p:cTn>
+                              </p:par>
+                              <p:par>
+                                <p:cTn id="20" presetID="1" presetClass="entr" presetSubtype="0" fill="hold" nodeType="withEffect">
+                                  <p:stCondLst>
+                                    <p:cond delay="0"/>
+                                  </p:stCondLst>
+                                  <p:childTnLst>
+                                    <p:set>
+                                      <p:cBhvr>
+                                        <p:cTn id="21" dur="1" fill="hold">
+                                          <p:stCondLst>
+                                            <p:cond delay="999"/>
+                                          </p:stCondLst>
+                                        </p:cTn>
+                                        <p:tgtEl>
+                                          <p:spTgt spid="4">
+                                            <p:txEl>
+                                              <p:pRg st="4" end="4"/>
                                             </p:txEl>
                                           </p:spTgt>
                                         </p:tgtEl>
@@ -4760,11 +5269,14 @@
         </p:cTn>
       </p:par>
     </p:tnLst>
+    <p:bldLst>
+      <p:bldP spid="2" grpId="0"/>
+    </p:bldLst>
   </p:timing>
 </p:sld>
 </file>
 
-<file path=ppt/slides/slide11.xml><?xml version="1.0" encoding="utf-8"?>
+<file path=ppt/slides/slide12.xml><?xml version="1.0" encoding="utf-8"?>
 <p:sld xmlns:a="http://schemas.openxmlformats.org/drawingml/2006/main" xmlns:r="http://schemas.openxmlformats.org/officeDocument/2006/relationships" xmlns:p="http://schemas.openxmlformats.org/presentationml/2006/main">
   <p:cSld>
     <p:spTree>
@@ -4791,7 +5303,12 @@
             <p:ph idx="1"/>
           </p:nvPr>
         </p:nvSpPr>
-        <p:spPr/>
+        <p:spPr>
+          <a:xfrm>
+            <a:off x="609600" y="1595672"/>
+            <a:ext cx="9956800" cy="4525963"/>
+          </a:xfrm>
+        </p:spPr>
         <p:txBody>
           <a:bodyPr/>
           <a:lstStyle/>
@@ -4800,29 +5317,6 @@
             <a:endParaRPr lang="en-US" dirty="0" smtClean="0"/>
           </a:p>
           <a:p>
-            <a:endParaRPr lang="en-US" dirty="0"/>
-          </a:p>
-        </p:txBody>
-      </p:sp>
-      <p:sp>
-        <p:nvSpPr>
-          <p:cNvPr id="2" name="Title 1"/>
-          <p:cNvSpPr>
-            <a:spLocks noGrp="1"/>
-          </p:cNvSpPr>
-          <p:nvPr>
-            <p:ph type="title"/>
-          </p:nvPr>
-        </p:nvSpPr>
-        <p:spPr/>
-        <p:txBody>
-          <a:bodyPr/>
-          <a:lstStyle/>
-          <a:p>
-            <a:r>
-              <a:rPr lang="en-US" dirty="0" smtClean="0"/>
-              <a:t>Overview – Test Results Reporting</a:t>
-            </a:r>
             <a:endParaRPr lang="en-US" dirty="0"/>
           </a:p>
         </p:txBody>
@@ -4899,6 +5393,28 @@
           </a:prstGeom>
         </p:spPr>
       </p:pic>
+      <p:sp>
+        <p:nvSpPr>
+          <p:cNvPr id="5" name="Title 4"/>
+          <p:cNvSpPr>
+            <a:spLocks noGrp="1"/>
+          </p:cNvSpPr>
+          <p:nvPr>
+            <p:ph type="title"/>
+          </p:nvPr>
+        </p:nvSpPr>
+        <p:spPr/>
+        <p:txBody>
+          <a:bodyPr/>
+          <a:lstStyle/>
+          <a:p>
+            <a:r>
+              <a:rPr lang="en-US" dirty="0"/>
+              <a:t>Overview - Test Results Reporting</a:t>
+            </a:r>
+          </a:p>
+        </p:txBody>
+      </p:sp>
     </p:spTree>
     <p:extLst>
       <p:ext uri="{BB962C8B-B14F-4D97-AF65-F5344CB8AC3E}">
@@ -4933,6 +5449,9 @@
                     <p:cTn id="3" fill="hold">
                       <p:stCondLst>
                         <p:cond delay="indefinite"/>
+                        <p:cond evt="onBegin" delay="0">
+                          <p:tn val="2"/>
+                        </p:cond>
                       </p:stCondLst>
                       <p:childTnLst>
                         <p:par>
@@ -4942,14 +5461,102 @@
                             </p:stCondLst>
                             <p:childTnLst>
                               <p:par>
-                                <p:cTn id="5" presetID="1" presetClass="entr" presetSubtype="0" fill="hold" nodeType="clickEffect">
+                                <p:cTn id="5" presetID="10" presetClass="entr" presetSubtype="0" fill="hold" nodeType="withEffect">
+                                  <p:stCondLst>
+                                    <p:cond delay="1000"/>
+                                  </p:stCondLst>
+                                  <p:childTnLst>
+                                    <p:set>
+                                      <p:cBhvr>
+                                        <p:cTn id="6" dur="1" fill="hold">
+                                          <p:stCondLst>
+                                            <p:cond delay="0"/>
+                                          </p:stCondLst>
+                                        </p:cTn>
+                                        <p:tgtEl>
+                                          <p:spTgt spid="6"/>
+                                        </p:tgtEl>
+                                        <p:attrNameLst>
+                                          <p:attrName>style.visibility</p:attrName>
+                                        </p:attrNameLst>
+                                      </p:cBhvr>
+                                      <p:to>
+                                        <p:strVal val="visible"/>
+                                      </p:to>
+                                    </p:set>
+                                    <p:animEffect transition="in" filter="fade">
+                                      <p:cBhvr>
+                                        <p:cTn id="7" dur="500"/>
+                                        <p:tgtEl>
+                                          <p:spTgt spid="6"/>
+                                        </p:tgtEl>
+                                      </p:cBhvr>
+                                    </p:animEffect>
+                                  </p:childTnLst>
+                                </p:cTn>
+                              </p:par>
+                              <p:par>
+                                <p:cTn id="8" presetID="22" presetClass="entr" presetSubtype="8" fill="hold" grpId="0" nodeType="withEffect">
                                   <p:stCondLst>
                                     <p:cond delay="0"/>
                                   </p:stCondLst>
                                   <p:childTnLst>
                                     <p:set>
                                       <p:cBhvr>
-                                        <p:cTn id="6" dur="1" fill="hold">
+                                        <p:cTn id="9" dur="1" fill="hold">
+                                          <p:stCondLst>
+                                            <p:cond delay="0"/>
+                                          </p:stCondLst>
+                                        </p:cTn>
+                                        <p:tgtEl>
+                                          <p:spTgt spid="5"/>
+                                        </p:tgtEl>
+                                        <p:attrNameLst>
+                                          <p:attrName>style.visibility</p:attrName>
+                                        </p:attrNameLst>
+                                      </p:cBhvr>
+                                      <p:to>
+                                        <p:strVal val="visible"/>
+                                      </p:to>
+                                    </p:set>
+                                    <p:animEffect transition="in" filter="wipe(left)">
+                                      <p:cBhvr>
+                                        <p:cTn id="10" dur="500"/>
+                                        <p:tgtEl>
+                                          <p:spTgt spid="5"/>
+                                        </p:tgtEl>
+                                      </p:cBhvr>
+                                    </p:animEffect>
+                                  </p:childTnLst>
+                                </p:cTn>
+                              </p:par>
+                            </p:childTnLst>
+                          </p:cTn>
+                        </p:par>
+                      </p:childTnLst>
+                    </p:cTn>
+                  </p:par>
+                  <p:par>
+                    <p:cTn id="11" fill="hold">
+                      <p:stCondLst>
+                        <p:cond delay="indefinite"/>
+                      </p:stCondLst>
+                      <p:childTnLst>
+                        <p:par>
+                          <p:cTn id="12" fill="hold">
+                            <p:stCondLst>
+                              <p:cond delay="0"/>
+                            </p:stCondLst>
+                            <p:childTnLst>
+                              <p:par>
+                                <p:cTn id="13" presetID="10" presetClass="entr" presetSubtype="0" fill="hold" nodeType="clickEffect">
+                                  <p:stCondLst>
+                                    <p:cond delay="0"/>
+                                  </p:stCondLst>
+                                  <p:childTnLst>
+                                    <p:set>
+                                      <p:cBhvr>
+                                        <p:cTn id="14" dur="1" fill="hold">
                                           <p:stCondLst>
                                             <p:cond delay="0"/>
                                           </p:stCondLst>
@@ -4965,6 +5572,14 @@
                                         <p:strVal val="visible"/>
                                       </p:to>
                                     </p:set>
+                                    <p:animEffect transition="in" filter="fade">
+                                      <p:cBhvr>
+                                        <p:cTn id="15" dur="500"/>
+                                        <p:tgtEl>
+                                          <p:spTgt spid="4"/>
+                                        </p:tgtEl>
+                                      </p:cBhvr>
+                                    </p:animEffect>
                                   </p:childTnLst>
                                 </p:cTn>
                               </p:par>
@@ -4975,26 +5590,26 @@
                     </p:cTn>
                   </p:par>
                   <p:par>
-                    <p:cTn id="7" fill="hold">
+                    <p:cTn id="16" fill="hold">
                       <p:stCondLst>
                         <p:cond delay="indefinite"/>
                       </p:stCondLst>
                       <p:childTnLst>
                         <p:par>
-                          <p:cTn id="8" fill="hold">
+                          <p:cTn id="17" fill="hold">
                             <p:stCondLst>
                               <p:cond delay="0"/>
                             </p:stCondLst>
                             <p:childTnLst>
                               <p:par>
-                                <p:cTn id="9" presetID="1" presetClass="entr" presetSubtype="0" fill="hold" nodeType="clickEffect">
+                                <p:cTn id="18" presetID="10" presetClass="entr" presetSubtype="0" fill="hold" nodeType="clickEffect">
                                   <p:stCondLst>
                                     <p:cond delay="0"/>
                                   </p:stCondLst>
                                   <p:childTnLst>
                                     <p:set>
                                       <p:cBhvr>
-                                        <p:cTn id="10" dur="1" fill="hold">
+                                        <p:cTn id="19" dur="1" fill="hold">
                                           <p:stCondLst>
                                             <p:cond delay="0"/>
                                           </p:stCondLst>
@@ -5010,6 +5625,14 @@
                                         <p:strVal val="visible"/>
                                       </p:to>
                                     </p:set>
+                                    <p:animEffect transition="in" filter="fade">
+                                      <p:cBhvr>
+                                        <p:cTn id="20" dur="500"/>
+                                        <p:tgtEl>
+                                          <p:spTgt spid="7"/>
+                                        </p:tgtEl>
+                                      </p:cBhvr>
+                                    </p:animEffect>
                                   </p:childTnLst>
                                 </p:cTn>
                               </p:par>
@@ -5040,11 +5663,14 @@
         </p:cTn>
       </p:par>
     </p:tnLst>
+    <p:bldLst>
+      <p:bldP spid="5" grpId="0"/>
+    </p:bldLst>
   </p:timing>
 </p:sld>
 </file>
 
-<file path=ppt/slides/slide12.xml><?xml version="1.0" encoding="utf-8"?>
+<file path=ppt/slides/slide13.xml><?xml version="1.0" encoding="utf-8"?>
 <p:sld xmlns:a="http://schemas.openxmlformats.org/drawingml/2006/main" xmlns:r="http://schemas.openxmlformats.org/officeDocument/2006/relationships" xmlns:p="http://schemas.openxmlformats.org/presentationml/2006/main">
   <p:cSld>
     <p:spTree>
@@ -5078,44 +5704,32 @@
           <a:p>
             <a:r>
               <a:rPr lang="en-US" sz="4000" dirty="0" smtClean="0"/>
-              <a:t>Get familiar with the Eclipse IDE</a:t>
+              <a:t>Constant Check-ins</a:t>
             </a:r>
           </a:p>
           <a:p>
             <a:r>
               <a:rPr lang="en-US" sz="4000" dirty="0" smtClean="0"/>
-              <a:t>Design the database</a:t>
+              <a:t>GitHub – Revision Control</a:t>
             </a:r>
           </a:p>
           <a:p>
             <a:r>
               <a:rPr lang="en-US" sz="4000" dirty="0" smtClean="0"/>
-              <a:t>Setup the class models</a:t>
+              <a:t>Proper MVC coding</a:t>
             </a:r>
           </a:p>
           <a:p>
             <a:r>
               <a:rPr lang="en-US" sz="4000" dirty="0" smtClean="0"/>
-              <a:t>Get familiar with the MVC design pattern</a:t>
+              <a:t>Eclipse IDE</a:t>
             </a:r>
           </a:p>
           <a:p>
             <a:r>
               <a:rPr lang="en-US" sz="4000" dirty="0" smtClean="0"/>
-              <a:t>Divide up the stories in the sprint</a:t>
-            </a:r>
-          </a:p>
-          <a:p>
-            <a:r>
-              <a:rPr lang="en-US" sz="4000" dirty="0" smtClean="0"/>
-              <a:t>Start coding</a:t>
-            </a:r>
-          </a:p>
-          <a:p>
-            <a:endParaRPr lang="en-US" dirty="0" smtClean="0"/>
-          </a:p>
-          <a:p>
-            <a:endParaRPr lang="en-US" dirty="0" smtClean="0"/>
+              <a:t>Assumptions</a:t>
+            </a:r>
           </a:p>
           <a:p>
             <a:endParaRPr lang="en-US" dirty="0"/>
@@ -5139,7 +5753,7 @@
           <a:p>
             <a:r>
               <a:rPr lang="en-US" dirty="0" smtClean="0"/>
-              <a:t>Approach</a:t>
+              <a:t>Challenges / Lessons Learned</a:t>
             </a:r>
             <a:endParaRPr lang="en-US" dirty="0"/>
           </a:p>
@@ -5148,7 +5762,7 @@
     </p:spTree>
     <p:extLst>
       <p:ext uri="{BB962C8B-B14F-4D97-AF65-F5344CB8AC3E}">
-        <p14:creationId xmlns:p14="http://schemas.microsoft.com/office/powerpoint/2010/main" val="2933535503"/>
+        <p14:creationId xmlns:p14="http://schemas.microsoft.com/office/powerpoint/2010/main" val="588025368"/>
       </p:ext>
     </p:extLst>
   </p:cSld>
@@ -5179,6 +5793,9 @@
                     <p:cTn id="3" fill="hold">
                       <p:stCondLst>
                         <p:cond delay="indefinite"/>
+                        <p:cond evt="onBegin" delay="0">
+                          <p:tn val="2"/>
+                        </p:cond>
                       </p:stCondLst>
                       <p:childTnLst>
                         <p:par>
@@ -5188,7 +5805,7 @@
                             </p:stCondLst>
                             <p:childTnLst>
                               <p:par>
-                                <p:cTn id="5" presetID="1" presetClass="entr" presetSubtype="0" fill="hold" nodeType="clickEffect">
+                                <p:cTn id="5" presetID="22" presetClass="entr" presetSubtype="8" fill="hold" grpId="0" nodeType="withEffect">
                                   <p:stCondLst>
                                     <p:cond delay="0"/>
                                   </p:stCondLst>
@@ -5196,6 +5813,41 @@
                                     <p:set>
                                       <p:cBhvr>
                                         <p:cTn id="6" dur="1" fill="hold">
+                                          <p:stCondLst>
+                                            <p:cond delay="0"/>
+                                          </p:stCondLst>
+                                        </p:cTn>
+                                        <p:tgtEl>
+                                          <p:spTgt spid="2"/>
+                                        </p:tgtEl>
+                                        <p:attrNameLst>
+                                          <p:attrName>style.visibility</p:attrName>
+                                        </p:attrNameLst>
+                                      </p:cBhvr>
+                                      <p:to>
+                                        <p:strVal val="visible"/>
+                                      </p:to>
+                                    </p:set>
+                                    <p:animEffect transition="in" filter="wipe(left)">
+                                      <p:cBhvr>
+                                        <p:cTn id="7" dur="500"/>
+                                        <p:tgtEl>
+                                          <p:spTgt spid="2"/>
+                                        </p:tgtEl>
+                                      </p:cBhvr>
+                                    </p:animEffect>
+                                  </p:childTnLst>
+                                </p:cTn>
+                              </p:par>
+                              <p:par>
+                                <p:cTn id="8" presetID="1" presetClass="entr" presetSubtype="0" fill="hold" nodeType="withEffect">
+                                  <p:stCondLst>
+                                    <p:cond delay="1000"/>
+                                  </p:stCondLst>
+                                  <p:childTnLst>
+                                    <p:set>
+                                      <p:cBhvr>
+                                        <p:cTn id="9" dur="1" fill="hold">
                                           <p:stCondLst>
                                             <p:cond delay="0"/>
                                           </p:stCondLst>
@@ -5225,26 +5877,26 @@
                     </p:cTn>
                   </p:par>
                   <p:par>
-                    <p:cTn id="7" fill="hold">
+                    <p:cTn id="10" fill="hold">
                       <p:stCondLst>
                         <p:cond delay="indefinite"/>
                       </p:stCondLst>
                       <p:childTnLst>
                         <p:par>
-                          <p:cTn id="8" fill="hold">
+                          <p:cTn id="11" fill="hold">
                             <p:stCondLst>
                               <p:cond delay="0"/>
                             </p:stCondLst>
                             <p:childTnLst>
                               <p:par>
-                                <p:cTn id="9" presetID="1" presetClass="entr" presetSubtype="0" fill="hold" nodeType="clickEffect">
+                                <p:cTn id="12" presetID="1" presetClass="entr" presetSubtype="0" fill="hold" nodeType="clickEffect">
                                   <p:stCondLst>
                                     <p:cond delay="0"/>
                                   </p:stCondLst>
                                   <p:childTnLst>
                                     <p:set>
                                       <p:cBhvr>
-                                        <p:cTn id="10" dur="1" fill="hold">
+                                        <p:cTn id="13" dur="1" fill="hold">
                                           <p:stCondLst>
                                             <p:cond delay="0"/>
                                           </p:stCondLst>
@@ -5274,26 +5926,26 @@
                     </p:cTn>
                   </p:par>
                   <p:par>
-                    <p:cTn id="11" fill="hold">
+                    <p:cTn id="14" fill="hold">
                       <p:stCondLst>
                         <p:cond delay="indefinite"/>
                       </p:stCondLst>
                       <p:childTnLst>
                         <p:par>
-                          <p:cTn id="12" fill="hold">
+                          <p:cTn id="15" fill="hold">
                             <p:stCondLst>
                               <p:cond delay="0"/>
                             </p:stCondLst>
                             <p:childTnLst>
                               <p:par>
-                                <p:cTn id="13" presetID="1" presetClass="entr" presetSubtype="0" fill="hold" nodeType="clickEffect">
+                                <p:cTn id="16" presetID="1" presetClass="entr" presetSubtype="0" fill="hold" nodeType="clickEffect">
                                   <p:stCondLst>
                                     <p:cond delay="0"/>
                                   </p:stCondLst>
                                   <p:childTnLst>
                                     <p:set>
                                       <p:cBhvr>
-                                        <p:cTn id="14" dur="1" fill="hold">
+                                        <p:cTn id="17" dur="1" fill="hold">
                                           <p:stCondLst>
                                             <p:cond delay="0"/>
                                           </p:stCondLst>
@@ -5323,26 +5975,26 @@
                     </p:cTn>
                   </p:par>
                   <p:par>
-                    <p:cTn id="15" fill="hold">
+                    <p:cTn id="18" fill="hold">
                       <p:stCondLst>
                         <p:cond delay="indefinite"/>
                       </p:stCondLst>
                       <p:childTnLst>
                         <p:par>
-                          <p:cTn id="16" fill="hold">
+                          <p:cTn id="19" fill="hold">
                             <p:stCondLst>
                               <p:cond delay="0"/>
                             </p:stCondLst>
                             <p:childTnLst>
                               <p:par>
-                                <p:cTn id="17" presetID="1" presetClass="entr" presetSubtype="0" fill="hold" nodeType="clickEffect">
+                                <p:cTn id="20" presetID="1" presetClass="entr" presetSubtype="0" fill="hold" nodeType="clickEffect">
                                   <p:stCondLst>
                                     <p:cond delay="0"/>
                                   </p:stCondLst>
                                   <p:childTnLst>
                                     <p:set>
                                       <p:cBhvr>
-                                        <p:cTn id="18" dur="1" fill="hold">
+                                        <p:cTn id="21" dur="1" fill="hold">
                                           <p:stCondLst>
                                             <p:cond delay="0"/>
                                           </p:stCondLst>
@@ -5372,26 +6024,26 @@
                     </p:cTn>
                   </p:par>
                   <p:par>
-                    <p:cTn id="19" fill="hold">
+                    <p:cTn id="22" fill="hold">
                       <p:stCondLst>
                         <p:cond delay="indefinite"/>
                       </p:stCondLst>
                       <p:childTnLst>
                         <p:par>
-                          <p:cTn id="20" fill="hold">
+                          <p:cTn id="23" fill="hold">
                             <p:stCondLst>
                               <p:cond delay="0"/>
                             </p:stCondLst>
                             <p:childTnLst>
                               <p:par>
-                                <p:cTn id="21" presetID="1" presetClass="entr" presetSubtype="0" fill="hold" nodeType="clickEffect">
+                                <p:cTn id="24" presetID="1" presetClass="entr" presetSubtype="0" fill="hold" nodeType="clickEffect">
                                   <p:stCondLst>
                                     <p:cond delay="0"/>
                                   </p:stCondLst>
                                   <p:childTnLst>
                                     <p:set>
                                       <p:cBhvr>
-                                        <p:cTn id="22" dur="1" fill="hold">
+                                        <p:cTn id="25" dur="1" fill="hold">
                                           <p:stCondLst>
                                             <p:cond delay="0"/>
                                           </p:stCondLst>
@@ -5400,55 +6052,6 @@
                                           <p:spTgt spid="3">
                                             <p:txEl>
                                               <p:pRg st="4" end="4"/>
-                                            </p:txEl>
-                                          </p:spTgt>
-                                        </p:tgtEl>
-                                        <p:attrNameLst>
-                                          <p:attrName>style.visibility</p:attrName>
-                                        </p:attrNameLst>
-                                      </p:cBhvr>
-                                      <p:to>
-                                        <p:strVal val="visible"/>
-                                      </p:to>
-                                    </p:set>
-                                  </p:childTnLst>
-                                </p:cTn>
-                              </p:par>
-                            </p:childTnLst>
-                          </p:cTn>
-                        </p:par>
-                      </p:childTnLst>
-                    </p:cTn>
-                  </p:par>
-                  <p:par>
-                    <p:cTn id="23" fill="hold">
-                      <p:stCondLst>
-                        <p:cond delay="indefinite"/>
-                      </p:stCondLst>
-                      <p:childTnLst>
-                        <p:par>
-                          <p:cTn id="24" fill="hold">
-                            <p:stCondLst>
-                              <p:cond delay="0"/>
-                            </p:stCondLst>
-                            <p:childTnLst>
-                              <p:par>
-                                <p:cTn id="25" presetID="1" presetClass="entr" presetSubtype="0" fill="hold" nodeType="clickEffect">
-                                  <p:stCondLst>
-                                    <p:cond delay="0"/>
-                                  </p:stCondLst>
-                                  <p:childTnLst>
-                                    <p:set>
-                                      <p:cBhvr>
-                                        <p:cTn id="26" dur="1" fill="hold">
-                                          <p:stCondLst>
-                                            <p:cond delay="0"/>
-                                          </p:stCondLst>
-                                        </p:cTn>
-                                        <p:tgtEl>
-                                          <p:spTgt spid="3">
-                                            <p:txEl>
-                                              <p:pRg st="5" end="5"/>
                                             </p:txEl>
                                           </p:spTgt>
                                         </p:tgtEl>
@@ -5490,11 +6093,14 @@
         </p:cTn>
       </p:par>
     </p:tnLst>
+    <p:bldLst>
+      <p:bldP spid="2" grpId="0"/>
+    </p:bldLst>
   </p:timing>
 </p:sld>
 </file>
 
-<file path=ppt/slides/slide13.xml><?xml version="1.0" encoding="utf-8"?>
+<file path=ppt/slides/slide14.xml><?xml version="1.0" encoding="utf-8"?>
 <p:sld xmlns:a="http://schemas.openxmlformats.org/drawingml/2006/main" xmlns:r="http://schemas.openxmlformats.org/officeDocument/2006/relationships" xmlns:p="http://schemas.openxmlformats.org/presentationml/2006/main">
   <p:cSld>
     <p:spTree>
@@ -5523,62 +6129,18 @@
         </p:nvSpPr>
         <p:spPr/>
         <p:txBody>
-          <a:bodyPr/>
+          <a:bodyPr anchor="ctr"/>
           <a:lstStyle/>
           <a:p>
+            <a:pPr marL="36576" indent="0" algn="ctr">
+              <a:buNone/>
+            </a:pPr>
             <a:r>
               <a:rPr lang="en-US" sz="4000" dirty="0" smtClean="0"/>
-              <a:t>Constant Check-ins</a:t>
-            </a:r>
-          </a:p>
-          <a:p>
-            <a:r>
-              <a:rPr lang="en-US" sz="4000" dirty="0" smtClean="0"/>
-              <a:t>GitHub – Revision Control</a:t>
-            </a:r>
-          </a:p>
-          <a:p>
-            <a:r>
-              <a:rPr lang="en-US" sz="4000" dirty="0" smtClean="0"/>
-              <a:t>Proper MVC coding</a:t>
-            </a:r>
-          </a:p>
-          <a:p>
-            <a:r>
-              <a:rPr lang="en-US" sz="4000" dirty="0" smtClean="0"/>
-              <a:t>Eclipse IDE</a:t>
-            </a:r>
-          </a:p>
-          <a:p>
-            <a:r>
-              <a:rPr lang="en-US" sz="4000" dirty="0" smtClean="0"/>
-              <a:t>Assumptions</a:t>
-            </a:r>
-          </a:p>
-          <a:p>
-            <a:endParaRPr lang="en-US" dirty="0"/>
-          </a:p>
-        </p:txBody>
-      </p:sp>
-      <p:sp>
-        <p:nvSpPr>
-          <p:cNvPr id="2" name="Title 1"/>
-          <p:cNvSpPr>
-            <a:spLocks noGrp="1"/>
-          </p:cNvSpPr>
-          <p:nvPr>
-            <p:ph type="title"/>
-          </p:nvPr>
-        </p:nvSpPr>
-        <p:spPr/>
-        <p:txBody>
-          <a:bodyPr/>
-          <a:lstStyle/>
-          <a:p>
-            <a:r>
-              <a:rPr lang="en-US" dirty="0" smtClean="0"/>
-              <a:t>Challenges / Lessons Learned</a:t>
-            </a:r>
+              <a:t>QUESTIONS?</a:t>
+            </a:r>
+          </a:p>
+          <a:p>
             <a:endParaRPr lang="en-US" dirty="0"/>
           </a:p>
         </p:txBody>
@@ -5586,7 +6148,7 @@
     </p:spTree>
     <p:extLst>
       <p:ext uri="{BB962C8B-B14F-4D97-AF65-F5344CB8AC3E}">
-        <p14:creationId xmlns:p14="http://schemas.microsoft.com/office/powerpoint/2010/main" val="588025368"/>
+        <p14:creationId xmlns:p14="http://schemas.microsoft.com/office/powerpoint/2010/main" val="1803722983"/>
       </p:ext>
     </p:extLst>
   </p:cSld>
@@ -5617,6 +6179,9 @@
                     <p:cTn id="3" fill="hold">
                       <p:stCondLst>
                         <p:cond delay="indefinite"/>
+                        <p:cond evt="onBegin" delay="0">
+                          <p:tn val="2"/>
+                        </p:cond>
                       </p:stCondLst>
                       <p:childTnLst>
                         <p:par>
@@ -5626,9 +6191,2353 @@
                             </p:stCondLst>
                             <p:childTnLst>
                               <p:par>
-                                <p:cTn id="5" presetID="1" presetClass="entr" presetSubtype="0" fill="hold" nodeType="clickEffect">
+                                <p:cTn id="5" presetID="42" presetClass="entr" presetSubtype="0" fill="hold" grpId="0" nodeType="withEffect">
                                   <p:stCondLst>
                                     <p:cond delay="0"/>
+                                  </p:stCondLst>
+                                  <p:childTnLst>
+                                    <p:set>
+                                      <p:cBhvr>
+                                        <p:cTn id="6" dur="1" fill="hold">
+                                          <p:stCondLst>
+                                            <p:cond delay="0"/>
+                                          </p:stCondLst>
+                                        </p:cTn>
+                                        <p:tgtEl>
+                                          <p:spTgt spid="3">
+                                            <p:txEl>
+                                              <p:pRg st="0" end="0"/>
+                                            </p:txEl>
+                                          </p:spTgt>
+                                        </p:tgtEl>
+                                        <p:attrNameLst>
+                                          <p:attrName>style.visibility</p:attrName>
+                                        </p:attrNameLst>
+                                      </p:cBhvr>
+                                      <p:to>
+                                        <p:strVal val="visible"/>
+                                      </p:to>
+                                    </p:set>
+                                    <p:animEffect transition="in" filter="fade">
+                                      <p:cBhvr>
+                                        <p:cTn id="7" dur="1000"/>
+                                        <p:tgtEl>
+                                          <p:spTgt spid="3">
+                                            <p:txEl>
+                                              <p:pRg st="0" end="0"/>
+                                            </p:txEl>
+                                          </p:spTgt>
+                                        </p:tgtEl>
+                                      </p:cBhvr>
+                                    </p:animEffect>
+                                    <p:anim calcmode="lin" valueType="num">
+                                      <p:cBhvr>
+                                        <p:cTn id="8" dur="1000" fill="hold"/>
+                                        <p:tgtEl>
+                                          <p:spTgt spid="3">
+                                            <p:txEl>
+                                              <p:pRg st="0" end="0"/>
+                                            </p:txEl>
+                                          </p:spTgt>
+                                        </p:tgtEl>
+                                        <p:attrNameLst>
+                                          <p:attrName>ppt_x</p:attrName>
+                                        </p:attrNameLst>
+                                      </p:cBhvr>
+                                      <p:tavLst>
+                                        <p:tav tm="0">
+                                          <p:val>
+                                            <p:strVal val="#ppt_x"/>
+                                          </p:val>
+                                        </p:tav>
+                                        <p:tav tm="100000">
+                                          <p:val>
+                                            <p:strVal val="#ppt_x"/>
+                                          </p:val>
+                                        </p:tav>
+                                      </p:tavLst>
+                                    </p:anim>
+                                    <p:anim calcmode="lin" valueType="num">
+                                      <p:cBhvr>
+                                        <p:cTn id="9" dur="1000" fill="hold"/>
+                                        <p:tgtEl>
+                                          <p:spTgt spid="3">
+                                            <p:txEl>
+                                              <p:pRg st="0" end="0"/>
+                                            </p:txEl>
+                                          </p:spTgt>
+                                        </p:tgtEl>
+                                        <p:attrNameLst>
+                                          <p:attrName>ppt_y</p:attrName>
+                                        </p:attrNameLst>
+                                      </p:cBhvr>
+                                      <p:tavLst>
+                                        <p:tav tm="0">
+                                          <p:val>
+                                            <p:strVal val="#ppt_y+.1"/>
+                                          </p:val>
+                                        </p:tav>
+                                        <p:tav tm="100000">
+                                          <p:val>
+                                            <p:strVal val="#ppt_y"/>
+                                          </p:val>
+                                        </p:tav>
+                                      </p:tavLst>
+                                    </p:anim>
+                                  </p:childTnLst>
+                                </p:cTn>
+                              </p:par>
+                            </p:childTnLst>
+                          </p:cTn>
+                        </p:par>
+                      </p:childTnLst>
+                    </p:cTn>
+                  </p:par>
+                </p:childTnLst>
+              </p:cTn>
+              <p:prevCondLst>
+                <p:cond evt="onPrev" delay="0">
+                  <p:tgtEl>
+                    <p:sldTgt/>
+                  </p:tgtEl>
+                </p:cond>
+              </p:prevCondLst>
+              <p:nextCondLst>
+                <p:cond evt="onNext" delay="0">
+                  <p:tgtEl>
+                    <p:sldTgt/>
+                  </p:tgtEl>
+                </p:cond>
+              </p:nextCondLst>
+            </p:seq>
+          </p:childTnLst>
+        </p:cTn>
+      </p:par>
+    </p:tnLst>
+    <p:bldLst>
+      <p:bldP spid="3" grpId="0" build="p"/>
+    </p:bldLst>
+  </p:timing>
+</p:sld>
+</file>
+
+<file path=ppt/slides/slide2.xml><?xml version="1.0" encoding="utf-8"?>
+<p:sld xmlns:a="http://schemas.openxmlformats.org/drawingml/2006/main" xmlns:r="http://schemas.openxmlformats.org/officeDocument/2006/relationships" xmlns:p="http://schemas.openxmlformats.org/presentationml/2006/main">
+  <p:cSld>
+    <p:spTree>
+      <p:nvGrpSpPr>
+        <p:cNvPr id="1" name=""/>
+        <p:cNvGrpSpPr/>
+        <p:nvPr/>
+      </p:nvGrpSpPr>
+      <p:grpSpPr>
+        <a:xfrm>
+          <a:off x="0" y="0"/>
+          <a:ext cx="0" cy="0"/>
+          <a:chOff x="0" y="0"/>
+          <a:chExt cx="0" cy="0"/>
+        </a:xfrm>
+      </p:grpSpPr>
+      <p:sp>
+        <p:nvSpPr>
+          <p:cNvPr id="3" name="Content Placeholder 2"/>
+          <p:cNvSpPr>
+            <a:spLocks noGrp="1"/>
+          </p:cNvSpPr>
+          <p:nvPr>
+            <p:ph idx="1"/>
+          </p:nvPr>
+        </p:nvSpPr>
+        <p:spPr/>
+        <p:txBody>
+          <a:bodyPr/>
+          <a:lstStyle/>
+          <a:p>
+            <a:r>
+              <a:rPr lang="en-US" sz="4000" dirty="0" smtClean="0"/>
+              <a:t>Stories Completed</a:t>
+            </a:r>
+          </a:p>
+          <a:p>
+            <a:r>
+              <a:rPr lang="en-US" sz="4000" dirty="0"/>
+              <a:t>Approach</a:t>
+            </a:r>
+            <a:endParaRPr lang="en-US" sz="4000" dirty="0" smtClean="0"/>
+          </a:p>
+          <a:p>
+            <a:r>
+              <a:rPr lang="en-US" sz="4000" dirty="0" smtClean="0"/>
+              <a:t>Overview</a:t>
+            </a:r>
+          </a:p>
+          <a:p>
+            <a:r>
+              <a:rPr lang="en-US" sz="4000" dirty="0" smtClean="0"/>
+              <a:t>Challenges / Lessons Learned</a:t>
+            </a:r>
+          </a:p>
+          <a:p>
+            <a:endParaRPr lang="en-US" dirty="0" smtClean="0"/>
+          </a:p>
+        </p:txBody>
+      </p:sp>
+      <p:sp>
+        <p:nvSpPr>
+          <p:cNvPr id="2" name="Title 1"/>
+          <p:cNvSpPr>
+            <a:spLocks noGrp="1"/>
+          </p:cNvSpPr>
+          <p:nvPr>
+            <p:ph type="title"/>
+          </p:nvPr>
+        </p:nvSpPr>
+        <p:spPr/>
+        <p:txBody>
+          <a:bodyPr/>
+          <a:lstStyle/>
+          <a:p>
+            <a:r>
+              <a:rPr lang="en-US" dirty="0" smtClean="0"/>
+              <a:t>Agenda</a:t>
+            </a:r>
+            <a:endParaRPr lang="en-US" dirty="0"/>
+          </a:p>
+        </p:txBody>
+      </p:sp>
+    </p:spTree>
+    <p:extLst>
+      <p:ext uri="{BB962C8B-B14F-4D97-AF65-F5344CB8AC3E}">
+        <p14:creationId xmlns:p14="http://schemas.microsoft.com/office/powerpoint/2010/main" val="1522668738"/>
+      </p:ext>
+    </p:extLst>
+  </p:cSld>
+  <p:clrMapOvr>
+    <a:masterClrMapping/>
+  </p:clrMapOvr>
+  <mc:AlternateContent xmlns:mc="http://schemas.openxmlformats.org/markup-compatibility/2006" xmlns:p14="http://schemas.microsoft.com/office/powerpoint/2010/main">
+    <mc:Choice Requires="p14">
+      <p:transition spd="med" p14:dur="700">
+        <p:fade/>
+      </p:transition>
+    </mc:Choice>
+    <mc:Fallback xmlns="">
+      <p:transition spd="med">
+        <p:fade/>
+      </p:transition>
+    </mc:Fallback>
+  </mc:AlternateContent>
+  <p:timing>
+    <p:tnLst>
+      <p:par>
+        <p:cTn id="1" dur="indefinite" restart="never" nodeType="tmRoot">
+          <p:childTnLst>
+            <p:seq concurrent="1" nextAc="seek">
+              <p:cTn id="2" dur="indefinite" nodeType="mainSeq">
+                <p:childTnLst>
+                  <p:par>
+                    <p:cTn id="3" fill="hold">
+                      <p:stCondLst>
+                        <p:cond delay="indefinite"/>
+                        <p:cond evt="onBegin" delay="0">
+                          <p:tn val="2"/>
+                        </p:cond>
+                      </p:stCondLst>
+                      <p:childTnLst>
+                        <p:par>
+                          <p:cTn id="4" fill="hold">
+                            <p:stCondLst>
+                              <p:cond delay="0"/>
+                            </p:stCondLst>
+                            <p:childTnLst>
+                              <p:par>
+                                <p:cTn id="5" presetID="22" presetClass="entr" presetSubtype="8" fill="hold" grpId="0" nodeType="withEffect">
+                                  <p:stCondLst>
+                                    <p:cond delay="0"/>
+                                  </p:stCondLst>
+                                  <p:childTnLst>
+                                    <p:set>
+                                      <p:cBhvr>
+                                        <p:cTn id="6" dur="1" fill="hold">
+                                          <p:stCondLst>
+                                            <p:cond delay="0"/>
+                                          </p:stCondLst>
+                                        </p:cTn>
+                                        <p:tgtEl>
+                                          <p:spTgt spid="2"/>
+                                        </p:tgtEl>
+                                        <p:attrNameLst>
+                                          <p:attrName>style.visibility</p:attrName>
+                                        </p:attrNameLst>
+                                      </p:cBhvr>
+                                      <p:to>
+                                        <p:strVal val="visible"/>
+                                      </p:to>
+                                    </p:set>
+                                    <p:animEffect transition="in" filter="wipe(left)">
+                                      <p:cBhvr>
+                                        <p:cTn id="7" dur="500"/>
+                                        <p:tgtEl>
+                                          <p:spTgt spid="2"/>
+                                        </p:tgtEl>
+                                      </p:cBhvr>
+                                    </p:animEffect>
+                                  </p:childTnLst>
+                                </p:cTn>
+                              </p:par>
+                              <p:par>
+                                <p:cTn id="8" presetID="1" presetClass="entr" presetSubtype="0" fill="hold" nodeType="withEffect">
+                                  <p:stCondLst>
+                                    <p:cond delay="1000"/>
+                                  </p:stCondLst>
+                                  <p:iterate type="lt">
+                                    <p:tmAbs val="0"/>
+                                  </p:iterate>
+                                  <p:childTnLst>
+                                    <p:set>
+                                      <p:cBhvr>
+                                        <p:cTn id="9" dur="1" fill="hold">
+                                          <p:stCondLst>
+                                            <p:cond delay="0"/>
+                                          </p:stCondLst>
+                                        </p:cTn>
+                                        <p:tgtEl>
+                                          <p:spTgt spid="3">
+                                            <p:txEl>
+                                              <p:pRg st="0" end="0"/>
+                                            </p:txEl>
+                                          </p:spTgt>
+                                        </p:tgtEl>
+                                        <p:attrNameLst>
+                                          <p:attrName>style.visibility</p:attrName>
+                                        </p:attrNameLst>
+                                      </p:cBhvr>
+                                      <p:to>
+                                        <p:strVal val="visible"/>
+                                      </p:to>
+                                    </p:set>
+                                  </p:childTnLst>
+                                </p:cTn>
+                              </p:par>
+                            </p:childTnLst>
+                          </p:cTn>
+                        </p:par>
+                      </p:childTnLst>
+                    </p:cTn>
+                  </p:par>
+                  <p:par>
+                    <p:cTn id="10" fill="hold">
+                      <p:stCondLst>
+                        <p:cond delay="indefinite"/>
+                      </p:stCondLst>
+                      <p:childTnLst>
+                        <p:par>
+                          <p:cTn id="11" fill="hold">
+                            <p:stCondLst>
+                              <p:cond delay="0"/>
+                            </p:stCondLst>
+                            <p:childTnLst>
+                              <p:par>
+                                <p:cTn id="12" presetID="1" presetClass="entr" presetSubtype="0" fill="hold" nodeType="clickEffect">
+                                  <p:stCondLst>
+                                    <p:cond delay="0"/>
+                                  </p:stCondLst>
+                                  <p:iterate type="lt">
+                                    <p:tmAbs val="0"/>
+                                  </p:iterate>
+                                  <p:childTnLst>
+                                    <p:set>
+                                      <p:cBhvr>
+                                        <p:cTn id="13" dur="1" fill="hold">
+                                          <p:stCondLst>
+                                            <p:cond delay="0"/>
+                                          </p:stCondLst>
+                                        </p:cTn>
+                                        <p:tgtEl>
+                                          <p:spTgt spid="3">
+                                            <p:txEl>
+                                              <p:pRg st="1" end="1"/>
+                                            </p:txEl>
+                                          </p:spTgt>
+                                        </p:tgtEl>
+                                        <p:attrNameLst>
+                                          <p:attrName>style.visibility</p:attrName>
+                                        </p:attrNameLst>
+                                      </p:cBhvr>
+                                      <p:to>
+                                        <p:strVal val="visible"/>
+                                      </p:to>
+                                    </p:set>
+                                  </p:childTnLst>
+                                </p:cTn>
+                              </p:par>
+                            </p:childTnLst>
+                          </p:cTn>
+                        </p:par>
+                      </p:childTnLst>
+                    </p:cTn>
+                  </p:par>
+                  <p:par>
+                    <p:cTn id="14" fill="hold">
+                      <p:stCondLst>
+                        <p:cond delay="indefinite"/>
+                      </p:stCondLst>
+                      <p:childTnLst>
+                        <p:par>
+                          <p:cTn id="15" fill="hold">
+                            <p:stCondLst>
+                              <p:cond delay="0"/>
+                            </p:stCondLst>
+                            <p:childTnLst>
+                              <p:par>
+                                <p:cTn id="16" presetID="1" presetClass="entr" presetSubtype="0" fill="hold" nodeType="clickEffect">
+                                  <p:stCondLst>
+                                    <p:cond delay="0"/>
+                                  </p:stCondLst>
+                                  <p:childTnLst>
+                                    <p:set>
+                                      <p:cBhvr>
+                                        <p:cTn id="17" dur="1" fill="hold">
+                                          <p:stCondLst>
+                                            <p:cond delay="0"/>
+                                          </p:stCondLst>
+                                        </p:cTn>
+                                        <p:tgtEl>
+                                          <p:spTgt spid="3">
+                                            <p:txEl>
+                                              <p:pRg st="2" end="2"/>
+                                            </p:txEl>
+                                          </p:spTgt>
+                                        </p:tgtEl>
+                                        <p:attrNameLst>
+                                          <p:attrName>style.visibility</p:attrName>
+                                        </p:attrNameLst>
+                                      </p:cBhvr>
+                                      <p:to>
+                                        <p:strVal val="visible"/>
+                                      </p:to>
+                                    </p:set>
+                                  </p:childTnLst>
+                                </p:cTn>
+                              </p:par>
+                            </p:childTnLst>
+                          </p:cTn>
+                        </p:par>
+                      </p:childTnLst>
+                    </p:cTn>
+                  </p:par>
+                  <p:par>
+                    <p:cTn id="18" fill="hold">
+                      <p:stCondLst>
+                        <p:cond delay="indefinite"/>
+                      </p:stCondLst>
+                      <p:childTnLst>
+                        <p:par>
+                          <p:cTn id="19" fill="hold">
+                            <p:stCondLst>
+                              <p:cond delay="0"/>
+                            </p:stCondLst>
+                            <p:childTnLst>
+                              <p:par>
+                                <p:cTn id="20" presetID="1" presetClass="entr" presetSubtype="0" fill="hold" nodeType="clickEffect">
+                                  <p:stCondLst>
+                                    <p:cond delay="0"/>
+                                  </p:stCondLst>
+                                  <p:childTnLst>
+                                    <p:set>
+                                      <p:cBhvr>
+                                        <p:cTn id="21" dur="1" fill="hold">
+                                          <p:stCondLst>
+                                            <p:cond delay="0"/>
+                                          </p:stCondLst>
+                                        </p:cTn>
+                                        <p:tgtEl>
+                                          <p:spTgt spid="3">
+                                            <p:txEl>
+                                              <p:pRg st="3" end="3"/>
+                                            </p:txEl>
+                                          </p:spTgt>
+                                        </p:tgtEl>
+                                        <p:attrNameLst>
+                                          <p:attrName>style.visibility</p:attrName>
+                                        </p:attrNameLst>
+                                      </p:cBhvr>
+                                      <p:to>
+                                        <p:strVal val="visible"/>
+                                      </p:to>
+                                    </p:set>
+                                  </p:childTnLst>
+                                </p:cTn>
+                              </p:par>
+                            </p:childTnLst>
+                          </p:cTn>
+                        </p:par>
+                      </p:childTnLst>
+                    </p:cTn>
+                  </p:par>
+                </p:childTnLst>
+              </p:cTn>
+              <p:prevCondLst>
+                <p:cond evt="onPrev" delay="0">
+                  <p:tgtEl>
+                    <p:sldTgt/>
+                  </p:tgtEl>
+                </p:cond>
+              </p:prevCondLst>
+              <p:nextCondLst>
+                <p:cond evt="onNext" delay="0">
+                  <p:tgtEl>
+                    <p:sldTgt/>
+                  </p:tgtEl>
+                </p:cond>
+              </p:nextCondLst>
+            </p:seq>
+          </p:childTnLst>
+        </p:cTn>
+      </p:par>
+    </p:tnLst>
+    <p:bldLst>
+      <p:bldP spid="2" grpId="0"/>
+    </p:bldLst>
+  </p:timing>
+</p:sld>
+</file>
+
+<file path=ppt/slides/slide3.xml><?xml version="1.0" encoding="utf-8"?>
+<p:sld xmlns:a="http://schemas.openxmlformats.org/drawingml/2006/main" xmlns:r="http://schemas.openxmlformats.org/officeDocument/2006/relationships" xmlns:p="http://schemas.openxmlformats.org/presentationml/2006/main">
+  <p:cSld>
+    <p:spTree>
+      <p:nvGrpSpPr>
+        <p:cNvPr id="1" name=""/>
+        <p:cNvGrpSpPr/>
+        <p:nvPr/>
+      </p:nvGrpSpPr>
+      <p:grpSpPr>
+        <a:xfrm>
+          <a:off x="0" y="0"/>
+          <a:ext cx="0" cy="0"/>
+          <a:chOff x="0" y="0"/>
+          <a:chExt cx="0" cy="0"/>
+        </a:xfrm>
+      </p:grpSpPr>
+      <p:sp>
+        <p:nvSpPr>
+          <p:cNvPr id="3" name="Content Placeholder 2"/>
+          <p:cNvSpPr>
+            <a:spLocks noGrp="1"/>
+          </p:cNvSpPr>
+          <p:nvPr>
+            <p:ph idx="1"/>
+          </p:nvPr>
+        </p:nvSpPr>
+        <p:spPr>
+          <a:xfrm>
+            <a:off x="609600" y="1600201"/>
+            <a:ext cx="9956800" cy="4773303"/>
+          </a:xfrm>
+        </p:spPr>
+        <p:txBody>
+          <a:bodyPr numCol="2">
+            <a:noAutofit/>
+          </a:bodyPr>
+          <a:lstStyle/>
+          <a:p>
+            <a:pPr marL="36576" indent="0">
+              <a:buNone/>
+            </a:pPr>
+            <a:r>
+              <a:rPr lang="en-US" sz="3200" u="sng" dirty="0" smtClean="0"/>
+              <a:t>Foundation Stories</a:t>
+            </a:r>
+          </a:p>
+          <a:p>
+            <a:pPr marL="146304" indent="0">
+              <a:buNone/>
+            </a:pPr>
+            <a:r>
+              <a:rPr lang="en-US" sz="3600" dirty="0" smtClean="0"/>
+              <a:t>Admin Test Setup</a:t>
+            </a:r>
+          </a:p>
+          <a:p>
+            <a:pPr marL="146304" indent="0">
+              <a:buNone/>
+            </a:pPr>
+            <a:r>
+              <a:rPr lang="en-US" sz="3600" dirty="0" smtClean="0"/>
+              <a:t>User Test </a:t>
+            </a:r>
+          </a:p>
+          <a:p>
+            <a:pPr marL="36576" indent="0">
+              <a:buNone/>
+            </a:pPr>
+            <a:endParaRPr lang="en-US" sz="3200" dirty="0" smtClean="0"/>
+          </a:p>
+          <a:p>
+            <a:pPr marL="36576" indent="0">
+              <a:buNone/>
+            </a:pPr>
+            <a:endParaRPr lang="en-US" sz="3200" dirty="0"/>
+          </a:p>
+          <a:p>
+            <a:pPr marL="36576" indent="0">
+              <a:buNone/>
+            </a:pPr>
+            <a:endParaRPr lang="en-US" sz="3200" dirty="0" smtClean="0"/>
+          </a:p>
+          <a:p>
+            <a:pPr marL="36576" indent="0">
+              <a:buNone/>
+            </a:pPr>
+            <a:endParaRPr lang="en-US" sz="3200" dirty="0"/>
+          </a:p>
+          <a:p>
+            <a:pPr marL="36576" indent="0">
+              <a:buNone/>
+            </a:pPr>
+            <a:r>
+              <a:rPr lang="en-US" sz="3200" u="sng" dirty="0" smtClean="0"/>
+              <a:t>Side Stories</a:t>
+            </a:r>
+          </a:p>
+          <a:p>
+            <a:pPr marL="146304" indent="0">
+              <a:buNone/>
+            </a:pPr>
+            <a:r>
+              <a:rPr lang="en-US" sz="3600" dirty="0"/>
+              <a:t>User </a:t>
+            </a:r>
+            <a:r>
+              <a:rPr lang="en-US" sz="3600" dirty="0" smtClean="0"/>
+              <a:t>Tracking</a:t>
+            </a:r>
+          </a:p>
+          <a:p>
+            <a:pPr marL="146304" indent="0">
+              <a:buNone/>
+            </a:pPr>
+            <a:r>
+              <a:rPr lang="en-US" sz="3600" dirty="0" smtClean="0"/>
+              <a:t>Comparison With </a:t>
+            </a:r>
+            <a:r>
+              <a:rPr lang="en-US" sz="3600" dirty="0"/>
+              <a:t>Images</a:t>
+            </a:r>
+          </a:p>
+          <a:p>
+            <a:pPr marL="146304" indent="0">
+              <a:buNone/>
+            </a:pPr>
+            <a:r>
+              <a:rPr lang="en-US" sz="3600" dirty="0" smtClean="0"/>
+              <a:t>Progress Meter</a:t>
+            </a:r>
+          </a:p>
+          <a:p>
+            <a:pPr marL="146304" indent="0">
+              <a:buNone/>
+            </a:pPr>
+            <a:r>
+              <a:rPr lang="en-US" sz="3600" dirty="0" smtClean="0"/>
+              <a:t>Test </a:t>
+            </a:r>
+            <a:r>
+              <a:rPr lang="en-US" sz="3600" dirty="0"/>
+              <a:t>Results Reporting</a:t>
+            </a:r>
+            <a:endParaRPr lang="en-US" sz="3600" dirty="0" smtClean="0"/>
+          </a:p>
+        </p:txBody>
+      </p:sp>
+      <p:sp>
+        <p:nvSpPr>
+          <p:cNvPr id="2" name="Title 1"/>
+          <p:cNvSpPr>
+            <a:spLocks noGrp="1"/>
+          </p:cNvSpPr>
+          <p:nvPr>
+            <p:ph type="title"/>
+          </p:nvPr>
+        </p:nvSpPr>
+        <p:spPr/>
+        <p:txBody>
+          <a:bodyPr/>
+          <a:lstStyle/>
+          <a:p>
+            <a:r>
+              <a:rPr lang="en-US" dirty="0" smtClean="0"/>
+              <a:t>Stories Completed</a:t>
+            </a:r>
+            <a:endParaRPr lang="en-US" dirty="0"/>
+          </a:p>
+        </p:txBody>
+      </p:sp>
+    </p:spTree>
+    <p:extLst>
+      <p:ext uri="{BB962C8B-B14F-4D97-AF65-F5344CB8AC3E}">
+        <p14:creationId xmlns:p14="http://schemas.microsoft.com/office/powerpoint/2010/main" val="1677778366"/>
+      </p:ext>
+    </p:extLst>
+  </p:cSld>
+  <p:clrMapOvr>
+    <a:masterClrMapping/>
+  </p:clrMapOvr>
+  <mc:AlternateContent xmlns:mc="http://schemas.openxmlformats.org/markup-compatibility/2006" xmlns:p14="http://schemas.microsoft.com/office/powerpoint/2010/main">
+    <mc:Choice Requires="p14">
+      <p:transition spd="med" p14:dur="700">
+        <p:fade/>
+      </p:transition>
+    </mc:Choice>
+    <mc:Fallback xmlns="">
+      <p:transition spd="med">
+        <p:fade/>
+      </p:transition>
+    </mc:Fallback>
+  </mc:AlternateContent>
+  <p:timing>
+    <p:tnLst>
+      <p:par>
+        <p:cTn id="1" dur="indefinite" restart="never" nodeType="tmRoot">
+          <p:childTnLst>
+            <p:seq concurrent="1" nextAc="seek">
+              <p:cTn id="2" dur="indefinite" nodeType="mainSeq">
+                <p:childTnLst>
+                  <p:par>
+                    <p:cTn id="3" fill="hold">
+                      <p:stCondLst>
+                        <p:cond delay="indefinite"/>
+                        <p:cond evt="onBegin" delay="0">
+                          <p:tn val="2"/>
+                        </p:cond>
+                      </p:stCondLst>
+                      <p:childTnLst>
+                        <p:par>
+                          <p:cTn id="4" fill="hold">
+                            <p:stCondLst>
+                              <p:cond delay="0"/>
+                            </p:stCondLst>
+                            <p:childTnLst>
+                              <p:par>
+                                <p:cTn id="5" presetID="22" presetClass="entr" presetSubtype="8" fill="hold" grpId="0" nodeType="withEffect">
+                                  <p:stCondLst>
+                                    <p:cond delay="0"/>
+                                  </p:stCondLst>
+                                  <p:childTnLst>
+                                    <p:set>
+                                      <p:cBhvr>
+                                        <p:cTn id="6" dur="1" fill="hold">
+                                          <p:stCondLst>
+                                            <p:cond delay="0"/>
+                                          </p:stCondLst>
+                                        </p:cTn>
+                                        <p:tgtEl>
+                                          <p:spTgt spid="2"/>
+                                        </p:tgtEl>
+                                        <p:attrNameLst>
+                                          <p:attrName>style.visibility</p:attrName>
+                                        </p:attrNameLst>
+                                      </p:cBhvr>
+                                      <p:to>
+                                        <p:strVal val="visible"/>
+                                      </p:to>
+                                    </p:set>
+                                    <p:animEffect transition="in" filter="wipe(left)">
+                                      <p:cBhvr>
+                                        <p:cTn id="7" dur="500"/>
+                                        <p:tgtEl>
+                                          <p:spTgt spid="2"/>
+                                        </p:tgtEl>
+                                      </p:cBhvr>
+                                    </p:animEffect>
+                                  </p:childTnLst>
+                                </p:cTn>
+                              </p:par>
+                              <p:par>
+                                <p:cTn id="8" presetID="1" presetClass="entr" presetSubtype="0" fill="hold" nodeType="withEffect">
+                                  <p:stCondLst>
+                                    <p:cond delay="1000"/>
+                                  </p:stCondLst>
+                                  <p:childTnLst>
+                                    <p:set>
+                                      <p:cBhvr>
+                                        <p:cTn id="9" dur="1" fill="hold">
+                                          <p:stCondLst>
+                                            <p:cond delay="0"/>
+                                          </p:stCondLst>
+                                        </p:cTn>
+                                        <p:tgtEl>
+                                          <p:spTgt spid="3">
+                                            <p:txEl>
+                                              <p:pRg st="0" end="0"/>
+                                            </p:txEl>
+                                          </p:spTgt>
+                                        </p:tgtEl>
+                                        <p:attrNameLst>
+                                          <p:attrName>style.visibility</p:attrName>
+                                        </p:attrNameLst>
+                                      </p:cBhvr>
+                                      <p:to>
+                                        <p:strVal val="visible"/>
+                                      </p:to>
+                                    </p:set>
+                                  </p:childTnLst>
+                                </p:cTn>
+                              </p:par>
+                              <p:par>
+                                <p:cTn id="10" presetID="1" presetClass="entr" presetSubtype="0" fill="hold" nodeType="withEffect">
+                                  <p:stCondLst>
+                                    <p:cond delay="1500"/>
+                                  </p:stCondLst>
+                                  <p:childTnLst>
+                                    <p:set>
+                                      <p:cBhvr>
+                                        <p:cTn id="11" dur="1" fill="hold">
+                                          <p:stCondLst>
+                                            <p:cond delay="0"/>
+                                          </p:stCondLst>
+                                        </p:cTn>
+                                        <p:tgtEl>
+                                          <p:spTgt spid="3">
+                                            <p:txEl>
+                                              <p:pRg st="1" end="1"/>
+                                            </p:txEl>
+                                          </p:spTgt>
+                                        </p:tgtEl>
+                                        <p:attrNameLst>
+                                          <p:attrName>style.visibility</p:attrName>
+                                        </p:attrNameLst>
+                                      </p:cBhvr>
+                                      <p:to>
+                                        <p:strVal val="visible"/>
+                                      </p:to>
+                                    </p:set>
+                                  </p:childTnLst>
+                                </p:cTn>
+                              </p:par>
+                              <p:par>
+                                <p:cTn id="12" presetID="1" presetClass="entr" presetSubtype="0" fill="hold" nodeType="withEffect">
+                                  <p:stCondLst>
+                                    <p:cond delay="2000"/>
+                                  </p:stCondLst>
+                                  <p:childTnLst>
+                                    <p:set>
+                                      <p:cBhvr>
+                                        <p:cTn id="13" dur="1" fill="hold">
+                                          <p:stCondLst>
+                                            <p:cond delay="0"/>
+                                          </p:stCondLst>
+                                        </p:cTn>
+                                        <p:tgtEl>
+                                          <p:spTgt spid="3">
+                                            <p:txEl>
+                                              <p:pRg st="2" end="2"/>
+                                            </p:txEl>
+                                          </p:spTgt>
+                                        </p:tgtEl>
+                                        <p:attrNameLst>
+                                          <p:attrName>style.visibility</p:attrName>
+                                        </p:attrNameLst>
+                                      </p:cBhvr>
+                                      <p:to>
+                                        <p:strVal val="visible"/>
+                                      </p:to>
+                                    </p:set>
+                                  </p:childTnLst>
+                                </p:cTn>
+                              </p:par>
+                            </p:childTnLst>
+                          </p:cTn>
+                        </p:par>
+                      </p:childTnLst>
+                    </p:cTn>
+                  </p:par>
+                  <p:par>
+                    <p:cTn id="14" fill="hold">
+                      <p:stCondLst>
+                        <p:cond delay="indefinite"/>
+                      </p:stCondLst>
+                      <p:childTnLst>
+                        <p:par>
+                          <p:cTn id="15" fill="hold">
+                            <p:stCondLst>
+                              <p:cond delay="0"/>
+                            </p:stCondLst>
+                            <p:childTnLst>
+                              <p:par>
+                                <p:cTn id="16" presetID="1" presetClass="entr" presetSubtype="0" fill="hold" nodeType="clickEffect">
+                                  <p:stCondLst>
+                                    <p:cond delay="0"/>
+                                  </p:stCondLst>
+                                  <p:childTnLst>
+                                    <p:set>
+                                      <p:cBhvr>
+                                        <p:cTn id="17" dur="1" fill="hold">
+                                          <p:stCondLst>
+                                            <p:cond delay="0"/>
+                                          </p:stCondLst>
+                                        </p:cTn>
+                                        <p:tgtEl>
+                                          <p:spTgt spid="3">
+                                            <p:txEl>
+                                              <p:pRg st="7" end="7"/>
+                                            </p:txEl>
+                                          </p:spTgt>
+                                        </p:tgtEl>
+                                        <p:attrNameLst>
+                                          <p:attrName>style.visibility</p:attrName>
+                                        </p:attrNameLst>
+                                      </p:cBhvr>
+                                      <p:to>
+                                        <p:strVal val="visible"/>
+                                      </p:to>
+                                    </p:set>
+                                  </p:childTnLst>
+                                </p:cTn>
+                              </p:par>
+                              <p:par>
+                                <p:cTn id="18" presetID="1" presetClass="entr" presetSubtype="0" fill="hold" nodeType="withEffect">
+                                  <p:stCondLst>
+                                    <p:cond delay="500"/>
+                                  </p:stCondLst>
+                                  <p:childTnLst>
+                                    <p:set>
+                                      <p:cBhvr>
+                                        <p:cTn id="19" dur="1" fill="hold">
+                                          <p:stCondLst>
+                                            <p:cond delay="0"/>
+                                          </p:stCondLst>
+                                        </p:cTn>
+                                        <p:tgtEl>
+                                          <p:spTgt spid="3">
+                                            <p:txEl>
+                                              <p:pRg st="8" end="8"/>
+                                            </p:txEl>
+                                          </p:spTgt>
+                                        </p:tgtEl>
+                                        <p:attrNameLst>
+                                          <p:attrName>style.visibility</p:attrName>
+                                        </p:attrNameLst>
+                                      </p:cBhvr>
+                                      <p:to>
+                                        <p:strVal val="visible"/>
+                                      </p:to>
+                                    </p:set>
+                                  </p:childTnLst>
+                                </p:cTn>
+                              </p:par>
+                            </p:childTnLst>
+                          </p:cTn>
+                        </p:par>
+                      </p:childTnLst>
+                    </p:cTn>
+                  </p:par>
+                  <p:par>
+                    <p:cTn id="20" fill="hold">
+                      <p:stCondLst>
+                        <p:cond delay="indefinite"/>
+                      </p:stCondLst>
+                      <p:childTnLst>
+                        <p:par>
+                          <p:cTn id="21" fill="hold">
+                            <p:stCondLst>
+                              <p:cond delay="0"/>
+                            </p:stCondLst>
+                            <p:childTnLst>
+                              <p:par>
+                                <p:cTn id="22" presetID="1" presetClass="entr" presetSubtype="0" fill="hold" nodeType="clickEffect">
+                                  <p:stCondLst>
+                                    <p:cond delay="0"/>
+                                  </p:stCondLst>
+                                  <p:childTnLst>
+                                    <p:set>
+                                      <p:cBhvr>
+                                        <p:cTn id="23" dur="1" fill="hold">
+                                          <p:stCondLst>
+                                            <p:cond delay="0"/>
+                                          </p:stCondLst>
+                                        </p:cTn>
+                                        <p:tgtEl>
+                                          <p:spTgt spid="3">
+                                            <p:txEl>
+                                              <p:pRg st="9" end="9"/>
+                                            </p:txEl>
+                                          </p:spTgt>
+                                        </p:tgtEl>
+                                        <p:attrNameLst>
+                                          <p:attrName>style.visibility</p:attrName>
+                                        </p:attrNameLst>
+                                      </p:cBhvr>
+                                      <p:to>
+                                        <p:strVal val="visible"/>
+                                      </p:to>
+                                    </p:set>
+                                  </p:childTnLst>
+                                </p:cTn>
+                              </p:par>
+                            </p:childTnLst>
+                          </p:cTn>
+                        </p:par>
+                      </p:childTnLst>
+                    </p:cTn>
+                  </p:par>
+                  <p:par>
+                    <p:cTn id="24" fill="hold">
+                      <p:stCondLst>
+                        <p:cond delay="indefinite"/>
+                      </p:stCondLst>
+                      <p:childTnLst>
+                        <p:par>
+                          <p:cTn id="25" fill="hold">
+                            <p:stCondLst>
+                              <p:cond delay="0"/>
+                            </p:stCondLst>
+                            <p:childTnLst>
+                              <p:par>
+                                <p:cTn id="26" presetID="1" presetClass="entr" presetSubtype="0" fill="hold" nodeType="clickEffect">
+                                  <p:stCondLst>
+                                    <p:cond delay="0"/>
+                                  </p:stCondLst>
+                                  <p:childTnLst>
+                                    <p:set>
+                                      <p:cBhvr>
+                                        <p:cTn id="27" dur="1" fill="hold">
+                                          <p:stCondLst>
+                                            <p:cond delay="0"/>
+                                          </p:stCondLst>
+                                        </p:cTn>
+                                        <p:tgtEl>
+                                          <p:spTgt spid="3">
+                                            <p:txEl>
+                                              <p:pRg st="10" end="10"/>
+                                            </p:txEl>
+                                          </p:spTgt>
+                                        </p:tgtEl>
+                                        <p:attrNameLst>
+                                          <p:attrName>style.visibility</p:attrName>
+                                        </p:attrNameLst>
+                                      </p:cBhvr>
+                                      <p:to>
+                                        <p:strVal val="visible"/>
+                                      </p:to>
+                                    </p:set>
+                                  </p:childTnLst>
+                                </p:cTn>
+                              </p:par>
+                            </p:childTnLst>
+                          </p:cTn>
+                        </p:par>
+                      </p:childTnLst>
+                    </p:cTn>
+                  </p:par>
+                  <p:par>
+                    <p:cTn id="28" fill="hold">
+                      <p:stCondLst>
+                        <p:cond delay="indefinite"/>
+                      </p:stCondLst>
+                      <p:childTnLst>
+                        <p:par>
+                          <p:cTn id="29" fill="hold">
+                            <p:stCondLst>
+                              <p:cond delay="0"/>
+                            </p:stCondLst>
+                            <p:childTnLst>
+                              <p:par>
+                                <p:cTn id="30" presetID="1" presetClass="entr" presetSubtype="0" fill="hold" nodeType="clickEffect">
+                                  <p:stCondLst>
+                                    <p:cond delay="0"/>
+                                  </p:stCondLst>
+                                  <p:childTnLst>
+                                    <p:set>
+                                      <p:cBhvr>
+                                        <p:cTn id="31" dur="1" fill="hold">
+                                          <p:stCondLst>
+                                            <p:cond delay="0"/>
+                                          </p:stCondLst>
+                                        </p:cTn>
+                                        <p:tgtEl>
+                                          <p:spTgt spid="3">
+                                            <p:txEl>
+                                              <p:pRg st="11" end="11"/>
+                                            </p:txEl>
+                                          </p:spTgt>
+                                        </p:tgtEl>
+                                        <p:attrNameLst>
+                                          <p:attrName>style.visibility</p:attrName>
+                                        </p:attrNameLst>
+                                      </p:cBhvr>
+                                      <p:to>
+                                        <p:strVal val="visible"/>
+                                      </p:to>
+                                    </p:set>
+                                  </p:childTnLst>
+                                </p:cTn>
+                              </p:par>
+                            </p:childTnLst>
+                          </p:cTn>
+                        </p:par>
+                      </p:childTnLst>
+                    </p:cTn>
+                  </p:par>
+                </p:childTnLst>
+              </p:cTn>
+              <p:prevCondLst>
+                <p:cond evt="onPrev" delay="0">
+                  <p:tgtEl>
+                    <p:sldTgt/>
+                  </p:tgtEl>
+                </p:cond>
+              </p:prevCondLst>
+              <p:nextCondLst>
+                <p:cond evt="onNext" delay="0">
+                  <p:tgtEl>
+                    <p:sldTgt/>
+                  </p:tgtEl>
+                </p:cond>
+              </p:nextCondLst>
+            </p:seq>
+          </p:childTnLst>
+        </p:cTn>
+      </p:par>
+    </p:tnLst>
+    <p:bldLst>
+      <p:bldP spid="2" grpId="0"/>
+    </p:bldLst>
+  </p:timing>
+</p:sld>
+</file>
+
+<file path=ppt/slides/slide4.xml><?xml version="1.0" encoding="utf-8"?>
+<p:sld xmlns:a="http://schemas.openxmlformats.org/drawingml/2006/main" xmlns:r="http://schemas.openxmlformats.org/officeDocument/2006/relationships" xmlns:p="http://schemas.openxmlformats.org/presentationml/2006/main">
+  <p:cSld>
+    <p:spTree>
+      <p:nvGrpSpPr>
+        <p:cNvPr id="1" name=""/>
+        <p:cNvGrpSpPr/>
+        <p:nvPr/>
+      </p:nvGrpSpPr>
+      <p:grpSpPr>
+        <a:xfrm>
+          <a:off x="0" y="0"/>
+          <a:ext cx="0" cy="0"/>
+          <a:chOff x="0" y="0"/>
+          <a:chExt cx="0" cy="0"/>
+        </a:xfrm>
+      </p:grpSpPr>
+      <p:sp>
+        <p:nvSpPr>
+          <p:cNvPr id="3" name="Content Placeholder 2"/>
+          <p:cNvSpPr>
+            <a:spLocks noGrp="1"/>
+          </p:cNvSpPr>
+          <p:nvPr>
+            <p:ph idx="1"/>
+          </p:nvPr>
+        </p:nvSpPr>
+        <p:spPr/>
+        <p:txBody>
+          <a:bodyPr/>
+          <a:lstStyle/>
+          <a:p>
+            <a:r>
+              <a:rPr lang="en-US" sz="4000" dirty="0"/>
+              <a:t>Design The </a:t>
+            </a:r>
+            <a:r>
+              <a:rPr lang="en-US" sz="4000" dirty="0" smtClean="0"/>
+              <a:t>Database</a:t>
+            </a:r>
+          </a:p>
+          <a:p>
+            <a:r>
+              <a:rPr lang="en-US" sz="4000" dirty="0" smtClean="0"/>
+              <a:t>Design The Classes</a:t>
+            </a:r>
+          </a:p>
+          <a:p>
+            <a:r>
+              <a:rPr lang="en-US" sz="4000" dirty="0" smtClean="0"/>
+              <a:t>Divide Up The Work For The Sprint</a:t>
+            </a:r>
+          </a:p>
+          <a:p>
+            <a:r>
+              <a:rPr lang="en-US" sz="4000" dirty="0" smtClean="0"/>
+              <a:t>Start Coding</a:t>
+            </a:r>
+            <a:endParaRPr lang="en-US" dirty="0"/>
+          </a:p>
+        </p:txBody>
+      </p:sp>
+      <p:sp>
+        <p:nvSpPr>
+          <p:cNvPr id="2" name="Title 1"/>
+          <p:cNvSpPr>
+            <a:spLocks noGrp="1"/>
+          </p:cNvSpPr>
+          <p:nvPr>
+            <p:ph type="title"/>
+          </p:nvPr>
+        </p:nvSpPr>
+        <p:spPr/>
+        <p:txBody>
+          <a:bodyPr/>
+          <a:lstStyle/>
+          <a:p>
+            <a:r>
+              <a:rPr lang="en-US" dirty="0" smtClean="0"/>
+              <a:t>Approach</a:t>
+            </a:r>
+            <a:endParaRPr lang="en-US" dirty="0"/>
+          </a:p>
+        </p:txBody>
+      </p:sp>
+    </p:spTree>
+    <p:extLst>
+      <p:ext uri="{BB962C8B-B14F-4D97-AF65-F5344CB8AC3E}">
+        <p14:creationId xmlns:p14="http://schemas.microsoft.com/office/powerpoint/2010/main" val="3510777361"/>
+      </p:ext>
+    </p:extLst>
+  </p:cSld>
+  <p:clrMapOvr>
+    <a:masterClrMapping/>
+  </p:clrMapOvr>
+  <mc:AlternateContent xmlns:mc="http://schemas.openxmlformats.org/markup-compatibility/2006" xmlns:p14="http://schemas.microsoft.com/office/powerpoint/2010/main">
+    <mc:Choice Requires="p14">
+      <p:transition spd="med" p14:dur="700">
+        <p:fade/>
+      </p:transition>
+    </mc:Choice>
+    <mc:Fallback xmlns="">
+      <p:transition spd="med">
+        <p:fade/>
+      </p:transition>
+    </mc:Fallback>
+  </mc:AlternateContent>
+  <p:timing>
+    <p:tnLst>
+      <p:par>
+        <p:cTn id="1" dur="indefinite" restart="never" nodeType="tmRoot">
+          <p:childTnLst>
+            <p:seq concurrent="1" nextAc="seek">
+              <p:cTn id="2" dur="indefinite" nodeType="mainSeq">
+                <p:childTnLst>
+                  <p:par>
+                    <p:cTn id="3" fill="hold">
+                      <p:stCondLst>
+                        <p:cond delay="indefinite"/>
+                        <p:cond evt="onBegin" delay="0">
+                          <p:tn val="2"/>
+                        </p:cond>
+                      </p:stCondLst>
+                      <p:childTnLst>
+                        <p:par>
+                          <p:cTn id="4" fill="hold">
+                            <p:stCondLst>
+                              <p:cond delay="0"/>
+                            </p:stCondLst>
+                            <p:childTnLst>
+                              <p:par>
+                                <p:cTn id="5" presetID="22" presetClass="entr" presetSubtype="8" fill="hold" grpId="0" nodeType="withEffect">
+                                  <p:stCondLst>
+                                    <p:cond delay="0"/>
+                                  </p:stCondLst>
+                                  <p:childTnLst>
+                                    <p:set>
+                                      <p:cBhvr>
+                                        <p:cTn id="6" dur="1" fill="hold">
+                                          <p:stCondLst>
+                                            <p:cond delay="0"/>
+                                          </p:stCondLst>
+                                        </p:cTn>
+                                        <p:tgtEl>
+                                          <p:spTgt spid="2"/>
+                                        </p:tgtEl>
+                                        <p:attrNameLst>
+                                          <p:attrName>style.visibility</p:attrName>
+                                        </p:attrNameLst>
+                                      </p:cBhvr>
+                                      <p:to>
+                                        <p:strVal val="visible"/>
+                                      </p:to>
+                                    </p:set>
+                                    <p:animEffect transition="in" filter="wipe(left)">
+                                      <p:cBhvr>
+                                        <p:cTn id="7" dur="500"/>
+                                        <p:tgtEl>
+                                          <p:spTgt spid="2"/>
+                                        </p:tgtEl>
+                                      </p:cBhvr>
+                                    </p:animEffect>
+                                  </p:childTnLst>
+                                </p:cTn>
+                              </p:par>
+                              <p:par>
+                                <p:cTn id="8" presetID="1" presetClass="entr" presetSubtype="0" fill="hold" nodeType="withEffect">
+                                  <p:stCondLst>
+                                    <p:cond delay="0"/>
+                                  </p:stCondLst>
+                                  <p:childTnLst>
+                                    <p:set>
+                                      <p:cBhvr>
+                                        <p:cTn id="9" dur="1" fill="hold">
+                                          <p:stCondLst>
+                                            <p:cond delay="999"/>
+                                          </p:stCondLst>
+                                        </p:cTn>
+                                        <p:tgtEl>
+                                          <p:spTgt spid="3">
+                                            <p:txEl>
+                                              <p:pRg st="0" end="0"/>
+                                            </p:txEl>
+                                          </p:spTgt>
+                                        </p:tgtEl>
+                                        <p:attrNameLst>
+                                          <p:attrName>style.visibility</p:attrName>
+                                        </p:attrNameLst>
+                                      </p:cBhvr>
+                                      <p:to>
+                                        <p:strVal val="visible"/>
+                                      </p:to>
+                                    </p:set>
+                                  </p:childTnLst>
+                                </p:cTn>
+                              </p:par>
+                            </p:childTnLst>
+                          </p:cTn>
+                        </p:par>
+                      </p:childTnLst>
+                    </p:cTn>
+                  </p:par>
+                  <p:par>
+                    <p:cTn id="10" fill="hold">
+                      <p:stCondLst>
+                        <p:cond delay="indefinite"/>
+                      </p:stCondLst>
+                      <p:childTnLst>
+                        <p:par>
+                          <p:cTn id="11" fill="hold">
+                            <p:stCondLst>
+                              <p:cond delay="0"/>
+                            </p:stCondLst>
+                            <p:childTnLst>
+                              <p:par>
+                                <p:cTn id="12" presetID="1" presetClass="entr" presetSubtype="0" fill="hold" nodeType="clickEffect">
+                                  <p:stCondLst>
+                                    <p:cond delay="0"/>
+                                  </p:stCondLst>
+                                  <p:childTnLst>
+                                    <p:set>
+                                      <p:cBhvr>
+                                        <p:cTn id="13" dur="1" fill="hold">
+                                          <p:stCondLst>
+                                            <p:cond delay="0"/>
+                                          </p:stCondLst>
+                                        </p:cTn>
+                                        <p:tgtEl>
+                                          <p:spTgt spid="3">
+                                            <p:txEl>
+                                              <p:pRg st="1" end="1"/>
+                                            </p:txEl>
+                                          </p:spTgt>
+                                        </p:tgtEl>
+                                        <p:attrNameLst>
+                                          <p:attrName>style.visibility</p:attrName>
+                                        </p:attrNameLst>
+                                      </p:cBhvr>
+                                      <p:to>
+                                        <p:strVal val="visible"/>
+                                      </p:to>
+                                    </p:set>
+                                  </p:childTnLst>
+                                </p:cTn>
+                              </p:par>
+                            </p:childTnLst>
+                          </p:cTn>
+                        </p:par>
+                      </p:childTnLst>
+                    </p:cTn>
+                  </p:par>
+                  <p:par>
+                    <p:cTn id="14" fill="hold">
+                      <p:stCondLst>
+                        <p:cond delay="indefinite"/>
+                      </p:stCondLst>
+                      <p:childTnLst>
+                        <p:par>
+                          <p:cTn id="15" fill="hold">
+                            <p:stCondLst>
+                              <p:cond delay="0"/>
+                            </p:stCondLst>
+                            <p:childTnLst>
+                              <p:par>
+                                <p:cTn id="16" presetID="1" presetClass="entr" presetSubtype="0" fill="hold" nodeType="clickEffect">
+                                  <p:stCondLst>
+                                    <p:cond delay="0"/>
+                                  </p:stCondLst>
+                                  <p:childTnLst>
+                                    <p:set>
+                                      <p:cBhvr>
+                                        <p:cTn id="17" dur="1" fill="hold">
+                                          <p:stCondLst>
+                                            <p:cond delay="0"/>
+                                          </p:stCondLst>
+                                        </p:cTn>
+                                        <p:tgtEl>
+                                          <p:spTgt spid="3">
+                                            <p:txEl>
+                                              <p:pRg st="2" end="2"/>
+                                            </p:txEl>
+                                          </p:spTgt>
+                                        </p:tgtEl>
+                                        <p:attrNameLst>
+                                          <p:attrName>style.visibility</p:attrName>
+                                        </p:attrNameLst>
+                                      </p:cBhvr>
+                                      <p:to>
+                                        <p:strVal val="visible"/>
+                                      </p:to>
+                                    </p:set>
+                                  </p:childTnLst>
+                                </p:cTn>
+                              </p:par>
+                            </p:childTnLst>
+                          </p:cTn>
+                        </p:par>
+                      </p:childTnLst>
+                    </p:cTn>
+                  </p:par>
+                  <p:par>
+                    <p:cTn id="18" fill="hold">
+                      <p:stCondLst>
+                        <p:cond delay="indefinite"/>
+                      </p:stCondLst>
+                      <p:childTnLst>
+                        <p:par>
+                          <p:cTn id="19" fill="hold">
+                            <p:stCondLst>
+                              <p:cond delay="0"/>
+                            </p:stCondLst>
+                            <p:childTnLst>
+                              <p:par>
+                                <p:cTn id="20" presetID="1" presetClass="entr" presetSubtype="0" fill="hold" nodeType="clickEffect">
+                                  <p:stCondLst>
+                                    <p:cond delay="0"/>
+                                  </p:stCondLst>
+                                  <p:childTnLst>
+                                    <p:set>
+                                      <p:cBhvr>
+                                        <p:cTn id="21" dur="1" fill="hold">
+                                          <p:stCondLst>
+                                            <p:cond delay="0"/>
+                                          </p:stCondLst>
+                                        </p:cTn>
+                                        <p:tgtEl>
+                                          <p:spTgt spid="3">
+                                            <p:txEl>
+                                              <p:pRg st="3" end="3"/>
+                                            </p:txEl>
+                                          </p:spTgt>
+                                        </p:tgtEl>
+                                        <p:attrNameLst>
+                                          <p:attrName>style.visibility</p:attrName>
+                                        </p:attrNameLst>
+                                      </p:cBhvr>
+                                      <p:to>
+                                        <p:strVal val="visible"/>
+                                      </p:to>
+                                    </p:set>
+                                  </p:childTnLst>
+                                </p:cTn>
+                              </p:par>
+                            </p:childTnLst>
+                          </p:cTn>
+                        </p:par>
+                      </p:childTnLst>
+                    </p:cTn>
+                  </p:par>
+                </p:childTnLst>
+              </p:cTn>
+              <p:prevCondLst>
+                <p:cond evt="onPrev" delay="0">
+                  <p:tgtEl>
+                    <p:sldTgt/>
+                  </p:tgtEl>
+                </p:cond>
+              </p:prevCondLst>
+              <p:nextCondLst>
+                <p:cond evt="onNext" delay="0">
+                  <p:tgtEl>
+                    <p:sldTgt/>
+                  </p:tgtEl>
+                </p:cond>
+              </p:nextCondLst>
+            </p:seq>
+          </p:childTnLst>
+        </p:cTn>
+      </p:par>
+    </p:tnLst>
+    <p:bldLst>
+      <p:bldP spid="2" grpId="0"/>
+    </p:bldLst>
+  </p:timing>
+</p:sld>
+</file>
+
+<file path=ppt/slides/slide5.xml><?xml version="1.0" encoding="utf-8"?>
+<p:sld xmlns:a="http://schemas.openxmlformats.org/drawingml/2006/main" xmlns:r="http://schemas.openxmlformats.org/officeDocument/2006/relationships" xmlns:p="http://schemas.openxmlformats.org/presentationml/2006/main">
+  <p:cSld>
+    <p:spTree>
+      <p:nvGrpSpPr>
+        <p:cNvPr id="1" name=""/>
+        <p:cNvGrpSpPr/>
+        <p:nvPr/>
+      </p:nvGrpSpPr>
+      <p:grpSpPr>
+        <a:xfrm>
+          <a:off x="0" y="0"/>
+          <a:ext cx="0" cy="0"/>
+          <a:chOff x="0" y="0"/>
+          <a:chExt cx="0" cy="0"/>
+        </a:xfrm>
+      </p:grpSpPr>
+      <p:sp>
+        <p:nvSpPr>
+          <p:cNvPr id="3" name="Content Placeholder 2"/>
+          <p:cNvSpPr>
+            <a:spLocks noGrp="1"/>
+          </p:cNvSpPr>
+          <p:nvPr>
+            <p:ph idx="1"/>
+          </p:nvPr>
+        </p:nvSpPr>
+        <p:spPr/>
+        <p:txBody>
+          <a:bodyPr/>
+          <a:lstStyle/>
+          <a:p>
+            <a:r>
+              <a:rPr lang="en-US" sz="4000" dirty="0" smtClean="0"/>
+              <a:t>New User Registration</a:t>
+            </a:r>
+          </a:p>
+          <a:p>
+            <a:r>
+              <a:rPr lang="en-US" sz="4000" dirty="0" smtClean="0"/>
+              <a:t>Login By Username</a:t>
+            </a:r>
+          </a:p>
+          <a:p>
+            <a:r>
+              <a:rPr lang="en-US" sz="4000" dirty="0" smtClean="0"/>
+              <a:t>User Credentials Determine Access Role</a:t>
+            </a:r>
+          </a:p>
+          <a:p>
+            <a:pPr lvl="1"/>
+            <a:r>
+              <a:rPr lang="en-US" sz="3600" dirty="0" smtClean="0"/>
+              <a:t>Admin</a:t>
+            </a:r>
+          </a:p>
+          <a:p>
+            <a:pPr lvl="1"/>
+            <a:r>
+              <a:rPr lang="en-US" sz="3600" dirty="0" smtClean="0"/>
+              <a:t>User</a:t>
+            </a:r>
+          </a:p>
+        </p:txBody>
+      </p:sp>
+      <p:sp>
+        <p:nvSpPr>
+          <p:cNvPr id="2" name="Title 1"/>
+          <p:cNvSpPr>
+            <a:spLocks noGrp="1"/>
+          </p:cNvSpPr>
+          <p:nvPr>
+            <p:ph type="title"/>
+          </p:nvPr>
+        </p:nvSpPr>
+        <p:spPr/>
+        <p:txBody>
+          <a:bodyPr/>
+          <a:lstStyle/>
+          <a:p>
+            <a:r>
+              <a:rPr lang="en-US" dirty="0" smtClean="0"/>
+              <a:t>Overview - Login</a:t>
+            </a:r>
+            <a:endParaRPr lang="en-US" dirty="0"/>
+          </a:p>
+        </p:txBody>
+      </p:sp>
+    </p:spTree>
+    <p:extLst>
+      <p:ext uri="{BB962C8B-B14F-4D97-AF65-F5344CB8AC3E}">
+        <p14:creationId xmlns:p14="http://schemas.microsoft.com/office/powerpoint/2010/main" val="2343073498"/>
+      </p:ext>
+    </p:extLst>
+  </p:cSld>
+  <p:clrMapOvr>
+    <a:masterClrMapping/>
+  </p:clrMapOvr>
+  <mc:AlternateContent xmlns:mc="http://schemas.openxmlformats.org/markup-compatibility/2006" xmlns:p14="http://schemas.microsoft.com/office/powerpoint/2010/main">
+    <mc:Choice Requires="p14">
+      <p:transition spd="med" p14:dur="700">
+        <p:fade/>
+      </p:transition>
+    </mc:Choice>
+    <mc:Fallback xmlns="">
+      <p:transition spd="med">
+        <p:fade/>
+      </p:transition>
+    </mc:Fallback>
+  </mc:AlternateContent>
+  <p:timing>
+    <p:tnLst>
+      <p:par>
+        <p:cTn id="1" dur="indefinite" restart="never" nodeType="tmRoot">
+          <p:childTnLst>
+            <p:seq concurrent="1" nextAc="seek">
+              <p:cTn id="2" dur="indefinite" nodeType="mainSeq">
+                <p:childTnLst>
+                  <p:par>
+                    <p:cTn id="3" fill="hold">
+                      <p:stCondLst>
+                        <p:cond delay="indefinite"/>
+                        <p:cond evt="onBegin" delay="0">
+                          <p:tn val="2"/>
+                        </p:cond>
+                      </p:stCondLst>
+                      <p:childTnLst>
+                        <p:par>
+                          <p:cTn id="4" fill="hold">
+                            <p:stCondLst>
+                              <p:cond delay="0"/>
+                            </p:stCondLst>
+                            <p:childTnLst>
+                              <p:par>
+                                <p:cTn id="5" presetID="22" presetClass="entr" presetSubtype="8" fill="hold" grpId="0" nodeType="withEffect">
+                                  <p:stCondLst>
+                                    <p:cond delay="0"/>
+                                  </p:stCondLst>
+                                  <p:childTnLst>
+                                    <p:set>
+                                      <p:cBhvr>
+                                        <p:cTn id="6" dur="1" fill="hold">
+                                          <p:stCondLst>
+                                            <p:cond delay="0"/>
+                                          </p:stCondLst>
+                                        </p:cTn>
+                                        <p:tgtEl>
+                                          <p:spTgt spid="2"/>
+                                        </p:tgtEl>
+                                        <p:attrNameLst>
+                                          <p:attrName>style.visibility</p:attrName>
+                                        </p:attrNameLst>
+                                      </p:cBhvr>
+                                      <p:to>
+                                        <p:strVal val="visible"/>
+                                      </p:to>
+                                    </p:set>
+                                    <p:animEffect transition="in" filter="wipe(left)">
+                                      <p:cBhvr>
+                                        <p:cTn id="7" dur="500"/>
+                                        <p:tgtEl>
+                                          <p:spTgt spid="2"/>
+                                        </p:tgtEl>
+                                      </p:cBhvr>
+                                    </p:animEffect>
+                                  </p:childTnLst>
+                                </p:cTn>
+                              </p:par>
+                              <p:par>
+                                <p:cTn id="8" presetID="1" presetClass="entr" presetSubtype="0" fill="hold" nodeType="withEffect">
+                                  <p:stCondLst>
+                                    <p:cond delay="1000"/>
+                                  </p:stCondLst>
+                                  <p:childTnLst>
+                                    <p:set>
+                                      <p:cBhvr>
+                                        <p:cTn id="9" dur="1" fill="hold">
+                                          <p:stCondLst>
+                                            <p:cond delay="0"/>
+                                          </p:stCondLst>
+                                        </p:cTn>
+                                        <p:tgtEl>
+                                          <p:spTgt spid="3">
+                                            <p:txEl>
+                                              <p:pRg st="0" end="0"/>
+                                            </p:txEl>
+                                          </p:spTgt>
+                                        </p:tgtEl>
+                                        <p:attrNameLst>
+                                          <p:attrName>style.visibility</p:attrName>
+                                        </p:attrNameLst>
+                                      </p:cBhvr>
+                                      <p:to>
+                                        <p:strVal val="visible"/>
+                                      </p:to>
+                                    </p:set>
+                                  </p:childTnLst>
+                                </p:cTn>
+                              </p:par>
+                            </p:childTnLst>
+                          </p:cTn>
+                        </p:par>
+                      </p:childTnLst>
+                    </p:cTn>
+                  </p:par>
+                  <p:par>
+                    <p:cTn id="10" fill="hold">
+                      <p:stCondLst>
+                        <p:cond delay="indefinite"/>
+                      </p:stCondLst>
+                      <p:childTnLst>
+                        <p:par>
+                          <p:cTn id="11" fill="hold">
+                            <p:stCondLst>
+                              <p:cond delay="0"/>
+                            </p:stCondLst>
+                            <p:childTnLst>
+                              <p:par>
+                                <p:cTn id="12" presetID="1" presetClass="entr" presetSubtype="0" fill="hold" nodeType="clickEffect">
+                                  <p:stCondLst>
+                                    <p:cond delay="0"/>
+                                  </p:stCondLst>
+                                  <p:childTnLst>
+                                    <p:set>
+                                      <p:cBhvr>
+                                        <p:cTn id="13" dur="1" fill="hold">
+                                          <p:stCondLst>
+                                            <p:cond delay="0"/>
+                                          </p:stCondLst>
+                                        </p:cTn>
+                                        <p:tgtEl>
+                                          <p:spTgt spid="3">
+                                            <p:txEl>
+                                              <p:pRg st="1" end="1"/>
+                                            </p:txEl>
+                                          </p:spTgt>
+                                        </p:tgtEl>
+                                        <p:attrNameLst>
+                                          <p:attrName>style.visibility</p:attrName>
+                                        </p:attrNameLst>
+                                      </p:cBhvr>
+                                      <p:to>
+                                        <p:strVal val="visible"/>
+                                      </p:to>
+                                    </p:set>
+                                  </p:childTnLst>
+                                </p:cTn>
+                              </p:par>
+                            </p:childTnLst>
+                          </p:cTn>
+                        </p:par>
+                      </p:childTnLst>
+                    </p:cTn>
+                  </p:par>
+                  <p:par>
+                    <p:cTn id="14" fill="hold">
+                      <p:stCondLst>
+                        <p:cond delay="indefinite"/>
+                      </p:stCondLst>
+                      <p:childTnLst>
+                        <p:par>
+                          <p:cTn id="15" fill="hold">
+                            <p:stCondLst>
+                              <p:cond delay="0"/>
+                            </p:stCondLst>
+                            <p:childTnLst>
+                              <p:par>
+                                <p:cTn id="16" presetID="1" presetClass="entr" presetSubtype="0" fill="hold" nodeType="clickEffect">
+                                  <p:stCondLst>
+                                    <p:cond delay="0"/>
+                                  </p:stCondLst>
+                                  <p:childTnLst>
+                                    <p:set>
+                                      <p:cBhvr>
+                                        <p:cTn id="17" dur="1" fill="hold">
+                                          <p:stCondLst>
+                                            <p:cond delay="0"/>
+                                          </p:stCondLst>
+                                        </p:cTn>
+                                        <p:tgtEl>
+                                          <p:spTgt spid="3">
+                                            <p:txEl>
+                                              <p:pRg st="2" end="2"/>
+                                            </p:txEl>
+                                          </p:spTgt>
+                                        </p:tgtEl>
+                                        <p:attrNameLst>
+                                          <p:attrName>style.visibility</p:attrName>
+                                        </p:attrNameLst>
+                                      </p:cBhvr>
+                                      <p:to>
+                                        <p:strVal val="visible"/>
+                                      </p:to>
+                                    </p:set>
+                                  </p:childTnLst>
+                                </p:cTn>
+                              </p:par>
+                            </p:childTnLst>
+                          </p:cTn>
+                        </p:par>
+                      </p:childTnLst>
+                    </p:cTn>
+                  </p:par>
+                  <p:par>
+                    <p:cTn id="18" fill="hold">
+                      <p:stCondLst>
+                        <p:cond delay="indefinite"/>
+                      </p:stCondLst>
+                      <p:childTnLst>
+                        <p:par>
+                          <p:cTn id="19" fill="hold">
+                            <p:stCondLst>
+                              <p:cond delay="0"/>
+                            </p:stCondLst>
+                            <p:childTnLst>
+                              <p:par>
+                                <p:cTn id="20" presetID="1" presetClass="entr" presetSubtype="0" fill="hold" nodeType="clickEffect">
+                                  <p:stCondLst>
+                                    <p:cond delay="0"/>
+                                  </p:stCondLst>
+                                  <p:childTnLst>
+                                    <p:set>
+                                      <p:cBhvr>
+                                        <p:cTn id="21" dur="1" fill="hold">
+                                          <p:stCondLst>
+                                            <p:cond delay="9"/>
+                                          </p:stCondLst>
+                                        </p:cTn>
+                                        <p:tgtEl>
+                                          <p:spTgt spid="3">
+                                            <p:txEl>
+                                              <p:pRg st="3" end="3"/>
+                                            </p:txEl>
+                                          </p:spTgt>
+                                        </p:tgtEl>
+                                        <p:attrNameLst>
+                                          <p:attrName>style.visibility</p:attrName>
+                                        </p:attrNameLst>
+                                      </p:cBhvr>
+                                      <p:to>
+                                        <p:strVal val="visible"/>
+                                      </p:to>
+                                    </p:set>
+                                  </p:childTnLst>
+                                </p:cTn>
+                              </p:par>
+                              <p:par>
+                                <p:cTn id="22" presetID="1" presetClass="entr" presetSubtype="0" fill="hold" nodeType="withEffect">
+                                  <p:stCondLst>
+                                    <p:cond delay="0"/>
+                                  </p:stCondLst>
+                                  <p:childTnLst>
+                                    <p:set>
+                                      <p:cBhvr>
+                                        <p:cTn id="23" dur="1" fill="hold">
+                                          <p:stCondLst>
+                                            <p:cond delay="499"/>
+                                          </p:stCondLst>
+                                        </p:cTn>
+                                        <p:tgtEl>
+                                          <p:spTgt spid="3">
+                                            <p:txEl>
+                                              <p:pRg st="4" end="4"/>
+                                            </p:txEl>
+                                          </p:spTgt>
+                                        </p:tgtEl>
+                                        <p:attrNameLst>
+                                          <p:attrName>style.visibility</p:attrName>
+                                        </p:attrNameLst>
+                                      </p:cBhvr>
+                                      <p:to>
+                                        <p:strVal val="visible"/>
+                                      </p:to>
+                                    </p:set>
+                                  </p:childTnLst>
+                                </p:cTn>
+                              </p:par>
+                            </p:childTnLst>
+                          </p:cTn>
+                        </p:par>
+                      </p:childTnLst>
+                    </p:cTn>
+                  </p:par>
+                </p:childTnLst>
+              </p:cTn>
+              <p:prevCondLst>
+                <p:cond evt="onPrev" delay="0">
+                  <p:tgtEl>
+                    <p:sldTgt/>
+                  </p:tgtEl>
+                </p:cond>
+              </p:prevCondLst>
+              <p:nextCondLst>
+                <p:cond evt="onNext" delay="0">
+                  <p:tgtEl>
+                    <p:sldTgt/>
+                  </p:tgtEl>
+                </p:cond>
+              </p:nextCondLst>
+            </p:seq>
+          </p:childTnLst>
+        </p:cTn>
+      </p:par>
+    </p:tnLst>
+    <p:bldLst>
+      <p:bldP spid="2" grpId="0"/>
+    </p:bldLst>
+  </p:timing>
+</p:sld>
+</file>
+
+<file path=ppt/slides/slide6.xml><?xml version="1.0" encoding="utf-8"?>
+<p:sld xmlns:a="http://schemas.openxmlformats.org/drawingml/2006/main" xmlns:r="http://schemas.openxmlformats.org/officeDocument/2006/relationships" xmlns:p="http://schemas.openxmlformats.org/presentationml/2006/main">
+  <p:cSld>
+    <p:spTree>
+      <p:nvGrpSpPr>
+        <p:cNvPr id="1" name=""/>
+        <p:cNvGrpSpPr/>
+        <p:nvPr/>
+      </p:nvGrpSpPr>
+      <p:grpSpPr>
+        <a:xfrm>
+          <a:off x="0" y="0"/>
+          <a:ext cx="0" cy="0"/>
+          <a:chOff x="0" y="0"/>
+          <a:chExt cx="0" cy="0"/>
+        </a:xfrm>
+      </p:grpSpPr>
+      <p:sp>
+        <p:nvSpPr>
+          <p:cNvPr id="3" name="Content Placeholder 2"/>
+          <p:cNvSpPr>
+            <a:spLocks noGrp="1"/>
+          </p:cNvSpPr>
+          <p:nvPr>
+            <p:ph idx="1"/>
+          </p:nvPr>
+        </p:nvSpPr>
+        <p:spPr/>
+        <p:txBody>
+          <a:bodyPr/>
+          <a:lstStyle/>
+          <a:p>
+            <a:pPr lvl="1"/>
+            <a:endParaRPr lang="en-US" dirty="0" smtClean="0"/>
+          </a:p>
+          <a:p>
+            <a:endParaRPr lang="en-US" dirty="0"/>
+          </a:p>
+        </p:txBody>
+      </p:sp>
+      <p:sp>
+        <p:nvSpPr>
+          <p:cNvPr id="2" name="Title 1"/>
+          <p:cNvSpPr>
+            <a:spLocks noGrp="1"/>
+          </p:cNvSpPr>
+          <p:nvPr>
+            <p:ph type="title"/>
+          </p:nvPr>
+        </p:nvSpPr>
+        <p:spPr/>
+        <p:txBody>
+          <a:bodyPr/>
+          <a:lstStyle/>
+          <a:p>
+            <a:r>
+              <a:rPr lang="en-US" dirty="0" smtClean="0"/>
+              <a:t>Overview - Login Screen</a:t>
+            </a:r>
+            <a:endParaRPr lang="en-US" dirty="0"/>
+          </a:p>
+        </p:txBody>
+      </p:sp>
+      <p:pic>
+        <p:nvPicPr>
+          <p:cNvPr id="4" name="Picture 3"/>
+          <p:cNvPicPr>
+            <a:picLocks noChangeAspect="1"/>
+          </p:cNvPicPr>
+          <p:nvPr/>
+        </p:nvPicPr>
+        <p:blipFill>
+          <a:blip r:embed="rId2"/>
+          <a:stretch>
+            <a:fillRect/>
+          </a:stretch>
+        </p:blipFill>
+        <p:spPr>
+          <a:xfrm>
+            <a:off x="2669969" y="2281254"/>
+            <a:ext cx="5805291" cy="2726133"/>
+          </a:xfrm>
+          <a:prstGeom prst="rect">
+            <a:avLst/>
+          </a:prstGeom>
+        </p:spPr>
+      </p:pic>
+    </p:spTree>
+    <p:extLst>
+      <p:ext uri="{BB962C8B-B14F-4D97-AF65-F5344CB8AC3E}">
+        <p14:creationId xmlns:p14="http://schemas.microsoft.com/office/powerpoint/2010/main" val="1833388435"/>
+      </p:ext>
+    </p:extLst>
+  </p:cSld>
+  <p:clrMapOvr>
+    <a:masterClrMapping/>
+  </p:clrMapOvr>
+  <mc:AlternateContent xmlns:mc="http://schemas.openxmlformats.org/markup-compatibility/2006" xmlns:p14="http://schemas.microsoft.com/office/powerpoint/2010/main">
+    <mc:Choice Requires="p14">
+      <p:transition spd="med" p14:dur="700">
+        <p:fade/>
+      </p:transition>
+    </mc:Choice>
+    <mc:Fallback xmlns="">
+      <p:transition spd="med">
+        <p:fade/>
+      </p:transition>
+    </mc:Fallback>
+  </mc:AlternateContent>
+  <p:timing>
+    <p:tnLst>
+      <p:par>
+        <p:cTn id="1" dur="indefinite" restart="never" nodeType="tmRoot">
+          <p:childTnLst>
+            <p:seq concurrent="1" nextAc="seek">
+              <p:cTn id="2" dur="indefinite" nodeType="mainSeq">
+                <p:childTnLst>
+                  <p:par>
+                    <p:cTn id="3" fill="hold">
+                      <p:stCondLst>
+                        <p:cond delay="indefinite"/>
+                        <p:cond evt="onBegin" delay="0">
+                          <p:tn val="2"/>
+                        </p:cond>
+                      </p:stCondLst>
+                      <p:childTnLst>
+                        <p:par>
+                          <p:cTn id="4" fill="hold">
+                            <p:stCondLst>
+                              <p:cond delay="0"/>
+                            </p:stCondLst>
+                            <p:childTnLst>
+                              <p:par>
+                                <p:cTn id="5" presetID="22" presetClass="entr" presetSubtype="8" fill="hold" grpId="0" nodeType="withEffect">
+                                  <p:stCondLst>
+                                    <p:cond delay="0"/>
+                                  </p:stCondLst>
+                                  <p:childTnLst>
+                                    <p:set>
+                                      <p:cBhvr>
+                                        <p:cTn id="6" dur="1" fill="hold">
+                                          <p:stCondLst>
+                                            <p:cond delay="0"/>
+                                          </p:stCondLst>
+                                        </p:cTn>
+                                        <p:tgtEl>
+                                          <p:spTgt spid="2"/>
+                                        </p:tgtEl>
+                                        <p:attrNameLst>
+                                          <p:attrName>style.visibility</p:attrName>
+                                        </p:attrNameLst>
+                                      </p:cBhvr>
+                                      <p:to>
+                                        <p:strVal val="visible"/>
+                                      </p:to>
+                                    </p:set>
+                                    <p:animEffect transition="in" filter="wipe(left)">
+                                      <p:cBhvr>
+                                        <p:cTn id="7" dur="500"/>
+                                        <p:tgtEl>
+                                          <p:spTgt spid="2"/>
+                                        </p:tgtEl>
+                                      </p:cBhvr>
+                                    </p:animEffect>
+                                  </p:childTnLst>
+                                </p:cTn>
+                              </p:par>
+                              <p:par>
+                                <p:cTn id="8" presetID="53" presetClass="entr" presetSubtype="16" fill="hold" nodeType="withEffect">
+                                  <p:stCondLst>
+                                    <p:cond delay="1000"/>
+                                  </p:stCondLst>
+                                  <p:childTnLst>
+                                    <p:set>
+                                      <p:cBhvr>
+                                        <p:cTn id="9" dur="1" fill="hold">
+                                          <p:stCondLst>
+                                            <p:cond delay="0"/>
+                                          </p:stCondLst>
+                                        </p:cTn>
+                                        <p:tgtEl>
+                                          <p:spTgt spid="4"/>
+                                        </p:tgtEl>
+                                        <p:attrNameLst>
+                                          <p:attrName>style.visibility</p:attrName>
+                                        </p:attrNameLst>
+                                      </p:cBhvr>
+                                      <p:to>
+                                        <p:strVal val="visible"/>
+                                      </p:to>
+                                    </p:set>
+                                    <p:anim calcmode="lin" valueType="num">
+                                      <p:cBhvr>
+                                        <p:cTn id="10" dur="10" fill="hold"/>
+                                        <p:tgtEl>
+                                          <p:spTgt spid="4"/>
+                                        </p:tgtEl>
+                                        <p:attrNameLst>
+                                          <p:attrName>ppt_w</p:attrName>
+                                        </p:attrNameLst>
+                                      </p:cBhvr>
+                                      <p:tavLst>
+                                        <p:tav tm="0">
+                                          <p:val>
+                                            <p:fltVal val="0"/>
+                                          </p:val>
+                                        </p:tav>
+                                        <p:tav tm="100000">
+                                          <p:val>
+                                            <p:strVal val="#ppt_w"/>
+                                          </p:val>
+                                        </p:tav>
+                                      </p:tavLst>
+                                    </p:anim>
+                                    <p:anim calcmode="lin" valueType="num">
+                                      <p:cBhvr>
+                                        <p:cTn id="11" dur="10" fill="hold"/>
+                                        <p:tgtEl>
+                                          <p:spTgt spid="4"/>
+                                        </p:tgtEl>
+                                        <p:attrNameLst>
+                                          <p:attrName>ppt_h</p:attrName>
+                                        </p:attrNameLst>
+                                      </p:cBhvr>
+                                      <p:tavLst>
+                                        <p:tav tm="0">
+                                          <p:val>
+                                            <p:fltVal val="0"/>
+                                          </p:val>
+                                        </p:tav>
+                                        <p:tav tm="100000">
+                                          <p:val>
+                                            <p:strVal val="#ppt_h"/>
+                                          </p:val>
+                                        </p:tav>
+                                      </p:tavLst>
+                                    </p:anim>
+                                    <p:animEffect transition="in" filter="fade">
+                                      <p:cBhvr>
+                                        <p:cTn id="12" dur="10"/>
+                                        <p:tgtEl>
+                                          <p:spTgt spid="4"/>
+                                        </p:tgtEl>
+                                      </p:cBhvr>
+                                    </p:animEffect>
+                                  </p:childTnLst>
+                                </p:cTn>
+                              </p:par>
+                            </p:childTnLst>
+                          </p:cTn>
+                        </p:par>
+                      </p:childTnLst>
+                    </p:cTn>
+                  </p:par>
+                </p:childTnLst>
+              </p:cTn>
+              <p:prevCondLst>
+                <p:cond evt="onPrev" delay="0">
+                  <p:tgtEl>
+                    <p:sldTgt/>
+                  </p:tgtEl>
+                </p:cond>
+              </p:prevCondLst>
+              <p:nextCondLst>
+                <p:cond evt="onNext" delay="0">
+                  <p:tgtEl>
+                    <p:sldTgt/>
+                  </p:tgtEl>
+                </p:cond>
+              </p:nextCondLst>
+            </p:seq>
+          </p:childTnLst>
+        </p:cTn>
+      </p:par>
+    </p:tnLst>
+    <p:bldLst>
+      <p:bldP spid="2" grpId="0"/>
+    </p:bldLst>
+  </p:timing>
+</p:sld>
+</file>
+
+<file path=ppt/slides/slide7.xml><?xml version="1.0" encoding="utf-8"?>
+<p:sld xmlns:a="http://schemas.openxmlformats.org/drawingml/2006/main" xmlns:r="http://schemas.openxmlformats.org/officeDocument/2006/relationships" xmlns:p="http://schemas.openxmlformats.org/presentationml/2006/main">
+  <p:cSld>
+    <p:spTree>
+      <p:nvGrpSpPr>
+        <p:cNvPr id="1" name=""/>
+        <p:cNvGrpSpPr/>
+        <p:nvPr/>
+      </p:nvGrpSpPr>
+      <p:grpSpPr>
+        <a:xfrm>
+          <a:off x="0" y="0"/>
+          <a:ext cx="0" cy="0"/>
+          <a:chOff x="0" y="0"/>
+          <a:chExt cx="0" cy="0"/>
+        </a:xfrm>
+      </p:grpSpPr>
+      <p:sp>
+        <p:nvSpPr>
+          <p:cNvPr id="3" name="Content Placeholder 2"/>
+          <p:cNvSpPr>
+            <a:spLocks noGrp="1"/>
+          </p:cNvSpPr>
+          <p:nvPr>
+            <p:ph idx="1"/>
+          </p:nvPr>
+        </p:nvSpPr>
+        <p:spPr/>
+        <p:txBody>
+          <a:bodyPr>
+            <a:normAutofit/>
+          </a:bodyPr>
+          <a:lstStyle/>
+          <a:p>
+            <a:r>
+              <a:rPr lang="en-US" sz="4000" dirty="0" smtClean="0"/>
+              <a:t>Manage Existing Database Items </a:t>
+            </a:r>
+            <a:br>
+              <a:rPr lang="en-US" sz="4000" dirty="0" smtClean="0"/>
+            </a:br>
+            <a:r>
+              <a:rPr lang="en-US" sz="4000" dirty="0" smtClean="0"/>
+              <a:t>(E.G. Words Or Phrases)</a:t>
+            </a:r>
+          </a:p>
+          <a:p>
+            <a:r>
+              <a:rPr lang="en-US" sz="4000" dirty="0" smtClean="0"/>
+              <a:t>Associate Images To Existing Items</a:t>
+            </a:r>
+          </a:p>
+          <a:p>
+            <a:r>
+              <a:rPr lang="en-US" sz="4000" dirty="0" smtClean="0"/>
+              <a:t>Manage Test Items</a:t>
+            </a:r>
+          </a:p>
+          <a:p>
+            <a:r>
+              <a:rPr lang="en-US" sz="4000" dirty="0" smtClean="0"/>
+              <a:t>Toggle Progress Meter</a:t>
+            </a:r>
+          </a:p>
+          <a:p>
+            <a:r>
+              <a:rPr lang="en-US" sz="4000" dirty="0" smtClean="0"/>
+              <a:t>View Completed Test Results</a:t>
+            </a:r>
+          </a:p>
+          <a:p>
+            <a:pPr lvl="1"/>
+            <a:endParaRPr lang="en-US" dirty="0" smtClean="0"/>
+          </a:p>
+          <a:p>
+            <a:endParaRPr lang="en-US" dirty="0"/>
+          </a:p>
+        </p:txBody>
+      </p:sp>
+      <p:sp>
+        <p:nvSpPr>
+          <p:cNvPr id="2" name="Title 1"/>
+          <p:cNvSpPr>
+            <a:spLocks noGrp="1"/>
+          </p:cNvSpPr>
+          <p:nvPr>
+            <p:ph type="title"/>
+          </p:nvPr>
+        </p:nvSpPr>
+        <p:spPr/>
+        <p:txBody>
+          <a:bodyPr/>
+          <a:lstStyle/>
+          <a:p>
+            <a:r>
+              <a:rPr lang="en-US" dirty="0" smtClean="0"/>
+              <a:t>Overview </a:t>
+            </a:r>
+            <a:r>
+              <a:rPr lang="en-US" dirty="0"/>
+              <a:t>-</a:t>
+            </a:r>
+            <a:r>
+              <a:rPr lang="en-US" dirty="0" smtClean="0"/>
+              <a:t> Admin Test Setup</a:t>
+            </a:r>
+            <a:endParaRPr lang="en-US" dirty="0"/>
+          </a:p>
+        </p:txBody>
+      </p:sp>
+    </p:spTree>
+    <p:extLst>
+      <p:ext uri="{BB962C8B-B14F-4D97-AF65-F5344CB8AC3E}">
+        <p14:creationId xmlns:p14="http://schemas.microsoft.com/office/powerpoint/2010/main" val="344505319"/>
+      </p:ext>
+    </p:extLst>
+  </p:cSld>
+  <p:clrMapOvr>
+    <a:masterClrMapping/>
+  </p:clrMapOvr>
+  <mc:AlternateContent xmlns:mc="http://schemas.openxmlformats.org/markup-compatibility/2006" xmlns:p14="http://schemas.microsoft.com/office/powerpoint/2010/main">
+    <mc:Choice Requires="p14">
+      <p:transition spd="med" p14:dur="700">
+        <p:fade/>
+      </p:transition>
+    </mc:Choice>
+    <mc:Fallback xmlns="">
+      <p:transition spd="med">
+        <p:fade/>
+      </p:transition>
+    </mc:Fallback>
+  </mc:AlternateContent>
+  <p:timing>
+    <p:tnLst>
+      <p:par>
+        <p:cTn id="1" dur="indefinite" restart="never" nodeType="tmRoot">
+          <p:childTnLst>
+            <p:seq concurrent="1" nextAc="seek">
+              <p:cTn id="2" dur="indefinite" nodeType="mainSeq">
+                <p:childTnLst>
+                  <p:par>
+                    <p:cTn id="3" fill="hold">
+                      <p:stCondLst>
+                        <p:cond delay="indefinite"/>
+                        <p:cond evt="onBegin" delay="0">
+                          <p:tn val="2"/>
+                        </p:cond>
+                      </p:stCondLst>
+                      <p:childTnLst>
+                        <p:par>
+                          <p:cTn id="4" fill="hold">
+                            <p:stCondLst>
+                              <p:cond delay="0"/>
+                            </p:stCondLst>
+                            <p:childTnLst>
+                              <p:par>
+                                <p:cTn id="5" presetID="1" presetClass="entr" presetSubtype="0" fill="hold" nodeType="withEffect">
+                                  <p:stCondLst>
+                                    <p:cond delay="500"/>
                                   </p:stCondLst>
                                   <p:childTnLst>
                                     <p:set>
@@ -5883,7 +8792,7 @@
 </p:sld>
 </file>
 
-<file path=ppt/slides/slide2.xml><?xml version="1.0" encoding="utf-8"?>
+<file path=ppt/slides/slide8.xml><?xml version="1.0" encoding="utf-8"?>
 <p:sld xmlns:a="http://schemas.openxmlformats.org/drawingml/2006/main" xmlns:r="http://schemas.openxmlformats.org/officeDocument/2006/relationships" xmlns:p="http://schemas.openxmlformats.org/presentationml/2006/main">
   <p:cSld>
     <p:spTree>
@@ -5915,38 +8824,11 @@
           <a:bodyPr/>
           <a:lstStyle/>
           <a:p>
-            <a:r>
-              <a:rPr lang="en-US" sz="4000" dirty="0" smtClean="0"/>
-              <a:t>Completed Functionality</a:t>
-            </a:r>
-            <a:endParaRPr lang="en-US" sz="4000" dirty="0" smtClean="0"/>
-          </a:p>
-          <a:p>
-            <a:r>
-              <a:rPr lang="en-US" sz="4000" dirty="0" smtClean="0"/>
-              <a:t>Functional Overview</a:t>
-            </a:r>
-            <a:endParaRPr lang="en-US" sz="4000" dirty="0" smtClean="0"/>
-          </a:p>
-          <a:p>
-            <a:r>
-              <a:rPr lang="en-US" sz="4000" dirty="0" smtClean="0"/>
-              <a:t>Approach</a:t>
-            </a:r>
-            <a:endParaRPr lang="en-US" sz="4000" dirty="0" smtClean="0"/>
-          </a:p>
-          <a:p>
-            <a:r>
-              <a:rPr lang="en-US" sz="4000" dirty="0" smtClean="0"/>
-              <a:t>Challenges </a:t>
-            </a:r>
-            <a:r>
-              <a:rPr lang="en-US" sz="4000" dirty="0" smtClean="0"/>
-              <a:t>/ Lessons Learned</a:t>
-            </a:r>
-          </a:p>
-          <a:p>
+            <a:pPr lvl="1"/>
             <a:endParaRPr lang="en-US" dirty="0" smtClean="0"/>
+          </a:p>
+          <a:p>
+            <a:endParaRPr lang="en-US" dirty="0"/>
           </a:p>
         </p:txBody>
       </p:sp>
@@ -5967,16 +8849,40 @@
           <a:p>
             <a:r>
               <a:rPr lang="en-US" dirty="0" smtClean="0"/>
-              <a:t>Overview</a:t>
+              <a:t>Overview - Admin Test Setup Screen</a:t>
             </a:r>
             <a:endParaRPr lang="en-US" dirty="0"/>
           </a:p>
         </p:txBody>
       </p:sp>
+      <p:pic>
+        <p:nvPicPr>
+          <p:cNvPr id="6" name="Picture 5"/>
+          <p:cNvPicPr>
+            <a:picLocks noChangeAspect="1"/>
+          </p:cNvPicPr>
+          <p:nvPr/>
+        </p:nvPicPr>
+        <p:blipFill>
+          <a:blip r:embed="rId2"/>
+          <a:stretch>
+            <a:fillRect/>
+          </a:stretch>
+        </p:blipFill>
+        <p:spPr>
+          <a:xfrm>
+            <a:off x="1036220" y="1307658"/>
+            <a:ext cx="10182123" cy="5418813"/>
+          </a:xfrm>
+          <a:prstGeom prst="rect">
+            <a:avLst/>
+          </a:prstGeom>
+        </p:spPr>
+      </p:pic>
     </p:spTree>
     <p:extLst>
       <p:ext uri="{BB962C8B-B14F-4D97-AF65-F5344CB8AC3E}">
-        <p14:creationId xmlns:p14="http://schemas.microsoft.com/office/powerpoint/2010/main" val="1522668738"/>
+        <p14:creationId xmlns:p14="http://schemas.microsoft.com/office/powerpoint/2010/main" val="1453078861"/>
       </p:ext>
     </p:extLst>
   </p:cSld>
@@ -6007,6 +8913,9 @@
                     <p:cTn id="3" fill="hold">
                       <p:stCondLst>
                         <p:cond delay="indefinite"/>
+                        <p:cond evt="onBegin" delay="0">
+                          <p:tn val="2"/>
+                        </p:cond>
                       </p:stCondLst>
                       <p:childTnLst>
                         <p:par>
@@ -6016,17 +8925,295 @@
                             </p:stCondLst>
                             <p:childTnLst>
                               <p:par>
-                                <p:cTn id="5" presetID="1" presetClass="entr" presetSubtype="0" fill="hold" nodeType="clickEffect">
+                                <p:cTn id="5" presetID="10" presetClass="entr" presetSubtype="0" fill="hold" nodeType="withEffect">
                                   <p:stCondLst>
-                                    <p:cond delay="0"/>
+                                    <p:cond delay="1000"/>
                                   </p:stCondLst>
-                                  <p:iterate type="lt">
-                                    <p:tmAbs val="0"/>
-                                  </p:iterate>
                                   <p:childTnLst>
                                     <p:set>
                                       <p:cBhvr>
                                         <p:cTn id="6" dur="1" fill="hold">
+                                          <p:stCondLst>
+                                            <p:cond delay="0"/>
+                                          </p:stCondLst>
+                                        </p:cTn>
+                                        <p:tgtEl>
+                                          <p:spTgt spid="6"/>
+                                        </p:tgtEl>
+                                        <p:attrNameLst>
+                                          <p:attrName>style.visibility</p:attrName>
+                                        </p:attrNameLst>
+                                      </p:cBhvr>
+                                      <p:to>
+                                        <p:strVal val="visible"/>
+                                      </p:to>
+                                    </p:set>
+                                    <p:animEffect transition="in" filter="fade">
+                                      <p:cBhvr>
+                                        <p:cTn id="7" dur="10"/>
+                                        <p:tgtEl>
+                                          <p:spTgt spid="6"/>
+                                        </p:tgtEl>
+                                      </p:cBhvr>
+                                    </p:animEffect>
+                                  </p:childTnLst>
+                                </p:cTn>
+                              </p:par>
+                              <p:par>
+                                <p:cTn id="8" presetID="22" presetClass="entr" presetSubtype="8" fill="hold" grpId="0" nodeType="withEffect">
+                                  <p:stCondLst>
+                                    <p:cond delay="0"/>
+                                  </p:stCondLst>
+                                  <p:childTnLst>
+                                    <p:set>
+                                      <p:cBhvr>
+                                        <p:cTn id="9" dur="1" fill="hold">
+                                          <p:stCondLst>
+                                            <p:cond delay="0"/>
+                                          </p:stCondLst>
+                                        </p:cTn>
+                                        <p:tgtEl>
+                                          <p:spTgt spid="2"/>
+                                        </p:tgtEl>
+                                        <p:attrNameLst>
+                                          <p:attrName>style.visibility</p:attrName>
+                                        </p:attrNameLst>
+                                      </p:cBhvr>
+                                      <p:to>
+                                        <p:strVal val="visible"/>
+                                      </p:to>
+                                    </p:set>
+                                    <p:animEffect transition="in" filter="wipe(left)">
+                                      <p:cBhvr>
+                                        <p:cTn id="10" dur="500"/>
+                                        <p:tgtEl>
+                                          <p:spTgt spid="2"/>
+                                        </p:tgtEl>
+                                      </p:cBhvr>
+                                    </p:animEffect>
+                                  </p:childTnLst>
+                                </p:cTn>
+                              </p:par>
+                            </p:childTnLst>
+                          </p:cTn>
+                        </p:par>
+                      </p:childTnLst>
+                    </p:cTn>
+                  </p:par>
+                </p:childTnLst>
+              </p:cTn>
+              <p:prevCondLst>
+                <p:cond evt="onPrev" delay="0">
+                  <p:tgtEl>
+                    <p:sldTgt/>
+                  </p:tgtEl>
+                </p:cond>
+              </p:prevCondLst>
+              <p:nextCondLst>
+                <p:cond evt="onNext" delay="0">
+                  <p:tgtEl>
+                    <p:sldTgt/>
+                  </p:tgtEl>
+                </p:cond>
+              </p:nextCondLst>
+            </p:seq>
+          </p:childTnLst>
+        </p:cTn>
+      </p:par>
+    </p:tnLst>
+    <p:bldLst>
+      <p:bldP spid="2" grpId="0"/>
+    </p:bldLst>
+  </p:timing>
+</p:sld>
+</file>
+
+<file path=ppt/slides/slide9.xml><?xml version="1.0" encoding="utf-8"?>
+<p:sld xmlns:a="http://schemas.openxmlformats.org/drawingml/2006/main" xmlns:r="http://schemas.openxmlformats.org/officeDocument/2006/relationships" xmlns:p="http://schemas.openxmlformats.org/presentationml/2006/main">
+  <p:cSld>
+    <p:spTree>
+      <p:nvGrpSpPr>
+        <p:cNvPr id="1" name=""/>
+        <p:cNvGrpSpPr/>
+        <p:nvPr/>
+      </p:nvGrpSpPr>
+      <p:grpSpPr>
+        <a:xfrm>
+          <a:off x="0" y="0"/>
+          <a:ext cx="0" cy="0"/>
+          <a:chOff x="0" y="0"/>
+          <a:chExt cx="0" cy="0"/>
+        </a:xfrm>
+      </p:grpSpPr>
+      <p:sp>
+        <p:nvSpPr>
+          <p:cNvPr id="3" name="Content Placeholder 2"/>
+          <p:cNvSpPr>
+            <a:spLocks noGrp="1"/>
+          </p:cNvSpPr>
+          <p:nvPr>
+            <p:ph idx="1"/>
+          </p:nvPr>
+        </p:nvSpPr>
+        <p:spPr>
+          <a:xfrm>
+            <a:off x="609600" y="1600201"/>
+            <a:ext cx="10322258" cy="4525963"/>
+          </a:xfrm>
+        </p:spPr>
+        <p:txBody>
+          <a:bodyPr/>
+          <a:lstStyle/>
+          <a:p>
+            <a:r>
+              <a:rPr lang="en-US" sz="4000" dirty="0" smtClean="0"/>
+              <a:t>User Assigned A Unique Test Session ID</a:t>
+            </a:r>
+          </a:p>
+          <a:p>
+            <a:r>
+              <a:rPr lang="en-US" sz="4000" dirty="0" smtClean="0"/>
+              <a:t>Compares Items In Groups Of Two</a:t>
+            </a:r>
+          </a:p>
+          <a:p>
+            <a:r>
+              <a:rPr lang="en-US" sz="4000" dirty="0" smtClean="0"/>
+              <a:t>User Selects One, The Other, Or I Can’t Decide</a:t>
+            </a:r>
+          </a:p>
+          <a:p>
+            <a:r>
+              <a:rPr lang="en-US" sz="4000" dirty="0" smtClean="0"/>
+              <a:t>Progress Meter Shown/Hidden</a:t>
+            </a:r>
+            <a:endParaRPr lang="en-US" dirty="0" smtClean="0"/>
+          </a:p>
+          <a:p>
+            <a:endParaRPr lang="en-US" dirty="0"/>
+          </a:p>
+        </p:txBody>
+      </p:sp>
+      <p:sp>
+        <p:nvSpPr>
+          <p:cNvPr id="2" name="Title 1"/>
+          <p:cNvSpPr>
+            <a:spLocks noGrp="1"/>
+          </p:cNvSpPr>
+          <p:nvPr>
+            <p:ph type="title"/>
+          </p:nvPr>
+        </p:nvSpPr>
+        <p:spPr/>
+        <p:txBody>
+          <a:bodyPr/>
+          <a:lstStyle/>
+          <a:p>
+            <a:r>
+              <a:rPr lang="en-US" dirty="0" smtClean="0"/>
+              <a:t>Overview </a:t>
+            </a:r>
+            <a:r>
+              <a:rPr lang="en-US" dirty="0"/>
+              <a:t>-</a:t>
+            </a:r>
+            <a:r>
+              <a:rPr lang="en-US" dirty="0" smtClean="0"/>
+              <a:t> User Test</a:t>
+            </a:r>
+            <a:endParaRPr lang="en-US" dirty="0"/>
+          </a:p>
+        </p:txBody>
+      </p:sp>
+    </p:spTree>
+    <p:extLst>
+      <p:ext uri="{BB962C8B-B14F-4D97-AF65-F5344CB8AC3E}">
+        <p14:creationId xmlns:p14="http://schemas.microsoft.com/office/powerpoint/2010/main" val="3190350960"/>
+      </p:ext>
+    </p:extLst>
+  </p:cSld>
+  <p:clrMapOvr>
+    <a:masterClrMapping/>
+  </p:clrMapOvr>
+  <mc:AlternateContent xmlns:mc="http://schemas.openxmlformats.org/markup-compatibility/2006" xmlns:p14="http://schemas.microsoft.com/office/powerpoint/2010/main">
+    <mc:Choice Requires="p14">
+      <p:transition spd="med" p14:dur="700">
+        <p:fade/>
+      </p:transition>
+    </mc:Choice>
+    <mc:Fallback xmlns="">
+      <p:transition spd="med">
+        <p:fade/>
+      </p:transition>
+    </mc:Fallback>
+  </mc:AlternateContent>
+  <p:timing>
+    <p:tnLst>
+      <p:par>
+        <p:cTn id="1" dur="indefinite" restart="never" nodeType="tmRoot">
+          <p:childTnLst>
+            <p:seq concurrent="1" nextAc="seek">
+              <p:cTn id="2" dur="indefinite" nodeType="mainSeq">
+                <p:childTnLst>
+                  <p:par>
+                    <p:cTn id="3" fill="hold">
+                      <p:stCondLst>
+                        <p:cond delay="indefinite"/>
+                        <p:cond evt="onBegin" delay="0">
+                          <p:tn val="2"/>
+                        </p:cond>
+                      </p:stCondLst>
+                      <p:childTnLst>
+                        <p:par>
+                          <p:cTn id="4" fill="hold">
+                            <p:stCondLst>
+                              <p:cond delay="0"/>
+                            </p:stCondLst>
+                            <p:childTnLst>
+                              <p:par>
+                                <p:cTn id="5" presetID="22" presetClass="entr" presetSubtype="8" fill="hold" grpId="0" nodeType="withEffect">
+                                  <p:stCondLst>
+                                    <p:cond delay="0"/>
+                                  </p:stCondLst>
+                                  <p:childTnLst>
+                                    <p:set>
+                                      <p:cBhvr>
+                                        <p:cTn id="6" dur="1" fill="hold">
+                                          <p:stCondLst>
+                                            <p:cond delay="0"/>
+                                          </p:stCondLst>
+                                        </p:cTn>
+                                        <p:tgtEl>
+                                          <p:spTgt spid="2"/>
+                                        </p:tgtEl>
+                                        <p:attrNameLst>
+                                          <p:attrName>style.visibility</p:attrName>
+                                        </p:attrNameLst>
+                                      </p:cBhvr>
+                                      <p:to>
+                                        <p:strVal val="visible"/>
+                                      </p:to>
+                                    </p:set>
+                                    <p:animEffect transition="in" filter="wipe(left)">
+                                      <p:cBhvr>
+                                        <p:cTn id="7" dur="500"/>
+                                        <p:tgtEl>
+                                          <p:spTgt spid="2"/>
+                                        </p:tgtEl>
+                                      </p:cBhvr>
+                                    </p:animEffect>
+                                  </p:childTnLst>
+                                </p:cTn>
+                              </p:par>
+                              <p:par>
+                                <p:cTn id="8" presetID="1" presetClass="entr" presetSubtype="0" fill="hold" nodeType="withEffect">
+                                  <p:stCondLst>
+                                    <p:cond delay="1000"/>
+                                  </p:stCondLst>
+                                  <p:childTnLst>
+                                    <p:set>
+                                      <p:cBhvr>
+                                        <p:cTn id="9" dur="1" fill="hold">
                                           <p:stCondLst>
                                             <p:cond delay="0"/>
                                           </p:stCondLst>
@@ -6056,26 +9243,26 @@
                     </p:cTn>
                   </p:par>
                   <p:par>
-                    <p:cTn id="7" fill="hold">
+                    <p:cTn id="10" fill="hold">
                       <p:stCondLst>
                         <p:cond delay="indefinite"/>
                       </p:stCondLst>
                       <p:childTnLst>
                         <p:par>
-                          <p:cTn id="8" fill="hold">
+                          <p:cTn id="11" fill="hold">
                             <p:stCondLst>
                               <p:cond delay="0"/>
                             </p:stCondLst>
                             <p:childTnLst>
                               <p:par>
-                                <p:cTn id="9" presetID="1" presetClass="entr" presetSubtype="0" fill="hold" nodeType="clickEffect">
+                                <p:cTn id="12" presetID="1" presetClass="entr" presetSubtype="0" fill="hold" nodeType="clickEffect">
                                   <p:stCondLst>
                                     <p:cond delay="0"/>
                                   </p:stCondLst>
                                   <p:childTnLst>
                                     <p:set>
                                       <p:cBhvr>
-                                        <p:cTn id="10" dur="1" fill="hold">
+                                        <p:cTn id="13" dur="1" fill="hold">
                                           <p:stCondLst>
                                             <p:cond delay="0"/>
                                           </p:stCondLst>
@@ -6105,26 +9292,26 @@
                     </p:cTn>
                   </p:par>
                   <p:par>
-                    <p:cTn id="11" fill="hold">
+                    <p:cTn id="14" fill="hold">
                       <p:stCondLst>
                         <p:cond delay="indefinite"/>
                       </p:stCondLst>
                       <p:childTnLst>
                         <p:par>
-                          <p:cTn id="12" fill="hold">
+                          <p:cTn id="15" fill="hold">
                             <p:stCondLst>
                               <p:cond delay="0"/>
                             </p:stCondLst>
                             <p:childTnLst>
                               <p:par>
-                                <p:cTn id="13" presetID="1" presetClass="entr" presetSubtype="0" fill="hold" nodeType="clickEffect">
+                                <p:cTn id="16" presetID="1" presetClass="entr" presetSubtype="0" fill="hold" nodeType="clickEffect">
                                   <p:stCondLst>
                                     <p:cond delay="0"/>
                                   </p:stCondLst>
                                   <p:childTnLst>
                                     <p:set>
                                       <p:cBhvr>
-                                        <p:cTn id="14" dur="1" fill="hold">
+                                        <p:cTn id="17" dur="1" fill="hold">
                                           <p:stCondLst>
                                             <p:cond delay="0"/>
                                           </p:stCondLst>
@@ -6154,26 +9341,26 @@
                     </p:cTn>
                   </p:par>
                   <p:par>
-                    <p:cTn id="15" fill="hold">
+                    <p:cTn id="18" fill="hold">
                       <p:stCondLst>
                         <p:cond delay="indefinite"/>
                       </p:stCondLst>
                       <p:childTnLst>
                         <p:par>
-                          <p:cTn id="16" fill="hold">
+                          <p:cTn id="19" fill="hold">
                             <p:stCondLst>
                               <p:cond delay="0"/>
                             </p:stCondLst>
                             <p:childTnLst>
                               <p:par>
-                                <p:cTn id="17" presetID="1" presetClass="entr" presetSubtype="0" fill="hold" nodeType="clickEffect">
+                                <p:cTn id="20" presetID="1" presetClass="entr" presetSubtype="0" fill="hold" nodeType="clickEffect">
                                   <p:stCondLst>
                                     <p:cond delay="0"/>
                                   </p:stCondLst>
                                   <p:childTnLst>
                                     <p:set>
                                       <p:cBhvr>
-                                        <p:cTn id="18" dur="1" fill="hold">
+                                        <p:cTn id="21" dur="1" fill="hold">
                                           <p:stCondLst>
                                             <p:cond delay="0"/>
                                           </p:stCondLst>
@@ -6223,1907 +9410,9 @@
         </p:cTn>
       </p:par>
     </p:tnLst>
-  </p:timing>
-</p:sld>
-</file>
-
-<file path=ppt/slides/slide3.xml><?xml version="1.0" encoding="utf-8"?>
-<p:sld xmlns:a="http://schemas.openxmlformats.org/drawingml/2006/main" xmlns:r="http://schemas.openxmlformats.org/officeDocument/2006/relationships" xmlns:p="http://schemas.openxmlformats.org/presentationml/2006/main">
-  <p:cSld>
-    <p:spTree>
-      <p:nvGrpSpPr>
-        <p:cNvPr id="1" name=""/>
-        <p:cNvGrpSpPr/>
-        <p:nvPr/>
-      </p:nvGrpSpPr>
-      <p:grpSpPr>
-        <a:xfrm>
-          <a:off x="0" y="0"/>
-          <a:ext cx="0" cy="0"/>
-          <a:chOff x="0" y="0"/>
-          <a:chExt cx="0" cy="0"/>
-        </a:xfrm>
-      </p:grpSpPr>
-      <p:sp>
-        <p:nvSpPr>
-          <p:cNvPr id="3" name="Content Placeholder 2"/>
-          <p:cNvSpPr>
-            <a:spLocks noGrp="1"/>
-          </p:cNvSpPr>
-          <p:nvPr>
-            <p:ph idx="1"/>
-          </p:nvPr>
-        </p:nvSpPr>
-        <p:spPr/>
-        <p:txBody>
-          <a:bodyPr>
-            <a:normAutofit fontScale="92500" lnSpcReduction="10000"/>
-          </a:bodyPr>
-          <a:lstStyle/>
-          <a:p>
-            <a:r>
-              <a:rPr lang="en-US" sz="4000" b="1" dirty="0" smtClean="0"/>
-              <a:t>Base Functionality</a:t>
-            </a:r>
-            <a:endParaRPr lang="en-US" sz="4000" b="1" dirty="0" smtClean="0"/>
-          </a:p>
-          <a:p>
-            <a:pPr lvl="1"/>
-            <a:r>
-              <a:rPr lang="en-US" sz="3200" b="1" dirty="0" smtClean="0"/>
-              <a:t>Admin Set-up</a:t>
-            </a:r>
-          </a:p>
-          <a:p>
-            <a:pPr lvl="1"/>
-            <a:r>
-              <a:rPr lang="en-US" sz="3200" b="1" dirty="0" smtClean="0"/>
-              <a:t>User </a:t>
-            </a:r>
-            <a:r>
-              <a:rPr lang="en-US" sz="3200" b="1" dirty="0"/>
-              <a:t>Taking Test </a:t>
-            </a:r>
-            <a:endParaRPr lang="en-US" sz="3200" b="1" dirty="0" smtClean="0"/>
-          </a:p>
-          <a:p>
-            <a:r>
-              <a:rPr lang="en-US" sz="4000" b="1" dirty="0" smtClean="0"/>
-              <a:t>Side Stories</a:t>
-            </a:r>
-          </a:p>
-          <a:p>
-            <a:pPr lvl="1"/>
-            <a:r>
-              <a:rPr lang="en-US" sz="3200" b="1" dirty="0"/>
-              <a:t>Basic Result Reporting </a:t>
-            </a:r>
-            <a:endParaRPr lang="en-US" sz="3200" b="1" dirty="0" smtClean="0"/>
-          </a:p>
-          <a:p>
-            <a:pPr lvl="1"/>
-            <a:r>
-              <a:rPr lang="en-US" sz="3200" b="1" dirty="0" smtClean="0"/>
-              <a:t>Progress Meter</a:t>
-            </a:r>
-          </a:p>
-          <a:p>
-            <a:pPr lvl="1"/>
-            <a:r>
-              <a:rPr lang="en-US" sz="3200" b="1" dirty="0" smtClean="0"/>
-              <a:t>Custom Comparison with Images</a:t>
-            </a:r>
-          </a:p>
-          <a:p>
-            <a:pPr lvl="1"/>
-            <a:r>
-              <a:rPr lang="en-US" sz="3200" b="1" dirty="0" smtClean="0"/>
-              <a:t>User Tracking</a:t>
-            </a:r>
-          </a:p>
-          <a:p>
-            <a:pPr lvl="2"/>
-            <a:endParaRPr lang="en-US" b="1" dirty="0" smtClean="0"/>
-          </a:p>
-          <a:p>
-            <a:pPr lvl="2"/>
-            <a:endParaRPr lang="en-US" dirty="0" smtClean="0"/>
-          </a:p>
-          <a:p>
-            <a:endParaRPr lang="en-US" dirty="0"/>
-          </a:p>
-        </p:txBody>
-      </p:sp>
-      <p:sp>
-        <p:nvSpPr>
-          <p:cNvPr id="2" name="Title 1"/>
-          <p:cNvSpPr>
-            <a:spLocks noGrp="1"/>
-          </p:cNvSpPr>
-          <p:nvPr>
-            <p:ph type="title"/>
-          </p:nvPr>
-        </p:nvSpPr>
-        <p:spPr/>
-        <p:txBody>
-          <a:bodyPr/>
-          <a:lstStyle/>
-          <a:p>
-            <a:r>
-              <a:rPr lang="en-US" dirty="0" smtClean="0"/>
-              <a:t>Completed Functionality</a:t>
-            </a:r>
-            <a:endParaRPr lang="en-US" dirty="0"/>
-          </a:p>
-        </p:txBody>
-      </p:sp>
-    </p:spTree>
-    <p:extLst>
-      <p:ext uri="{BB962C8B-B14F-4D97-AF65-F5344CB8AC3E}">
-        <p14:creationId xmlns:p14="http://schemas.microsoft.com/office/powerpoint/2010/main" val="1677778366"/>
-      </p:ext>
-    </p:extLst>
-  </p:cSld>
-  <p:clrMapOvr>
-    <a:masterClrMapping/>
-  </p:clrMapOvr>
-  <mc:AlternateContent xmlns:mc="http://schemas.openxmlformats.org/markup-compatibility/2006" xmlns:p14="http://schemas.microsoft.com/office/powerpoint/2010/main">
-    <mc:Choice Requires="p14">
-      <p:transition spd="med" p14:dur="700">
-        <p:fade/>
-      </p:transition>
-    </mc:Choice>
-    <mc:Fallback xmlns="">
-      <p:transition spd="med">
-        <p:fade/>
-      </p:transition>
-    </mc:Fallback>
-  </mc:AlternateContent>
-  <p:timing>
-    <p:tnLst>
-      <p:par>
-        <p:cTn id="1" dur="indefinite" restart="never" nodeType="tmRoot">
-          <p:childTnLst>
-            <p:seq concurrent="1" nextAc="seek">
-              <p:cTn id="2" dur="indefinite" nodeType="mainSeq">
-                <p:childTnLst>
-                  <p:par>
-                    <p:cTn id="3" fill="hold">
-                      <p:stCondLst>
-                        <p:cond delay="indefinite"/>
-                      </p:stCondLst>
-                      <p:childTnLst>
-                        <p:par>
-                          <p:cTn id="4" fill="hold">
-                            <p:stCondLst>
-                              <p:cond delay="0"/>
-                            </p:stCondLst>
-                            <p:childTnLst>
-                              <p:par>
-                                <p:cTn id="5" presetID="1" presetClass="entr" presetSubtype="0" fill="hold" nodeType="clickEffect">
-                                  <p:stCondLst>
-                                    <p:cond delay="0"/>
-                                  </p:stCondLst>
-                                  <p:childTnLst>
-                                    <p:set>
-                                      <p:cBhvr>
-                                        <p:cTn id="6" dur="1" fill="hold">
-                                          <p:stCondLst>
-                                            <p:cond delay="0"/>
-                                          </p:stCondLst>
-                                        </p:cTn>
-                                        <p:tgtEl>
-                                          <p:spTgt spid="3">
-                                            <p:txEl>
-                                              <p:pRg st="0" end="0"/>
-                                            </p:txEl>
-                                          </p:spTgt>
-                                        </p:tgtEl>
-                                        <p:attrNameLst>
-                                          <p:attrName>style.visibility</p:attrName>
-                                        </p:attrNameLst>
-                                      </p:cBhvr>
-                                      <p:to>
-                                        <p:strVal val="visible"/>
-                                      </p:to>
-                                    </p:set>
-                                  </p:childTnLst>
-                                </p:cTn>
-                              </p:par>
-                              <p:par>
-                                <p:cTn id="7" presetID="1" presetClass="entr" presetSubtype="0" fill="hold" nodeType="withEffect">
-                                  <p:stCondLst>
-                                    <p:cond delay="0"/>
-                                  </p:stCondLst>
-                                  <p:childTnLst>
-                                    <p:set>
-                                      <p:cBhvr>
-                                        <p:cTn id="8" dur="1" fill="hold">
-                                          <p:stCondLst>
-                                            <p:cond delay="0"/>
-                                          </p:stCondLst>
-                                        </p:cTn>
-                                        <p:tgtEl>
-                                          <p:spTgt spid="3">
-                                            <p:txEl>
-                                              <p:pRg st="3" end="3"/>
-                                            </p:txEl>
-                                          </p:spTgt>
-                                        </p:tgtEl>
-                                        <p:attrNameLst>
-                                          <p:attrName>style.visibility</p:attrName>
-                                        </p:attrNameLst>
-                                      </p:cBhvr>
-                                      <p:to>
-                                        <p:strVal val="visible"/>
-                                      </p:to>
-                                    </p:set>
-                                  </p:childTnLst>
-                                </p:cTn>
-                              </p:par>
-                            </p:childTnLst>
-                          </p:cTn>
-                        </p:par>
-                      </p:childTnLst>
-                    </p:cTn>
-                  </p:par>
-                  <p:par>
-                    <p:cTn id="9" fill="hold">
-                      <p:stCondLst>
-                        <p:cond delay="indefinite"/>
-                      </p:stCondLst>
-                      <p:childTnLst>
-                        <p:par>
-                          <p:cTn id="10" fill="hold">
-                            <p:stCondLst>
-                              <p:cond delay="0"/>
-                            </p:stCondLst>
-                            <p:childTnLst>
-                              <p:par>
-                                <p:cTn id="11" presetID="1" presetClass="entr" presetSubtype="0" fill="hold" nodeType="clickEffect">
-                                  <p:stCondLst>
-                                    <p:cond delay="0"/>
-                                  </p:stCondLst>
-                                  <p:childTnLst>
-                                    <p:set>
-                                      <p:cBhvr>
-                                        <p:cTn id="12" dur="1" fill="hold">
-                                          <p:stCondLst>
-                                            <p:cond delay="0"/>
-                                          </p:stCondLst>
-                                        </p:cTn>
-                                        <p:tgtEl>
-                                          <p:spTgt spid="3">
-                                            <p:txEl>
-                                              <p:pRg st="1" end="1"/>
-                                            </p:txEl>
-                                          </p:spTgt>
-                                        </p:tgtEl>
-                                        <p:attrNameLst>
-                                          <p:attrName>style.visibility</p:attrName>
-                                        </p:attrNameLst>
-                                      </p:cBhvr>
-                                      <p:to>
-                                        <p:strVal val="visible"/>
-                                      </p:to>
-                                    </p:set>
-                                  </p:childTnLst>
-                                </p:cTn>
-                              </p:par>
-                              <p:par>
-                                <p:cTn id="13" presetID="1" presetClass="entr" presetSubtype="0" fill="hold" nodeType="withEffect">
-                                  <p:stCondLst>
-                                    <p:cond delay="0"/>
-                                  </p:stCondLst>
-                                  <p:childTnLst>
-                                    <p:set>
-                                      <p:cBhvr>
-                                        <p:cTn id="14" dur="1" fill="hold">
-                                          <p:stCondLst>
-                                            <p:cond delay="0"/>
-                                          </p:stCondLst>
-                                        </p:cTn>
-                                        <p:tgtEl>
-                                          <p:spTgt spid="3">
-                                            <p:txEl>
-                                              <p:pRg st="2" end="2"/>
-                                            </p:txEl>
-                                          </p:spTgt>
-                                        </p:tgtEl>
-                                        <p:attrNameLst>
-                                          <p:attrName>style.visibility</p:attrName>
-                                        </p:attrNameLst>
-                                      </p:cBhvr>
-                                      <p:to>
-                                        <p:strVal val="visible"/>
-                                      </p:to>
-                                    </p:set>
-                                  </p:childTnLst>
-                                </p:cTn>
-                              </p:par>
-                            </p:childTnLst>
-                          </p:cTn>
-                        </p:par>
-                      </p:childTnLst>
-                    </p:cTn>
-                  </p:par>
-                  <p:par>
-                    <p:cTn id="15" fill="hold">
-                      <p:stCondLst>
-                        <p:cond delay="indefinite"/>
-                      </p:stCondLst>
-                      <p:childTnLst>
-                        <p:par>
-                          <p:cTn id="16" fill="hold">
-                            <p:stCondLst>
-                              <p:cond delay="0"/>
-                            </p:stCondLst>
-                            <p:childTnLst>
-                              <p:par>
-                                <p:cTn id="17" presetID="1" presetClass="entr" presetSubtype="0" fill="hold" nodeType="clickEffect">
-                                  <p:stCondLst>
-                                    <p:cond delay="0"/>
-                                  </p:stCondLst>
-                                  <p:childTnLst>
-                                    <p:set>
-                                      <p:cBhvr>
-                                        <p:cTn id="18" dur="1" fill="hold">
-                                          <p:stCondLst>
-                                            <p:cond delay="0"/>
-                                          </p:stCondLst>
-                                        </p:cTn>
-                                        <p:tgtEl>
-                                          <p:spTgt spid="3">
-                                            <p:txEl>
-                                              <p:pRg st="4" end="4"/>
-                                            </p:txEl>
-                                          </p:spTgt>
-                                        </p:tgtEl>
-                                        <p:attrNameLst>
-                                          <p:attrName>style.visibility</p:attrName>
-                                        </p:attrNameLst>
-                                      </p:cBhvr>
-                                      <p:to>
-                                        <p:strVal val="visible"/>
-                                      </p:to>
-                                    </p:set>
-                                  </p:childTnLst>
-                                </p:cTn>
-                              </p:par>
-                            </p:childTnLst>
-                          </p:cTn>
-                        </p:par>
-                      </p:childTnLst>
-                    </p:cTn>
-                  </p:par>
-                  <p:par>
-                    <p:cTn id="19" fill="hold">
-                      <p:stCondLst>
-                        <p:cond delay="indefinite"/>
-                      </p:stCondLst>
-                      <p:childTnLst>
-                        <p:par>
-                          <p:cTn id="20" fill="hold">
-                            <p:stCondLst>
-                              <p:cond delay="0"/>
-                            </p:stCondLst>
-                            <p:childTnLst>
-                              <p:par>
-                                <p:cTn id="21" presetID="1" presetClass="entr" presetSubtype="0" fill="hold" nodeType="clickEffect">
-                                  <p:stCondLst>
-                                    <p:cond delay="0"/>
-                                  </p:stCondLst>
-                                  <p:childTnLst>
-                                    <p:set>
-                                      <p:cBhvr>
-                                        <p:cTn id="22" dur="1" fill="hold">
-                                          <p:stCondLst>
-                                            <p:cond delay="0"/>
-                                          </p:stCondLst>
-                                        </p:cTn>
-                                        <p:tgtEl>
-                                          <p:spTgt spid="3">
-                                            <p:txEl>
-                                              <p:pRg st="5" end="5"/>
-                                            </p:txEl>
-                                          </p:spTgt>
-                                        </p:tgtEl>
-                                        <p:attrNameLst>
-                                          <p:attrName>style.visibility</p:attrName>
-                                        </p:attrNameLst>
-                                      </p:cBhvr>
-                                      <p:to>
-                                        <p:strVal val="visible"/>
-                                      </p:to>
-                                    </p:set>
-                                  </p:childTnLst>
-                                </p:cTn>
-                              </p:par>
-                            </p:childTnLst>
-                          </p:cTn>
-                        </p:par>
-                      </p:childTnLst>
-                    </p:cTn>
-                  </p:par>
-                  <p:par>
-                    <p:cTn id="23" fill="hold">
-                      <p:stCondLst>
-                        <p:cond delay="indefinite"/>
-                      </p:stCondLst>
-                      <p:childTnLst>
-                        <p:par>
-                          <p:cTn id="24" fill="hold">
-                            <p:stCondLst>
-                              <p:cond delay="0"/>
-                            </p:stCondLst>
-                            <p:childTnLst>
-                              <p:par>
-                                <p:cTn id="25" presetID="1" presetClass="entr" presetSubtype="0" fill="hold" nodeType="clickEffect">
-                                  <p:stCondLst>
-                                    <p:cond delay="0"/>
-                                  </p:stCondLst>
-                                  <p:childTnLst>
-                                    <p:set>
-                                      <p:cBhvr>
-                                        <p:cTn id="26" dur="1" fill="hold">
-                                          <p:stCondLst>
-                                            <p:cond delay="0"/>
-                                          </p:stCondLst>
-                                        </p:cTn>
-                                        <p:tgtEl>
-                                          <p:spTgt spid="3">
-                                            <p:txEl>
-                                              <p:pRg st="6" end="6"/>
-                                            </p:txEl>
-                                          </p:spTgt>
-                                        </p:tgtEl>
-                                        <p:attrNameLst>
-                                          <p:attrName>style.visibility</p:attrName>
-                                        </p:attrNameLst>
-                                      </p:cBhvr>
-                                      <p:to>
-                                        <p:strVal val="visible"/>
-                                      </p:to>
-                                    </p:set>
-                                  </p:childTnLst>
-                                </p:cTn>
-                              </p:par>
-                            </p:childTnLst>
-                          </p:cTn>
-                        </p:par>
-                      </p:childTnLst>
-                    </p:cTn>
-                  </p:par>
-                  <p:par>
-                    <p:cTn id="27" fill="hold">
-                      <p:stCondLst>
-                        <p:cond delay="indefinite"/>
-                      </p:stCondLst>
-                      <p:childTnLst>
-                        <p:par>
-                          <p:cTn id="28" fill="hold">
-                            <p:stCondLst>
-                              <p:cond delay="0"/>
-                            </p:stCondLst>
-                            <p:childTnLst>
-                              <p:par>
-                                <p:cTn id="29" presetID="1" presetClass="entr" presetSubtype="0" fill="hold" nodeType="clickEffect">
-                                  <p:stCondLst>
-                                    <p:cond delay="0"/>
-                                  </p:stCondLst>
-                                  <p:childTnLst>
-                                    <p:set>
-                                      <p:cBhvr>
-                                        <p:cTn id="30" dur="1" fill="hold">
-                                          <p:stCondLst>
-                                            <p:cond delay="0"/>
-                                          </p:stCondLst>
-                                        </p:cTn>
-                                        <p:tgtEl>
-                                          <p:spTgt spid="3">
-                                            <p:txEl>
-                                              <p:pRg st="7" end="7"/>
-                                            </p:txEl>
-                                          </p:spTgt>
-                                        </p:tgtEl>
-                                        <p:attrNameLst>
-                                          <p:attrName>style.visibility</p:attrName>
-                                        </p:attrNameLst>
-                                      </p:cBhvr>
-                                      <p:to>
-                                        <p:strVal val="visible"/>
-                                      </p:to>
-                                    </p:set>
-                                  </p:childTnLst>
-                                </p:cTn>
-                              </p:par>
-                            </p:childTnLst>
-                          </p:cTn>
-                        </p:par>
-                      </p:childTnLst>
-                    </p:cTn>
-                  </p:par>
-                </p:childTnLst>
-              </p:cTn>
-              <p:prevCondLst>
-                <p:cond evt="onPrev" delay="0">
-                  <p:tgtEl>
-                    <p:sldTgt/>
-                  </p:tgtEl>
-                </p:cond>
-              </p:prevCondLst>
-              <p:nextCondLst>
-                <p:cond evt="onNext" delay="0">
-                  <p:tgtEl>
-                    <p:sldTgt/>
-                  </p:tgtEl>
-                </p:cond>
-              </p:nextCondLst>
-            </p:seq>
-          </p:childTnLst>
-        </p:cTn>
-      </p:par>
-    </p:tnLst>
-  </p:timing>
-</p:sld>
-</file>
-
-<file path=ppt/slides/slide4.xml><?xml version="1.0" encoding="utf-8"?>
-<p:sld xmlns:a="http://schemas.openxmlformats.org/drawingml/2006/main" xmlns:r="http://schemas.openxmlformats.org/officeDocument/2006/relationships" xmlns:p="http://schemas.openxmlformats.org/presentationml/2006/main">
-  <p:cSld>
-    <p:spTree>
-      <p:nvGrpSpPr>
-        <p:cNvPr id="1" name=""/>
-        <p:cNvGrpSpPr/>
-        <p:nvPr/>
-      </p:nvGrpSpPr>
-      <p:grpSpPr>
-        <a:xfrm>
-          <a:off x="0" y="0"/>
-          <a:ext cx="0" cy="0"/>
-          <a:chOff x="0" y="0"/>
-          <a:chExt cx="0" cy="0"/>
-        </a:xfrm>
-      </p:grpSpPr>
-      <p:sp>
-        <p:nvSpPr>
-          <p:cNvPr id="3" name="Content Placeholder 2"/>
-          <p:cNvSpPr>
-            <a:spLocks noGrp="1"/>
-          </p:cNvSpPr>
-          <p:nvPr>
-            <p:ph idx="1"/>
-          </p:nvPr>
-        </p:nvSpPr>
-        <p:spPr/>
-        <p:txBody>
-          <a:bodyPr/>
-          <a:lstStyle/>
-          <a:p>
-            <a:r>
-              <a:rPr lang="en-US" sz="4000" dirty="0" smtClean="0"/>
-              <a:t>New user registration</a:t>
-            </a:r>
-          </a:p>
-          <a:p>
-            <a:r>
-              <a:rPr lang="en-US" sz="4000" dirty="0" smtClean="0"/>
-              <a:t>Login by username</a:t>
-            </a:r>
-          </a:p>
-          <a:p>
-            <a:r>
-              <a:rPr lang="en-US" sz="4000" dirty="0" smtClean="0"/>
-              <a:t>Username credentials determine access role</a:t>
-            </a:r>
-          </a:p>
-          <a:p>
-            <a:pPr lvl="1"/>
-            <a:endParaRPr lang="en-US" dirty="0" smtClean="0"/>
-          </a:p>
-          <a:p>
-            <a:endParaRPr lang="en-US" dirty="0"/>
-          </a:p>
-        </p:txBody>
-      </p:sp>
-      <p:sp>
-        <p:nvSpPr>
-          <p:cNvPr id="2" name="Title 1"/>
-          <p:cNvSpPr>
-            <a:spLocks noGrp="1"/>
-          </p:cNvSpPr>
-          <p:nvPr>
-            <p:ph type="title"/>
-          </p:nvPr>
-        </p:nvSpPr>
-        <p:spPr/>
-        <p:txBody>
-          <a:bodyPr/>
-          <a:lstStyle/>
-          <a:p>
-            <a:r>
-              <a:rPr lang="en-US" dirty="0" smtClean="0"/>
-              <a:t>Functional Overview </a:t>
-            </a:r>
-            <a:r>
-              <a:rPr lang="en-US" dirty="0" smtClean="0"/>
-              <a:t>- Login</a:t>
-            </a:r>
-            <a:endParaRPr lang="en-US" dirty="0"/>
-          </a:p>
-        </p:txBody>
-      </p:sp>
-    </p:spTree>
-    <p:extLst>
-      <p:ext uri="{BB962C8B-B14F-4D97-AF65-F5344CB8AC3E}">
-        <p14:creationId xmlns:p14="http://schemas.microsoft.com/office/powerpoint/2010/main" val="2343073498"/>
-      </p:ext>
-    </p:extLst>
-  </p:cSld>
-  <p:clrMapOvr>
-    <a:masterClrMapping/>
-  </p:clrMapOvr>
-  <mc:AlternateContent xmlns:mc="http://schemas.openxmlformats.org/markup-compatibility/2006" xmlns:p14="http://schemas.microsoft.com/office/powerpoint/2010/main">
-    <mc:Choice Requires="p14">
-      <p:transition spd="med" p14:dur="700">
-        <p:fade/>
-      </p:transition>
-    </mc:Choice>
-    <mc:Fallback xmlns="">
-      <p:transition spd="med">
-        <p:fade/>
-      </p:transition>
-    </mc:Fallback>
-  </mc:AlternateContent>
-  <p:timing>
-    <p:tnLst>
-      <p:par>
-        <p:cTn id="1" dur="indefinite" restart="never" nodeType="tmRoot">
-          <p:childTnLst>
-            <p:seq concurrent="1" nextAc="seek">
-              <p:cTn id="2" dur="indefinite" nodeType="mainSeq">
-                <p:childTnLst>
-                  <p:par>
-                    <p:cTn id="3" fill="hold">
-                      <p:stCondLst>
-                        <p:cond delay="indefinite"/>
-                      </p:stCondLst>
-                      <p:childTnLst>
-                        <p:par>
-                          <p:cTn id="4" fill="hold">
-                            <p:stCondLst>
-                              <p:cond delay="0"/>
-                            </p:stCondLst>
-                            <p:childTnLst>
-                              <p:par>
-                                <p:cTn id="5" presetID="1" presetClass="entr" presetSubtype="0" fill="hold" nodeType="clickEffect">
-                                  <p:stCondLst>
-                                    <p:cond delay="0"/>
-                                  </p:stCondLst>
-                                  <p:childTnLst>
-                                    <p:set>
-                                      <p:cBhvr>
-                                        <p:cTn id="6" dur="1" fill="hold">
-                                          <p:stCondLst>
-                                            <p:cond delay="0"/>
-                                          </p:stCondLst>
-                                        </p:cTn>
-                                        <p:tgtEl>
-                                          <p:spTgt spid="3">
-                                            <p:txEl>
-                                              <p:pRg st="0" end="0"/>
-                                            </p:txEl>
-                                          </p:spTgt>
-                                        </p:tgtEl>
-                                        <p:attrNameLst>
-                                          <p:attrName>style.visibility</p:attrName>
-                                        </p:attrNameLst>
-                                      </p:cBhvr>
-                                      <p:to>
-                                        <p:strVal val="visible"/>
-                                      </p:to>
-                                    </p:set>
-                                  </p:childTnLst>
-                                </p:cTn>
-                              </p:par>
-                            </p:childTnLst>
-                          </p:cTn>
-                        </p:par>
-                      </p:childTnLst>
-                    </p:cTn>
-                  </p:par>
-                  <p:par>
-                    <p:cTn id="7" fill="hold">
-                      <p:stCondLst>
-                        <p:cond delay="indefinite"/>
-                      </p:stCondLst>
-                      <p:childTnLst>
-                        <p:par>
-                          <p:cTn id="8" fill="hold">
-                            <p:stCondLst>
-                              <p:cond delay="0"/>
-                            </p:stCondLst>
-                            <p:childTnLst>
-                              <p:par>
-                                <p:cTn id="9" presetID="1" presetClass="entr" presetSubtype="0" fill="hold" nodeType="clickEffect">
-                                  <p:stCondLst>
-                                    <p:cond delay="0"/>
-                                  </p:stCondLst>
-                                  <p:childTnLst>
-                                    <p:set>
-                                      <p:cBhvr>
-                                        <p:cTn id="10" dur="1" fill="hold">
-                                          <p:stCondLst>
-                                            <p:cond delay="0"/>
-                                          </p:stCondLst>
-                                        </p:cTn>
-                                        <p:tgtEl>
-                                          <p:spTgt spid="3">
-                                            <p:txEl>
-                                              <p:pRg st="1" end="1"/>
-                                            </p:txEl>
-                                          </p:spTgt>
-                                        </p:tgtEl>
-                                        <p:attrNameLst>
-                                          <p:attrName>style.visibility</p:attrName>
-                                        </p:attrNameLst>
-                                      </p:cBhvr>
-                                      <p:to>
-                                        <p:strVal val="visible"/>
-                                      </p:to>
-                                    </p:set>
-                                  </p:childTnLst>
-                                </p:cTn>
-                              </p:par>
-                            </p:childTnLst>
-                          </p:cTn>
-                        </p:par>
-                      </p:childTnLst>
-                    </p:cTn>
-                  </p:par>
-                  <p:par>
-                    <p:cTn id="11" fill="hold">
-                      <p:stCondLst>
-                        <p:cond delay="indefinite"/>
-                      </p:stCondLst>
-                      <p:childTnLst>
-                        <p:par>
-                          <p:cTn id="12" fill="hold">
-                            <p:stCondLst>
-                              <p:cond delay="0"/>
-                            </p:stCondLst>
-                            <p:childTnLst>
-                              <p:par>
-                                <p:cTn id="13" presetID="1" presetClass="entr" presetSubtype="0" fill="hold" nodeType="clickEffect">
-                                  <p:stCondLst>
-                                    <p:cond delay="0"/>
-                                  </p:stCondLst>
-                                  <p:childTnLst>
-                                    <p:set>
-                                      <p:cBhvr>
-                                        <p:cTn id="14" dur="1" fill="hold">
-                                          <p:stCondLst>
-                                            <p:cond delay="0"/>
-                                          </p:stCondLst>
-                                        </p:cTn>
-                                        <p:tgtEl>
-                                          <p:spTgt spid="3">
-                                            <p:txEl>
-                                              <p:pRg st="2" end="2"/>
-                                            </p:txEl>
-                                          </p:spTgt>
-                                        </p:tgtEl>
-                                        <p:attrNameLst>
-                                          <p:attrName>style.visibility</p:attrName>
-                                        </p:attrNameLst>
-                                      </p:cBhvr>
-                                      <p:to>
-                                        <p:strVal val="visible"/>
-                                      </p:to>
-                                    </p:set>
-                                  </p:childTnLst>
-                                </p:cTn>
-                              </p:par>
-                            </p:childTnLst>
-                          </p:cTn>
-                        </p:par>
-                      </p:childTnLst>
-                    </p:cTn>
-                  </p:par>
-                </p:childTnLst>
-              </p:cTn>
-              <p:prevCondLst>
-                <p:cond evt="onPrev" delay="0">
-                  <p:tgtEl>
-                    <p:sldTgt/>
-                  </p:tgtEl>
-                </p:cond>
-              </p:prevCondLst>
-              <p:nextCondLst>
-                <p:cond evt="onNext" delay="0">
-                  <p:tgtEl>
-                    <p:sldTgt/>
-                  </p:tgtEl>
-                </p:cond>
-              </p:nextCondLst>
-            </p:seq>
-          </p:childTnLst>
-        </p:cTn>
-      </p:par>
-    </p:tnLst>
-  </p:timing>
-</p:sld>
-</file>
-
-<file path=ppt/slides/slide5.xml><?xml version="1.0" encoding="utf-8"?>
-<p:sld xmlns:a="http://schemas.openxmlformats.org/drawingml/2006/main" xmlns:r="http://schemas.openxmlformats.org/officeDocument/2006/relationships" xmlns:p="http://schemas.openxmlformats.org/presentationml/2006/main">
-  <p:cSld>
-    <p:spTree>
-      <p:nvGrpSpPr>
-        <p:cNvPr id="1" name=""/>
-        <p:cNvGrpSpPr/>
-        <p:nvPr/>
-      </p:nvGrpSpPr>
-      <p:grpSpPr>
-        <a:xfrm>
-          <a:off x="0" y="0"/>
-          <a:ext cx="0" cy="0"/>
-          <a:chOff x="0" y="0"/>
-          <a:chExt cx="0" cy="0"/>
-        </a:xfrm>
-      </p:grpSpPr>
-      <p:sp>
-        <p:nvSpPr>
-          <p:cNvPr id="3" name="Content Placeholder 2"/>
-          <p:cNvSpPr>
-            <a:spLocks noGrp="1"/>
-          </p:cNvSpPr>
-          <p:nvPr>
-            <p:ph idx="1"/>
-          </p:nvPr>
-        </p:nvSpPr>
-        <p:spPr/>
-        <p:txBody>
-          <a:bodyPr/>
-          <a:lstStyle/>
-          <a:p>
-            <a:pPr lvl="1"/>
-            <a:endParaRPr lang="en-US" dirty="0" smtClean="0"/>
-          </a:p>
-          <a:p>
-            <a:endParaRPr lang="en-US" dirty="0"/>
-          </a:p>
-        </p:txBody>
-      </p:sp>
-      <p:sp>
-        <p:nvSpPr>
-          <p:cNvPr id="2" name="Title 1"/>
-          <p:cNvSpPr>
-            <a:spLocks noGrp="1"/>
-          </p:cNvSpPr>
-          <p:nvPr>
-            <p:ph type="title"/>
-          </p:nvPr>
-        </p:nvSpPr>
-        <p:spPr/>
-        <p:txBody>
-          <a:bodyPr/>
-          <a:lstStyle/>
-          <a:p>
-            <a:r>
-              <a:rPr lang="en-US" dirty="0" smtClean="0"/>
-              <a:t>Overview – Login Screen</a:t>
-            </a:r>
-            <a:endParaRPr lang="en-US" dirty="0"/>
-          </a:p>
-        </p:txBody>
-      </p:sp>
-      <p:pic>
-        <p:nvPicPr>
-          <p:cNvPr id="4" name="Picture 3"/>
-          <p:cNvPicPr>
-            <a:picLocks noChangeAspect="1"/>
-          </p:cNvPicPr>
-          <p:nvPr/>
-        </p:nvPicPr>
-        <p:blipFill>
-          <a:blip r:embed="rId2"/>
-          <a:stretch>
-            <a:fillRect/>
-          </a:stretch>
-        </p:blipFill>
-        <p:spPr>
-          <a:xfrm>
-            <a:off x="2383366" y="2021946"/>
-            <a:ext cx="7153302" cy="3359152"/>
-          </a:xfrm>
-          <a:prstGeom prst="rect">
-            <a:avLst/>
-          </a:prstGeom>
-        </p:spPr>
-      </p:pic>
-    </p:spTree>
-    <p:extLst>
-      <p:ext uri="{BB962C8B-B14F-4D97-AF65-F5344CB8AC3E}">
-        <p14:creationId xmlns:p14="http://schemas.microsoft.com/office/powerpoint/2010/main" val="1833388435"/>
-      </p:ext>
-    </p:extLst>
-  </p:cSld>
-  <p:clrMapOvr>
-    <a:masterClrMapping/>
-  </p:clrMapOvr>
-  <mc:AlternateContent xmlns:mc="http://schemas.openxmlformats.org/markup-compatibility/2006" xmlns:p14="http://schemas.microsoft.com/office/powerpoint/2010/main">
-    <mc:Choice Requires="p14">
-      <p:transition spd="med" p14:dur="700">
-        <p:fade/>
-      </p:transition>
-    </mc:Choice>
-    <mc:Fallback xmlns="">
-      <p:transition spd="med">
-        <p:fade/>
-      </p:transition>
-    </mc:Fallback>
-  </mc:AlternateContent>
-  <p:timing>
-    <p:tnLst>
-      <p:par>
-        <p:cTn id="1" dur="indefinite" restart="never" nodeType="tmRoot"/>
-      </p:par>
-    </p:tnLst>
-  </p:timing>
-</p:sld>
-</file>
-
-<file path=ppt/slides/slide6.xml><?xml version="1.0" encoding="utf-8"?>
-<p:sld xmlns:a="http://schemas.openxmlformats.org/drawingml/2006/main" xmlns:r="http://schemas.openxmlformats.org/officeDocument/2006/relationships" xmlns:p="http://schemas.openxmlformats.org/presentationml/2006/main">
-  <p:cSld>
-    <p:spTree>
-      <p:nvGrpSpPr>
-        <p:cNvPr id="1" name=""/>
-        <p:cNvGrpSpPr/>
-        <p:nvPr/>
-      </p:nvGrpSpPr>
-      <p:grpSpPr>
-        <a:xfrm>
-          <a:off x="0" y="0"/>
-          <a:ext cx="0" cy="0"/>
-          <a:chOff x="0" y="0"/>
-          <a:chExt cx="0" cy="0"/>
-        </a:xfrm>
-      </p:grpSpPr>
-      <p:sp>
-        <p:nvSpPr>
-          <p:cNvPr id="3" name="Content Placeholder 2"/>
-          <p:cNvSpPr>
-            <a:spLocks noGrp="1"/>
-          </p:cNvSpPr>
-          <p:nvPr>
-            <p:ph idx="1"/>
-          </p:nvPr>
-        </p:nvSpPr>
-        <p:spPr/>
-        <p:txBody>
-          <a:bodyPr/>
-          <a:lstStyle/>
-          <a:p>
-            <a:r>
-              <a:rPr lang="en-US" sz="4000" dirty="0" smtClean="0"/>
-              <a:t>Manage Existing Database Items (e.g. words or phrases)</a:t>
-            </a:r>
-          </a:p>
-          <a:p>
-            <a:r>
-              <a:rPr lang="en-US" sz="4000" dirty="0" smtClean="0"/>
-              <a:t>Manage Test Items</a:t>
-            </a:r>
-          </a:p>
-          <a:p>
-            <a:r>
-              <a:rPr lang="en-US" sz="4000" dirty="0" smtClean="0"/>
-              <a:t>Associate Images to Existing Items</a:t>
-            </a:r>
-          </a:p>
-          <a:p>
-            <a:r>
-              <a:rPr lang="en-US" sz="4000" dirty="0" smtClean="0"/>
-              <a:t>Display Progress Meter During the User Test</a:t>
-            </a:r>
-          </a:p>
-          <a:p>
-            <a:r>
-              <a:rPr lang="en-US" sz="4000" dirty="0" smtClean="0"/>
-              <a:t>View Test Results</a:t>
-            </a:r>
-          </a:p>
-          <a:p>
-            <a:pPr lvl="1"/>
-            <a:endParaRPr lang="en-US" dirty="0" smtClean="0"/>
-          </a:p>
-          <a:p>
-            <a:endParaRPr lang="en-US" dirty="0"/>
-          </a:p>
-        </p:txBody>
-      </p:sp>
-      <p:sp>
-        <p:nvSpPr>
-          <p:cNvPr id="2" name="Title 1"/>
-          <p:cNvSpPr>
-            <a:spLocks noGrp="1"/>
-          </p:cNvSpPr>
-          <p:nvPr>
-            <p:ph type="title"/>
-          </p:nvPr>
-        </p:nvSpPr>
-        <p:spPr/>
-        <p:txBody>
-          <a:bodyPr/>
-          <a:lstStyle/>
-          <a:p>
-            <a:r>
-              <a:rPr lang="en-US" dirty="0" smtClean="0"/>
-              <a:t>Functional Overview </a:t>
-            </a:r>
-            <a:r>
-              <a:rPr lang="en-US" dirty="0" smtClean="0"/>
-              <a:t>– Admin Test Setup</a:t>
-            </a:r>
-            <a:endParaRPr lang="en-US" dirty="0"/>
-          </a:p>
-        </p:txBody>
-      </p:sp>
-    </p:spTree>
-    <p:extLst>
-      <p:ext uri="{BB962C8B-B14F-4D97-AF65-F5344CB8AC3E}">
-        <p14:creationId xmlns:p14="http://schemas.microsoft.com/office/powerpoint/2010/main" val="344505319"/>
-      </p:ext>
-    </p:extLst>
-  </p:cSld>
-  <p:clrMapOvr>
-    <a:masterClrMapping/>
-  </p:clrMapOvr>
-  <mc:AlternateContent xmlns:mc="http://schemas.openxmlformats.org/markup-compatibility/2006" xmlns:p14="http://schemas.microsoft.com/office/powerpoint/2010/main">
-    <mc:Choice Requires="p14">
-      <p:transition spd="med" p14:dur="700">
-        <p:fade/>
-      </p:transition>
-    </mc:Choice>
-    <mc:Fallback xmlns="">
-      <p:transition spd="med">
-        <p:fade/>
-      </p:transition>
-    </mc:Fallback>
-  </mc:AlternateContent>
-  <p:timing>
-    <p:tnLst>
-      <p:par>
-        <p:cTn id="1" dur="indefinite" restart="never" nodeType="tmRoot">
-          <p:childTnLst>
-            <p:seq concurrent="1" nextAc="seek">
-              <p:cTn id="2" dur="indefinite" nodeType="mainSeq">
-                <p:childTnLst>
-                  <p:par>
-                    <p:cTn id="3" fill="hold">
-                      <p:stCondLst>
-                        <p:cond delay="indefinite"/>
-                      </p:stCondLst>
-                      <p:childTnLst>
-                        <p:par>
-                          <p:cTn id="4" fill="hold">
-                            <p:stCondLst>
-                              <p:cond delay="0"/>
-                            </p:stCondLst>
-                            <p:childTnLst>
-                              <p:par>
-                                <p:cTn id="5" presetID="1" presetClass="entr" presetSubtype="0" fill="hold" nodeType="clickEffect">
-                                  <p:stCondLst>
-                                    <p:cond delay="0"/>
-                                  </p:stCondLst>
-                                  <p:childTnLst>
-                                    <p:set>
-                                      <p:cBhvr>
-                                        <p:cTn id="6" dur="1" fill="hold">
-                                          <p:stCondLst>
-                                            <p:cond delay="0"/>
-                                          </p:stCondLst>
-                                        </p:cTn>
-                                        <p:tgtEl>
-                                          <p:spTgt spid="3">
-                                            <p:txEl>
-                                              <p:pRg st="0" end="0"/>
-                                            </p:txEl>
-                                          </p:spTgt>
-                                        </p:tgtEl>
-                                        <p:attrNameLst>
-                                          <p:attrName>style.visibility</p:attrName>
-                                        </p:attrNameLst>
-                                      </p:cBhvr>
-                                      <p:to>
-                                        <p:strVal val="visible"/>
-                                      </p:to>
-                                    </p:set>
-                                  </p:childTnLst>
-                                </p:cTn>
-                              </p:par>
-                            </p:childTnLst>
-                          </p:cTn>
-                        </p:par>
-                      </p:childTnLst>
-                    </p:cTn>
-                  </p:par>
-                  <p:par>
-                    <p:cTn id="7" fill="hold">
-                      <p:stCondLst>
-                        <p:cond delay="indefinite"/>
-                      </p:stCondLst>
-                      <p:childTnLst>
-                        <p:par>
-                          <p:cTn id="8" fill="hold">
-                            <p:stCondLst>
-                              <p:cond delay="0"/>
-                            </p:stCondLst>
-                            <p:childTnLst>
-                              <p:par>
-                                <p:cTn id="9" presetID="1" presetClass="entr" presetSubtype="0" fill="hold" nodeType="clickEffect">
-                                  <p:stCondLst>
-                                    <p:cond delay="0"/>
-                                  </p:stCondLst>
-                                  <p:childTnLst>
-                                    <p:set>
-                                      <p:cBhvr>
-                                        <p:cTn id="10" dur="1" fill="hold">
-                                          <p:stCondLst>
-                                            <p:cond delay="0"/>
-                                          </p:stCondLst>
-                                        </p:cTn>
-                                        <p:tgtEl>
-                                          <p:spTgt spid="3">
-                                            <p:txEl>
-                                              <p:pRg st="1" end="1"/>
-                                            </p:txEl>
-                                          </p:spTgt>
-                                        </p:tgtEl>
-                                        <p:attrNameLst>
-                                          <p:attrName>style.visibility</p:attrName>
-                                        </p:attrNameLst>
-                                      </p:cBhvr>
-                                      <p:to>
-                                        <p:strVal val="visible"/>
-                                      </p:to>
-                                    </p:set>
-                                  </p:childTnLst>
-                                </p:cTn>
-                              </p:par>
-                            </p:childTnLst>
-                          </p:cTn>
-                        </p:par>
-                      </p:childTnLst>
-                    </p:cTn>
-                  </p:par>
-                  <p:par>
-                    <p:cTn id="11" fill="hold">
-                      <p:stCondLst>
-                        <p:cond delay="indefinite"/>
-                      </p:stCondLst>
-                      <p:childTnLst>
-                        <p:par>
-                          <p:cTn id="12" fill="hold">
-                            <p:stCondLst>
-                              <p:cond delay="0"/>
-                            </p:stCondLst>
-                            <p:childTnLst>
-                              <p:par>
-                                <p:cTn id="13" presetID="1" presetClass="entr" presetSubtype="0" fill="hold" nodeType="clickEffect">
-                                  <p:stCondLst>
-                                    <p:cond delay="0"/>
-                                  </p:stCondLst>
-                                  <p:childTnLst>
-                                    <p:set>
-                                      <p:cBhvr>
-                                        <p:cTn id="14" dur="1" fill="hold">
-                                          <p:stCondLst>
-                                            <p:cond delay="0"/>
-                                          </p:stCondLst>
-                                        </p:cTn>
-                                        <p:tgtEl>
-                                          <p:spTgt spid="3">
-                                            <p:txEl>
-                                              <p:pRg st="2" end="2"/>
-                                            </p:txEl>
-                                          </p:spTgt>
-                                        </p:tgtEl>
-                                        <p:attrNameLst>
-                                          <p:attrName>style.visibility</p:attrName>
-                                        </p:attrNameLst>
-                                      </p:cBhvr>
-                                      <p:to>
-                                        <p:strVal val="visible"/>
-                                      </p:to>
-                                    </p:set>
-                                  </p:childTnLst>
-                                </p:cTn>
-                              </p:par>
-                            </p:childTnLst>
-                          </p:cTn>
-                        </p:par>
-                      </p:childTnLst>
-                    </p:cTn>
-                  </p:par>
-                  <p:par>
-                    <p:cTn id="15" fill="hold">
-                      <p:stCondLst>
-                        <p:cond delay="indefinite"/>
-                      </p:stCondLst>
-                      <p:childTnLst>
-                        <p:par>
-                          <p:cTn id="16" fill="hold">
-                            <p:stCondLst>
-                              <p:cond delay="0"/>
-                            </p:stCondLst>
-                            <p:childTnLst>
-                              <p:par>
-                                <p:cTn id="17" presetID="1" presetClass="entr" presetSubtype="0" fill="hold" nodeType="clickEffect">
-                                  <p:stCondLst>
-                                    <p:cond delay="0"/>
-                                  </p:stCondLst>
-                                  <p:childTnLst>
-                                    <p:set>
-                                      <p:cBhvr>
-                                        <p:cTn id="18" dur="1" fill="hold">
-                                          <p:stCondLst>
-                                            <p:cond delay="0"/>
-                                          </p:stCondLst>
-                                        </p:cTn>
-                                        <p:tgtEl>
-                                          <p:spTgt spid="3">
-                                            <p:txEl>
-                                              <p:pRg st="3" end="3"/>
-                                            </p:txEl>
-                                          </p:spTgt>
-                                        </p:tgtEl>
-                                        <p:attrNameLst>
-                                          <p:attrName>style.visibility</p:attrName>
-                                        </p:attrNameLst>
-                                      </p:cBhvr>
-                                      <p:to>
-                                        <p:strVal val="visible"/>
-                                      </p:to>
-                                    </p:set>
-                                  </p:childTnLst>
-                                </p:cTn>
-                              </p:par>
-                            </p:childTnLst>
-                          </p:cTn>
-                        </p:par>
-                      </p:childTnLst>
-                    </p:cTn>
-                  </p:par>
-                  <p:par>
-                    <p:cTn id="19" fill="hold">
-                      <p:stCondLst>
-                        <p:cond delay="indefinite"/>
-                      </p:stCondLst>
-                      <p:childTnLst>
-                        <p:par>
-                          <p:cTn id="20" fill="hold">
-                            <p:stCondLst>
-                              <p:cond delay="0"/>
-                            </p:stCondLst>
-                            <p:childTnLst>
-                              <p:par>
-                                <p:cTn id="21" presetID="1" presetClass="entr" presetSubtype="0" fill="hold" nodeType="clickEffect">
-                                  <p:stCondLst>
-                                    <p:cond delay="0"/>
-                                  </p:stCondLst>
-                                  <p:childTnLst>
-                                    <p:set>
-                                      <p:cBhvr>
-                                        <p:cTn id="22" dur="1" fill="hold">
-                                          <p:stCondLst>
-                                            <p:cond delay="0"/>
-                                          </p:stCondLst>
-                                        </p:cTn>
-                                        <p:tgtEl>
-                                          <p:spTgt spid="3">
-                                            <p:txEl>
-                                              <p:pRg st="4" end="4"/>
-                                            </p:txEl>
-                                          </p:spTgt>
-                                        </p:tgtEl>
-                                        <p:attrNameLst>
-                                          <p:attrName>style.visibility</p:attrName>
-                                        </p:attrNameLst>
-                                      </p:cBhvr>
-                                      <p:to>
-                                        <p:strVal val="visible"/>
-                                      </p:to>
-                                    </p:set>
-                                  </p:childTnLst>
-                                </p:cTn>
-                              </p:par>
-                            </p:childTnLst>
-                          </p:cTn>
-                        </p:par>
-                      </p:childTnLst>
-                    </p:cTn>
-                  </p:par>
-                </p:childTnLst>
-              </p:cTn>
-              <p:prevCondLst>
-                <p:cond evt="onPrev" delay="0">
-                  <p:tgtEl>
-                    <p:sldTgt/>
-                  </p:tgtEl>
-                </p:cond>
-              </p:prevCondLst>
-              <p:nextCondLst>
-                <p:cond evt="onNext" delay="0">
-                  <p:tgtEl>
-                    <p:sldTgt/>
-                  </p:tgtEl>
-                </p:cond>
-              </p:nextCondLst>
-            </p:seq>
-          </p:childTnLst>
-        </p:cTn>
-      </p:par>
-    </p:tnLst>
-  </p:timing>
-</p:sld>
-</file>
-
-<file path=ppt/slides/slide7.xml><?xml version="1.0" encoding="utf-8"?>
-<p:sld xmlns:a="http://schemas.openxmlformats.org/drawingml/2006/main" xmlns:r="http://schemas.openxmlformats.org/officeDocument/2006/relationships" xmlns:p="http://schemas.openxmlformats.org/presentationml/2006/main">
-  <p:cSld>
-    <p:spTree>
-      <p:nvGrpSpPr>
-        <p:cNvPr id="1" name=""/>
-        <p:cNvGrpSpPr/>
-        <p:nvPr/>
-      </p:nvGrpSpPr>
-      <p:grpSpPr>
-        <a:xfrm>
-          <a:off x="0" y="0"/>
-          <a:ext cx="0" cy="0"/>
-          <a:chOff x="0" y="0"/>
-          <a:chExt cx="0" cy="0"/>
-        </a:xfrm>
-      </p:grpSpPr>
-      <p:sp>
-        <p:nvSpPr>
-          <p:cNvPr id="3" name="Content Placeholder 2"/>
-          <p:cNvSpPr>
-            <a:spLocks noGrp="1"/>
-          </p:cNvSpPr>
-          <p:nvPr>
-            <p:ph idx="1"/>
-          </p:nvPr>
-        </p:nvSpPr>
-        <p:spPr/>
-        <p:txBody>
-          <a:bodyPr/>
-          <a:lstStyle/>
-          <a:p>
-            <a:pPr lvl="1"/>
-            <a:endParaRPr lang="en-US" dirty="0" smtClean="0"/>
-          </a:p>
-          <a:p>
-            <a:endParaRPr lang="en-US" dirty="0"/>
-          </a:p>
-        </p:txBody>
-      </p:sp>
-      <p:sp>
-        <p:nvSpPr>
-          <p:cNvPr id="2" name="Title 1"/>
-          <p:cNvSpPr>
-            <a:spLocks noGrp="1"/>
-          </p:cNvSpPr>
-          <p:nvPr>
-            <p:ph type="title"/>
-          </p:nvPr>
-        </p:nvSpPr>
-        <p:spPr/>
-        <p:txBody>
-          <a:bodyPr/>
-          <a:lstStyle/>
-          <a:p>
-            <a:r>
-              <a:rPr lang="en-US" dirty="0" smtClean="0"/>
-              <a:t>Overview – Admin Test Setup Screen</a:t>
-            </a:r>
-            <a:endParaRPr lang="en-US" dirty="0"/>
-          </a:p>
-        </p:txBody>
-      </p:sp>
-      <p:pic>
-        <p:nvPicPr>
-          <p:cNvPr id="6" name="Picture 5"/>
-          <p:cNvPicPr>
-            <a:picLocks noChangeAspect="1"/>
-          </p:cNvPicPr>
-          <p:nvPr/>
-        </p:nvPicPr>
-        <p:blipFill>
-          <a:blip r:embed="rId2"/>
-          <a:stretch>
-            <a:fillRect/>
-          </a:stretch>
-        </p:blipFill>
-        <p:spPr>
-          <a:xfrm>
-            <a:off x="1049868" y="1253067"/>
-            <a:ext cx="10182123" cy="5418813"/>
-          </a:xfrm>
-          <a:prstGeom prst="rect">
-            <a:avLst/>
-          </a:prstGeom>
-        </p:spPr>
-      </p:pic>
-    </p:spTree>
-    <p:extLst>
-      <p:ext uri="{BB962C8B-B14F-4D97-AF65-F5344CB8AC3E}">
-        <p14:creationId xmlns:p14="http://schemas.microsoft.com/office/powerpoint/2010/main" val="1453078861"/>
-      </p:ext>
-    </p:extLst>
-  </p:cSld>
-  <p:clrMapOvr>
-    <a:masterClrMapping/>
-  </p:clrMapOvr>
-  <mc:AlternateContent xmlns:mc="http://schemas.openxmlformats.org/markup-compatibility/2006" xmlns:p14="http://schemas.microsoft.com/office/powerpoint/2010/main">
-    <mc:Choice Requires="p14">
-      <p:transition spd="med" p14:dur="700">
-        <p:fade/>
-      </p:transition>
-    </mc:Choice>
-    <mc:Fallback xmlns="">
-      <p:transition spd="med">
-        <p:fade/>
-      </p:transition>
-    </mc:Fallback>
-  </mc:AlternateContent>
-  <p:timing>
-    <p:tnLst>
-      <p:par>
-        <p:cTn id="1" dur="indefinite" restart="never" nodeType="tmRoot"/>
-      </p:par>
-    </p:tnLst>
-  </p:timing>
-</p:sld>
-</file>
-
-<file path=ppt/slides/slide8.xml><?xml version="1.0" encoding="utf-8"?>
-<p:sld xmlns:a="http://schemas.openxmlformats.org/drawingml/2006/main" xmlns:r="http://schemas.openxmlformats.org/officeDocument/2006/relationships" xmlns:p="http://schemas.openxmlformats.org/presentationml/2006/main">
-  <p:cSld>
-    <p:spTree>
-      <p:nvGrpSpPr>
-        <p:cNvPr id="1" name=""/>
-        <p:cNvGrpSpPr/>
-        <p:nvPr/>
-      </p:nvGrpSpPr>
-      <p:grpSpPr>
-        <a:xfrm>
-          <a:off x="0" y="0"/>
-          <a:ext cx="0" cy="0"/>
-          <a:chOff x="0" y="0"/>
-          <a:chExt cx="0" cy="0"/>
-        </a:xfrm>
-      </p:grpSpPr>
-      <p:sp>
-        <p:nvSpPr>
-          <p:cNvPr id="3" name="Content Placeholder 2"/>
-          <p:cNvSpPr>
-            <a:spLocks noGrp="1"/>
-          </p:cNvSpPr>
-          <p:nvPr>
-            <p:ph idx="1"/>
-          </p:nvPr>
-        </p:nvSpPr>
-        <p:spPr/>
-        <p:txBody>
-          <a:bodyPr/>
-          <a:lstStyle/>
-          <a:p>
-            <a:r>
-              <a:rPr lang="en-US" sz="4000" dirty="0" smtClean="0"/>
-              <a:t>Compare defined test in groups of two</a:t>
-            </a:r>
-            <a:endParaRPr lang="en-US" sz="4000" dirty="0" smtClean="0"/>
-          </a:p>
-          <a:p>
-            <a:r>
-              <a:rPr lang="en-US" sz="4000" dirty="0" smtClean="0"/>
-              <a:t>Selected Left, Right, or Unsure</a:t>
-            </a:r>
-            <a:endParaRPr lang="en-US" sz="4000" dirty="0" smtClean="0"/>
-          </a:p>
-          <a:p>
-            <a:r>
-              <a:rPr lang="en-US" sz="4000" dirty="0" smtClean="0"/>
-              <a:t>View Progress </a:t>
-            </a:r>
-            <a:r>
-              <a:rPr lang="en-US" sz="4000" dirty="0" smtClean="0"/>
-              <a:t>Meter During the User </a:t>
-            </a:r>
-            <a:r>
-              <a:rPr lang="en-US" sz="4000" dirty="0" smtClean="0"/>
-              <a:t>Test</a:t>
-            </a:r>
-            <a:endParaRPr lang="en-US" dirty="0" smtClean="0"/>
-          </a:p>
-          <a:p>
-            <a:endParaRPr lang="en-US" dirty="0"/>
-          </a:p>
-        </p:txBody>
-      </p:sp>
-      <p:sp>
-        <p:nvSpPr>
-          <p:cNvPr id="2" name="Title 1"/>
-          <p:cNvSpPr>
-            <a:spLocks noGrp="1"/>
-          </p:cNvSpPr>
-          <p:nvPr>
-            <p:ph type="title"/>
-          </p:nvPr>
-        </p:nvSpPr>
-        <p:spPr/>
-        <p:txBody>
-          <a:bodyPr/>
-          <a:lstStyle/>
-          <a:p>
-            <a:r>
-              <a:rPr lang="en-US" dirty="0" smtClean="0"/>
-              <a:t>Functional Overview </a:t>
-            </a:r>
-            <a:r>
-              <a:rPr lang="en-US" dirty="0" smtClean="0"/>
-              <a:t>– </a:t>
-            </a:r>
-            <a:r>
-              <a:rPr lang="en-US" dirty="0" smtClean="0"/>
-              <a:t>User Take Test</a:t>
-            </a:r>
-            <a:endParaRPr lang="en-US" dirty="0"/>
-          </a:p>
-        </p:txBody>
-      </p:sp>
-    </p:spTree>
-    <p:extLst>
-      <p:ext uri="{BB962C8B-B14F-4D97-AF65-F5344CB8AC3E}">
-        <p14:creationId xmlns:p14="http://schemas.microsoft.com/office/powerpoint/2010/main" val="3190350960"/>
-      </p:ext>
-    </p:extLst>
-  </p:cSld>
-  <p:clrMapOvr>
-    <a:masterClrMapping/>
-  </p:clrMapOvr>
-  <mc:AlternateContent xmlns:mc="http://schemas.openxmlformats.org/markup-compatibility/2006" xmlns:p14="http://schemas.microsoft.com/office/powerpoint/2010/main">
-    <mc:Choice Requires="p14">
-      <p:transition spd="med" p14:dur="700">
-        <p:fade/>
-      </p:transition>
-    </mc:Choice>
-    <mc:Fallback xmlns="">
-      <p:transition spd="med">
-        <p:fade/>
-      </p:transition>
-    </mc:Fallback>
-  </mc:AlternateContent>
-  <p:timing>
-    <p:tnLst>
-      <p:par>
-        <p:cTn id="1" dur="indefinite" restart="never" nodeType="tmRoot">
-          <p:childTnLst>
-            <p:seq concurrent="1" nextAc="seek">
-              <p:cTn id="2" dur="indefinite" nodeType="mainSeq">
-                <p:childTnLst>
-                  <p:par>
-                    <p:cTn id="3" fill="hold">
-                      <p:stCondLst>
-                        <p:cond delay="indefinite"/>
-                      </p:stCondLst>
-                      <p:childTnLst>
-                        <p:par>
-                          <p:cTn id="4" fill="hold">
-                            <p:stCondLst>
-                              <p:cond delay="0"/>
-                            </p:stCondLst>
-                            <p:childTnLst>
-                              <p:par>
-                                <p:cTn id="5" presetID="1" presetClass="entr" presetSubtype="0" fill="hold" nodeType="clickEffect">
-                                  <p:stCondLst>
-                                    <p:cond delay="0"/>
-                                  </p:stCondLst>
-                                  <p:childTnLst>
-                                    <p:set>
-                                      <p:cBhvr>
-                                        <p:cTn id="6" dur="1" fill="hold">
-                                          <p:stCondLst>
-                                            <p:cond delay="0"/>
-                                          </p:stCondLst>
-                                        </p:cTn>
-                                        <p:tgtEl>
-                                          <p:spTgt spid="3">
-                                            <p:txEl>
-                                              <p:pRg st="0" end="0"/>
-                                            </p:txEl>
-                                          </p:spTgt>
-                                        </p:tgtEl>
-                                        <p:attrNameLst>
-                                          <p:attrName>style.visibility</p:attrName>
-                                        </p:attrNameLst>
-                                      </p:cBhvr>
-                                      <p:to>
-                                        <p:strVal val="visible"/>
-                                      </p:to>
-                                    </p:set>
-                                  </p:childTnLst>
-                                </p:cTn>
-                              </p:par>
-                            </p:childTnLst>
-                          </p:cTn>
-                        </p:par>
-                      </p:childTnLst>
-                    </p:cTn>
-                  </p:par>
-                  <p:par>
-                    <p:cTn id="7" fill="hold">
-                      <p:stCondLst>
-                        <p:cond delay="indefinite"/>
-                      </p:stCondLst>
-                      <p:childTnLst>
-                        <p:par>
-                          <p:cTn id="8" fill="hold">
-                            <p:stCondLst>
-                              <p:cond delay="0"/>
-                            </p:stCondLst>
-                            <p:childTnLst>
-                              <p:par>
-                                <p:cTn id="9" presetID="1" presetClass="entr" presetSubtype="0" fill="hold" nodeType="clickEffect">
-                                  <p:stCondLst>
-                                    <p:cond delay="0"/>
-                                  </p:stCondLst>
-                                  <p:childTnLst>
-                                    <p:set>
-                                      <p:cBhvr>
-                                        <p:cTn id="10" dur="1" fill="hold">
-                                          <p:stCondLst>
-                                            <p:cond delay="0"/>
-                                          </p:stCondLst>
-                                        </p:cTn>
-                                        <p:tgtEl>
-                                          <p:spTgt spid="3">
-                                            <p:txEl>
-                                              <p:pRg st="1" end="1"/>
-                                            </p:txEl>
-                                          </p:spTgt>
-                                        </p:tgtEl>
-                                        <p:attrNameLst>
-                                          <p:attrName>style.visibility</p:attrName>
-                                        </p:attrNameLst>
-                                      </p:cBhvr>
-                                      <p:to>
-                                        <p:strVal val="visible"/>
-                                      </p:to>
-                                    </p:set>
-                                  </p:childTnLst>
-                                </p:cTn>
-                              </p:par>
-                            </p:childTnLst>
-                          </p:cTn>
-                        </p:par>
-                      </p:childTnLst>
-                    </p:cTn>
-                  </p:par>
-                  <p:par>
-                    <p:cTn id="11" fill="hold">
-                      <p:stCondLst>
-                        <p:cond delay="indefinite"/>
-                      </p:stCondLst>
-                      <p:childTnLst>
-                        <p:par>
-                          <p:cTn id="12" fill="hold">
-                            <p:stCondLst>
-                              <p:cond delay="0"/>
-                            </p:stCondLst>
-                            <p:childTnLst>
-                              <p:par>
-                                <p:cTn id="13" presetID="1" presetClass="entr" presetSubtype="0" fill="hold" nodeType="clickEffect">
-                                  <p:stCondLst>
-                                    <p:cond delay="0"/>
-                                  </p:stCondLst>
-                                  <p:childTnLst>
-                                    <p:set>
-                                      <p:cBhvr>
-                                        <p:cTn id="14" dur="1" fill="hold">
-                                          <p:stCondLst>
-                                            <p:cond delay="0"/>
-                                          </p:stCondLst>
-                                        </p:cTn>
-                                        <p:tgtEl>
-                                          <p:spTgt spid="3">
-                                            <p:txEl>
-                                              <p:pRg st="2" end="2"/>
-                                            </p:txEl>
-                                          </p:spTgt>
-                                        </p:tgtEl>
-                                        <p:attrNameLst>
-                                          <p:attrName>style.visibility</p:attrName>
-                                        </p:attrNameLst>
-                                      </p:cBhvr>
-                                      <p:to>
-                                        <p:strVal val="visible"/>
-                                      </p:to>
-                                    </p:set>
-                                  </p:childTnLst>
-                                </p:cTn>
-                              </p:par>
-                            </p:childTnLst>
-                          </p:cTn>
-                        </p:par>
-                      </p:childTnLst>
-                    </p:cTn>
-                  </p:par>
-                </p:childTnLst>
-              </p:cTn>
-              <p:prevCondLst>
-                <p:cond evt="onPrev" delay="0">
-                  <p:tgtEl>
-                    <p:sldTgt/>
-                  </p:tgtEl>
-                </p:cond>
-              </p:prevCondLst>
-              <p:nextCondLst>
-                <p:cond evt="onNext" delay="0">
-                  <p:tgtEl>
-                    <p:sldTgt/>
-                  </p:tgtEl>
-                </p:cond>
-              </p:nextCondLst>
-            </p:seq>
-          </p:childTnLst>
-        </p:cTn>
-      </p:par>
-    </p:tnLst>
-  </p:timing>
-</p:sld>
-</file>
-
-<file path=ppt/slides/slide9.xml><?xml version="1.0" encoding="utf-8"?>
-<p:sld xmlns:a="http://schemas.openxmlformats.org/drawingml/2006/main" xmlns:r="http://schemas.openxmlformats.org/officeDocument/2006/relationships" xmlns:p="http://schemas.openxmlformats.org/presentationml/2006/main">
-  <p:cSld>
-    <p:spTree>
-      <p:nvGrpSpPr>
-        <p:cNvPr id="1" name=""/>
-        <p:cNvGrpSpPr/>
-        <p:nvPr/>
-      </p:nvGrpSpPr>
-      <p:grpSpPr>
-        <a:xfrm>
-          <a:off x="0" y="0"/>
-          <a:ext cx="0" cy="0"/>
-          <a:chOff x="0" y="0"/>
-          <a:chExt cx="0" cy="0"/>
-        </a:xfrm>
-      </p:grpSpPr>
-      <p:sp>
-        <p:nvSpPr>
-          <p:cNvPr id="3" name="Content Placeholder 2"/>
-          <p:cNvSpPr>
-            <a:spLocks noGrp="1"/>
-          </p:cNvSpPr>
-          <p:nvPr>
-            <p:ph idx="1"/>
-          </p:nvPr>
-        </p:nvSpPr>
-        <p:spPr/>
-        <p:txBody>
-          <a:bodyPr/>
-          <a:lstStyle/>
-          <a:p>
-            <a:pPr lvl="1"/>
-            <a:endParaRPr lang="en-US" dirty="0" smtClean="0"/>
-          </a:p>
-          <a:p>
-            <a:endParaRPr lang="en-US" dirty="0"/>
-          </a:p>
-        </p:txBody>
-      </p:sp>
-      <p:pic>
-        <p:nvPicPr>
-          <p:cNvPr id="4" name="Picture 3"/>
-          <p:cNvPicPr>
-            <a:picLocks noChangeAspect="1"/>
-          </p:cNvPicPr>
-          <p:nvPr/>
-        </p:nvPicPr>
-        <p:blipFill>
-          <a:blip r:embed="rId2"/>
-          <a:stretch>
-            <a:fillRect/>
-          </a:stretch>
-        </p:blipFill>
-        <p:spPr>
-          <a:xfrm>
-            <a:off x="4255029" y="119021"/>
-            <a:ext cx="6679142" cy="6641084"/>
-          </a:xfrm>
-          <a:prstGeom prst="rect">
-            <a:avLst/>
-          </a:prstGeom>
-        </p:spPr>
-      </p:pic>
-      <p:sp>
-        <p:nvSpPr>
-          <p:cNvPr id="5" name="Title 4"/>
-          <p:cNvSpPr>
-            <a:spLocks noGrp="1"/>
-          </p:cNvSpPr>
-          <p:nvPr>
-            <p:ph type="title"/>
-          </p:nvPr>
-        </p:nvSpPr>
-        <p:spPr>
-          <a:xfrm>
-            <a:off x="609600" y="274638"/>
-            <a:ext cx="4013200" cy="6380162"/>
-          </a:xfrm>
-        </p:spPr>
-        <p:txBody>
-          <a:bodyPr>
-            <a:normAutofit/>
-          </a:bodyPr>
-          <a:lstStyle/>
-          <a:p>
-            <a:r>
-              <a:rPr lang="en-US" dirty="0" smtClean="0"/>
-              <a:t>Overview </a:t>
-            </a:r>
-            <a:br>
-              <a:rPr lang="en-US" dirty="0" smtClean="0"/>
-            </a:br>
-            <a:r>
-              <a:rPr lang="en-US" dirty="0" smtClean="0"/>
-              <a:t>User Test </a:t>
-            </a:r>
-            <a:br>
-              <a:rPr lang="en-US" dirty="0" smtClean="0"/>
-            </a:br>
-            <a:r>
-              <a:rPr lang="en-US" dirty="0" smtClean="0"/>
-              <a:t>Screen</a:t>
-            </a:r>
-            <a:endParaRPr lang="en-US" dirty="0"/>
-          </a:p>
-        </p:txBody>
-      </p:sp>
-    </p:spTree>
-    <p:extLst>
-      <p:ext uri="{BB962C8B-B14F-4D97-AF65-F5344CB8AC3E}">
-        <p14:creationId xmlns:p14="http://schemas.microsoft.com/office/powerpoint/2010/main" val="2655541122"/>
-      </p:ext>
-    </p:extLst>
-  </p:cSld>
-  <p:clrMapOvr>
-    <a:masterClrMapping/>
-  </p:clrMapOvr>
-  <mc:AlternateContent xmlns:mc="http://schemas.openxmlformats.org/markup-compatibility/2006" xmlns:p14="http://schemas.microsoft.com/office/powerpoint/2010/main">
-    <mc:Choice Requires="p14">
-      <p:transition spd="med" p14:dur="700">
-        <p:fade/>
-      </p:transition>
-    </mc:Choice>
-    <mc:Fallback xmlns="">
-      <p:transition spd="med">
-        <p:fade/>
-      </p:transition>
-    </mc:Fallback>
-  </mc:AlternateContent>
-  <p:timing>
-    <p:tnLst>
-      <p:par>
-        <p:cTn id="1" dur="indefinite" restart="never" nodeType="tmRoot"/>
-      </p:par>
-    </p:tnLst>
+    <p:bldLst>
+      <p:bldP spid="2" grpId="0"/>
+    </p:bldLst>
   </p:timing>
 </p:sld>
 </file>

--- a/assigns/assign10/t1-a10.pptx
+++ b/assigns/assign10/t1-a10.pptx
@@ -8535,14 +8535,49 @@
                             </p:stCondLst>
                             <p:childTnLst>
                               <p:par>
-                                <p:cTn id="5" presetID="1" presetClass="entr" presetSubtype="0" fill="hold" nodeType="withEffect">
+                                <p:cTn id="5" presetID="22" presetClass="entr" presetSubtype="8" fill="hold" grpId="0" nodeType="withEffect">
                                   <p:stCondLst>
-                                    <p:cond delay="500"/>
+                                    <p:cond delay="0"/>
                                   </p:stCondLst>
                                   <p:childTnLst>
                                     <p:set>
                                       <p:cBhvr>
                                         <p:cTn id="6" dur="1" fill="hold">
+                                          <p:stCondLst>
+                                            <p:cond delay="0"/>
+                                          </p:stCondLst>
+                                        </p:cTn>
+                                        <p:tgtEl>
+                                          <p:spTgt spid="2"/>
+                                        </p:tgtEl>
+                                        <p:attrNameLst>
+                                          <p:attrName>style.visibility</p:attrName>
+                                        </p:attrNameLst>
+                                      </p:cBhvr>
+                                      <p:to>
+                                        <p:strVal val="visible"/>
+                                      </p:to>
+                                    </p:set>
+                                    <p:animEffect transition="in" filter="wipe(left)">
+                                      <p:cBhvr>
+                                        <p:cTn id="7" dur="500"/>
+                                        <p:tgtEl>
+                                          <p:spTgt spid="2"/>
+                                        </p:tgtEl>
+                                      </p:cBhvr>
+                                    </p:animEffect>
+                                  </p:childTnLst>
+                                </p:cTn>
+                              </p:par>
+                              <p:par>
+                                <p:cTn id="8" presetID="1" presetClass="entr" presetSubtype="0" fill="hold" nodeType="withEffect">
+                                  <p:stCondLst>
+                                    <p:cond delay="1000"/>
+                                  </p:stCondLst>
+                                  <p:childTnLst>
+                                    <p:set>
+                                      <p:cBhvr>
+                                        <p:cTn id="9" dur="1" fill="hold">
                                           <p:stCondLst>
                                             <p:cond delay="0"/>
                                           </p:stCondLst>
@@ -8572,26 +8607,26 @@
                     </p:cTn>
                   </p:par>
                   <p:par>
-                    <p:cTn id="7" fill="hold">
+                    <p:cTn id="10" fill="hold">
                       <p:stCondLst>
                         <p:cond delay="indefinite"/>
                       </p:stCondLst>
                       <p:childTnLst>
                         <p:par>
-                          <p:cTn id="8" fill="hold">
+                          <p:cTn id="11" fill="hold">
                             <p:stCondLst>
                               <p:cond delay="0"/>
                             </p:stCondLst>
                             <p:childTnLst>
                               <p:par>
-                                <p:cTn id="9" presetID="1" presetClass="entr" presetSubtype="0" fill="hold" nodeType="clickEffect">
+                                <p:cTn id="12" presetID="1" presetClass="entr" presetSubtype="0" fill="hold" nodeType="clickEffect">
                                   <p:stCondLst>
                                     <p:cond delay="0"/>
                                   </p:stCondLst>
                                   <p:childTnLst>
                                     <p:set>
                                       <p:cBhvr>
-                                        <p:cTn id="10" dur="1" fill="hold">
+                                        <p:cTn id="13" dur="1" fill="hold">
                                           <p:stCondLst>
                                             <p:cond delay="0"/>
                                           </p:stCondLst>
@@ -8621,26 +8656,26 @@
                     </p:cTn>
                   </p:par>
                   <p:par>
-                    <p:cTn id="11" fill="hold">
+                    <p:cTn id="14" fill="hold">
                       <p:stCondLst>
                         <p:cond delay="indefinite"/>
                       </p:stCondLst>
                       <p:childTnLst>
                         <p:par>
-                          <p:cTn id="12" fill="hold">
+                          <p:cTn id="15" fill="hold">
                             <p:stCondLst>
                               <p:cond delay="0"/>
                             </p:stCondLst>
                             <p:childTnLst>
                               <p:par>
-                                <p:cTn id="13" presetID="1" presetClass="entr" presetSubtype="0" fill="hold" nodeType="clickEffect">
+                                <p:cTn id="16" presetID="1" presetClass="entr" presetSubtype="0" fill="hold" nodeType="clickEffect">
                                   <p:stCondLst>
                                     <p:cond delay="0"/>
                                   </p:stCondLst>
                                   <p:childTnLst>
                                     <p:set>
                                       <p:cBhvr>
-                                        <p:cTn id="14" dur="1" fill="hold">
+                                        <p:cTn id="17" dur="1" fill="hold">
                                           <p:stCondLst>
                                             <p:cond delay="0"/>
                                           </p:stCondLst>
@@ -8670,26 +8705,26 @@
                     </p:cTn>
                   </p:par>
                   <p:par>
-                    <p:cTn id="15" fill="hold">
+                    <p:cTn id="18" fill="hold">
                       <p:stCondLst>
                         <p:cond delay="indefinite"/>
                       </p:stCondLst>
                       <p:childTnLst>
                         <p:par>
-                          <p:cTn id="16" fill="hold">
+                          <p:cTn id="19" fill="hold">
                             <p:stCondLst>
                               <p:cond delay="0"/>
                             </p:stCondLst>
                             <p:childTnLst>
                               <p:par>
-                                <p:cTn id="17" presetID="1" presetClass="entr" presetSubtype="0" fill="hold" nodeType="clickEffect">
+                                <p:cTn id="20" presetID="1" presetClass="entr" presetSubtype="0" fill="hold" nodeType="clickEffect">
                                   <p:stCondLst>
                                     <p:cond delay="0"/>
                                   </p:stCondLst>
                                   <p:childTnLst>
                                     <p:set>
                                       <p:cBhvr>
-                                        <p:cTn id="18" dur="1" fill="hold">
+                                        <p:cTn id="21" dur="1" fill="hold">
                                           <p:stCondLst>
                                             <p:cond delay="0"/>
                                           </p:stCondLst>
@@ -8719,26 +8754,26 @@
                     </p:cTn>
                   </p:par>
                   <p:par>
-                    <p:cTn id="19" fill="hold">
+                    <p:cTn id="22" fill="hold">
                       <p:stCondLst>
                         <p:cond delay="indefinite"/>
                       </p:stCondLst>
                       <p:childTnLst>
                         <p:par>
-                          <p:cTn id="20" fill="hold">
+                          <p:cTn id="23" fill="hold">
                             <p:stCondLst>
                               <p:cond delay="0"/>
                             </p:stCondLst>
                             <p:childTnLst>
                               <p:par>
-                                <p:cTn id="21" presetID="1" presetClass="entr" presetSubtype="0" fill="hold" nodeType="clickEffect">
+                                <p:cTn id="24" presetID="1" presetClass="entr" presetSubtype="0" fill="hold" nodeType="clickEffect">
                                   <p:stCondLst>
                                     <p:cond delay="0"/>
                                   </p:stCondLst>
                                   <p:childTnLst>
                                     <p:set>
                                       <p:cBhvr>
-                                        <p:cTn id="22" dur="1" fill="hold">
+                                        <p:cTn id="25" dur="1" fill="hold">
                                           <p:stCondLst>
                                             <p:cond delay="0"/>
                                           </p:stCondLst>
@@ -8788,6 +8823,9 @@
         </p:cTn>
       </p:par>
     </p:tnLst>
+    <p:bldLst>
+      <p:bldP spid="2" grpId="0"/>
+    </p:bldLst>
   </p:timing>
 </p:sld>
 </file>

--- a/assigns/assign10/t1-a10.pptx
+++ b/assigns/assign10/t1-a10.pptx
@@ -5,26 +5,29 @@
     <p:sldMasterId id="2147483672" r:id="rId2"/>
   </p:sldMasterIdLst>
   <p:notesMasterIdLst>
-    <p:notesMasterId r:id="rId17"/>
+    <p:notesMasterId r:id="rId20"/>
   </p:notesMasterIdLst>
   <p:handoutMasterIdLst>
-    <p:handoutMasterId r:id="rId18"/>
+    <p:handoutMasterId r:id="rId21"/>
   </p:handoutMasterIdLst>
   <p:sldIdLst>
-    <p:sldId id="256" r:id="rId3"/>
-    <p:sldId id="257" r:id="rId4"/>
-    <p:sldId id="258" r:id="rId5"/>
-    <p:sldId id="286" r:id="rId6"/>
-    <p:sldId id="279" r:id="rId7"/>
-    <p:sldId id="280" r:id="rId8"/>
-    <p:sldId id="274" r:id="rId9"/>
-    <p:sldId id="278" r:id="rId10"/>
-    <p:sldId id="285" r:id="rId11"/>
-    <p:sldId id="282" r:id="rId12"/>
-    <p:sldId id="283" r:id="rId13"/>
-    <p:sldId id="284" r:id="rId14"/>
-    <p:sldId id="276" r:id="rId15"/>
-    <p:sldId id="287" r:id="rId16"/>
+    <p:sldId id="290" r:id="rId3"/>
+    <p:sldId id="256" r:id="rId4"/>
+    <p:sldId id="257" r:id="rId5"/>
+    <p:sldId id="258" r:id="rId6"/>
+    <p:sldId id="286" r:id="rId7"/>
+    <p:sldId id="279" r:id="rId8"/>
+    <p:sldId id="280" r:id="rId9"/>
+    <p:sldId id="289" r:id="rId10"/>
+    <p:sldId id="274" r:id="rId11"/>
+    <p:sldId id="278" r:id="rId12"/>
+    <p:sldId id="285" r:id="rId13"/>
+    <p:sldId id="282" r:id="rId14"/>
+    <p:sldId id="283" r:id="rId15"/>
+    <p:sldId id="284" r:id="rId16"/>
+    <p:sldId id="288" r:id="rId17"/>
+    <p:sldId id="276" r:id="rId18"/>
+    <p:sldId id="287" r:id="rId19"/>
   </p:sldIdLst>
   <p:sldSz cx="12192000" cy="6858000"/>
   <p:notesSz cx="6858000" cy="9144000"/>
@@ -740,7 +743,7 @@
           <a:p>
             <a:fld id="{EEA033CE-42BD-48B0-899B-D9D2A3E08DBF}" type="slidenum">
               <a:rPr lang="en-US" smtClean="0"/>
-              <a:t>1</a:t>
+              <a:t>2</a:t>
             </a:fld>
             <a:endParaRPr lang="en-US" dirty="0"/>
           </a:p>
@@ -4198,12 +4201,12 @@
       </p:grpSpPr>
       <p:sp>
         <p:nvSpPr>
-          <p:cNvPr id="2" name="Title 1"/>
+          <p:cNvPr id="2" name="Subtitle 1"/>
           <p:cNvSpPr>
             <a:spLocks noGrp="1"/>
           </p:cNvSpPr>
           <p:nvPr>
-            <p:ph type="ctrTitle"/>
+            <p:ph type="subTitle" idx="1"/>
           </p:nvPr>
         </p:nvSpPr>
         <p:spPr/>
@@ -4214,60 +4217,66 @@
           <a:lstStyle/>
           <a:p>
             <a:r>
-              <a:rPr lang="en-US" cap="none" dirty="0" smtClean="0"/>
-              <a:t>CIS234a </a:t>
-            </a:r>
-            <a:r>
               <a:rPr lang="en-US" dirty="0" smtClean="0"/>
-              <a:t>– </a:t>
-            </a:r>
-            <a:r>
-              <a:rPr lang="en-US" cap="none" dirty="0"/>
-              <a:t>t</a:t>
-            </a:r>
-            <a:r>
-              <a:rPr lang="en-US" cap="none" dirty="0" smtClean="0"/>
-              <a:t>1</a:t>
-            </a:r>
+              <a:t>TODO</a:t>
+            </a:r>
+          </a:p>
+          <a:p>
             <a:r>
               <a:rPr lang="en-US" dirty="0" smtClean="0"/>
-              <a:t/>
-            </a:r>
-            <a:br>
+              <a:t> </a:t>
+            </a:r>
+          </a:p>
+          <a:p>
+            <a:r>
               <a:rPr lang="en-US" dirty="0" smtClean="0"/>
-            </a:br>
+              <a:t>Update Result Query for ties to that it sorts by item value</a:t>
+            </a:r>
+          </a:p>
+          <a:p>
             <a:r>
               <a:rPr lang="en-US" dirty="0" smtClean="0"/>
-              <a:t>ranking System </a:t>
-            </a:r>
-            <a:br>
-              <a:rPr lang="en-US" dirty="0" smtClean="0"/>
-            </a:br>
-            <a:r>
-              <a:rPr lang="en-US" dirty="0" smtClean="0"/>
-              <a:t>java application</a:t>
-            </a:r>
-            <a:endParaRPr lang="en-US" dirty="0"/>
+              <a:t>Add Registration Screenshot to panel</a:t>
+            </a:r>
+          </a:p>
+        </p:txBody>
+      </p:sp>
+      <p:sp>
+        <p:nvSpPr>
+          <p:cNvPr id="3" name="Title 2"/>
+          <p:cNvSpPr>
+            <a:spLocks noGrp="1"/>
+          </p:cNvSpPr>
+          <p:nvPr>
+            <p:ph type="ctrTitle"/>
+          </p:nvPr>
+        </p:nvSpPr>
+        <p:spPr/>
+        <p:txBody>
+          <a:bodyPr/>
+          <a:lstStyle/>
+          <a:p>
+            <a:endParaRPr lang="en-US"/>
           </a:p>
         </p:txBody>
       </p:sp>
     </p:spTree>
     <p:extLst>
       <p:ext uri="{BB962C8B-B14F-4D97-AF65-F5344CB8AC3E}">
-        <p14:creationId xmlns:p14="http://schemas.microsoft.com/office/powerpoint/2010/main" val="3861256739"/>
+        <p14:creationId xmlns:p14="http://schemas.microsoft.com/office/powerpoint/2010/main" val="2267795450"/>
       </p:ext>
     </p:extLst>
   </p:cSld>
   <p:clrMapOvr>
     <a:masterClrMapping/>
   </p:clrMapOvr>
-  <mc:AlternateContent xmlns:mc="http://schemas.openxmlformats.org/markup-compatibility/2006" xmlns:p14="http://schemas.microsoft.com/office/powerpoint/2010/main">
-    <mc:Choice Requires="p14">
+  <mc:AlternateContent xmlns:mc="http://schemas.openxmlformats.org/markup-compatibility/2006">
+    <mc:Choice xmlns:p14="http://schemas.microsoft.com/office/powerpoint/2010/main" Requires="p14">
       <p:transition spd="med" p14:dur="700">
         <p:fade/>
       </p:transition>
     </mc:Choice>
-    <mc:Fallback xmlns="">
+    <mc:Fallback>
       <p:transition spd="med">
         <p:fade/>
       </p:transition>
@@ -4276,137 +4285,9 @@
   <p:timing>
     <p:tnLst>
       <p:par>
-        <p:cTn id="1" dur="indefinite" restart="never" nodeType="tmRoot">
-          <p:childTnLst>
-            <p:seq concurrent="1" nextAc="seek">
-              <p:cTn id="2" dur="indefinite" nodeType="mainSeq">
-                <p:childTnLst>
-                  <p:par>
-                    <p:cTn id="3" fill="hold">
-                      <p:stCondLst>
-                        <p:cond delay="indefinite"/>
-                        <p:cond evt="onBegin" delay="0">
-                          <p:tn val="2"/>
-                        </p:cond>
-                      </p:stCondLst>
-                      <p:childTnLst>
-                        <p:par>
-                          <p:cTn id="4" fill="hold">
-                            <p:stCondLst>
-                              <p:cond delay="0"/>
-                            </p:stCondLst>
-                            <p:childTnLst>
-                              <p:par>
-                                <p:cTn id="5" presetID="42" presetClass="entr" presetSubtype="0" fill="hold" grpId="0" nodeType="withEffect">
-                                  <p:stCondLst>
-                                    <p:cond delay="0"/>
-                                  </p:stCondLst>
-                                  <p:childTnLst>
-                                    <p:set>
-                                      <p:cBhvr>
-                                        <p:cTn id="6" dur="1" fill="hold">
-                                          <p:stCondLst>
-                                            <p:cond delay="0"/>
-                                          </p:stCondLst>
-                                        </p:cTn>
-                                        <p:tgtEl>
-                                          <p:spTgt spid="2"/>
-                                        </p:tgtEl>
-                                        <p:attrNameLst>
-                                          <p:attrName>style.visibility</p:attrName>
-                                        </p:attrNameLst>
-                                      </p:cBhvr>
-                                      <p:to>
-                                        <p:strVal val="visible"/>
-                                      </p:to>
-                                    </p:set>
-                                    <p:animEffect transition="in" filter="fade">
-                                      <p:cBhvr>
-                                        <p:cTn id="7" dur="1000"/>
-                                        <p:tgtEl>
-                                          <p:spTgt spid="2"/>
-                                        </p:tgtEl>
-                                      </p:cBhvr>
-                                    </p:animEffect>
-                                    <p:anim calcmode="lin" valueType="num">
-                                      <p:cBhvr>
-                                        <p:cTn id="8" dur="1000" fill="hold"/>
-                                        <p:tgtEl>
-                                          <p:spTgt spid="2"/>
-                                        </p:tgtEl>
-                                        <p:attrNameLst>
-                                          <p:attrName>ppt_x</p:attrName>
-                                        </p:attrNameLst>
-                                      </p:cBhvr>
-                                      <p:tavLst>
-                                        <p:tav tm="0">
-                                          <p:val>
-                                            <p:strVal val="#ppt_x"/>
-                                          </p:val>
-                                        </p:tav>
-                                        <p:tav tm="100000">
-                                          <p:val>
-                                            <p:strVal val="#ppt_x"/>
-                                          </p:val>
-                                        </p:tav>
-                                      </p:tavLst>
-                                    </p:anim>
-                                    <p:anim calcmode="lin" valueType="num">
-                                      <p:cBhvr>
-                                        <p:cTn id="9" dur="1000" fill="hold"/>
-                                        <p:tgtEl>
-                                          <p:spTgt spid="2"/>
-                                        </p:tgtEl>
-                                        <p:attrNameLst>
-                                          <p:attrName>ppt_y</p:attrName>
-                                        </p:attrNameLst>
-                                      </p:cBhvr>
-                                      <p:tavLst>
-                                        <p:tav tm="0">
-                                          <p:val>
-                                            <p:strVal val="#ppt_y+.1"/>
-                                          </p:val>
-                                        </p:tav>
-                                        <p:tav tm="100000">
-                                          <p:val>
-                                            <p:strVal val="#ppt_y"/>
-                                          </p:val>
-                                        </p:tav>
-                                      </p:tavLst>
-                                    </p:anim>
-                                  </p:childTnLst>
-                                </p:cTn>
-                              </p:par>
-                            </p:childTnLst>
-                          </p:cTn>
-                        </p:par>
-                      </p:childTnLst>
-                    </p:cTn>
-                  </p:par>
-                </p:childTnLst>
-              </p:cTn>
-              <p:prevCondLst>
-                <p:cond evt="onPrev" delay="0">
-                  <p:tgtEl>
-                    <p:sldTgt/>
-                  </p:tgtEl>
-                </p:cond>
-              </p:prevCondLst>
-              <p:nextCondLst>
-                <p:cond evt="onNext" delay="0">
-                  <p:tgtEl>
-                    <p:sldTgt/>
-                  </p:tgtEl>
-                </p:cond>
-              </p:nextCondLst>
-            </p:seq>
-          </p:childTnLst>
-        </p:cTn>
+        <p:cTn id="1" dur="indefinite" restart="never" nodeType="tmRoot"/>
       </p:par>
     </p:tnLst>
-    <p:bldLst>
-      <p:bldP spid="2" grpId="0"/>
-    </p:bldLst>
   </p:timing>
 </p:sld>
 </file>
@@ -4451,9 +4332,32 @@
           </a:p>
         </p:txBody>
       </p:sp>
+      <p:sp>
+        <p:nvSpPr>
+          <p:cNvPr id="2" name="Title 1"/>
+          <p:cNvSpPr>
+            <a:spLocks noGrp="1"/>
+          </p:cNvSpPr>
+          <p:nvPr>
+            <p:ph type="title"/>
+          </p:nvPr>
+        </p:nvSpPr>
+        <p:spPr/>
+        <p:txBody>
+          <a:bodyPr/>
+          <a:lstStyle/>
+          <a:p>
+            <a:r>
+              <a:rPr lang="en-US" dirty="0" smtClean="0"/>
+              <a:t>Overview - Admin Test Setup Screen</a:t>
+            </a:r>
+            <a:endParaRPr lang="en-US" dirty="0"/>
+          </a:p>
+        </p:txBody>
+      </p:sp>
       <p:pic>
         <p:nvPicPr>
-          <p:cNvPr id="4" name="Picture 3"/>
+          <p:cNvPr id="6" name="Picture 5"/>
           <p:cNvPicPr>
             <a:picLocks noChangeAspect="1"/>
           </p:cNvPicPr>
@@ -4467,958 +4371,18 @@
         </p:blipFill>
         <p:spPr>
           <a:xfrm>
-            <a:off x="4255029" y="119021"/>
-            <a:ext cx="6679142" cy="6641084"/>
+            <a:off x="1036220" y="1307658"/>
+            <a:ext cx="10182123" cy="5418813"/>
           </a:xfrm>
           <a:prstGeom prst="rect">
             <a:avLst/>
           </a:prstGeom>
         </p:spPr>
       </p:pic>
-      <p:sp>
-        <p:nvSpPr>
-          <p:cNvPr id="5" name="Title 4"/>
-          <p:cNvSpPr>
-            <a:spLocks noGrp="1"/>
-          </p:cNvSpPr>
-          <p:nvPr>
-            <p:ph type="title"/>
-          </p:nvPr>
-        </p:nvSpPr>
-        <p:spPr>
-          <a:xfrm>
-            <a:off x="609600" y="274638"/>
-            <a:ext cx="4013200" cy="6380162"/>
-          </a:xfrm>
-        </p:spPr>
-        <p:txBody>
-          <a:bodyPr anchor="t">
-            <a:normAutofit/>
-          </a:bodyPr>
-          <a:lstStyle/>
-          <a:p>
-            <a:r>
-              <a:rPr lang="en-US" dirty="0" smtClean="0"/>
-              <a:t>Overview -  </a:t>
-            </a:r>
-            <a:br>
-              <a:rPr lang="en-US" dirty="0" smtClean="0"/>
-            </a:br>
-            <a:r>
-              <a:rPr lang="en-US" dirty="0" smtClean="0"/>
-              <a:t>User Test </a:t>
-            </a:r>
-            <a:br>
-              <a:rPr lang="en-US" dirty="0" smtClean="0"/>
-            </a:br>
-            <a:r>
-              <a:rPr lang="en-US" dirty="0" smtClean="0"/>
-              <a:t>Screen</a:t>
-            </a:r>
-            <a:endParaRPr lang="en-US" dirty="0"/>
-          </a:p>
-        </p:txBody>
-      </p:sp>
     </p:spTree>
     <p:extLst>
       <p:ext uri="{BB962C8B-B14F-4D97-AF65-F5344CB8AC3E}">
-        <p14:creationId xmlns:p14="http://schemas.microsoft.com/office/powerpoint/2010/main" val="2655541122"/>
-      </p:ext>
-    </p:extLst>
-  </p:cSld>
-  <p:clrMapOvr>
-    <a:masterClrMapping/>
-  </p:clrMapOvr>
-  <mc:AlternateContent xmlns:mc="http://schemas.openxmlformats.org/markup-compatibility/2006" xmlns:p14="http://schemas.microsoft.com/office/powerpoint/2010/main">
-    <mc:Choice Requires="p14">
-      <p:transition spd="med" p14:dur="700">
-        <p:fade/>
-      </p:transition>
-    </mc:Choice>
-    <mc:Fallback xmlns="">
-      <p:transition spd="med">
-        <p:fade/>
-      </p:transition>
-    </mc:Fallback>
-  </mc:AlternateContent>
-  <p:timing>
-    <p:tnLst>
-      <p:par>
-        <p:cTn id="1" dur="indefinite" restart="never" nodeType="tmRoot">
-          <p:childTnLst>
-            <p:seq concurrent="1" nextAc="seek">
-              <p:cTn id="2" dur="indefinite" nodeType="mainSeq">
-                <p:childTnLst>
-                  <p:par>
-                    <p:cTn id="3" fill="hold">
-                      <p:stCondLst>
-                        <p:cond delay="indefinite"/>
-                        <p:cond evt="onBegin" delay="0">
-                          <p:tn val="2"/>
-                        </p:cond>
-                      </p:stCondLst>
-                      <p:childTnLst>
-                        <p:par>
-                          <p:cTn id="4" fill="hold">
-                            <p:stCondLst>
-                              <p:cond delay="0"/>
-                            </p:stCondLst>
-                            <p:childTnLst>
-                              <p:par>
-                                <p:cTn id="5" presetID="22" presetClass="entr" presetSubtype="1" fill="hold" grpId="0" nodeType="withEffect">
-                                  <p:stCondLst>
-                                    <p:cond delay="0"/>
-                                  </p:stCondLst>
-                                  <p:childTnLst>
-                                    <p:set>
-                                      <p:cBhvr>
-                                        <p:cTn id="6" dur="1" fill="hold">
-                                          <p:stCondLst>
-                                            <p:cond delay="0"/>
-                                          </p:stCondLst>
-                                        </p:cTn>
-                                        <p:tgtEl>
-                                          <p:spTgt spid="5"/>
-                                        </p:tgtEl>
-                                        <p:attrNameLst>
-                                          <p:attrName>style.visibility</p:attrName>
-                                        </p:attrNameLst>
-                                      </p:cBhvr>
-                                      <p:to>
-                                        <p:strVal val="visible"/>
-                                      </p:to>
-                                    </p:set>
-                                    <p:animEffect transition="in" filter="wipe(up)">
-                                      <p:cBhvr>
-                                        <p:cTn id="7" dur="500"/>
-                                        <p:tgtEl>
-                                          <p:spTgt spid="5"/>
-                                        </p:tgtEl>
-                                      </p:cBhvr>
-                                    </p:animEffect>
-                                  </p:childTnLst>
-                                </p:cTn>
-                              </p:par>
-                              <p:par>
-                                <p:cTn id="8" presetID="10" presetClass="entr" presetSubtype="0" fill="hold" nodeType="withEffect">
-                                  <p:stCondLst>
-                                    <p:cond delay="1000"/>
-                                  </p:stCondLst>
-                                  <p:childTnLst>
-                                    <p:set>
-                                      <p:cBhvr>
-                                        <p:cTn id="9" dur="1" fill="hold">
-                                          <p:stCondLst>
-                                            <p:cond delay="0"/>
-                                          </p:stCondLst>
-                                        </p:cTn>
-                                        <p:tgtEl>
-                                          <p:spTgt spid="4"/>
-                                        </p:tgtEl>
-                                        <p:attrNameLst>
-                                          <p:attrName>style.visibility</p:attrName>
-                                        </p:attrNameLst>
-                                      </p:cBhvr>
-                                      <p:to>
-                                        <p:strVal val="visible"/>
-                                      </p:to>
-                                    </p:set>
-                                    <p:animEffect transition="in" filter="fade">
-                                      <p:cBhvr>
-                                        <p:cTn id="10" dur="10"/>
-                                        <p:tgtEl>
-                                          <p:spTgt spid="4"/>
-                                        </p:tgtEl>
-                                      </p:cBhvr>
-                                    </p:animEffect>
-                                  </p:childTnLst>
-                                </p:cTn>
-                              </p:par>
-                            </p:childTnLst>
-                          </p:cTn>
-                        </p:par>
-                      </p:childTnLst>
-                    </p:cTn>
-                  </p:par>
-                </p:childTnLst>
-              </p:cTn>
-              <p:prevCondLst>
-                <p:cond evt="onPrev" delay="0">
-                  <p:tgtEl>
-                    <p:sldTgt/>
-                  </p:tgtEl>
-                </p:cond>
-              </p:prevCondLst>
-              <p:nextCondLst>
-                <p:cond evt="onNext" delay="0">
-                  <p:tgtEl>
-                    <p:sldTgt/>
-                  </p:tgtEl>
-                </p:cond>
-              </p:nextCondLst>
-            </p:seq>
-          </p:childTnLst>
-        </p:cTn>
-      </p:par>
-    </p:tnLst>
-    <p:bldLst>
-      <p:bldP spid="5" grpId="0"/>
-    </p:bldLst>
-  </p:timing>
-</p:sld>
-</file>
-
-<file path=ppt/slides/slide11.xml><?xml version="1.0" encoding="utf-8"?>
-<p:sld xmlns:a="http://schemas.openxmlformats.org/drawingml/2006/main" xmlns:r="http://schemas.openxmlformats.org/officeDocument/2006/relationships" xmlns:p="http://schemas.openxmlformats.org/presentationml/2006/main">
-  <p:cSld>
-    <p:spTree>
-      <p:nvGrpSpPr>
-        <p:cNvPr id="1" name=""/>
-        <p:cNvGrpSpPr/>
-        <p:nvPr/>
-      </p:nvGrpSpPr>
-      <p:grpSpPr>
-        <a:xfrm>
-          <a:off x="0" y="0"/>
-          <a:ext cx="0" cy="0"/>
-          <a:chOff x="0" y="0"/>
-          <a:chExt cx="0" cy="0"/>
-        </a:xfrm>
-      </p:grpSpPr>
-      <p:sp>
-        <p:nvSpPr>
-          <p:cNvPr id="3" name="Content Placeholder 2"/>
-          <p:cNvSpPr>
-            <a:spLocks noGrp="1"/>
-          </p:cNvSpPr>
-          <p:nvPr>
-            <p:ph idx="1"/>
-          </p:nvPr>
-        </p:nvSpPr>
-        <p:spPr/>
-        <p:txBody>
-          <a:bodyPr/>
-          <a:lstStyle/>
-          <a:p>
-            <a:endParaRPr lang="en-US" dirty="0" smtClean="0"/>
-          </a:p>
-          <a:p>
-            <a:endParaRPr lang="en-US" dirty="0"/>
-          </a:p>
-        </p:txBody>
-      </p:sp>
-      <p:sp>
-        <p:nvSpPr>
-          <p:cNvPr id="2" name="Title 1"/>
-          <p:cNvSpPr>
-            <a:spLocks noGrp="1"/>
-          </p:cNvSpPr>
-          <p:nvPr>
-            <p:ph type="title"/>
-          </p:nvPr>
-        </p:nvSpPr>
-        <p:spPr>
-          <a:xfrm>
-            <a:off x="609600" y="84776"/>
-            <a:ext cx="10936406" cy="1521111"/>
-          </a:xfrm>
-        </p:spPr>
-        <p:txBody>
-          <a:bodyPr>
-            <a:normAutofit/>
-          </a:bodyPr>
-          <a:lstStyle/>
-          <a:p>
-            <a:r>
-              <a:rPr lang="en-US" dirty="0" smtClean="0"/>
-              <a:t>Overview </a:t>
-            </a:r>
-            <a:r>
-              <a:rPr lang="en-US" dirty="0"/>
-              <a:t>-</a:t>
-            </a:r>
-            <a:r>
-              <a:rPr lang="en-US" dirty="0" smtClean="0"/>
-              <a:t> Test Results Reporting</a:t>
-            </a:r>
-            <a:endParaRPr lang="en-US" dirty="0"/>
-          </a:p>
-        </p:txBody>
-      </p:sp>
-      <p:sp>
-        <p:nvSpPr>
-          <p:cNvPr id="4" name="Content Placeholder 2"/>
-          <p:cNvSpPr txBox="1">
-            <a:spLocks/>
-          </p:cNvSpPr>
-          <p:nvPr/>
-        </p:nvSpPr>
-        <p:spPr>
-          <a:xfrm>
-            <a:off x="761999" y="1752601"/>
-            <a:ext cx="10251744" cy="4525963"/>
-          </a:xfrm>
-          <a:prstGeom prst="rect">
-            <a:avLst/>
-          </a:prstGeom>
-        </p:spPr>
-        <p:txBody>
-          <a:bodyPr vert="horz">
-            <a:normAutofit/>
-          </a:bodyPr>
-          <a:lstStyle>
-            <a:lvl1pPr marL="420624" indent="-384048" algn="l" rtl="0" eaLnBrk="1" latinLnBrk="0" hangingPunct="1">
-              <a:spcBef>
-                <a:spcPct val="20000"/>
-              </a:spcBef>
-              <a:buClr>
-                <a:schemeClr val="accent1"/>
-              </a:buClr>
-              <a:buSzPct val="80000"/>
-              <a:buFont typeface="Wingdings 2"/>
-              <a:buChar char=""/>
-              <a:defRPr kumimoji="0" sz="3000" kern="1200">
-                <a:solidFill>
-                  <a:schemeClr val="tx1"/>
-                </a:solidFill>
-                <a:latin typeface="+mn-lt"/>
-                <a:ea typeface="+mn-ea"/>
-                <a:cs typeface="+mn-cs"/>
-              </a:defRPr>
-            </a:lvl1pPr>
-            <a:lvl2pPr marL="722376" indent="-274320" algn="l" rtl="0" eaLnBrk="1" latinLnBrk="0" hangingPunct="1">
-              <a:spcBef>
-                <a:spcPct val="20000"/>
-              </a:spcBef>
-              <a:buClr>
-                <a:schemeClr val="accent1"/>
-              </a:buClr>
-              <a:buSzPct val="90000"/>
-              <a:buFont typeface="Wingdings 2"/>
-              <a:buChar char=""/>
-              <a:defRPr kumimoji="0" sz="2600" kern="1200">
-                <a:solidFill>
-                  <a:schemeClr val="tx1"/>
-                </a:solidFill>
-                <a:latin typeface="+mn-lt"/>
-                <a:ea typeface="+mn-ea"/>
-                <a:cs typeface="+mn-cs"/>
-              </a:defRPr>
-            </a:lvl2pPr>
-            <a:lvl3pPr marL="1005840" indent="-256032" algn="l" rtl="0" eaLnBrk="1" latinLnBrk="0" hangingPunct="1">
-              <a:spcBef>
-                <a:spcPct val="20000"/>
-              </a:spcBef>
-              <a:buClr>
-                <a:schemeClr val="accent2"/>
-              </a:buClr>
-              <a:buSzPct val="85000"/>
-              <a:buFont typeface="Arial"/>
-              <a:buChar char="○"/>
-              <a:defRPr kumimoji="0" sz="2400" kern="1200">
-                <a:solidFill>
-                  <a:schemeClr val="tx1"/>
-                </a:solidFill>
-                <a:latin typeface="+mn-lt"/>
-                <a:ea typeface="+mn-ea"/>
-                <a:cs typeface="+mn-cs"/>
-              </a:defRPr>
-            </a:lvl3pPr>
-            <a:lvl4pPr marL="1280160" indent="-237744" algn="l" rtl="0" eaLnBrk="1" latinLnBrk="0" hangingPunct="1">
-              <a:spcBef>
-                <a:spcPct val="20000"/>
-              </a:spcBef>
-              <a:buClr>
-                <a:schemeClr val="accent3"/>
-              </a:buClr>
-              <a:buSzPct val="90000"/>
-              <a:buFont typeface="Wingdings 2"/>
-              <a:buChar char=""/>
-              <a:defRPr kumimoji="0" sz="2000" kern="1200">
-                <a:solidFill>
-                  <a:schemeClr val="tx1"/>
-                </a:solidFill>
-                <a:latin typeface="+mn-lt"/>
-                <a:ea typeface="+mn-ea"/>
-                <a:cs typeface="+mn-cs"/>
-              </a:defRPr>
-            </a:lvl4pPr>
-            <a:lvl5pPr marL="1490472" indent="-182880" algn="l" rtl="0" eaLnBrk="1" latinLnBrk="0" hangingPunct="1">
-              <a:spcBef>
-                <a:spcPct val="20000"/>
-              </a:spcBef>
-              <a:buClr>
-                <a:schemeClr val="accent4"/>
-              </a:buClr>
-              <a:buSzPct val="100000"/>
-              <a:buFont typeface="Arial"/>
-              <a:buChar char="-"/>
-              <a:defRPr kumimoji="0" sz="2000" kern="1200">
-                <a:solidFill>
-                  <a:schemeClr val="tx1"/>
-                </a:solidFill>
-                <a:latin typeface="+mn-lt"/>
-                <a:ea typeface="+mn-ea"/>
-                <a:cs typeface="+mn-cs"/>
-              </a:defRPr>
-            </a:lvl5pPr>
-            <a:lvl6pPr marL="1700784" indent="-182880" algn="l" rtl="0" eaLnBrk="1" latinLnBrk="0" hangingPunct="1">
-              <a:spcBef>
-                <a:spcPct val="20000"/>
-              </a:spcBef>
-              <a:buClr>
-                <a:schemeClr val="accent5"/>
-              </a:buClr>
-              <a:buFont typeface="Arial"/>
-              <a:buChar char="-"/>
-              <a:defRPr kumimoji="0" sz="2000" kern="1200" baseline="0">
-                <a:solidFill>
-                  <a:schemeClr val="tx1"/>
-                </a:solidFill>
-                <a:latin typeface="+mn-lt"/>
-                <a:ea typeface="+mn-ea"/>
-                <a:cs typeface="+mn-cs"/>
-              </a:defRPr>
-            </a:lvl6pPr>
-            <a:lvl7pPr marL="1920240" indent="-182880" algn="l" rtl="0" eaLnBrk="1" latinLnBrk="0" hangingPunct="1">
-              <a:spcBef>
-                <a:spcPct val="20000"/>
-              </a:spcBef>
-              <a:buClr>
-                <a:schemeClr val="accent6"/>
-              </a:buClr>
-              <a:buSzPct val="100000"/>
-              <a:buFont typeface="Arial"/>
-              <a:buChar char="•"/>
-              <a:defRPr kumimoji="0" sz="1800" kern="1200" baseline="0">
-                <a:solidFill>
-                  <a:schemeClr val="tx1"/>
-                </a:solidFill>
-                <a:latin typeface="+mn-lt"/>
-                <a:ea typeface="+mn-ea"/>
-                <a:cs typeface="+mn-cs"/>
-              </a:defRPr>
-            </a:lvl7pPr>
-            <a:lvl8pPr marL="2139696" indent="-182880" algn="l" rtl="0" eaLnBrk="1" latinLnBrk="0" hangingPunct="1">
-              <a:spcBef>
-                <a:spcPct val="20000"/>
-              </a:spcBef>
-              <a:buClr>
-                <a:schemeClr val="accent6"/>
-              </a:buClr>
-              <a:buFont typeface="Arial"/>
-              <a:buChar char="▪"/>
-              <a:defRPr kumimoji="0" sz="1600" kern="1200">
-                <a:solidFill>
-                  <a:schemeClr val="tx1"/>
-                </a:solidFill>
-                <a:latin typeface="+mn-lt"/>
-                <a:ea typeface="+mn-ea"/>
-                <a:cs typeface="+mn-cs"/>
-              </a:defRPr>
-            </a:lvl8pPr>
-            <a:lvl9pPr marL="2331720" indent="-182880" algn="l" rtl="0" eaLnBrk="1" latinLnBrk="0" hangingPunct="1">
-              <a:spcBef>
-                <a:spcPct val="20000"/>
-              </a:spcBef>
-              <a:buClr>
-                <a:schemeClr val="accent6"/>
-              </a:buClr>
-              <a:buFont typeface="Arial"/>
-              <a:buChar char="•"/>
-              <a:defRPr kumimoji="0" sz="1600" kern="1200">
-                <a:solidFill>
-                  <a:schemeClr val="tx1"/>
-                </a:solidFill>
-                <a:latin typeface="+mn-lt"/>
-                <a:ea typeface="+mn-ea"/>
-                <a:cs typeface="+mn-cs"/>
-              </a:defRPr>
-            </a:lvl9pPr>
-          </a:lstStyle>
-          <a:p>
-            <a:r>
-              <a:rPr lang="en-US" sz="4000" dirty="0" smtClean="0"/>
-              <a:t>Found By User and Unique Test Session ID </a:t>
-            </a:r>
-          </a:p>
-          <a:p>
-            <a:r>
-              <a:rPr lang="en-US" sz="4000" dirty="0" smtClean="0"/>
-              <a:t>Item Ranking Order</a:t>
-            </a:r>
-          </a:p>
-          <a:p>
-            <a:pPr lvl="1"/>
-            <a:r>
-              <a:rPr lang="en-US" sz="3600" dirty="0" smtClean="0"/>
-              <a:t>Win	 1 	Point</a:t>
-            </a:r>
-          </a:p>
-          <a:p>
-            <a:pPr lvl="1"/>
-            <a:r>
-              <a:rPr lang="en-US" sz="3600" dirty="0" smtClean="0"/>
-              <a:t>Loss	-1	Point</a:t>
-            </a:r>
-          </a:p>
-          <a:p>
-            <a:pPr lvl="1"/>
-            <a:r>
-              <a:rPr lang="en-US" sz="3600" dirty="0" smtClean="0"/>
-              <a:t>Tie	 0 	Points</a:t>
-            </a:r>
-          </a:p>
-        </p:txBody>
-      </p:sp>
-    </p:spTree>
-    <p:extLst>
-      <p:ext uri="{BB962C8B-B14F-4D97-AF65-F5344CB8AC3E}">
-        <p14:creationId xmlns:p14="http://schemas.microsoft.com/office/powerpoint/2010/main" val="3330300547"/>
-      </p:ext>
-    </p:extLst>
-  </p:cSld>
-  <p:clrMapOvr>
-    <a:masterClrMapping/>
-  </p:clrMapOvr>
-  <mc:AlternateContent xmlns:mc="http://schemas.openxmlformats.org/markup-compatibility/2006" xmlns:p14="http://schemas.microsoft.com/office/powerpoint/2010/main">
-    <mc:Choice Requires="p14">
-      <p:transition spd="med" p14:dur="700">
-        <p:fade/>
-      </p:transition>
-    </mc:Choice>
-    <mc:Fallback xmlns="">
-      <p:transition spd="med">
-        <p:fade/>
-      </p:transition>
-    </mc:Fallback>
-  </mc:AlternateContent>
-  <p:timing>
-    <p:tnLst>
-      <p:par>
-        <p:cTn id="1" dur="indefinite" restart="never" nodeType="tmRoot">
-          <p:childTnLst>
-            <p:seq concurrent="1" nextAc="seek">
-              <p:cTn id="2" dur="indefinite" nodeType="mainSeq">
-                <p:childTnLst>
-                  <p:par>
-                    <p:cTn id="3" fill="hold">
-                      <p:stCondLst>
-                        <p:cond delay="indefinite"/>
-                        <p:cond evt="onBegin" delay="0">
-                          <p:tn val="2"/>
-                        </p:cond>
-                      </p:stCondLst>
-                      <p:childTnLst>
-                        <p:par>
-                          <p:cTn id="4" fill="hold">
-                            <p:stCondLst>
-                              <p:cond delay="0"/>
-                            </p:stCondLst>
-                            <p:childTnLst>
-                              <p:par>
-                                <p:cTn id="5" presetID="1" presetClass="entr" presetSubtype="0" fill="hold" nodeType="withEffect">
-                                  <p:stCondLst>
-                                    <p:cond delay="1000"/>
-                                  </p:stCondLst>
-                                  <p:childTnLst>
-                                    <p:set>
-                                      <p:cBhvr>
-                                        <p:cTn id="6" dur="1" fill="hold">
-                                          <p:stCondLst>
-                                            <p:cond delay="0"/>
-                                          </p:stCondLst>
-                                        </p:cTn>
-                                        <p:tgtEl>
-                                          <p:spTgt spid="4">
-                                            <p:txEl>
-                                              <p:pRg st="0" end="0"/>
-                                            </p:txEl>
-                                          </p:spTgt>
-                                        </p:tgtEl>
-                                        <p:attrNameLst>
-                                          <p:attrName>style.visibility</p:attrName>
-                                        </p:attrNameLst>
-                                      </p:cBhvr>
-                                      <p:to>
-                                        <p:strVal val="visible"/>
-                                      </p:to>
-                                    </p:set>
-                                  </p:childTnLst>
-                                </p:cTn>
-                              </p:par>
-                              <p:par>
-                                <p:cTn id="7" presetID="22" presetClass="entr" presetSubtype="8" fill="hold" grpId="0" nodeType="withEffect">
-                                  <p:stCondLst>
-                                    <p:cond delay="0"/>
-                                  </p:stCondLst>
-                                  <p:childTnLst>
-                                    <p:set>
-                                      <p:cBhvr>
-                                        <p:cTn id="8" dur="1" fill="hold">
-                                          <p:stCondLst>
-                                            <p:cond delay="0"/>
-                                          </p:stCondLst>
-                                        </p:cTn>
-                                        <p:tgtEl>
-                                          <p:spTgt spid="2"/>
-                                        </p:tgtEl>
-                                        <p:attrNameLst>
-                                          <p:attrName>style.visibility</p:attrName>
-                                        </p:attrNameLst>
-                                      </p:cBhvr>
-                                      <p:to>
-                                        <p:strVal val="visible"/>
-                                      </p:to>
-                                    </p:set>
-                                    <p:animEffect transition="in" filter="wipe(left)">
-                                      <p:cBhvr>
-                                        <p:cTn id="9" dur="500"/>
-                                        <p:tgtEl>
-                                          <p:spTgt spid="2"/>
-                                        </p:tgtEl>
-                                      </p:cBhvr>
-                                    </p:animEffect>
-                                  </p:childTnLst>
-                                </p:cTn>
-                              </p:par>
-                            </p:childTnLst>
-                          </p:cTn>
-                        </p:par>
-                      </p:childTnLst>
-                    </p:cTn>
-                  </p:par>
-                  <p:par>
-                    <p:cTn id="10" fill="hold">
-                      <p:stCondLst>
-                        <p:cond delay="indefinite"/>
-                      </p:stCondLst>
-                      <p:childTnLst>
-                        <p:par>
-                          <p:cTn id="11" fill="hold">
-                            <p:stCondLst>
-                              <p:cond delay="0"/>
-                            </p:stCondLst>
-                            <p:childTnLst>
-                              <p:par>
-                                <p:cTn id="12" presetID="1" presetClass="entr" presetSubtype="0" fill="hold" nodeType="clickEffect">
-                                  <p:stCondLst>
-                                    <p:cond delay="0"/>
-                                  </p:stCondLst>
-                                  <p:childTnLst>
-                                    <p:set>
-                                      <p:cBhvr>
-                                        <p:cTn id="13" dur="1" fill="hold">
-                                          <p:stCondLst>
-                                            <p:cond delay="0"/>
-                                          </p:stCondLst>
-                                        </p:cTn>
-                                        <p:tgtEl>
-                                          <p:spTgt spid="4">
-                                            <p:txEl>
-                                              <p:pRg st="1" end="1"/>
-                                            </p:txEl>
-                                          </p:spTgt>
-                                        </p:tgtEl>
-                                        <p:attrNameLst>
-                                          <p:attrName>style.visibility</p:attrName>
-                                        </p:attrNameLst>
-                                      </p:cBhvr>
-                                      <p:to>
-                                        <p:strVal val="visible"/>
-                                      </p:to>
-                                    </p:set>
-                                  </p:childTnLst>
-                                </p:cTn>
-                              </p:par>
-                            </p:childTnLst>
-                          </p:cTn>
-                        </p:par>
-                      </p:childTnLst>
-                    </p:cTn>
-                  </p:par>
-                  <p:par>
-                    <p:cTn id="14" fill="hold">
-                      <p:stCondLst>
-                        <p:cond delay="indefinite"/>
-                      </p:stCondLst>
-                      <p:childTnLst>
-                        <p:par>
-                          <p:cTn id="15" fill="hold">
-                            <p:stCondLst>
-                              <p:cond delay="0"/>
-                            </p:stCondLst>
-                            <p:childTnLst>
-                              <p:par>
-                                <p:cTn id="16" presetID="1" presetClass="entr" presetSubtype="0" fill="hold" nodeType="clickEffect">
-                                  <p:stCondLst>
-                                    <p:cond delay="0"/>
-                                  </p:stCondLst>
-                                  <p:childTnLst>
-                                    <p:set>
-                                      <p:cBhvr>
-                                        <p:cTn id="17" dur="1" fill="hold">
-                                          <p:stCondLst>
-                                            <p:cond delay="9"/>
-                                          </p:stCondLst>
-                                        </p:cTn>
-                                        <p:tgtEl>
-                                          <p:spTgt spid="4">
-                                            <p:txEl>
-                                              <p:pRg st="2" end="2"/>
-                                            </p:txEl>
-                                          </p:spTgt>
-                                        </p:tgtEl>
-                                        <p:attrNameLst>
-                                          <p:attrName>style.visibility</p:attrName>
-                                        </p:attrNameLst>
-                                      </p:cBhvr>
-                                      <p:to>
-                                        <p:strVal val="visible"/>
-                                      </p:to>
-                                    </p:set>
-                                  </p:childTnLst>
-                                </p:cTn>
-                              </p:par>
-                              <p:par>
-                                <p:cTn id="18" presetID="1" presetClass="entr" presetSubtype="0" fill="hold" nodeType="withEffect">
-                                  <p:stCondLst>
-                                    <p:cond delay="0"/>
-                                  </p:stCondLst>
-                                  <p:childTnLst>
-                                    <p:set>
-                                      <p:cBhvr>
-                                        <p:cTn id="19" dur="1" fill="hold">
-                                          <p:stCondLst>
-                                            <p:cond delay="499"/>
-                                          </p:stCondLst>
-                                        </p:cTn>
-                                        <p:tgtEl>
-                                          <p:spTgt spid="4">
-                                            <p:txEl>
-                                              <p:pRg st="3" end="3"/>
-                                            </p:txEl>
-                                          </p:spTgt>
-                                        </p:tgtEl>
-                                        <p:attrNameLst>
-                                          <p:attrName>style.visibility</p:attrName>
-                                        </p:attrNameLst>
-                                      </p:cBhvr>
-                                      <p:to>
-                                        <p:strVal val="visible"/>
-                                      </p:to>
-                                    </p:set>
-                                  </p:childTnLst>
-                                </p:cTn>
-                              </p:par>
-                              <p:par>
-                                <p:cTn id="20" presetID="1" presetClass="entr" presetSubtype="0" fill="hold" nodeType="withEffect">
-                                  <p:stCondLst>
-                                    <p:cond delay="0"/>
-                                  </p:stCondLst>
-                                  <p:childTnLst>
-                                    <p:set>
-                                      <p:cBhvr>
-                                        <p:cTn id="21" dur="1" fill="hold">
-                                          <p:stCondLst>
-                                            <p:cond delay="999"/>
-                                          </p:stCondLst>
-                                        </p:cTn>
-                                        <p:tgtEl>
-                                          <p:spTgt spid="4">
-                                            <p:txEl>
-                                              <p:pRg st="4" end="4"/>
-                                            </p:txEl>
-                                          </p:spTgt>
-                                        </p:tgtEl>
-                                        <p:attrNameLst>
-                                          <p:attrName>style.visibility</p:attrName>
-                                        </p:attrNameLst>
-                                      </p:cBhvr>
-                                      <p:to>
-                                        <p:strVal val="visible"/>
-                                      </p:to>
-                                    </p:set>
-                                  </p:childTnLst>
-                                </p:cTn>
-                              </p:par>
-                            </p:childTnLst>
-                          </p:cTn>
-                        </p:par>
-                      </p:childTnLst>
-                    </p:cTn>
-                  </p:par>
-                </p:childTnLst>
-              </p:cTn>
-              <p:prevCondLst>
-                <p:cond evt="onPrev" delay="0">
-                  <p:tgtEl>
-                    <p:sldTgt/>
-                  </p:tgtEl>
-                </p:cond>
-              </p:prevCondLst>
-              <p:nextCondLst>
-                <p:cond evt="onNext" delay="0">
-                  <p:tgtEl>
-                    <p:sldTgt/>
-                  </p:tgtEl>
-                </p:cond>
-              </p:nextCondLst>
-            </p:seq>
-          </p:childTnLst>
-        </p:cTn>
-      </p:par>
-    </p:tnLst>
-    <p:bldLst>
-      <p:bldP spid="2" grpId="0"/>
-    </p:bldLst>
-  </p:timing>
-</p:sld>
-</file>
-
-<file path=ppt/slides/slide12.xml><?xml version="1.0" encoding="utf-8"?>
-<p:sld xmlns:a="http://schemas.openxmlformats.org/drawingml/2006/main" xmlns:r="http://schemas.openxmlformats.org/officeDocument/2006/relationships" xmlns:p="http://schemas.openxmlformats.org/presentationml/2006/main">
-  <p:cSld>
-    <p:spTree>
-      <p:nvGrpSpPr>
-        <p:cNvPr id="1" name=""/>
-        <p:cNvGrpSpPr/>
-        <p:nvPr/>
-      </p:nvGrpSpPr>
-      <p:grpSpPr>
-        <a:xfrm>
-          <a:off x="0" y="0"/>
-          <a:ext cx="0" cy="0"/>
-          <a:chOff x="0" y="0"/>
-          <a:chExt cx="0" cy="0"/>
-        </a:xfrm>
-      </p:grpSpPr>
-      <p:sp>
-        <p:nvSpPr>
-          <p:cNvPr id="3" name="Content Placeholder 2"/>
-          <p:cNvSpPr>
-            <a:spLocks noGrp="1"/>
-          </p:cNvSpPr>
-          <p:nvPr>
-            <p:ph idx="1"/>
-          </p:nvPr>
-        </p:nvSpPr>
-        <p:spPr>
-          <a:xfrm>
-            <a:off x="609600" y="1595672"/>
-            <a:ext cx="9956800" cy="4525963"/>
-          </a:xfrm>
-        </p:spPr>
-        <p:txBody>
-          <a:bodyPr/>
-          <a:lstStyle/>
-          <a:p>
-            <a:pPr lvl="1"/>
-            <a:endParaRPr lang="en-US" dirty="0" smtClean="0"/>
-          </a:p>
-          <a:p>
-            <a:endParaRPr lang="en-US" dirty="0"/>
-          </a:p>
-        </p:txBody>
-      </p:sp>
-      <p:pic>
-        <p:nvPicPr>
-          <p:cNvPr id="4" name="Picture 3"/>
-          <p:cNvPicPr>
-            <a:picLocks noChangeAspect="1"/>
-          </p:cNvPicPr>
-          <p:nvPr/>
-        </p:nvPicPr>
-        <p:blipFill>
-          <a:blip r:embed="rId2"/>
-          <a:stretch>
-            <a:fillRect/>
-          </a:stretch>
-        </p:blipFill>
-        <p:spPr>
-          <a:xfrm>
-            <a:off x="4148137" y="1906029"/>
-            <a:ext cx="3895725" cy="3905250"/>
-          </a:xfrm>
-          <a:prstGeom prst="rect">
-            <a:avLst/>
-          </a:prstGeom>
-        </p:spPr>
-      </p:pic>
-      <p:pic>
-        <p:nvPicPr>
-          <p:cNvPr id="6" name="Picture 5"/>
-          <p:cNvPicPr>
-            <a:picLocks noChangeAspect="1"/>
-          </p:cNvPicPr>
-          <p:nvPr/>
-        </p:nvPicPr>
-        <p:blipFill>
-          <a:blip r:embed="rId3"/>
-          <a:stretch>
-            <a:fillRect/>
-          </a:stretch>
-        </p:blipFill>
-        <p:spPr>
-          <a:xfrm>
-            <a:off x="151341" y="1906029"/>
-            <a:ext cx="3924300" cy="3905250"/>
-          </a:xfrm>
-          <a:prstGeom prst="rect">
-            <a:avLst/>
-          </a:prstGeom>
-        </p:spPr>
-      </p:pic>
-      <p:pic>
-        <p:nvPicPr>
-          <p:cNvPr id="7" name="Picture 6"/>
-          <p:cNvPicPr>
-            <a:picLocks noChangeAspect="1"/>
-          </p:cNvPicPr>
-          <p:nvPr/>
-        </p:nvPicPr>
-        <p:blipFill>
-          <a:blip r:embed="rId4"/>
-          <a:stretch>
-            <a:fillRect/>
-          </a:stretch>
-        </p:blipFill>
-        <p:spPr>
-          <a:xfrm>
-            <a:off x="8116358" y="1906029"/>
-            <a:ext cx="3914775" cy="3905250"/>
-          </a:xfrm>
-          <a:prstGeom prst="rect">
-            <a:avLst/>
-          </a:prstGeom>
-        </p:spPr>
-      </p:pic>
-      <p:sp>
-        <p:nvSpPr>
-          <p:cNvPr id="5" name="Title 4"/>
-          <p:cNvSpPr>
-            <a:spLocks noGrp="1"/>
-          </p:cNvSpPr>
-          <p:nvPr>
-            <p:ph type="title"/>
-          </p:nvPr>
-        </p:nvSpPr>
-        <p:spPr/>
-        <p:txBody>
-          <a:bodyPr/>
-          <a:lstStyle/>
-          <a:p>
-            <a:r>
-              <a:rPr lang="en-US" dirty="0"/>
-              <a:t>Overview - Test Results Reporting</a:t>
-            </a:r>
-          </a:p>
-        </p:txBody>
-      </p:sp>
-    </p:spTree>
-    <p:extLst>
-      <p:ext uri="{BB962C8B-B14F-4D97-AF65-F5344CB8AC3E}">
-        <p14:creationId xmlns:p14="http://schemas.microsoft.com/office/powerpoint/2010/main" val="2533236408"/>
+        <p14:creationId xmlns:p14="http://schemas.microsoft.com/office/powerpoint/2010/main" val="1453078861"/>
       </p:ext>
     </p:extLst>
   </p:cSld>
@@ -5486,7 +4450,7 @@
                                     </p:set>
                                     <p:animEffect transition="in" filter="fade">
                                       <p:cBhvr>
-                                        <p:cTn id="7" dur="500"/>
+                                        <p:cTn id="7" dur="10"/>
                                         <p:tgtEl>
                                           <p:spTgt spid="6"/>
                                         </p:tgtEl>
@@ -5509,7 +4473,7 @@
                                           </p:stCondLst>
                                         </p:cTn>
                                         <p:tgtEl>
-                                          <p:spTgt spid="5"/>
+                                          <p:spTgt spid="2"/>
                                         </p:tgtEl>
                                         <p:attrNameLst>
                                           <p:attrName>style.visibility</p:attrName>
@@ -5523,113 +4487,7 @@
                                       <p:cBhvr>
                                         <p:cTn id="10" dur="500"/>
                                         <p:tgtEl>
-                                          <p:spTgt spid="5"/>
-                                        </p:tgtEl>
-                                      </p:cBhvr>
-                                    </p:animEffect>
-                                  </p:childTnLst>
-                                </p:cTn>
-                              </p:par>
-                            </p:childTnLst>
-                          </p:cTn>
-                        </p:par>
-                      </p:childTnLst>
-                    </p:cTn>
-                  </p:par>
-                  <p:par>
-                    <p:cTn id="11" fill="hold">
-                      <p:stCondLst>
-                        <p:cond delay="indefinite"/>
-                      </p:stCondLst>
-                      <p:childTnLst>
-                        <p:par>
-                          <p:cTn id="12" fill="hold">
-                            <p:stCondLst>
-                              <p:cond delay="0"/>
-                            </p:stCondLst>
-                            <p:childTnLst>
-                              <p:par>
-                                <p:cTn id="13" presetID="10" presetClass="entr" presetSubtype="0" fill="hold" nodeType="clickEffect">
-                                  <p:stCondLst>
-                                    <p:cond delay="0"/>
-                                  </p:stCondLst>
-                                  <p:childTnLst>
-                                    <p:set>
-                                      <p:cBhvr>
-                                        <p:cTn id="14" dur="1" fill="hold">
-                                          <p:stCondLst>
-                                            <p:cond delay="0"/>
-                                          </p:stCondLst>
-                                        </p:cTn>
-                                        <p:tgtEl>
-                                          <p:spTgt spid="4"/>
-                                        </p:tgtEl>
-                                        <p:attrNameLst>
-                                          <p:attrName>style.visibility</p:attrName>
-                                        </p:attrNameLst>
-                                      </p:cBhvr>
-                                      <p:to>
-                                        <p:strVal val="visible"/>
-                                      </p:to>
-                                    </p:set>
-                                    <p:animEffect transition="in" filter="fade">
-                                      <p:cBhvr>
-                                        <p:cTn id="15" dur="500"/>
-                                        <p:tgtEl>
-                                          <p:spTgt spid="4"/>
-                                        </p:tgtEl>
-                                      </p:cBhvr>
-                                    </p:animEffect>
-                                  </p:childTnLst>
-                                </p:cTn>
-                              </p:par>
-                            </p:childTnLst>
-                          </p:cTn>
-                        </p:par>
-                      </p:childTnLst>
-                    </p:cTn>
-                  </p:par>
-                  <p:par>
-                    <p:cTn id="16" fill="hold">
-                      <p:stCondLst>
-                        <p:cond delay="indefinite"/>
-                      </p:stCondLst>
-                      <p:childTnLst>
-                        <p:par>
-                          <p:cTn id="17" fill="hold">
-                            <p:stCondLst>
-                              <p:cond delay="0"/>
-                            </p:stCondLst>
-                            <p:childTnLst>
-                              <p:par>
-                                <p:cTn id="18" presetID="10" presetClass="entr" presetSubtype="0" fill="hold" nodeType="clickEffect">
-                                  <p:stCondLst>
-                                    <p:cond delay="0"/>
-                                  </p:stCondLst>
-                                  <p:childTnLst>
-                                    <p:set>
-                                      <p:cBhvr>
-                                        <p:cTn id="19" dur="1" fill="hold">
-                                          <p:stCondLst>
-                                            <p:cond delay="0"/>
-                                          </p:stCondLst>
-                                        </p:cTn>
-                                        <p:tgtEl>
-                                          <p:spTgt spid="7"/>
-                                        </p:tgtEl>
-                                        <p:attrNameLst>
-                                          <p:attrName>style.visibility</p:attrName>
-                                        </p:attrNameLst>
-                                      </p:cBhvr>
-                                      <p:to>
-                                        <p:strVal val="visible"/>
-                                      </p:to>
-                                    </p:set>
-                                    <p:animEffect transition="in" filter="fade">
-                                      <p:cBhvr>
-                                        <p:cTn id="20" dur="500"/>
-                                        <p:tgtEl>
-                                          <p:spTgt spid="7"/>
+                                          <p:spTgt spid="2"/>
                                         </p:tgtEl>
                                       </p:cBhvr>
                                     </p:animEffect>
@@ -5664,13 +4522,13 @@
       </p:par>
     </p:tnLst>
     <p:bldLst>
-      <p:bldP spid="5" grpId="0"/>
+      <p:bldP spid="2" grpId="0"/>
     </p:bldLst>
   </p:timing>
 </p:sld>
 </file>
 
-<file path=ppt/slides/slide13.xml><?xml version="1.0" encoding="utf-8"?>
+<file path=ppt/slides/slide11.xml><?xml version="1.0" encoding="utf-8"?>
 <p:sld xmlns:a="http://schemas.openxmlformats.org/drawingml/2006/main" xmlns:r="http://schemas.openxmlformats.org/officeDocument/2006/relationships" xmlns:p="http://schemas.openxmlformats.org/presentationml/2006/main">
   <p:cSld>
     <p:spTree>
@@ -5697,39 +4555,43 @@
             <p:ph idx="1"/>
           </p:nvPr>
         </p:nvSpPr>
-        <p:spPr/>
+        <p:spPr>
+          <a:xfrm>
+            <a:off x="609600" y="1600201"/>
+            <a:ext cx="10322258" cy="4525963"/>
+          </a:xfrm>
+        </p:spPr>
         <p:txBody>
           <a:bodyPr/>
           <a:lstStyle/>
           <a:p>
             <a:r>
               <a:rPr lang="en-US" sz="4000" dirty="0" smtClean="0"/>
-              <a:t>Constant Check-ins</a:t>
-            </a:r>
-          </a:p>
-          <a:p>
+              <a:t>Assigns User </a:t>
+            </a:r>
             <a:r>
               <a:rPr lang="en-US" sz="4000" dirty="0" smtClean="0"/>
-              <a:t>GitHub – Revision Control</a:t>
+              <a:t>A Unique Test Session ID</a:t>
             </a:r>
           </a:p>
           <a:p>
             <a:r>
               <a:rPr lang="en-US" sz="4000" dirty="0" smtClean="0"/>
-              <a:t>Proper MVC coding</a:t>
+              <a:t>Compares Items In Groups Of Two</a:t>
             </a:r>
           </a:p>
           <a:p>
             <a:r>
               <a:rPr lang="en-US" sz="4000" dirty="0" smtClean="0"/>
-              <a:t>Eclipse IDE</a:t>
+              <a:t>User Selects One, The Other, Or I Can’t Decide</a:t>
             </a:r>
           </a:p>
           <a:p>
             <a:r>
               <a:rPr lang="en-US" sz="4000" dirty="0" smtClean="0"/>
-              <a:t>Assumptions</a:t>
-            </a:r>
+              <a:t>Progress Meter Shown/Hidden</a:t>
+            </a:r>
+            <a:endParaRPr lang="en-US" dirty="0" smtClean="0"/>
           </a:p>
           <a:p>
             <a:endParaRPr lang="en-US" dirty="0"/>
@@ -5753,7 +4615,15 @@
           <a:p>
             <a:r>
               <a:rPr lang="en-US" dirty="0" smtClean="0"/>
-              <a:t>Challenges / Lessons Learned</a:t>
+              <a:t>Overview </a:t>
+            </a:r>
+            <a:r>
+              <a:rPr lang="en-US" dirty="0"/>
+              <a:t>-</a:t>
+            </a:r>
+            <a:r>
+              <a:rPr lang="en-US" dirty="0" smtClean="0"/>
+              <a:t> User Test</a:t>
             </a:r>
             <a:endParaRPr lang="en-US" dirty="0"/>
           </a:p>
@@ -5762,7 +4632,7 @@
     </p:spTree>
     <p:extLst>
       <p:ext uri="{BB962C8B-B14F-4D97-AF65-F5344CB8AC3E}">
-        <p14:creationId xmlns:p14="http://schemas.microsoft.com/office/powerpoint/2010/main" val="588025368"/>
+        <p14:creationId xmlns:p14="http://schemas.microsoft.com/office/powerpoint/2010/main" val="3190350960"/>
       </p:ext>
     </p:extLst>
   </p:cSld>
@@ -6023,35 +4893,709 @@
                       </p:childTnLst>
                     </p:cTn>
                   </p:par>
+                </p:childTnLst>
+              </p:cTn>
+              <p:prevCondLst>
+                <p:cond evt="onPrev" delay="0">
+                  <p:tgtEl>
+                    <p:sldTgt/>
+                  </p:tgtEl>
+                </p:cond>
+              </p:prevCondLst>
+              <p:nextCondLst>
+                <p:cond evt="onNext" delay="0">
+                  <p:tgtEl>
+                    <p:sldTgt/>
+                  </p:tgtEl>
+                </p:cond>
+              </p:nextCondLst>
+            </p:seq>
+          </p:childTnLst>
+        </p:cTn>
+      </p:par>
+    </p:tnLst>
+    <p:bldLst>
+      <p:bldP spid="2" grpId="0"/>
+    </p:bldLst>
+  </p:timing>
+</p:sld>
+</file>
+
+<file path=ppt/slides/slide12.xml><?xml version="1.0" encoding="utf-8"?>
+<p:sld xmlns:a="http://schemas.openxmlformats.org/drawingml/2006/main" xmlns:r="http://schemas.openxmlformats.org/officeDocument/2006/relationships" xmlns:p="http://schemas.openxmlformats.org/presentationml/2006/main">
+  <p:cSld>
+    <p:spTree>
+      <p:nvGrpSpPr>
+        <p:cNvPr id="1" name=""/>
+        <p:cNvGrpSpPr/>
+        <p:nvPr/>
+      </p:nvGrpSpPr>
+      <p:grpSpPr>
+        <a:xfrm>
+          <a:off x="0" y="0"/>
+          <a:ext cx="0" cy="0"/>
+          <a:chOff x="0" y="0"/>
+          <a:chExt cx="0" cy="0"/>
+        </a:xfrm>
+      </p:grpSpPr>
+      <p:sp>
+        <p:nvSpPr>
+          <p:cNvPr id="3" name="Content Placeholder 2"/>
+          <p:cNvSpPr>
+            <a:spLocks noGrp="1"/>
+          </p:cNvSpPr>
+          <p:nvPr>
+            <p:ph idx="1"/>
+          </p:nvPr>
+        </p:nvSpPr>
+        <p:spPr/>
+        <p:txBody>
+          <a:bodyPr/>
+          <a:lstStyle/>
+          <a:p>
+            <a:pPr lvl="1"/>
+            <a:endParaRPr lang="en-US" dirty="0" smtClean="0"/>
+          </a:p>
+          <a:p>
+            <a:endParaRPr lang="en-US" dirty="0"/>
+          </a:p>
+        </p:txBody>
+      </p:sp>
+      <p:pic>
+        <p:nvPicPr>
+          <p:cNvPr id="4" name="Picture 3"/>
+          <p:cNvPicPr>
+            <a:picLocks noChangeAspect="1"/>
+          </p:cNvPicPr>
+          <p:nvPr/>
+        </p:nvPicPr>
+        <p:blipFill>
+          <a:blip r:embed="rId2"/>
+          <a:stretch>
+            <a:fillRect/>
+          </a:stretch>
+        </p:blipFill>
+        <p:spPr>
+          <a:xfrm>
+            <a:off x="4255029" y="119021"/>
+            <a:ext cx="6679142" cy="6641084"/>
+          </a:xfrm>
+          <a:prstGeom prst="rect">
+            <a:avLst/>
+          </a:prstGeom>
+        </p:spPr>
+      </p:pic>
+      <p:sp>
+        <p:nvSpPr>
+          <p:cNvPr id="5" name="Title 4"/>
+          <p:cNvSpPr>
+            <a:spLocks noGrp="1"/>
+          </p:cNvSpPr>
+          <p:nvPr>
+            <p:ph type="title"/>
+          </p:nvPr>
+        </p:nvSpPr>
+        <p:spPr>
+          <a:xfrm>
+            <a:off x="609600" y="274638"/>
+            <a:ext cx="4013200" cy="6380162"/>
+          </a:xfrm>
+        </p:spPr>
+        <p:txBody>
+          <a:bodyPr anchor="t">
+            <a:normAutofit/>
+          </a:bodyPr>
+          <a:lstStyle/>
+          <a:p>
+            <a:r>
+              <a:rPr lang="en-US" dirty="0" smtClean="0"/>
+              <a:t>Overview -  </a:t>
+            </a:r>
+            <a:br>
+              <a:rPr lang="en-US" dirty="0" smtClean="0"/>
+            </a:br>
+            <a:r>
+              <a:rPr lang="en-US" dirty="0" smtClean="0"/>
+              <a:t>User Test </a:t>
+            </a:r>
+            <a:br>
+              <a:rPr lang="en-US" dirty="0" smtClean="0"/>
+            </a:br>
+            <a:r>
+              <a:rPr lang="en-US" dirty="0" smtClean="0"/>
+              <a:t>Screen</a:t>
+            </a:r>
+            <a:endParaRPr lang="en-US" dirty="0"/>
+          </a:p>
+        </p:txBody>
+      </p:sp>
+    </p:spTree>
+    <p:extLst>
+      <p:ext uri="{BB962C8B-B14F-4D97-AF65-F5344CB8AC3E}">
+        <p14:creationId xmlns:p14="http://schemas.microsoft.com/office/powerpoint/2010/main" val="2655541122"/>
+      </p:ext>
+    </p:extLst>
+  </p:cSld>
+  <p:clrMapOvr>
+    <a:masterClrMapping/>
+  </p:clrMapOvr>
+  <mc:AlternateContent xmlns:mc="http://schemas.openxmlformats.org/markup-compatibility/2006" xmlns:p14="http://schemas.microsoft.com/office/powerpoint/2010/main">
+    <mc:Choice Requires="p14">
+      <p:transition spd="med" p14:dur="700">
+        <p:fade/>
+      </p:transition>
+    </mc:Choice>
+    <mc:Fallback xmlns="">
+      <p:transition spd="med">
+        <p:fade/>
+      </p:transition>
+    </mc:Fallback>
+  </mc:AlternateContent>
+  <p:timing>
+    <p:tnLst>
+      <p:par>
+        <p:cTn id="1" dur="indefinite" restart="never" nodeType="tmRoot">
+          <p:childTnLst>
+            <p:seq concurrent="1" nextAc="seek">
+              <p:cTn id="2" dur="indefinite" nodeType="mainSeq">
+                <p:childTnLst>
                   <p:par>
-                    <p:cTn id="22" fill="hold">
+                    <p:cTn id="3" fill="hold">
                       <p:stCondLst>
                         <p:cond delay="indefinite"/>
+                        <p:cond evt="onBegin" delay="0">
+                          <p:tn val="2"/>
+                        </p:cond>
                       </p:stCondLst>
                       <p:childTnLst>
                         <p:par>
-                          <p:cTn id="23" fill="hold">
+                          <p:cTn id="4" fill="hold">
                             <p:stCondLst>
                               <p:cond delay="0"/>
                             </p:stCondLst>
                             <p:childTnLst>
                               <p:par>
-                                <p:cTn id="24" presetID="1" presetClass="entr" presetSubtype="0" fill="hold" nodeType="clickEffect">
+                                <p:cTn id="5" presetID="22" presetClass="entr" presetSubtype="1" fill="hold" grpId="0" nodeType="withEffect">
                                   <p:stCondLst>
                                     <p:cond delay="0"/>
                                   </p:stCondLst>
                                   <p:childTnLst>
                                     <p:set>
                                       <p:cBhvr>
-                                        <p:cTn id="25" dur="1" fill="hold">
+                                        <p:cTn id="6" dur="1" fill="hold">
                                           <p:stCondLst>
                                             <p:cond delay="0"/>
                                           </p:stCondLst>
                                         </p:cTn>
                                         <p:tgtEl>
-                                          <p:spTgt spid="3">
+                                          <p:spTgt spid="5"/>
+                                        </p:tgtEl>
+                                        <p:attrNameLst>
+                                          <p:attrName>style.visibility</p:attrName>
+                                        </p:attrNameLst>
+                                      </p:cBhvr>
+                                      <p:to>
+                                        <p:strVal val="visible"/>
+                                      </p:to>
+                                    </p:set>
+                                    <p:animEffect transition="in" filter="wipe(up)">
+                                      <p:cBhvr>
+                                        <p:cTn id="7" dur="500"/>
+                                        <p:tgtEl>
+                                          <p:spTgt spid="5"/>
+                                        </p:tgtEl>
+                                      </p:cBhvr>
+                                    </p:animEffect>
+                                  </p:childTnLst>
+                                </p:cTn>
+                              </p:par>
+                              <p:par>
+                                <p:cTn id="8" presetID="10" presetClass="entr" presetSubtype="0" fill="hold" nodeType="withEffect">
+                                  <p:stCondLst>
+                                    <p:cond delay="1000"/>
+                                  </p:stCondLst>
+                                  <p:childTnLst>
+                                    <p:set>
+                                      <p:cBhvr>
+                                        <p:cTn id="9" dur="1" fill="hold">
+                                          <p:stCondLst>
+                                            <p:cond delay="0"/>
+                                          </p:stCondLst>
+                                        </p:cTn>
+                                        <p:tgtEl>
+                                          <p:spTgt spid="4"/>
+                                        </p:tgtEl>
+                                        <p:attrNameLst>
+                                          <p:attrName>style.visibility</p:attrName>
+                                        </p:attrNameLst>
+                                      </p:cBhvr>
+                                      <p:to>
+                                        <p:strVal val="visible"/>
+                                      </p:to>
+                                    </p:set>
+                                    <p:animEffect transition="in" filter="fade">
+                                      <p:cBhvr>
+                                        <p:cTn id="10" dur="10"/>
+                                        <p:tgtEl>
+                                          <p:spTgt spid="4"/>
+                                        </p:tgtEl>
+                                      </p:cBhvr>
+                                    </p:animEffect>
+                                  </p:childTnLst>
+                                </p:cTn>
+                              </p:par>
+                            </p:childTnLst>
+                          </p:cTn>
+                        </p:par>
+                      </p:childTnLst>
+                    </p:cTn>
+                  </p:par>
+                </p:childTnLst>
+              </p:cTn>
+              <p:prevCondLst>
+                <p:cond evt="onPrev" delay="0">
+                  <p:tgtEl>
+                    <p:sldTgt/>
+                  </p:tgtEl>
+                </p:cond>
+              </p:prevCondLst>
+              <p:nextCondLst>
+                <p:cond evt="onNext" delay="0">
+                  <p:tgtEl>
+                    <p:sldTgt/>
+                  </p:tgtEl>
+                </p:cond>
+              </p:nextCondLst>
+            </p:seq>
+          </p:childTnLst>
+        </p:cTn>
+      </p:par>
+    </p:tnLst>
+    <p:bldLst>
+      <p:bldP spid="5" grpId="0"/>
+    </p:bldLst>
+  </p:timing>
+</p:sld>
+</file>
+
+<file path=ppt/slides/slide13.xml><?xml version="1.0" encoding="utf-8"?>
+<p:sld xmlns:a="http://schemas.openxmlformats.org/drawingml/2006/main" xmlns:r="http://schemas.openxmlformats.org/officeDocument/2006/relationships" xmlns:p="http://schemas.openxmlformats.org/presentationml/2006/main">
+  <p:cSld>
+    <p:spTree>
+      <p:nvGrpSpPr>
+        <p:cNvPr id="1" name=""/>
+        <p:cNvGrpSpPr/>
+        <p:nvPr/>
+      </p:nvGrpSpPr>
+      <p:grpSpPr>
+        <a:xfrm>
+          <a:off x="0" y="0"/>
+          <a:ext cx="0" cy="0"/>
+          <a:chOff x="0" y="0"/>
+          <a:chExt cx="0" cy="0"/>
+        </a:xfrm>
+      </p:grpSpPr>
+      <p:sp>
+        <p:nvSpPr>
+          <p:cNvPr id="3" name="Content Placeholder 2"/>
+          <p:cNvSpPr>
+            <a:spLocks noGrp="1"/>
+          </p:cNvSpPr>
+          <p:nvPr>
+            <p:ph idx="1"/>
+          </p:nvPr>
+        </p:nvSpPr>
+        <p:spPr/>
+        <p:txBody>
+          <a:bodyPr/>
+          <a:lstStyle/>
+          <a:p>
+            <a:endParaRPr lang="en-US" dirty="0" smtClean="0"/>
+          </a:p>
+          <a:p>
+            <a:endParaRPr lang="en-US" dirty="0"/>
+          </a:p>
+        </p:txBody>
+      </p:sp>
+      <p:sp>
+        <p:nvSpPr>
+          <p:cNvPr id="2" name="Title 1"/>
+          <p:cNvSpPr>
+            <a:spLocks noGrp="1"/>
+          </p:cNvSpPr>
+          <p:nvPr>
+            <p:ph type="title"/>
+          </p:nvPr>
+        </p:nvSpPr>
+        <p:spPr>
+          <a:xfrm>
+            <a:off x="609600" y="84776"/>
+            <a:ext cx="10936406" cy="1521111"/>
+          </a:xfrm>
+        </p:spPr>
+        <p:txBody>
+          <a:bodyPr>
+            <a:normAutofit/>
+          </a:bodyPr>
+          <a:lstStyle/>
+          <a:p>
+            <a:r>
+              <a:rPr lang="en-US" dirty="0" smtClean="0"/>
+              <a:t>Overview </a:t>
+            </a:r>
+            <a:r>
+              <a:rPr lang="en-US" dirty="0"/>
+              <a:t>-</a:t>
+            </a:r>
+            <a:r>
+              <a:rPr lang="en-US" dirty="0" smtClean="0"/>
+              <a:t> Test Results Reporting</a:t>
+            </a:r>
+            <a:endParaRPr lang="en-US" dirty="0"/>
+          </a:p>
+        </p:txBody>
+      </p:sp>
+      <p:sp>
+        <p:nvSpPr>
+          <p:cNvPr id="4" name="Content Placeholder 2"/>
+          <p:cNvSpPr txBox="1">
+            <a:spLocks/>
+          </p:cNvSpPr>
+          <p:nvPr/>
+        </p:nvSpPr>
+        <p:spPr>
+          <a:xfrm>
+            <a:off x="761999" y="1752601"/>
+            <a:ext cx="10251744" cy="4525963"/>
+          </a:xfrm>
+          <a:prstGeom prst="rect">
+            <a:avLst/>
+          </a:prstGeom>
+        </p:spPr>
+        <p:txBody>
+          <a:bodyPr vert="horz">
+            <a:normAutofit/>
+          </a:bodyPr>
+          <a:lstStyle>
+            <a:lvl1pPr marL="420624" indent="-384048" algn="l" rtl="0" eaLnBrk="1" latinLnBrk="0" hangingPunct="1">
+              <a:spcBef>
+                <a:spcPct val="20000"/>
+              </a:spcBef>
+              <a:buClr>
+                <a:schemeClr val="accent1"/>
+              </a:buClr>
+              <a:buSzPct val="80000"/>
+              <a:buFont typeface="Wingdings 2"/>
+              <a:buChar char=""/>
+              <a:defRPr kumimoji="0" sz="3000" kern="1200">
+                <a:solidFill>
+                  <a:schemeClr val="tx1"/>
+                </a:solidFill>
+                <a:latin typeface="+mn-lt"/>
+                <a:ea typeface="+mn-ea"/>
+                <a:cs typeface="+mn-cs"/>
+              </a:defRPr>
+            </a:lvl1pPr>
+            <a:lvl2pPr marL="722376" indent="-274320" algn="l" rtl="0" eaLnBrk="1" latinLnBrk="0" hangingPunct="1">
+              <a:spcBef>
+                <a:spcPct val="20000"/>
+              </a:spcBef>
+              <a:buClr>
+                <a:schemeClr val="accent1"/>
+              </a:buClr>
+              <a:buSzPct val="90000"/>
+              <a:buFont typeface="Wingdings 2"/>
+              <a:buChar char=""/>
+              <a:defRPr kumimoji="0" sz="2600" kern="1200">
+                <a:solidFill>
+                  <a:schemeClr val="tx1"/>
+                </a:solidFill>
+                <a:latin typeface="+mn-lt"/>
+                <a:ea typeface="+mn-ea"/>
+                <a:cs typeface="+mn-cs"/>
+              </a:defRPr>
+            </a:lvl2pPr>
+            <a:lvl3pPr marL="1005840" indent="-256032" algn="l" rtl="0" eaLnBrk="1" latinLnBrk="0" hangingPunct="1">
+              <a:spcBef>
+                <a:spcPct val="20000"/>
+              </a:spcBef>
+              <a:buClr>
+                <a:schemeClr val="accent2"/>
+              </a:buClr>
+              <a:buSzPct val="85000"/>
+              <a:buFont typeface="Arial"/>
+              <a:buChar char="○"/>
+              <a:defRPr kumimoji="0" sz="2400" kern="1200">
+                <a:solidFill>
+                  <a:schemeClr val="tx1"/>
+                </a:solidFill>
+                <a:latin typeface="+mn-lt"/>
+                <a:ea typeface="+mn-ea"/>
+                <a:cs typeface="+mn-cs"/>
+              </a:defRPr>
+            </a:lvl3pPr>
+            <a:lvl4pPr marL="1280160" indent="-237744" algn="l" rtl="0" eaLnBrk="1" latinLnBrk="0" hangingPunct="1">
+              <a:spcBef>
+                <a:spcPct val="20000"/>
+              </a:spcBef>
+              <a:buClr>
+                <a:schemeClr val="accent3"/>
+              </a:buClr>
+              <a:buSzPct val="90000"/>
+              <a:buFont typeface="Wingdings 2"/>
+              <a:buChar char=""/>
+              <a:defRPr kumimoji="0" sz="2000" kern="1200">
+                <a:solidFill>
+                  <a:schemeClr val="tx1"/>
+                </a:solidFill>
+                <a:latin typeface="+mn-lt"/>
+                <a:ea typeface="+mn-ea"/>
+                <a:cs typeface="+mn-cs"/>
+              </a:defRPr>
+            </a:lvl4pPr>
+            <a:lvl5pPr marL="1490472" indent="-182880" algn="l" rtl="0" eaLnBrk="1" latinLnBrk="0" hangingPunct="1">
+              <a:spcBef>
+                <a:spcPct val="20000"/>
+              </a:spcBef>
+              <a:buClr>
+                <a:schemeClr val="accent4"/>
+              </a:buClr>
+              <a:buSzPct val="100000"/>
+              <a:buFont typeface="Arial"/>
+              <a:buChar char="-"/>
+              <a:defRPr kumimoji="0" sz="2000" kern="1200">
+                <a:solidFill>
+                  <a:schemeClr val="tx1"/>
+                </a:solidFill>
+                <a:latin typeface="+mn-lt"/>
+                <a:ea typeface="+mn-ea"/>
+                <a:cs typeface="+mn-cs"/>
+              </a:defRPr>
+            </a:lvl5pPr>
+            <a:lvl6pPr marL="1700784" indent="-182880" algn="l" rtl="0" eaLnBrk="1" latinLnBrk="0" hangingPunct="1">
+              <a:spcBef>
+                <a:spcPct val="20000"/>
+              </a:spcBef>
+              <a:buClr>
+                <a:schemeClr val="accent5"/>
+              </a:buClr>
+              <a:buFont typeface="Arial"/>
+              <a:buChar char="-"/>
+              <a:defRPr kumimoji="0" sz="2000" kern="1200" baseline="0">
+                <a:solidFill>
+                  <a:schemeClr val="tx1"/>
+                </a:solidFill>
+                <a:latin typeface="+mn-lt"/>
+                <a:ea typeface="+mn-ea"/>
+                <a:cs typeface="+mn-cs"/>
+              </a:defRPr>
+            </a:lvl6pPr>
+            <a:lvl7pPr marL="1920240" indent="-182880" algn="l" rtl="0" eaLnBrk="1" latinLnBrk="0" hangingPunct="1">
+              <a:spcBef>
+                <a:spcPct val="20000"/>
+              </a:spcBef>
+              <a:buClr>
+                <a:schemeClr val="accent6"/>
+              </a:buClr>
+              <a:buSzPct val="100000"/>
+              <a:buFont typeface="Arial"/>
+              <a:buChar char="•"/>
+              <a:defRPr kumimoji="0" sz="1800" kern="1200" baseline="0">
+                <a:solidFill>
+                  <a:schemeClr val="tx1"/>
+                </a:solidFill>
+                <a:latin typeface="+mn-lt"/>
+                <a:ea typeface="+mn-ea"/>
+                <a:cs typeface="+mn-cs"/>
+              </a:defRPr>
+            </a:lvl7pPr>
+            <a:lvl8pPr marL="2139696" indent="-182880" algn="l" rtl="0" eaLnBrk="1" latinLnBrk="0" hangingPunct="1">
+              <a:spcBef>
+                <a:spcPct val="20000"/>
+              </a:spcBef>
+              <a:buClr>
+                <a:schemeClr val="accent6"/>
+              </a:buClr>
+              <a:buFont typeface="Arial"/>
+              <a:buChar char="▪"/>
+              <a:defRPr kumimoji="0" sz="1600" kern="1200">
+                <a:solidFill>
+                  <a:schemeClr val="tx1"/>
+                </a:solidFill>
+                <a:latin typeface="+mn-lt"/>
+                <a:ea typeface="+mn-ea"/>
+                <a:cs typeface="+mn-cs"/>
+              </a:defRPr>
+            </a:lvl8pPr>
+            <a:lvl9pPr marL="2331720" indent="-182880" algn="l" rtl="0" eaLnBrk="1" latinLnBrk="0" hangingPunct="1">
+              <a:spcBef>
+                <a:spcPct val="20000"/>
+              </a:spcBef>
+              <a:buClr>
+                <a:schemeClr val="accent6"/>
+              </a:buClr>
+              <a:buFont typeface="Arial"/>
+              <a:buChar char="•"/>
+              <a:defRPr kumimoji="0" sz="1600" kern="1200">
+                <a:solidFill>
+                  <a:schemeClr val="tx1"/>
+                </a:solidFill>
+                <a:latin typeface="+mn-lt"/>
+                <a:ea typeface="+mn-ea"/>
+                <a:cs typeface="+mn-cs"/>
+              </a:defRPr>
+            </a:lvl9pPr>
+          </a:lstStyle>
+          <a:p>
+            <a:r>
+              <a:rPr lang="en-US" sz="4000" dirty="0"/>
+              <a:t>View results of users for data gathering</a:t>
+            </a:r>
+          </a:p>
+          <a:p>
+            <a:r>
+              <a:rPr lang="en-US" sz="4000" dirty="0"/>
+              <a:t>Select User, then </a:t>
+            </a:r>
+            <a:r>
+              <a:rPr lang="en-US" sz="4000" dirty="0" err="1"/>
+              <a:t>TestID</a:t>
+            </a:r>
+            <a:r>
+              <a:rPr lang="en-US" sz="4000" dirty="0"/>
+              <a:t> and Date, and View </a:t>
+            </a:r>
+            <a:r>
+              <a:rPr lang="en-US" sz="4000" dirty="0" smtClean="0"/>
+              <a:t>Results</a:t>
+            </a:r>
+          </a:p>
+          <a:p>
+            <a:r>
+              <a:rPr lang="en-US" sz="4000" dirty="0"/>
+              <a:t>View Progress Meter During the User Test</a:t>
+            </a:r>
+          </a:p>
+          <a:p>
+            <a:endParaRPr lang="en-US" sz="4000" dirty="0"/>
+          </a:p>
+        </p:txBody>
+      </p:sp>
+    </p:spTree>
+    <p:extLst>
+      <p:ext uri="{BB962C8B-B14F-4D97-AF65-F5344CB8AC3E}">
+        <p14:creationId xmlns:p14="http://schemas.microsoft.com/office/powerpoint/2010/main" val="3330300547"/>
+      </p:ext>
+    </p:extLst>
+  </p:cSld>
+  <p:clrMapOvr>
+    <a:masterClrMapping/>
+  </p:clrMapOvr>
+  <mc:AlternateContent xmlns:mc="http://schemas.openxmlformats.org/markup-compatibility/2006" xmlns:p14="http://schemas.microsoft.com/office/powerpoint/2010/main">
+    <mc:Choice Requires="p14">
+      <p:transition spd="med" p14:dur="700">
+        <p:fade/>
+      </p:transition>
+    </mc:Choice>
+    <mc:Fallback xmlns="">
+      <p:transition spd="med">
+        <p:fade/>
+      </p:transition>
+    </mc:Fallback>
+  </mc:AlternateContent>
+  <p:timing>
+    <p:tnLst>
+      <p:par>
+        <p:cTn id="1" dur="indefinite" restart="never" nodeType="tmRoot">
+          <p:childTnLst>
+            <p:seq concurrent="1" nextAc="seek">
+              <p:cTn id="2" dur="indefinite" nodeType="mainSeq">
+                <p:childTnLst>
+                  <p:par>
+                    <p:cTn id="3" fill="hold">
+                      <p:stCondLst>
+                        <p:cond delay="indefinite"/>
+                        <p:cond evt="onBegin" delay="0">
+                          <p:tn val="2"/>
+                        </p:cond>
+                      </p:stCondLst>
+                      <p:childTnLst>
+                        <p:par>
+                          <p:cTn id="4" fill="hold">
+                            <p:stCondLst>
+                              <p:cond delay="0"/>
+                            </p:stCondLst>
+                            <p:childTnLst>
+                              <p:par>
+                                <p:cTn id="5" presetID="22" presetClass="entr" presetSubtype="8" fill="hold" grpId="0" nodeType="withEffect">
+                                  <p:stCondLst>
+                                    <p:cond delay="0"/>
+                                  </p:stCondLst>
+                                  <p:childTnLst>
+                                    <p:set>
+                                      <p:cBhvr>
+                                        <p:cTn id="6" dur="1" fill="hold">
+                                          <p:stCondLst>
+                                            <p:cond delay="0"/>
+                                          </p:stCondLst>
+                                        </p:cTn>
+                                        <p:tgtEl>
+                                          <p:spTgt spid="2"/>
+                                        </p:tgtEl>
+                                        <p:attrNameLst>
+                                          <p:attrName>style.visibility</p:attrName>
+                                        </p:attrNameLst>
+                                      </p:cBhvr>
+                                      <p:to>
+                                        <p:strVal val="visible"/>
+                                      </p:to>
+                                    </p:set>
+                                    <p:animEffect transition="in" filter="wipe(left)">
+                                      <p:cBhvr>
+                                        <p:cTn id="7" dur="500"/>
+                                        <p:tgtEl>
+                                          <p:spTgt spid="2"/>
+                                        </p:tgtEl>
+                                      </p:cBhvr>
+                                    </p:animEffect>
+                                  </p:childTnLst>
+                                </p:cTn>
+                              </p:par>
+                            </p:childTnLst>
+                          </p:cTn>
+                        </p:par>
+                      </p:childTnLst>
+                    </p:cTn>
+                  </p:par>
+                  <p:par>
+                    <p:cTn id="8" fill="hold">
+                      <p:stCondLst>
+                        <p:cond delay="indefinite"/>
+                      </p:stCondLst>
+                      <p:childTnLst>
+                        <p:par>
+                          <p:cTn id="9" fill="hold">
+                            <p:stCondLst>
+                              <p:cond delay="0"/>
+                            </p:stCondLst>
+                            <p:childTnLst>
+                              <p:par>
+                                <p:cTn id="10" presetID="1" presetClass="entr" presetSubtype="0" fill="hold" nodeType="clickEffect">
+                                  <p:stCondLst>
+                                    <p:cond delay="0"/>
+                                  </p:stCondLst>
+                                  <p:childTnLst>
+                                    <p:set>
+                                      <p:cBhvr>
+                                        <p:cTn id="11" dur="1" fill="hold">
+                                          <p:stCondLst>
+                                            <p:cond delay="0"/>
+                                          </p:stCondLst>
+                                        </p:cTn>
+                                        <p:tgtEl>
+                                          <p:spTgt spid="4">
                                             <p:txEl>
-                                              <p:pRg st="4" end="4"/>
+                                              <p:pRg st="0" end="0"/>
                                             </p:txEl>
                                           </p:spTgt>
                                         </p:tgtEl>
@@ -6101,6 +5645,880 @@
 </file>
 
 <file path=ppt/slides/slide14.xml><?xml version="1.0" encoding="utf-8"?>
+<p:sld xmlns:a="http://schemas.openxmlformats.org/drawingml/2006/main" xmlns:r="http://schemas.openxmlformats.org/officeDocument/2006/relationships" xmlns:p="http://schemas.openxmlformats.org/presentationml/2006/main">
+  <p:cSld>
+    <p:spTree>
+      <p:nvGrpSpPr>
+        <p:cNvPr id="1" name=""/>
+        <p:cNvGrpSpPr/>
+        <p:nvPr/>
+      </p:nvGrpSpPr>
+      <p:grpSpPr>
+        <a:xfrm>
+          <a:off x="0" y="0"/>
+          <a:ext cx="0" cy="0"/>
+          <a:chOff x="0" y="0"/>
+          <a:chExt cx="0" cy="0"/>
+        </a:xfrm>
+      </p:grpSpPr>
+      <p:sp>
+        <p:nvSpPr>
+          <p:cNvPr id="3" name="Content Placeholder 2"/>
+          <p:cNvSpPr>
+            <a:spLocks noGrp="1"/>
+          </p:cNvSpPr>
+          <p:nvPr>
+            <p:ph idx="1"/>
+          </p:nvPr>
+        </p:nvSpPr>
+        <p:spPr>
+          <a:xfrm>
+            <a:off x="609600" y="1595672"/>
+            <a:ext cx="9956800" cy="4525963"/>
+          </a:xfrm>
+        </p:spPr>
+        <p:txBody>
+          <a:bodyPr/>
+          <a:lstStyle/>
+          <a:p>
+            <a:pPr lvl="1"/>
+            <a:endParaRPr lang="en-US" dirty="0" smtClean="0"/>
+          </a:p>
+          <a:p>
+            <a:endParaRPr lang="en-US" dirty="0"/>
+          </a:p>
+        </p:txBody>
+      </p:sp>
+      <p:pic>
+        <p:nvPicPr>
+          <p:cNvPr id="4" name="Picture 3"/>
+          <p:cNvPicPr>
+            <a:picLocks noChangeAspect="1"/>
+          </p:cNvPicPr>
+          <p:nvPr/>
+        </p:nvPicPr>
+        <p:blipFill>
+          <a:blip r:embed="rId2"/>
+          <a:stretch>
+            <a:fillRect/>
+          </a:stretch>
+        </p:blipFill>
+        <p:spPr>
+          <a:xfrm>
+            <a:off x="4148137" y="1906029"/>
+            <a:ext cx="3895725" cy="3905250"/>
+          </a:xfrm>
+          <a:prstGeom prst="rect">
+            <a:avLst/>
+          </a:prstGeom>
+        </p:spPr>
+      </p:pic>
+      <p:pic>
+        <p:nvPicPr>
+          <p:cNvPr id="6" name="Picture 5"/>
+          <p:cNvPicPr>
+            <a:picLocks noChangeAspect="1"/>
+          </p:cNvPicPr>
+          <p:nvPr/>
+        </p:nvPicPr>
+        <p:blipFill>
+          <a:blip r:embed="rId3"/>
+          <a:stretch>
+            <a:fillRect/>
+          </a:stretch>
+        </p:blipFill>
+        <p:spPr>
+          <a:xfrm>
+            <a:off x="151341" y="1906029"/>
+            <a:ext cx="3924300" cy="3905250"/>
+          </a:xfrm>
+          <a:prstGeom prst="rect">
+            <a:avLst/>
+          </a:prstGeom>
+        </p:spPr>
+      </p:pic>
+      <p:pic>
+        <p:nvPicPr>
+          <p:cNvPr id="7" name="Picture 6"/>
+          <p:cNvPicPr>
+            <a:picLocks noChangeAspect="1"/>
+          </p:cNvPicPr>
+          <p:nvPr/>
+        </p:nvPicPr>
+        <p:blipFill>
+          <a:blip r:embed="rId4"/>
+          <a:stretch>
+            <a:fillRect/>
+          </a:stretch>
+        </p:blipFill>
+        <p:spPr>
+          <a:xfrm>
+            <a:off x="8116358" y="1906029"/>
+            <a:ext cx="3914775" cy="3905250"/>
+          </a:xfrm>
+          <a:prstGeom prst="rect">
+            <a:avLst/>
+          </a:prstGeom>
+        </p:spPr>
+      </p:pic>
+      <p:sp>
+        <p:nvSpPr>
+          <p:cNvPr id="5" name="Title 4"/>
+          <p:cNvSpPr>
+            <a:spLocks noGrp="1"/>
+          </p:cNvSpPr>
+          <p:nvPr>
+            <p:ph type="title"/>
+          </p:nvPr>
+        </p:nvSpPr>
+        <p:spPr/>
+        <p:txBody>
+          <a:bodyPr/>
+          <a:lstStyle/>
+          <a:p>
+            <a:r>
+              <a:rPr lang="en-US" dirty="0"/>
+              <a:t>Overview - Test Results Reporting</a:t>
+            </a:r>
+          </a:p>
+        </p:txBody>
+      </p:sp>
+    </p:spTree>
+    <p:extLst>
+      <p:ext uri="{BB962C8B-B14F-4D97-AF65-F5344CB8AC3E}">
+        <p14:creationId xmlns:p14="http://schemas.microsoft.com/office/powerpoint/2010/main" val="2533236408"/>
+      </p:ext>
+    </p:extLst>
+  </p:cSld>
+  <p:clrMapOvr>
+    <a:masterClrMapping/>
+  </p:clrMapOvr>
+  <mc:AlternateContent xmlns:mc="http://schemas.openxmlformats.org/markup-compatibility/2006" xmlns:p14="http://schemas.microsoft.com/office/powerpoint/2010/main">
+    <mc:Choice Requires="p14">
+      <p:transition spd="med" p14:dur="700">
+        <p:fade/>
+      </p:transition>
+    </mc:Choice>
+    <mc:Fallback xmlns="">
+      <p:transition spd="med">
+        <p:fade/>
+      </p:transition>
+    </mc:Fallback>
+  </mc:AlternateContent>
+  <p:timing>
+    <p:tnLst>
+      <p:par>
+        <p:cTn id="1" dur="indefinite" restart="never" nodeType="tmRoot">
+          <p:childTnLst>
+            <p:seq concurrent="1" nextAc="seek">
+              <p:cTn id="2" dur="indefinite" nodeType="mainSeq">
+                <p:childTnLst>
+                  <p:par>
+                    <p:cTn id="3" fill="hold">
+                      <p:stCondLst>
+                        <p:cond delay="indefinite"/>
+                        <p:cond evt="onBegin" delay="0">
+                          <p:tn val="2"/>
+                        </p:cond>
+                      </p:stCondLst>
+                      <p:childTnLst>
+                        <p:par>
+                          <p:cTn id="4" fill="hold">
+                            <p:stCondLst>
+                              <p:cond delay="0"/>
+                            </p:stCondLst>
+                            <p:childTnLst>
+                              <p:par>
+                                <p:cTn id="5" presetID="10" presetClass="entr" presetSubtype="0" fill="hold" nodeType="withEffect">
+                                  <p:stCondLst>
+                                    <p:cond delay="1000"/>
+                                  </p:stCondLst>
+                                  <p:childTnLst>
+                                    <p:set>
+                                      <p:cBhvr>
+                                        <p:cTn id="6" dur="1" fill="hold">
+                                          <p:stCondLst>
+                                            <p:cond delay="0"/>
+                                          </p:stCondLst>
+                                        </p:cTn>
+                                        <p:tgtEl>
+                                          <p:spTgt spid="6"/>
+                                        </p:tgtEl>
+                                        <p:attrNameLst>
+                                          <p:attrName>style.visibility</p:attrName>
+                                        </p:attrNameLst>
+                                      </p:cBhvr>
+                                      <p:to>
+                                        <p:strVal val="visible"/>
+                                      </p:to>
+                                    </p:set>
+                                    <p:animEffect transition="in" filter="fade">
+                                      <p:cBhvr>
+                                        <p:cTn id="7" dur="500"/>
+                                        <p:tgtEl>
+                                          <p:spTgt spid="6"/>
+                                        </p:tgtEl>
+                                      </p:cBhvr>
+                                    </p:animEffect>
+                                  </p:childTnLst>
+                                </p:cTn>
+                              </p:par>
+                              <p:par>
+                                <p:cTn id="8" presetID="22" presetClass="entr" presetSubtype="8" fill="hold" grpId="0" nodeType="withEffect">
+                                  <p:stCondLst>
+                                    <p:cond delay="0"/>
+                                  </p:stCondLst>
+                                  <p:childTnLst>
+                                    <p:set>
+                                      <p:cBhvr>
+                                        <p:cTn id="9" dur="1" fill="hold">
+                                          <p:stCondLst>
+                                            <p:cond delay="0"/>
+                                          </p:stCondLst>
+                                        </p:cTn>
+                                        <p:tgtEl>
+                                          <p:spTgt spid="5"/>
+                                        </p:tgtEl>
+                                        <p:attrNameLst>
+                                          <p:attrName>style.visibility</p:attrName>
+                                        </p:attrNameLst>
+                                      </p:cBhvr>
+                                      <p:to>
+                                        <p:strVal val="visible"/>
+                                      </p:to>
+                                    </p:set>
+                                    <p:animEffect transition="in" filter="wipe(left)">
+                                      <p:cBhvr>
+                                        <p:cTn id="10" dur="500"/>
+                                        <p:tgtEl>
+                                          <p:spTgt spid="5"/>
+                                        </p:tgtEl>
+                                      </p:cBhvr>
+                                    </p:animEffect>
+                                  </p:childTnLst>
+                                </p:cTn>
+                              </p:par>
+                            </p:childTnLst>
+                          </p:cTn>
+                        </p:par>
+                      </p:childTnLst>
+                    </p:cTn>
+                  </p:par>
+                  <p:par>
+                    <p:cTn id="11" fill="hold">
+                      <p:stCondLst>
+                        <p:cond delay="indefinite"/>
+                      </p:stCondLst>
+                      <p:childTnLst>
+                        <p:par>
+                          <p:cTn id="12" fill="hold">
+                            <p:stCondLst>
+                              <p:cond delay="0"/>
+                            </p:stCondLst>
+                            <p:childTnLst>
+                              <p:par>
+                                <p:cTn id="13" presetID="10" presetClass="entr" presetSubtype="0" fill="hold" nodeType="clickEffect">
+                                  <p:stCondLst>
+                                    <p:cond delay="0"/>
+                                  </p:stCondLst>
+                                  <p:childTnLst>
+                                    <p:set>
+                                      <p:cBhvr>
+                                        <p:cTn id="14" dur="1" fill="hold">
+                                          <p:stCondLst>
+                                            <p:cond delay="0"/>
+                                          </p:stCondLst>
+                                        </p:cTn>
+                                        <p:tgtEl>
+                                          <p:spTgt spid="4"/>
+                                        </p:tgtEl>
+                                        <p:attrNameLst>
+                                          <p:attrName>style.visibility</p:attrName>
+                                        </p:attrNameLst>
+                                      </p:cBhvr>
+                                      <p:to>
+                                        <p:strVal val="visible"/>
+                                      </p:to>
+                                    </p:set>
+                                    <p:animEffect transition="in" filter="fade">
+                                      <p:cBhvr>
+                                        <p:cTn id="15" dur="500"/>
+                                        <p:tgtEl>
+                                          <p:spTgt spid="4"/>
+                                        </p:tgtEl>
+                                      </p:cBhvr>
+                                    </p:animEffect>
+                                  </p:childTnLst>
+                                </p:cTn>
+                              </p:par>
+                            </p:childTnLst>
+                          </p:cTn>
+                        </p:par>
+                      </p:childTnLst>
+                    </p:cTn>
+                  </p:par>
+                  <p:par>
+                    <p:cTn id="16" fill="hold">
+                      <p:stCondLst>
+                        <p:cond delay="indefinite"/>
+                      </p:stCondLst>
+                      <p:childTnLst>
+                        <p:par>
+                          <p:cTn id="17" fill="hold">
+                            <p:stCondLst>
+                              <p:cond delay="0"/>
+                            </p:stCondLst>
+                            <p:childTnLst>
+                              <p:par>
+                                <p:cTn id="18" presetID="10" presetClass="entr" presetSubtype="0" fill="hold" nodeType="clickEffect">
+                                  <p:stCondLst>
+                                    <p:cond delay="0"/>
+                                  </p:stCondLst>
+                                  <p:childTnLst>
+                                    <p:set>
+                                      <p:cBhvr>
+                                        <p:cTn id="19" dur="1" fill="hold">
+                                          <p:stCondLst>
+                                            <p:cond delay="0"/>
+                                          </p:stCondLst>
+                                        </p:cTn>
+                                        <p:tgtEl>
+                                          <p:spTgt spid="7"/>
+                                        </p:tgtEl>
+                                        <p:attrNameLst>
+                                          <p:attrName>style.visibility</p:attrName>
+                                        </p:attrNameLst>
+                                      </p:cBhvr>
+                                      <p:to>
+                                        <p:strVal val="visible"/>
+                                      </p:to>
+                                    </p:set>
+                                    <p:animEffect transition="in" filter="fade">
+                                      <p:cBhvr>
+                                        <p:cTn id="20" dur="500"/>
+                                        <p:tgtEl>
+                                          <p:spTgt spid="7"/>
+                                        </p:tgtEl>
+                                      </p:cBhvr>
+                                    </p:animEffect>
+                                  </p:childTnLst>
+                                </p:cTn>
+                              </p:par>
+                            </p:childTnLst>
+                          </p:cTn>
+                        </p:par>
+                      </p:childTnLst>
+                    </p:cTn>
+                  </p:par>
+                </p:childTnLst>
+              </p:cTn>
+              <p:prevCondLst>
+                <p:cond evt="onPrev" delay="0">
+                  <p:tgtEl>
+                    <p:sldTgt/>
+                  </p:tgtEl>
+                </p:cond>
+              </p:prevCondLst>
+              <p:nextCondLst>
+                <p:cond evt="onNext" delay="0">
+                  <p:tgtEl>
+                    <p:sldTgt/>
+                  </p:tgtEl>
+                </p:cond>
+              </p:nextCondLst>
+            </p:seq>
+          </p:childTnLst>
+        </p:cTn>
+      </p:par>
+    </p:tnLst>
+    <p:bldLst>
+      <p:bldP spid="5" grpId="0"/>
+    </p:bldLst>
+  </p:timing>
+</p:sld>
+</file>
+
+<file path=ppt/slides/slide15.xml><?xml version="1.0" encoding="utf-8"?>
+<p:sld xmlns:a="http://schemas.openxmlformats.org/drawingml/2006/main" xmlns:r="http://schemas.openxmlformats.org/officeDocument/2006/relationships" xmlns:p="http://schemas.openxmlformats.org/presentationml/2006/main">
+  <p:cSld>
+    <p:spTree>
+      <p:nvGrpSpPr>
+        <p:cNvPr id="1" name=""/>
+        <p:cNvGrpSpPr/>
+        <p:nvPr/>
+      </p:nvGrpSpPr>
+      <p:grpSpPr>
+        <a:xfrm>
+          <a:off x="0" y="0"/>
+          <a:ext cx="0" cy="0"/>
+          <a:chOff x="0" y="0"/>
+          <a:chExt cx="0" cy="0"/>
+        </a:xfrm>
+      </p:grpSpPr>
+      <p:sp>
+        <p:nvSpPr>
+          <p:cNvPr id="3" name="Title 2"/>
+          <p:cNvSpPr>
+            <a:spLocks noGrp="1"/>
+          </p:cNvSpPr>
+          <p:nvPr>
+            <p:ph type="title"/>
+          </p:nvPr>
+        </p:nvSpPr>
+        <p:spPr/>
+        <p:txBody>
+          <a:bodyPr/>
+          <a:lstStyle/>
+          <a:p>
+            <a:r>
+              <a:rPr lang="en-US" dirty="0" smtClean="0"/>
+              <a:t>Application Demo	</a:t>
+            </a:r>
+            <a:endParaRPr lang="en-US" dirty="0"/>
+          </a:p>
+        </p:txBody>
+      </p:sp>
+    </p:spTree>
+    <p:extLst>
+      <p:ext uri="{BB962C8B-B14F-4D97-AF65-F5344CB8AC3E}">
+        <p14:creationId xmlns:p14="http://schemas.microsoft.com/office/powerpoint/2010/main" val="1953001288"/>
+      </p:ext>
+    </p:extLst>
+  </p:cSld>
+  <p:clrMapOvr>
+    <a:masterClrMapping/>
+  </p:clrMapOvr>
+  <mc:AlternateContent xmlns:mc="http://schemas.openxmlformats.org/markup-compatibility/2006">
+    <mc:Choice xmlns:p14="http://schemas.microsoft.com/office/powerpoint/2010/main" Requires="p14">
+      <p:transition spd="med" p14:dur="700">
+        <p:fade/>
+      </p:transition>
+    </mc:Choice>
+    <mc:Fallback>
+      <p:transition spd="med">
+        <p:fade/>
+      </p:transition>
+    </mc:Fallback>
+  </mc:AlternateContent>
+  <p:timing>
+    <p:tnLst>
+      <p:par>
+        <p:cTn id="1" dur="indefinite" restart="never" nodeType="tmRoot"/>
+      </p:par>
+    </p:tnLst>
+  </p:timing>
+</p:sld>
+</file>
+
+<file path=ppt/slides/slide16.xml><?xml version="1.0" encoding="utf-8"?>
+<p:sld xmlns:a="http://schemas.openxmlformats.org/drawingml/2006/main" xmlns:r="http://schemas.openxmlformats.org/officeDocument/2006/relationships" xmlns:p="http://schemas.openxmlformats.org/presentationml/2006/main">
+  <p:cSld>
+    <p:spTree>
+      <p:nvGrpSpPr>
+        <p:cNvPr id="1" name=""/>
+        <p:cNvGrpSpPr/>
+        <p:nvPr/>
+      </p:nvGrpSpPr>
+      <p:grpSpPr>
+        <a:xfrm>
+          <a:off x="0" y="0"/>
+          <a:ext cx="0" cy="0"/>
+          <a:chOff x="0" y="0"/>
+          <a:chExt cx="0" cy="0"/>
+        </a:xfrm>
+      </p:grpSpPr>
+      <p:sp>
+        <p:nvSpPr>
+          <p:cNvPr id="3" name="Content Placeholder 2"/>
+          <p:cNvSpPr>
+            <a:spLocks noGrp="1"/>
+          </p:cNvSpPr>
+          <p:nvPr>
+            <p:ph idx="1"/>
+          </p:nvPr>
+        </p:nvSpPr>
+        <p:spPr/>
+        <p:txBody>
+          <a:bodyPr/>
+          <a:lstStyle/>
+          <a:p>
+            <a:r>
+              <a:rPr lang="en-US" sz="4000" dirty="0"/>
+              <a:t>Knowledge </a:t>
+            </a:r>
+            <a:r>
+              <a:rPr lang="en-US" sz="4000" dirty="0" smtClean="0"/>
+              <a:t>Sharing</a:t>
+            </a:r>
+            <a:endParaRPr lang="en-US" sz="4000" dirty="0" smtClean="0"/>
+          </a:p>
+          <a:p>
+            <a:r>
+              <a:rPr lang="en-US" sz="4000" dirty="0" smtClean="0"/>
+              <a:t>Work Flow Interruption</a:t>
+            </a:r>
+            <a:endParaRPr lang="en-US" sz="4000" dirty="0" smtClean="0"/>
+          </a:p>
+          <a:p>
+            <a:r>
+              <a:rPr lang="en-US" sz="4000" dirty="0" smtClean="0"/>
+              <a:t>Revision </a:t>
+            </a:r>
+            <a:r>
+              <a:rPr lang="en-US" sz="4000" dirty="0"/>
+              <a:t>Control</a:t>
+            </a:r>
+            <a:endParaRPr lang="en-US" sz="4000" dirty="0" smtClean="0"/>
+          </a:p>
+          <a:p>
+            <a:r>
+              <a:rPr lang="en-US" sz="4000" dirty="0" smtClean="0"/>
+              <a:t>Assumptions</a:t>
+            </a:r>
+          </a:p>
+          <a:p>
+            <a:endParaRPr lang="en-US" dirty="0"/>
+          </a:p>
+        </p:txBody>
+      </p:sp>
+      <p:sp>
+        <p:nvSpPr>
+          <p:cNvPr id="2" name="Title 1"/>
+          <p:cNvSpPr>
+            <a:spLocks noGrp="1"/>
+          </p:cNvSpPr>
+          <p:nvPr>
+            <p:ph type="title"/>
+          </p:nvPr>
+        </p:nvSpPr>
+        <p:spPr/>
+        <p:txBody>
+          <a:bodyPr/>
+          <a:lstStyle/>
+          <a:p>
+            <a:r>
+              <a:rPr lang="en-US" dirty="0" smtClean="0"/>
+              <a:t>Lessons </a:t>
+            </a:r>
+            <a:r>
+              <a:rPr lang="en-US" dirty="0" smtClean="0"/>
+              <a:t>Learned</a:t>
+            </a:r>
+            <a:endParaRPr lang="en-US" dirty="0"/>
+          </a:p>
+        </p:txBody>
+      </p:sp>
+    </p:spTree>
+    <p:extLst>
+      <p:ext uri="{BB962C8B-B14F-4D97-AF65-F5344CB8AC3E}">
+        <p14:creationId xmlns:p14="http://schemas.microsoft.com/office/powerpoint/2010/main" val="588025368"/>
+      </p:ext>
+    </p:extLst>
+  </p:cSld>
+  <p:clrMapOvr>
+    <a:masterClrMapping/>
+  </p:clrMapOvr>
+  <mc:AlternateContent xmlns:mc="http://schemas.openxmlformats.org/markup-compatibility/2006" xmlns:p14="http://schemas.microsoft.com/office/powerpoint/2010/main">
+    <mc:Choice Requires="p14">
+      <p:transition spd="med" p14:dur="700">
+        <p:fade/>
+      </p:transition>
+    </mc:Choice>
+    <mc:Fallback xmlns="">
+      <p:transition spd="med">
+        <p:fade/>
+      </p:transition>
+    </mc:Fallback>
+  </mc:AlternateContent>
+  <p:timing>
+    <p:tnLst>
+      <p:par>
+        <p:cTn id="1" dur="indefinite" restart="never" nodeType="tmRoot">
+          <p:childTnLst>
+            <p:seq concurrent="1" nextAc="seek">
+              <p:cTn id="2" dur="indefinite" nodeType="mainSeq">
+                <p:childTnLst>
+                  <p:par>
+                    <p:cTn id="3" fill="hold">
+                      <p:stCondLst>
+                        <p:cond delay="indefinite"/>
+                        <p:cond evt="onBegin" delay="0">
+                          <p:tn val="2"/>
+                        </p:cond>
+                      </p:stCondLst>
+                      <p:childTnLst>
+                        <p:par>
+                          <p:cTn id="4" fill="hold">
+                            <p:stCondLst>
+                              <p:cond delay="0"/>
+                            </p:stCondLst>
+                            <p:childTnLst>
+                              <p:par>
+                                <p:cTn id="5" presetID="22" presetClass="entr" presetSubtype="8" fill="hold" grpId="0" nodeType="withEffect">
+                                  <p:stCondLst>
+                                    <p:cond delay="0"/>
+                                  </p:stCondLst>
+                                  <p:childTnLst>
+                                    <p:set>
+                                      <p:cBhvr>
+                                        <p:cTn id="6" dur="1" fill="hold">
+                                          <p:stCondLst>
+                                            <p:cond delay="0"/>
+                                          </p:stCondLst>
+                                        </p:cTn>
+                                        <p:tgtEl>
+                                          <p:spTgt spid="2"/>
+                                        </p:tgtEl>
+                                        <p:attrNameLst>
+                                          <p:attrName>style.visibility</p:attrName>
+                                        </p:attrNameLst>
+                                      </p:cBhvr>
+                                      <p:to>
+                                        <p:strVal val="visible"/>
+                                      </p:to>
+                                    </p:set>
+                                    <p:animEffect transition="in" filter="wipe(left)">
+                                      <p:cBhvr>
+                                        <p:cTn id="7" dur="500"/>
+                                        <p:tgtEl>
+                                          <p:spTgt spid="2"/>
+                                        </p:tgtEl>
+                                      </p:cBhvr>
+                                    </p:animEffect>
+                                  </p:childTnLst>
+                                </p:cTn>
+                              </p:par>
+                            </p:childTnLst>
+                          </p:cTn>
+                        </p:par>
+                      </p:childTnLst>
+                    </p:cTn>
+                  </p:par>
+                  <p:par>
+                    <p:cTn id="8" fill="hold">
+                      <p:stCondLst>
+                        <p:cond delay="indefinite"/>
+                      </p:stCondLst>
+                      <p:childTnLst>
+                        <p:par>
+                          <p:cTn id="9" fill="hold">
+                            <p:stCondLst>
+                              <p:cond delay="0"/>
+                            </p:stCondLst>
+                            <p:childTnLst>
+                              <p:par>
+                                <p:cTn id="10" presetID="1" presetClass="entr" presetSubtype="0" fill="hold" nodeType="clickEffect">
+                                  <p:stCondLst>
+                                    <p:cond delay="0"/>
+                                  </p:stCondLst>
+                                  <p:childTnLst>
+                                    <p:set>
+                                      <p:cBhvr>
+                                        <p:cTn id="11" dur="1" fill="hold">
+                                          <p:stCondLst>
+                                            <p:cond delay="0"/>
+                                          </p:stCondLst>
+                                        </p:cTn>
+                                        <p:tgtEl>
+                                          <p:spTgt spid="3">
+                                            <p:txEl>
+                                              <p:pRg st="0" end="0"/>
+                                            </p:txEl>
+                                          </p:spTgt>
+                                        </p:tgtEl>
+                                        <p:attrNameLst>
+                                          <p:attrName>style.visibility</p:attrName>
+                                        </p:attrNameLst>
+                                      </p:cBhvr>
+                                      <p:to>
+                                        <p:strVal val="visible"/>
+                                      </p:to>
+                                    </p:set>
+                                  </p:childTnLst>
+                                </p:cTn>
+                              </p:par>
+                            </p:childTnLst>
+                          </p:cTn>
+                        </p:par>
+                      </p:childTnLst>
+                    </p:cTn>
+                  </p:par>
+                  <p:par>
+                    <p:cTn id="12" fill="hold">
+                      <p:stCondLst>
+                        <p:cond delay="indefinite"/>
+                      </p:stCondLst>
+                      <p:childTnLst>
+                        <p:par>
+                          <p:cTn id="13" fill="hold">
+                            <p:stCondLst>
+                              <p:cond delay="0"/>
+                            </p:stCondLst>
+                            <p:childTnLst>
+                              <p:par>
+                                <p:cTn id="14" presetID="1" presetClass="entr" presetSubtype="0" fill="hold" nodeType="clickEffect">
+                                  <p:stCondLst>
+                                    <p:cond delay="0"/>
+                                  </p:stCondLst>
+                                  <p:childTnLst>
+                                    <p:set>
+                                      <p:cBhvr>
+                                        <p:cTn id="15" dur="1" fill="hold">
+                                          <p:stCondLst>
+                                            <p:cond delay="0"/>
+                                          </p:stCondLst>
+                                        </p:cTn>
+                                        <p:tgtEl>
+                                          <p:spTgt spid="3">
+                                            <p:txEl>
+                                              <p:pRg st="1" end="1"/>
+                                            </p:txEl>
+                                          </p:spTgt>
+                                        </p:tgtEl>
+                                        <p:attrNameLst>
+                                          <p:attrName>style.visibility</p:attrName>
+                                        </p:attrNameLst>
+                                      </p:cBhvr>
+                                      <p:to>
+                                        <p:strVal val="visible"/>
+                                      </p:to>
+                                    </p:set>
+                                  </p:childTnLst>
+                                </p:cTn>
+                              </p:par>
+                            </p:childTnLst>
+                          </p:cTn>
+                        </p:par>
+                      </p:childTnLst>
+                    </p:cTn>
+                  </p:par>
+                  <p:par>
+                    <p:cTn id="16" fill="hold">
+                      <p:stCondLst>
+                        <p:cond delay="indefinite"/>
+                      </p:stCondLst>
+                      <p:childTnLst>
+                        <p:par>
+                          <p:cTn id="17" fill="hold">
+                            <p:stCondLst>
+                              <p:cond delay="0"/>
+                            </p:stCondLst>
+                            <p:childTnLst>
+                              <p:par>
+                                <p:cTn id="18" presetID="1" presetClass="entr" presetSubtype="0" fill="hold" nodeType="clickEffect">
+                                  <p:stCondLst>
+                                    <p:cond delay="0"/>
+                                  </p:stCondLst>
+                                  <p:childTnLst>
+                                    <p:set>
+                                      <p:cBhvr>
+                                        <p:cTn id="19" dur="1" fill="hold">
+                                          <p:stCondLst>
+                                            <p:cond delay="0"/>
+                                          </p:stCondLst>
+                                        </p:cTn>
+                                        <p:tgtEl>
+                                          <p:spTgt spid="3">
+                                            <p:txEl>
+                                              <p:pRg st="2" end="2"/>
+                                            </p:txEl>
+                                          </p:spTgt>
+                                        </p:tgtEl>
+                                        <p:attrNameLst>
+                                          <p:attrName>style.visibility</p:attrName>
+                                        </p:attrNameLst>
+                                      </p:cBhvr>
+                                      <p:to>
+                                        <p:strVal val="visible"/>
+                                      </p:to>
+                                    </p:set>
+                                  </p:childTnLst>
+                                </p:cTn>
+                              </p:par>
+                            </p:childTnLst>
+                          </p:cTn>
+                        </p:par>
+                      </p:childTnLst>
+                    </p:cTn>
+                  </p:par>
+                  <p:par>
+                    <p:cTn id="20" fill="hold">
+                      <p:stCondLst>
+                        <p:cond delay="indefinite"/>
+                      </p:stCondLst>
+                      <p:childTnLst>
+                        <p:par>
+                          <p:cTn id="21" fill="hold">
+                            <p:stCondLst>
+                              <p:cond delay="0"/>
+                            </p:stCondLst>
+                            <p:childTnLst>
+                              <p:par>
+                                <p:cTn id="22" presetID="1" presetClass="entr" presetSubtype="0" fill="hold" nodeType="clickEffect">
+                                  <p:stCondLst>
+                                    <p:cond delay="0"/>
+                                  </p:stCondLst>
+                                  <p:childTnLst>
+                                    <p:set>
+                                      <p:cBhvr>
+                                        <p:cTn id="23" dur="1" fill="hold">
+                                          <p:stCondLst>
+                                            <p:cond delay="0"/>
+                                          </p:stCondLst>
+                                        </p:cTn>
+                                        <p:tgtEl>
+                                          <p:spTgt spid="3">
+                                            <p:txEl>
+                                              <p:pRg st="3" end="3"/>
+                                            </p:txEl>
+                                          </p:spTgt>
+                                        </p:tgtEl>
+                                        <p:attrNameLst>
+                                          <p:attrName>style.visibility</p:attrName>
+                                        </p:attrNameLst>
+                                      </p:cBhvr>
+                                      <p:to>
+                                        <p:strVal val="visible"/>
+                                      </p:to>
+                                    </p:set>
+                                  </p:childTnLst>
+                                </p:cTn>
+                              </p:par>
+                            </p:childTnLst>
+                          </p:cTn>
+                        </p:par>
+                      </p:childTnLst>
+                    </p:cTn>
+                  </p:par>
+                </p:childTnLst>
+              </p:cTn>
+              <p:prevCondLst>
+                <p:cond evt="onPrev" delay="0">
+                  <p:tgtEl>
+                    <p:sldTgt/>
+                  </p:tgtEl>
+                </p:cond>
+              </p:prevCondLst>
+              <p:nextCondLst>
+                <p:cond evt="onNext" delay="0">
+                  <p:tgtEl>
+                    <p:sldTgt/>
+                  </p:tgtEl>
+                </p:cond>
+              </p:nextCondLst>
+            </p:seq>
+          </p:childTnLst>
+        </p:cTn>
+      </p:par>
+    </p:tnLst>
+    <p:bldLst>
+      <p:bldP spid="2" grpId="0"/>
+    </p:bldLst>
+  </p:timing>
+</p:sld>
+</file>
+
+<file path=ppt/slides/slide17.xml><?xml version="1.0" encoding="utf-8"?>
 <p:sld xmlns:a="http://schemas.openxmlformats.org/drawingml/2006/main" xmlns:r="http://schemas.openxmlformats.org/officeDocument/2006/relationships" xmlns:p="http://schemas.openxmlformats.org/presentationml/2006/main">
   <p:cSld>
     <p:spTree>
@@ -6340,6 +6758,238 @@
       </p:grpSpPr>
       <p:sp>
         <p:nvSpPr>
+          <p:cNvPr id="2" name="Title 1"/>
+          <p:cNvSpPr>
+            <a:spLocks noGrp="1"/>
+          </p:cNvSpPr>
+          <p:nvPr>
+            <p:ph type="ctrTitle"/>
+          </p:nvPr>
+        </p:nvSpPr>
+        <p:spPr/>
+        <p:txBody>
+          <a:bodyPr>
+            <a:normAutofit/>
+          </a:bodyPr>
+          <a:lstStyle/>
+          <a:p>
+            <a:r>
+              <a:rPr lang="en-US" cap="none" dirty="0" smtClean="0"/>
+              <a:t>CIS234a </a:t>
+            </a:r>
+            <a:r>
+              <a:rPr lang="en-US" dirty="0" smtClean="0"/>
+              <a:t>– </a:t>
+            </a:r>
+            <a:r>
+              <a:rPr lang="en-US" cap="none" dirty="0"/>
+              <a:t>t</a:t>
+            </a:r>
+            <a:r>
+              <a:rPr lang="en-US" cap="none" dirty="0" smtClean="0"/>
+              <a:t>1</a:t>
+            </a:r>
+            <a:r>
+              <a:rPr lang="en-US" dirty="0" smtClean="0"/>
+              <a:t/>
+            </a:r>
+            <a:br>
+              <a:rPr lang="en-US" dirty="0" smtClean="0"/>
+            </a:br>
+            <a:r>
+              <a:rPr lang="en-US" dirty="0" smtClean="0"/>
+              <a:t>ranking System </a:t>
+            </a:r>
+            <a:br>
+              <a:rPr lang="en-US" dirty="0" smtClean="0"/>
+            </a:br>
+            <a:r>
+              <a:rPr lang="en-US" dirty="0" smtClean="0"/>
+              <a:t>java application</a:t>
+            </a:r>
+            <a:endParaRPr lang="en-US" dirty="0"/>
+          </a:p>
+        </p:txBody>
+      </p:sp>
+    </p:spTree>
+    <p:extLst>
+      <p:ext uri="{BB962C8B-B14F-4D97-AF65-F5344CB8AC3E}">
+        <p14:creationId xmlns:p14="http://schemas.microsoft.com/office/powerpoint/2010/main" val="3861256739"/>
+      </p:ext>
+    </p:extLst>
+  </p:cSld>
+  <p:clrMapOvr>
+    <a:masterClrMapping/>
+  </p:clrMapOvr>
+  <mc:AlternateContent xmlns:mc="http://schemas.openxmlformats.org/markup-compatibility/2006" xmlns:p14="http://schemas.microsoft.com/office/powerpoint/2010/main">
+    <mc:Choice Requires="p14">
+      <p:transition spd="med" p14:dur="700">
+        <p:fade/>
+      </p:transition>
+    </mc:Choice>
+    <mc:Fallback xmlns="">
+      <p:transition spd="med">
+        <p:fade/>
+      </p:transition>
+    </mc:Fallback>
+  </mc:AlternateContent>
+  <p:timing>
+    <p:tnLst>
+      <p:par>
+        <p:cTn id="1" dur="indefinite" restart="never" nodeType="tmRoot">
+          <p:childTnLst>
+            <p:seq concurrent="1" nextAc="seek">
+              <p:cTn id="2" dur="indefinite" nodeType="mainSeq">
+                <p:childTnLst>
+                  <p:par>
+                    <p:cTn id="3" fill="hold">
+                      <p:stCondLst>
+                        <p:cond delay="indefinite"/>
+                        <p:cond evt="onBegin" delay="0">
+                          <p:tn val="2"/>
+                        </p:cond>
+                      </p:stCondLst>
+                      <p:childTnLst>
+                        <p:par>
+                          <p:cTn id="4" fill="hold">
+                            <p:stCondLst>
+                              <p:cond delay="0"/>
+                            </p:stCondLst>
+                            <p:childTnLst>
+                              <p:par>
+                                <p:cTn id="5" presetID="42" presetClass="entr" presetSubtype="0" fill="hold" grpId="0" nodeType="withEffect">
+                                  <p:stCondLst>
+                                    <p:cond delay="0"/>
+                                  </p:stCondLst>
+                                  <p:childTnLst>
+                                    <p:set>
+                                      <p:cBhvr>
+                                        <p:cTn id="6" dur="1" fill="hold">
+                                          <p:stCondLst>
+                                            <p:cond delay="0"/>
+                                          </p:stCondLst>
+                                        </p:cTn>
+                                        <p:tgtEl>
+                                          <p:spTgt spid="2"/>
+                                        </p:tgtEl>
+                                        <p:attrNameLst>
+                                          <p:attrName>style.visibility</p:attrName>
+                                        </p:attrNameLst>
+                                      </p:cBhvr>
+                                      <p:to>
+                                        <p:strVal val="visible"/>
+                                      </p:to>
+                                    </p:set>
+                                    <p:animEffect transition="in" filter="fade">
+                                      <p:cBhvr>
+                                        <p:cTn id="7" dur="1000"/>
+                                        <p:tgtEl>
+                                          <p:spTgt spid="2"/>
+                                        </p:tgtEl>
+                                      </p:cBhvr>
+                                    </p:animEffect>
+                                    <p:anim calcmode="lin" valueType="num">
+                                      <p:cBhvr>
+                                        <p:cTn id="8" dur="1000" fill="hold"/>
+                                        <p:tgtEl>
+                                          <p:spTgt spid="2"/>
+                                        </p:tgtEl>
+                                        <p:attrNameLst>
+                                          <p:attrName>ppt_x</p:attrName>
+                                        </p:attrNameLst>
+                                      </p:cBhvr>
+                                      <p:tavLst>
+                                        <p:tav tm="0">
+                                          <p:val>
+                                            <p:strVal val="#ppt_x"/>
+                                          </p:val>
+                                        </p:tav>
+                                        <p:tav tm="100000">
+                                          <p:val>
+                                            <p:strVal val="#ppt_x"/>
+                                          </p:val>
+                                        </p:tav>
+                                      </p:tavLst>
+                                    </p:anim>
+                                    <p:anim calcmode="lin" valueType="num">
+                                      <p:cBhvr>
+                                        <p:cTn id="9" dur="1000" fill="hold"/>
+                                        <p:tgtEl>
+                                          <p:spTgt spid="2"/>
+                                        </p:tgtEl>
+                                        <p:attrNameLst>
+                                          <p:attrName>ppt_y</p:attrName>
+                                        </p:attrNameLst>
+                                      </p:cBhvr>
+                                      <p:tavLst>
+                                        <p:tav tm="0">
+                                          <p:val>
+                                            <p:strVal val="#ppt_y+.1"/>
+                                          </p:val>
+                                        </p:tav>
+                                        <p:tav tm="100000">
+                                          <p:val>
+                                            <p:strVal val="#ppt_y"/>
+                                          </p:val>
+                                        </p:tav>
+                                      </p:tavLst>
+                                    </p:anim>
+                                  </p:childTnLst>
+                                </p:cTn>
+                              </p:par>
+                            </p:childTnLst>
+                          </p:cTn>
+                        </p:par>
+                      </p:childTnLst>
+                    </p:cTn>
+                  </p:par>
+                </p:childTnLst>
+              </p:cTn>
+              <p:prevCondLst>
+                <p:cond evt="onPrev" delay="0">
+                  <p:tgtEl>
+                    <p:sldTgt/>
+                  </p:tgtEl>
+                </p:cond>
+              </p:prevCondLst>
+              <p:nextCondLst>
+                <p:cond evt="onNext" delay="0">
+                  <p:tgtEl>
+                    <p:sldTgt/>
+                  </p:tgtEl>
+                </p:cond>
+              </p:nextCondLst>
+            </p:seq>
+          </p:childTnLst>
+        </p:cTn>
+      </p:par>
+    </p:tnLst>
+    <p:bldLst>
+      <p:bldP spid="2" grpId="0"/>
+    </p:bldLst>
+  </p:timing>
+</p:sld>
+</file>
+
+<file path=ppt/slides/slide3.xml><?xml version="1.0" encoding="utf-8"?>
+<p:sld xmlns:a="http://schemas.openxmlformats.org/drawingml/2006/main" xmlns:r="http://schemas.openxmlformats.org/officeDocument/2006/relationships" xmlns:p="http://schemas.openxmlformats.org/presentationml/2006/main">
+  <p:cSld>
+    <p:spTree>
+      <p:nvGrpSpPr>
+        <p:cNvPr id="1" name=""/>
+        <p:cNvGrpSpPr/>
+        <p:nvPr/>
+      </p:nvGrpSpPr>
+      <p:grpSpPr>
+        <a:xfrm>
+          <a:off x="0" y="0"/>
+          <a:ext cx="0" cy="0"/>
+          <a:chOff x="0" y="0"/>
+          <a:chExt cx="0" cy="0"/>
+        </a:xfrm>
+      </p:grpSpPr>
+      <p:sp>
+        <p:nvSpPr>
           <p:cNvPr id="3" name="Content Placeholder 2"/>
           <p:cNvSpPr>
             <a:spLocks noGrp="1"/>
@@ -6374,7 +7024,18 @@
           <a:p>
             <a:r>
               <a:rPr lang="en-US" sz="4000" dirty="0" smtClean="0"/>
-              <a:t>Challenges / Lessons Learned</a:t>
+              <a:t>Application Demo</a:t>
+            </a:r>
+            <a:endParaRPr lang="en-US" sz="4000" dirty="0" smtClean="0"/>
+          </a:p>
+          <a:p>
+            <a:r>
+              <a:rPr lang="en-US" sz="4000" dirty="0" smtClean="0"/>
+              <a:t>Lessons </a:t>
+            </a:r>
+            <a:r>
+              <a:rPr lang="en-US" sz="4000" dirty="0" smtClean="0"/>
+              <a:t>Learned</a:t>
             </a:r>
           </a:p>
           <a:p>
@@ -6675,6 +7336,55 @@
                       </p:childTnLst>
                     </p:cTn>
                   </p:par>
+                  <p:par>
+                    <p:cTn id="22" fill="hold">
+                      <p:stCondLst>
+                        <p:cond delay="indefinite"/>
+                      </p:stCondLst>
+                      <p:childTnLst>
+                        <p:par>
+                          <p:cTn id="23" fill="hold">
+                            <p:stCondLst>
+                              <p:cond delay="0"/>
+                            </p:stCondLst>
+                            <p:childTnLst>
+                              <p:par>
+                                <p:cTn id="24" presetID="1" presetClass="entr" presetSubtype="0" fill="hold" nodeType="clickEffect">
+                                  <p:stCondLst>
+                                    <p:cond delay="0"/>
+                                  </p:stCondLst>
+                                  <p:childTnLst>
+                                    <p:set>
+                                      <p:cBhvr>
+                                        <p:cTn id="25" dur="1" fill="hold">
+                                          <p:stCondLst>
+                                            <p:cond delay="0"/>
+                                          </p:stCondLst>
+                                        </p:cTn>
+                                        <p:tgtEl>
+                                          <p:spTgt spid="3">
+                                            <p:txEl>
+                                              <p:pRg st="4" end="4"/>
+                                            </p:txEl>
+                                          </p:spTgt>
+                                        </p:tgtEl>
+                                        <p:attrNameLst>
+                                          <p:attrName>style.visibility</p:attrName>
+                                        </p:attrNameLst>
+                                      </p:cBhvr>
+                                      <p:to>
+                                        <p:strVal val="visible"/>
+                                      </p:to>
+                                    </p:set>
+                                  </p:childTnLst>
+                                </p:cTn>
+                              </p:par>
+                            </p:childTnLst>
+                          </p:cTn>
+                        </p:par>
+                      </p:childTnLst>
+                    </p:cTn>
+                  </p:par>
                 </p:childTnLst>
               </p:cTn>
               <p:prevCondLst>
@@ -6703,7 +7413,7 @@
 </p:sld>
 </file>
 
-<file path=ppt/slides/slide3.xml><?xml version="1.0" encoding="utf-8"?>
+<file path=ppt/slides/slide4.xml><?xml version="1.0" encoding="utf-8"?>
 <p:sld xmlns:a="http://schemas.openxmlformats.org/drawingml/2006/main" xmlns:r="http://schemas.openxmlformats.org/officeDocument/2006/relationships" xmlns:p="http://schemas.openxmlformats.org/presentationml/2006/main">
   <p:cSld>
     <p:spTree>
@@ -7309,7 +8019,7 @@
 </p:sld>
 </file>
 
-<file path=ppt/slides/slide4.xml><?xml version="1.0" encoding="utf-8"?>
+<file path=ppt/slides/slide5.xml><?xml version="1.0" encoding="utf-8"?>
 <p:sld xmlns:a="http://schemas.openxmlformats.org/drawingml/2006/main" xmlns:r="http://schemas.openxmlformats.org/officeDocument/2006/relationships" xmlns:p="http://schemas.openxmlformats.org/presentationml/2006/main">
   <p:cSld>
     <p:spTree>
@@ -7686,7 +8396,7 @@
 </p:sld>
 </file>
 
-<file path=ppt/slides/slide5.xml><?xml version="1.0" encoding="utf-8"?>
+<file path=ppt/slides/slide6.xml><?xml version="1.0" encoding="utf-8"?>
 <p:sld xmlns:a="http://schemas.openxmlformats.org/drawingml/2006/main" xmlns:r="http://schemas.openxmlformats.org/officeDocument/2006/relationships" xmlns:p="http://schemas.openxmlformats.org/presentationml/2006/main">
   <p:cSld>
     <p:spTree>
@@ -8097,7 +8807,7 @@
 </p:sld>
 </file>
 
-<file path=ppt/slides/slide6.xml><?xml version="1.0" encoding="utf-8"?>
+<file path=ppt/slides/slide7.xml><?xml version="1.0" encoding="utf-8"?>
 <p:sld xmlns:a="http://schemas.openxmlformats.org/drawingml/2006/main" xmlns:r="http://schemas.openxmlformats.org/officeDocument/2006/relationships" xmlns:p="http://schemas.openxmlformats.org/presentationml/2006/main">
   <p:cSld>
     <p:spTree>
@@ -8379,7 +9089,293 @@
 </p:sld>
 </file>
 
-<file path=ppt/slides/slide7.xml><?xml version="1.0" encoding="utf-8"?>
+<file path=ppt/slides/slide8.xml><?xml version="1.0" encoding="utf-8"?>
+<p:sld xmlns:a="http://schemas.openxmlformats.org/drawingml/2006/main" xmlns:r="http://schemas.openxmlformats.org/officeDocument/2006/relationships" xmlns:p="http://schemas.openxmlformats.org/presentationml/2006/main">
+  <p:cSld>
+    <p:spTree>
+      <p:nvGrpSpPr>
+        <p:cNvPr id="1" name=""/>
+        <p:cNvGrpSpPr/>
+        <p:nvPr/>
+      </p:nvGrpSpPr>
+      <p:grpSpPr>
+        <a:xfrm>
+          <a:off x="0" y="0"/>
+          <a:ext cx="0" cy="0"/>
+          <a:chOff x="0" y="0"/>
+          <a:chExt cx="0" cy="0"/>
+        </a:xfrm>
+      </p:grpSpPr>
+      <p:sp>
+        <p:nvSpPr>
+          <p:cNvPr id="3" name="Content Placeholder 2"/>
+          <p:cNvSpPr>
+            <a:spLocks noGrp="1"/>
+          </p:cNvSpPr>
+          <p:nvPr>
+            <p:ph idx="1"/>
+          </p:nvPr>
+        </p:nvSpPr>
+        <p:spPr/>
+        <p:txBody>
+          <a:bodyPr/>
+          <a:lstStyle/>
+          <a:p>
+            <a:pPr lvl="1"/>
+            <a:endParaRPr lang="en-US" dirty="0" smtClean="0"/>
+          </a:p>
+          <a:p>
+            <a:endParaRPr lang="en-US" dirty="0"/>
+          </a:p>
+        </p:txBody>
+      </p:sp>
+      <p:sp>
+        <p:nvSpPr>
+          <p:cNvPr id="2" name="Title 1"/>
+          <p:cNvSpPr>
+            <a:spLocks noGrp="1"/>
+          </p:cNvSpPr>
+          <p:nvPr>
+            <p:ph type="title"/>
+          </p:nvPr>
+        </p:nvSpPr>
+        <p:spPr/>
+        <p:txBody>
+          <a:bodyPr/>
+          <a:lstStyle/>
+          <a:p>
+            <a:r>
+              <a:rPr lang="en-US" dirty="0" smtClean="0"/>
+              <a:t>Overview </a:t>
+            </a:r>
+            <a:r>
+              <a:rPr lang="en-US" dirty="0" smtClean="0"/>
+              <a:t>– Registration Screen</a:t>
+            </a:r>
+            <a:endParaRPr lang="en-US" dirty="0"/>
+          </a:p>
+        </p:txBody>
+      </p:sp>
+      <p:pic>
+        <p:nvPicPr>
+          <p:cNvPr id="4" name="Picture 3"/>
+          <p:cNvPicPr>
+            <a:picLocks noChangeAspect="1"/>
+          </p:cNvPicPr>
+          <p:nvPr/>
+        </p:nvPicPr>
+        <p:blipFill>
+          <a:blip r:embed="rId2"/>
+          <a:stretch>
+            <a:fillRect/>
+          </a:stretch>
+        </p:blipFill>
+        <p:spPr>
+          <a:xfrm>
+            <a:off x="2669969" y="2281254"/>
+            <a:ext cx="5805291" cy="2726133"/>
+          </a:xfrm>
+          <a:prstGeom prst="rect">
+            <a:avLst/>
+          </a:prstGeom>
+        </p:spPr>
+      </p:pic>
+    </p:spTree>
+    <p:extLst>
+      <p:ext uri="{BB962C8B-B14F-4D97-AF65-F5344CB8AC3E}">
+        <p14:creationId xmlns:p14="http://schemas.microsoft.com/office/powerpoint/2010/main" val="1213876875"/>
+      </p:ext>
+    </p:extLst>
+  </p:cSld>
+  <p:clrMapOvr>
+    <a:masterClrMapping/>
+  </p:clrMapOvr>
+  <mc:AlternateContent xmlns:mc="http://schemas.openxmlformats.org/markup-compatibility/2006" xmlns:p14="http://schemas.microsoft.com/office/powerpoint/2010/main">
+    <mc:Choice Requires="p14">
+      <p:transition spd="med" p14:dur="700">
+        <p:fade/>
+      </p:transition>
+    </mc:Choice>
+    <mc:Fallback xmlns="">
+      <p:transition spd="med">
+        <p:fade/>
+      </p:transition>
+    </mc:Fallback>
+  </mc:AlternateContent>
+  <p:timing>
+    <p:tnLst>
+      <p:par>
+        <p:cTn id="1" dur="indefinite" restart="never" nodeType="tmRoot">
+          <p:childTnLst>
+            <p:seq concurrent="1" nextAc="seek">
+              <p:cTn id="2" dur="indefinite" nodeType="mainSeq">
+                <p:childTnLst>
+                  <p:par>
+                    <p:cTn id="3" fill="hold">
+                      <p:stCondLst>
+                        <p:cond delay="indefinite"/>
+                        <p:cond evt="onBegin" delay="0">
+                          <p:tn val="2"/>
+                        </p:cond>
+                      </p:stCondLst>
+                      <p:childTnLst>
+                        <p:par>
+                          <p:cTn id="4" fill="hold">
+                            <p:stCondLst>
+                              <p:cond delay="0"/>
+                            </p:stCondLst>
+                            <p:childTnLst>
+                              <p:par>
+                                <p:cTn id="5" presetID="22" presetClass="entr" presetSubtype="8" fill="hold" grpId="0" nodeType="withEffect">
+                                  <p:stCondLst>
+                                    <p:cond delay="0"/>
+                                  </p:stCondLst>
+                                  <p:childTnLst>
+                                    <p:set>
+                                      <p:cBhvr>
+                                        <p:cTn id="6" dur="1" fill="hold">
+                                          <p:stCondLst>
+                                            <p:cond delay="0"/>
+                                          </p:stCondLst>
+                                        </p:cTn>
+                                        <p:tgtEl>
+                                          <p:spTgt spid="2"/>
+                                        </p:tgtEl>
+                                        <p:attrNameLst>
+                                          <p:attrName>style.visibility</p:attrName>
+                                        </p:attrNameLst>
+                                      </p:cBhvr>
+                                      <p:to>
+                                        <p:strVal val="visible"/>
+                                      </p:to>
+                                    </p:set>
+                                    <p:animEffect transition="in" filter="wipe(left)">
+                                      <p:cBhvr>
+                                        <p:cTn id="7" dur="500"/>
+                                        <p:tgtEl>
+                                          <p:spTgt spid="2"/>
+                                        </p:tgtEl>
+                                      </p:cBhvr>
+                                    </p:animEffect>
+                                  </p:childTnLst>
+                                </p:cTn>
+                              </p:par>
+                              <p:par>
+                                <p:cTn id="8" presetID="53" presetClass="entr" presetSubtype="16" fill="hold" nodeType="withEffect">
+                                  <p:stCondLst>
+                                    <p:cond delay="1000"/>
+                                  </p:stCondLst>
+                                  <p:childTnLst>
+                                    <p:set>
+                                      <p:cBhvr>
+                                        <p:cTn id="9" dur="1" fill="hold">
+                                          <p:stCondLst>
+                                            <p:cond delay="0"/>
+                                          </p:stCondLst>
+                                        </p:cTn>
+                                        <p:tgtEl>
+                                          <p:spTgt spid="4"/>
+                                        </p:tgtEl>
+                                        <p:attrNameLst>
+                                          <p:attrName>style.visibility</p:attrName>
+                                        </p:attrNameLst>
+                                      </p:cBhvr>
+                                      <p:to>
+                                        <p:strVal val="visible"/>
+                                      </p:to>
+                                    </p:set>
+                                    <p:anim calcmode="lin" valueType="num">
+                                      <p:cBhvr>
+                                        <p:cTn id="10" dur="10" fill="hold"/>
+                                        <p:tgtEl>
+                                          <p:spTgt spid="4"/>
+                                        </p:tgtEl>
+                                        <p:attrNameLst>
+                                          <p:attrName>ppt_w</p:attrName>
+                                        </p:attrNameLst>
+                                      </p:cBhvr>
+                                      <p:tavLst>
+                                        <p:tav tm="0">
+                                          <p:val>
+                                            <p:fltVal val="0"/>
+                                          </p:val>
+                                        </p:tav>
+                                        <p:tav tm="100000">
+                                          <p:val>
+                                            <p:strVal val="#ppt_w"/>
+                                          </p:val>
+                                        </p:tav>
+                                      </p:tavLst>
+                                    </p:anim>
+                                    <p:anim calcmode="lin" valueType="num">
+                                      <p:cBhvr>
+                                        <p:cTn id="11" dur="10" fill="hold"/>
+                                        <p:tgtEl>
+                                          <p:spTgt spid="4"/>
+                                        </p:tgtEl>
+                                        <p:attrNameLst>
+                                          <p:attrName>ppt_h</p:attrName>
+                                        </p:attrNameLst>
+                                      </p:cBhvr>
+                                      <p:tavLst>
+                                        <p:tav tm="0">
+                                          <p:val>
+                                            <p:fltVal val="0"/>
+                                          </p:val>
+                                        </p:tav>
+                                        <p:tav tm="100000">
+                                          <p:val>
+                                            <p:strVal val="#ppt_h"/>
+                                          </p:val>
+                                        </p:tav>
+                                      </p:tavLst>
+                                    </p:anim>
+                                    <p:animEffect transition="in" filter="fade">
+                                      <p:cBhvr>
+                                        <p:cTn id="12" dur="10"/>
+                                        <p:tgtEl>
+                                          <p:spTgt spid="4"/>
+                                        </p:tgtEl>
+                                      </p:cBhvr>
+                                    </p:animEffect>
+                                  </p:childTnLst>
+                                </p:cTn>
+                              </p:par>
+                            </p:childTnLst>
+                          </p:cTn>
+                        </p:par>
+                      </p:childTnLst>
+                    </p:cTn>
+                  </p:par>
+                </p:childTnLst>
+              </p:cTn>
+              <p:prevCondLst>
+                <p:cond evt="onPrev" delay="0">
+                  <p:tgtEl>
+                    <p:sldTgt/>
+                  </p:tgtEl>
+                </p:cond>
+              </p:prevCondLst>
+              <p:nextCondLst>
+                <p:cond evt="onNext" delay="0">
+                  <p:tgtEl>
+                    <p:sldTgt/>
+                  </p:tgtEl>
+                </p:cond>
+              </p:nextCondLst>
+            </p:seq>
+          </p:childTnLst>
+        </p:cTn>
+      </p:par>
+    </p:tnLst>
+    <p:bldLst>
+      <p:bldP spid="2" grpId="0"/>
+    </p:bldLst>
+  </p:timing>
+</p:sld>
+</file>
+
+<file path=ppt/slides/slide9.xml><?xml version="1.0" encoding="utf-8"?>
 <p:sld xmlns:a="http://schemas.openxmlformats.org/drawingml/2006/main" xmlns:r="http://schemas.openxmlformats.org/officeDocument/2006/relationships" xmlns:p="http://schemas.openxmlformats.org/presentationml/2006/main">
   <p:cSld>
     <p:spTree>
@@ -8782,631 +9778,6 @@
                                           <p:spTgt spid="3">
                                             <p:txEl>
                                               <p:pRg st="4" end="4"/>
-                                            </p:txEl>
-                                          </p:spTgt>
-                                        </p:tgtEl>
-                                        <p:attrNameLst>
-                                          <p:attrName>style.visibility</p:attrName>
-                                        </p:attrNameLst>
-                                      </p:cBhvr>
-                                      <p:to>
-                                        <p:strVal val="visible"/>
-                                      </p:to>
-                                    </p:set>
-                                  </p:childTnLst>
-                                </p:cTn>
-                              </p:par>
-                            </p:childTnLst>
-                          </p:cTn>
-                        </p:par>
-                      </p:childTnLst>
-                    </p:cTn>
-                  </p:par>
-                </p:childTnLst>
-              </p:cTn>
-              <p:prevCondLst>
-                <p:cond evt="onPrev" delay="0">
-                  <p:tgtEl>
-                    <p:sldTgt/>
-                  </p:tgtEl>
-                </p:cond>
-              </p:prevCondLst>
-              <p:nextCondLst>
-                <p:cond evt="onNext" delay="0">
-                  <p:tgtEl>
-                    <p:sldTgt/>
-                  </p:tgtEl>
-                </p:cond>
-              </p:nextCondLst>
-            </p:seq>
-          </p:childTnLst>
-        </p:cTn>
-      </p:par>
-    </p:tnLst>
-    <p:bldLst>
-      <p:bldP spid="2" grpId="0"/>
-    </p:bldLst>
-  </p:timing>
-</p:sld>
-</file>
-
-<file path=ppt/slides/slide8.xml><?xml version="1.0" encoding="utf-8"?>
-<p:sld xmlns:a="http://schemas.openxmlformats.org/drawingml/2006/main" xmlns:r="http://schemas.openxmlformats.org/officeDocument/2006/relationships" xmlns:p="http://schemas.openxmlformats.org/presentationml/2006/main">
-  <p:cSld>
-    <p:spTree>
-      <p:nvGrpSpPr>
-        <p:cNvPr id="1" name=""/>
-        <p:cNvGrpSpPr/>
-        <p:nvPr/>
-      </p:nvGrpSpPr>
-      <p:grpSpPr>
-        <a:xfrm>
-          <a:off x="0" y="0"/>
-          <a:ext cx="0" cy="0"/>
-          <a:chOff x="0" y="0"/>
-          <a:chExt cx="0" cy="0"/>
-        </a:xfrm>
-      </p:grpSpPr>
-      <p:sp>
-        <p:nvSpPr>
-          <p:cNvPr id="3" name="Content Placeholder 2"/>
-          <p:cNvSpPr>
-            <a:spLocks noGrp="1"/>
-          </p:cNvSpPr>
-          <p:nvPr>
-            <p:ph idx="1"/>
-          </p:nvPr>
-        </p:nvSpPr>
-        <p:spPr/>
-        <p:txBody>
-          <a:bodyPr/>
-          <a:lstStyle/>
-          <a:p>
-            <a:pPr lvl="1"/>
-            <a:endParaRPr lang="en-US" dirty="0" smtClean="0"/>
-          </a:p>
-          <a:p>
-            <a:endParaRPr lang="en-US" dirty="0"/>
-          </a:p>
-        </p:txBody>
-      </p:sp>
-      <p:sp>
-        <p:nvSpPr>
-          <p:cNvPr id="2" name="Title 1"/>
-          <p:cNvSpPr>
-            <a:spLocks noGrp="1"/>
-          </p:cNvSpPr>
-          <p:nvPr>
-            <p:ph type="title"/>
-          </p:nvPr>
-        </p:nvSpPr>
-        <p:spPr/>
-        <p:txBody>
-          <a:bodyPr/>
-          <a:lstStyle/>
-          <a:p>
-            <a:r>
-              <a:rPr lang="en-US" dirty="0" smtClean="0"/>
-              <a:t>Overview - Admin Test Setup Screen</a:t>
-            </a:r>
-            <a:endParaRPr lang="en-US" dirty="0"/>
-          </a:p>
-        </p:txBody>
-      </p:sp>
-      <p:pic>
-        <p:nvPicPr>
-          <p:cNvPr id="6" name="Picture 5"/>
-          <p:cNvPicPr>
-            <a:picLocks noChangeAspect="1"/>
-          </p:cNvPicPr>
-          <p:nvPr/>
-        </p:nvPicPr>
-        <p:blipFill>
-          <a:blip r:embed="rId2"/>
-          <a:stretch>
-            <a:fillRect/>
-          </a:stretch>
-        </p:blipFill>
-        <p:spPr>
-          <a:xfrm>
-            <a:off x="1036220" y="1307658"/>
-            <a:ext cx="10182123" cy="5418813"/>
-          </a:xfrm>
-          <a:prstGeom prst="rect">
-            <a:avLst/>
-          </a:prstGeom>
-        </p:spPr>
-      </p:pic>
-    </p:spTree>
-    <p:extLst>
-      <p:ext uri="{BB962C8B-B14F-4D97-AF65-F5344CB8AC3E}">
-        <p14:creationId xmlns:p14="http://schemas.microsoft.com/office/powerpoint/2010/main" val="1453078861"/>
-      </p:ext>
-    </p:extLst>
-  </p:cSld>
-  <p:clrMapOvr>
-    <a:masterClrMapping/>
-  </p:clrMapOvr>
-  <mc:AlternateContent xmlns:mc="http://schemas.openxmlformats.org/markup-compatibility/2006" xmlns:p14="http://schemas.microsoft.com/office/powerpoint/2010/main">
-    <mc:Choice Requires="p14">
-      <p:transition spd="med" p14:dur="700">
-        <p:fade/>
-      </p:transition>
-    </mc:Choice>
-    <mc:Fallback xmlns="">
-      <p:transition spd="med">
-        <p:fade/>
-      </p:transition>
-    </mc:Fallback>
-  </mc:AlternateContent>
-  <p:timing>
-    <p:tnLst>
-      <p:par>
-        <p:cTn id="1" dur="indefinite" restart="never" nodeType="tmRoot">
-          <p:childTnLst>
-            <p:seq concurrent="1" nextAc="seek">
-              <p:cTn id="2" dur="indefinite" nodeType="mainSeq">
-                <p:childTnLst>
-                  <p:par>
-                    <p:cTn id="3" fill="hold">
-                      <p:stCondLst>
-                        <p:cond delay="indefinite"/>
-                        <p:cond evt="onBegin" delay="0">
-                          <p:tn val="2"/>
-                        </p:cond>
-                      </p:stCondLst>
-                      <p:childTnLst>
-                        <p:par>
-                          <p:cTn id="4" fill="hold">
-                            <p:stCondLst>
-                              <p:cond delay="0"/>
-                            </p:stCondLst>
-                            <p:childTnLst>
-                              <p:par>
-                                <p:cTn id="5" presetID="10" presetClass="entr" presetSubtype="0" fill="hold" nodeType="withEffect">
-                                  <p:stCondLst>
-                                    <p:cond delay="1000"/>
-                                  </p:stCondLst>
-                                  <p:childTnLst>
-                                    <p:set>
-                                      <p:cBhvr>
-                                        <p:cTn id="6" dur="1" fill="hold">
-                                          <p:stCondLst>
-                                            <p:cond delay="0"/>
-                                          </p:stCondLst>
-                                        </p:cTn>
-                                        <p:tgtEl>
-                                          <p:spTgt spid="6"/>
-                                        </p:tgtEl>
-                                        <p:attrNameLst>
-                                          <p:attrName>style.visibility</p:attrName>
-                                        </p:attrNameLst>
-                                      </p:cBhvr>
-                                      <p:to>
-                                        <p:strVal val="visible"/>
-                                      </p:to>
-                                    </p:set>
-                                    <p:animEffect transition="in" filter="fade">
-                                      <p:cBhvr>
-                                        <p:cTn id="7" dur="10"/>
-                                        <p:tgtEl>
-                                          <p:spTgt spid="6"/>
-                                        </p:tgtEl>
-                                      </p:cBhvr>
-                                    </p:animEffect>
-                                  </p:childTnLst>
-                                </p:cTn>
-                              </p:par>
-                              <p:par>
-                                <p:cTn id="8" presetID="22" presetClass="entr" presetSubtype="8" fill="hold" grpId="0" nodeType="withEffect">
-                                  <p:stCondLst>
-                                    <p:cond delay="0"/>
-                                  </p:stCondLst>
-                                  <p:childTnLst>
-                                    <p:set>
-                                      <p:cBhvr>
-                                        <p:cTn id="9" dur="1" fill="hold">
-                                          <p:stCondLst>
-                                            <p:cond delay="0"/>
-                                          </p:stCondLst>
-                                        </p:cTn>
-                                        <p:tgtEl>
-                                          <p:spTgt spid="2"/>
-                                        </p:tgtEl>
-                                        <p:attrNameLst>
-                                          <p:attrName>style.visibility</p:attrName>
-                                        </p:attrNameLst>
-                                      </p:cBhvr>
-                                      <p:to>
-                                        <p:strVal val="visible"/>
-                                      </p:to>
-                                    </p:set>
-                                    <p:animEffect transition="in" filter="wipe(left)">
-                                      <p:cBhvr>
-                                        <p:cTn id="10" dur="500"/>
-                                        <p:tgtEl>
-                                          <p:spTgt spid="2"/>
-                                        </p:tgtEl>
-                                      </p:cBhvr>
-                                    </p:animEffect>
-                                  </p:childTnLst>
-                                </p:cTn>
-                              </p:par>
-                            </p:childTnLst>
-                          </p:cTn>
-                        </p:par>
-                      </p:childTnLst>
-                    </p:cTn>
-                  </p:par>
-                </p:childTnLst>
-              </p:cTn>
-              <p:prevCondLst>
-                <p:cond evt="onPrev" delay="0">
-                  <p:tgtEl>
-                    <p:sldTgt/>
-                  </p:tgtEl>
-                </p:cond>
-              </p:prevCondLst>
-              <p:nextCondLst>
-                <p:cond evt="onNext" delay="0">
-                  <p:tgtEl>
-                    <p:sldTgt/>
-                  </p:tgtEl>
-                </p:cond>
-              </p:nextCondLst>
-            </p:seq>
-          </p:childTnLst>
-        </p:cTn>
-      </p:par>
-    </p:tnLst>
-    <p:bldLst>
-      <p:bldP spid="2" grpId="0"/>
-    </p:bldLst>
-  </p:timing>
-</p:sld>
-</file>
-
-<file path=ppt/slides/slide9.xml><?xml version="1.0" encoding="utf-8"?>
-<p:sld xmlns:a="http://schemas.openxmlformats.org/drawingml/2006/main" xmlns:r="http://schemas.openxmlformats.org/officeDocument/2006/relationships" xmlns:p="http://schemas.openxmlformats.org/presentationml/2006/main">
-  <p:cSld>
-    <p:spTree>
-      <p:nvGrpSpPr>
-        <p:cNvPr id="1" name=""/>
-        <p:cNvGrpSpPr/>
-        <p:nvPr/>
-      </p:nvGrpSpPr>
-      <p:grpSpPr>
-        <a:xfrm>
-          <a:off x="0" y="0"/>
-          <a:ext cx="0" cy="0"/>
-          <a:chOff x="0" y="0"/>
-          <a:chExt cx="0" cy="0"/>
-        </a:xfrm>
-      </p:grpSpPr>
-      <p:sp>
-        <p:nvSpPr>
-          <p:cNvPr id="3" name="Content Placeholder 2"/>
-          <p:cNvSpPr>
-            <a:spLocks noGrp="1"/>
-          </p:cNvSpPr>
-          <p:nvPr>
-            <p:ph idx="1"/>
-          </p:nvPr>
-        </p:nvSpPr>
-        <p:spPr>
-          <a:xfrm>
-            <a:off x="609600" y="1600201"/>
-            <a:ext cx="10322258" cy="4525963"/>
-          </a:xfrm>
-        </p:spPr>
-        <p:txBody>
-          <a:bodyPr/>
-          <a:lstStyle/>
-          <a:p>
-            <a:r>
-              <a:rPr lang="en-US" sz="4000" dirty="0" smtClean="0"/>
-              <a:t>User Assigned A Unique Test Session ID</a:t>
-            </a:r>
-          </a:p>
-          <a:p>
-            <a:r>
-              <a:rPr lang="en-US" sz="4000" dirty="0" smtClean="0"/>
-              <a:t>Compares Items In Groups Of Two</a:t>
-            </a:r>
-          </a:p>
-          <a:p>
-            <a:r>
-              <a:rPr lang="en-US" sz="4000" dirty="0" smtClean="0"/>
-              <a:t>User Selects One, The Other, Or I Can’t Decide</a:t>
-            </a:r>
-          </a:p>
-          <a:p>
-            <a:r>
-              <a:rPr lang="en-US" sz="4000" dirty="0" smtClean="0"/>
-              <a:t>Progress Meter Shown/Hidden</a:t>
-            </a:r>
-            <a:endParaRPr lang="en-US" dirty="0" smtClean="0"/>
-          </a:p>
-          <a:p>
-            <a:endParaRPr lang="en-US" dirty="0"/>
-          </a:p>
-        </p:txBody>
-      </p:sp>
-      <p:sp>
-        <p:nvSpPr>
-          <p:cNvPr id="2" name="Title 1"/>
-          <p:cNvSpPr>
-            <a:spLocks noGrp="1"/>
-          </p:cNvSpPr>
-          <p:nvPr>
-            <p:ph type="title"/>
-          </p:nvPr>
-        </p:nvSpPr>
-        <p:spPr/>
-        <p:txBody>
-          <a:bodyPr/>
-          <a:lstStyle/>
-          <a:p>
-            <a:r>
-              <a:rPr lang="en-US" dirty="0" smtClean="0"/>
-              <a:t>Overview </a:t>
-            </a:r>
-            <a:r>
-              <a:rPr lang="en-US" dirty="0"/>
-              <a:t>-</a:t>
-            </a:r>
-            <a:r>
-              <a:rPr lang="en-US" dirty="0" smtClean="0"/>
-              <a:t> User Test</a:t>
-            </a:r>
-            <a:endParaRPr lang="en-US" dirty="0"/>
-          </a:p>
-        </p:txBody>
-      </p:sp>
-    </p:spTree>
-    <p:extLst>
-      <p:ext uri="{BB962C8B-B14F-4D97-AF65-F5344CB8AC3E}">
-        <p14:creationId xmlns:p14="http://schemas.microsoft.com/office/powerpoint/2010/main" val="3190350960"/>
-      </p:ext>
-    </p:extLst>
-  </p:cSld>
-  <p:clrMapOvr>
-    <a:masterClrMapping/>
-  </p:clrMapOvr>
-  <mc:AlternateContent xmlns:mc="http://schemas.openxmlformats.org/markup-compatibility/2006" xmlns:p14="http://schemas.microsoft.com/office/powerpoint/2010/main">
-    <mc:Choice Requires="p14">
-      <p:transition spd="med" p14:dur="700">
-        <p:fade/>
-      </p:transition>
-    </mc:Choice>
-    <mc:Fallback xmlns="">
-      <p:transition spd="med">
-        <p:fade/>
-      </p:transition>
-    </mc:Fallback>
-  </mc:AlternateContent>
-  <p:timing>
-    <p:tnLst>
-      <p:par>
-        <p:cTn id="1" dur="indefinite" restart="never" nodeType="tmRoot">
-          <p:childTnLst>
-            <p:seq concurrent="1" nextAc="seek">
-              <p:cTn id="2" dur="indefinite" nodeType="mainSeq">
-                <p:childTnLst>
-                  <p:par>
-                    <p:cTn id="3" fill="hold">
-                      <p:stCondLst>
-                        <p:cond delay="indefinite"/>
-                        <p:cond evt="onBegin" delay="0">
-                          <p:tn val="2"/>
-                        </p:cond>
-                      </p:stCondLst>
-                      <p:childTnLst>
-                        <p:par>
-                          <p:cTn id="4" fill="hold">
-                            <p:stCondLst>
-                              <p:cond delay="0"/>
-                            </p:stCondLst>
-                            <p:childTnLst>
-                              <p:par>
-                                <p:cTn id="5" presetID="22" presetClass="entr" presetSubtype="8" fill="hold" grpId="0" nodeType="withEffect">
-                                  <p:stCondLst>
-                                    <p:cond delay="0"/>
-                                  </p:stCondLst>
-                                  <p:childTnLst>
-                                    <p:set>
-                                      <p:cBhvr>
-                                        <p:cTn id="6" dur="1" fill="hold">
-                                          <p:stCondLst>
-                                            <p:cond delay="0"/>
-                                          </p:stCondLst>
-                                        </p:cTn>
-                                        <p:tgtEl>
-                                          <p:spTgt spid="2"/>
-                                        </p:tgtEl>
-                                        <p:attrNameLst>
-                                          <p:attrName>style.visibility</p:attrName>
-                                        </p:attrNameLst>
-                                      </p:cBhvr>
-                                      <p:to>
-                                        <p:strVal val="visible"/>
-                                      </p:to>
-                                    </p:set>
-                                    <p:animEffect transition="in" filter="wipe(left)">
-                                      <p:cBhvr>
-                                        <p:cTn id="7" dur="500"/>
-                                        <p:tgtEl>
-                                          <p:spTgt spid="2"/>
-                                        </p:tgtEl>
-                                      </p:cBhvr>
-                                    </p:animEffect>
-                                  </p:childTnLst>
-                                </p:cTn>
-                              </p:par>
-                              <p:par>
-                                <p:cTn id="8" presetID="1" presetClass="entr" presetSubtype="0" fill="hold" nodeType="withEffect">
-                                  <p:stCondLst>
-                                    <p:cond delay="1000"/>
-                                  </p:stCondLst>
-                                  <p:childTnLst>
-                                    <p:set>
-                                      <p:cBhvr>
-                                        <p:cTn id="9" dur="1" fill="hold">
-                                          <p:stCondLst>
-                                            <p:cond delay="0"/>
-                                          </p:stCondLst>
-                                        </p:cTn>
-                                        <p:tgtEl>
-                                          <p:spTgt spid="3">
-                                            <p:txEl>
-                                              <p:pRg st="0" end="0"/>
-                                            </p:txEl>
-                                          </p:spTgt>
-                                        </p:tgtEl>
-                                        <p:attrNameLst>
-                                          <p:attrName>style.visibility</p:attrName>
-                                        </p:attrNameLst>
-                                      </p:cBhvr>
-                                      <p:to>
-                                        <p:strVal val="visible"/>
-                                      </p:to>
-                                    </p:set>
-                                  </p:childTnLst>
-                                </p:cTn>
-                              </p:par>
-                            </p:childTnLst>
-                          </p:cTn>
-                        </p:par>
-                      </p:childTnLst>
-                    </p:cTn>
-                  </p:par>
-                  <p:par>
-                    <p:cTn id="10" fill="hold">
-                      <p:stCondLst>
-                        <p:cond delay="indefinite"/>
-                      </p:stCondLst>
-                      <p:childTnLst>
-                        <p:par>
-                          <p:cTn id="11" fill="hold">
-                            <p:stCondLst>
-                              <p:cond delay="0"/>
-                            </p:stCondLst>
-                            <p:childTnLst>
-                              <p:par>
-                                <p:cTn id="12" presetID="1" presetClass="entr" presetSubtype="0" fill="hold" nodeType="clickEffect">
-                                  <p:stCondLst>
-                                    <p:cond delay="0"/>
-                                  </p:stCondLst>
-                                  <p:childTnLst>
-                                    <p:set>
-                                      <p:cBhvr>
-                                        <p:cTn id="13" dur="1" fill="hold">
-                                          <p:stCondLst>
-                                            <p:cond delay="0"/>
-                                          </p:stCondLst>
-                                        </p:cTn>
-                                        <p:tgtEl>
-                                          <p:spTgt spid="3">
-                                            <p:txEl>
-                                              <p:pRg st="1" end="1"/>
-                                            </p:txEl>
-                                          </p:spTgt>
-                                        </p:tgtEl>
-                                        <p:attrNameLst>
-                                          <p:attrName>style.visibility</p:attrName>
-                                        </p:attrNameLst>
-                                      </p:cBhvr>
-                                      <p:to>
-                                        <p:strVal val="visible"/>
-                                      </p:to>
-                                    </p:set>
-                                  </p:childTnLst>
-                                </p:cTn>
-                              </p:par>
-                            </p:childTnLst>
-                          </p:cTn>
-                        </p:par>
-                      </p:childTnLst>
-                    </p:cTn>
-                  </p:par>
-                  <p:par>
-                    <p:cTn id="14" fill="hold">
-                      <p:stCondLst>
-                        <p:cond delay="indefinite"/>
-                      </p:stCondLst>
-                      <p:childTnLst>
-                        <p:par>
-                          <p:cTn id="15" fill="hold">
-                            <p:stCondLst>
-                              <p:cond delay="0"/>
-                            </p:stCondLst>
-                            <p:childTnLst>
-                              <p:par>
-                                <p:cTn id="16" presetID="1" presetClass="entr" presetSubtype="0" fill="hold" nodeType="clickEffect">
-                                  <p:stCondLst>
-                                    <p:cond delay="0"/>
-                                  </p:stCondLst>
-                                  <p:childTnLst>
-                                    <p:set>
-                                      <p:cBhvr>
-                                        <p:cTn id="17" dur="1" fill="hold">
-                                          <p:stCondLst>
-                                            <p:cond delay="0"/>
-                                          </p:stCondLst>
-                                        </p:cTn>
-                                        <p:tgtEl>
-                                          <p:spTgt spid="3">
-                                            <p:txEl>
-                                              <p:pRg st="2" end="2"/>
-                                            </p:txEl>
-                                          </p:spTgt>
-                                        </p:tgtEl>
-                                        <p:attrNameLst>
-                                          <p:attrName>style.visibility</p:attrName>
-                                        </p:attrNameLst>
-                                      </p:cBhvr>
-                                      <p:to>
-                                        <p:strVal val="visible"/>
-                                      </p:to>
-                                    </p:set>
-                                  </p:childTnLst>
-                                </p:cTn>
-                              </p:par>
-                            </p:childTnLst>
-                          </p:cTn>
-                        </p:par>
-                      </p:childTnLst>
-                    </p:cTn>
-                  </p:par>
-                  <p:par>
-                    <p:cTn id="18" fill="hold">
-                      <p:stCondLst>
-                        <p:cond delay="indefinite"/>
-                      </p:stCondLst>
-                      <p:childTnLst>
-                        <p:par>
-                          <p:cTn id="19" fill="hold">
-                            <p:stCondLst>
-                              <p:cond delay="0"/>
-                            </p:stCondLst>
-                            <p:childTnLst>
-                              <p:par>
-                                <p:cTn id="20" presetID="1" presetClass="entr" presetSubtype="0" fill="hold" nodeType="clickEffect">
-                                  <p:stCondLst>
-                                    <p:cond delay="0"/>
-                                  </p:stCondLst>
-                                  <p:childTnLst>
-                                    <p:set>
-                                      <p:cBhvr>
-                                        <p:cTn id="21" dur="1" fill="hold">
-                                          <p:stCondLst>
-                                            <p:cond delay="0"/>
-                                          </p:stCondLst>
-                                        </p:cTn>
-                                        <p:tgtEl>
-                                          <p:spTgt spid="3">
-                                            <p:txEl>
-                                              <p:pRg st="3" end="3"/>
                                             </p:txEl>
                                           </p:spTgt>
                                         </p:tgtEl>

--- a/assigns/assign10/t1-a10.pptx
+++ b/assigns/assign10/t1-a10.pptx
@@ -4199,67 +4199,6 @@
           <a:chExt cx="0" cy="0"/>
         </a:xfrm>
       </p:grpSpPr>
-      <p:sp>
-        <p:nvSpPr>
-          <p:cNvPr id="2" name="Subtitle 1"/>
-          <p:cNvSpPr>
-            <a:spLocks noGrp="1"/>
-          </p:cNvSpPr>
-          <p:nvPr>
-            <p:ph type="subTitle" idx="1"/>
-          </p:nvPr>
-        </p:nvSpPr>
-        <p:spPr/>
-        <p:txBody>
-          <a:bodyPr>
-            <a:normAutofit/>
-          </a:bodyPr>
-          <a:lstStyle/>
-          <a:p>
-            <a:r>
-              <a:rPr lang="en-US" dirty="0" smtClean="0"/>
-              <a:t>TODO</a:t>
-            </a:r>
-          </a:p>
-          <a:p>
-            <a:r>
-              <a:rPr lang="en-US" dirty="0" smtClean="0"/>
-              <a:t> </a:t>
-            </a:r>
-          </a:p>
-          <a:p>
-            <a:r>
-              <a:rPr lang="en-US" dirty="0" smtClean="0"/>
-              <a:t>Update Result Query for ties to that it sorts by item value</a:t>
-            </a:r>
-          </a:p>
-          <a:p>
-            <a:r>
-              <a:rPr lang="en-US" dirty="0" smtClean="0"/>
-              <a:t>Add Registration Screenshot to panel</a:t>
-            </a:r>
-          </a:p>
-        </p:txBody>
-      </p:sp>
-      <p:sp>
-        <p:nvSpPr>
-          <p:cNvPr id="3" name="Title 2"/>
-          <p:cNvSpPr>
-            <a:spLocks noGrp="1"/>
-          </p:cNvSpPr>
-          <p:nvPr>
-            <p:ph type="ctrTitle"/>
-          </p:nvPr>
-        </p:nvSpPr>
-        <p:spPr/>
-        <p:txBody>
-          <a:bodyPr/>
-          <a:lstStyle/>
-          <a:p>
-            <a:endParaRPr lang="en-US"/>
-          </a:p>
-        </p:txBody>
-      </p:sp>
     </p:spTree>
     <p:extLst>
       <p:ext uri="{BB962C8B-B14F-4D97-AF65-F5344CB8AC3E}">
@@ -4270,13 +4209,13 @@
   <p:clrMapOvr>
     <a:masterClrMapping/>
   </p:clrMapOvr>
-  <mc:AlternateContent xmlns:mc="http://schemas.openxmlformats.org/markup-compatibility/2006">
-    <mc:Choice xmlns:p14="http://schemas.microsoft.com/office/powerpoint/2010/main" Requires="p14">
+  <mc:AlternateContent xmlns:mc="http://schemas.openxmlformats.org/markup-compatibility/2006" xmlns:p14="http://schemas.microsoft.com/office/powerpoint/2010/main">
+    <mc:Choice Requires="p14">
       <p:transition spd="med" p14:dur="700">
         <p:fade/>
       </p:transition>
     </mc:Choice>
-    <mc:Fallback>
+    <mc:Fallback xmlns="">
       <p:transition spd="med">
         <p:fade/>
       </p:transition>
@@ -4357,7 +4296,7 @@
       </p:sp>
       <p:pic>
         <p:nvPicPr>
-          <p:cNvPr id="6" name="Picture 5"/>
+          <p:cNvPr id="4" name="Picture 3"/>
           <p:cNvPicPr>
             <a:picLocks noChangeAspect="1"/>
           </p:cNvPicPr>
@@ -4371,8 +4310,8 @@
         </p:blipFill>
         <p:spPr>
           <a:xfrm>
-            <a:off x="1036220" y="1307658"/>
-            <a:ext cx="10182123" cy="5418813"/>
+            <a:off x="1524000" y="1544069"/>
+            <a:ext cx="8715375" cy="4638226"/>
           </a:xfrm>
           <a:prstGeom prst="rect">
             <a:avLst/>
@@ -4425,49 +4364,14 @@
                             </p:stCondLst>
                             <p:childTnLst>
                               <p:par>
-                                <p:cTn id="5" presetID="10" presetClass="entr" presetSubtype="0" fill="hold" nodeType="withEffect">
-                                  <p:stCondLst>
-                                    <p:cond delay="1000"/>
-                                  </p:stCondLst>
-                                  <p:childTnLst>
-                                    <p:set>
-                                      <p:cBhvr>
-                                        <p:cTn id="6" dur="1" fill="hold">
-                                          <p:stCondLst>
-                                            <p:cond delay="0"/>
-                                          </p:stCondLst>
-                                        </p:cTn>
-                                        <p:tgtEl>
-                                          <p:spTgt spid="6"/>
-                                        </p:tgtEl>
-                                        <p:attrNameLst>
-                                          <p:attrName>style.visibility</p:attrName>
-                                        </p:attrNameLst>
-                                      </p:cBhvr>
-                                      <p:to>
-                                        <p:strVal val="visible"/>
-                                      </p:to>
-                                    </p:set>
-                                    <p:animEffect transition="in" filter="fade">
-                                      <p:cBhvr>
-                                        <p:cTn id="7" dur="10"/>
-                                        <p:tgtEl>
-                                          <p:spTgt spid="6"/>
-                                        </p:tgtEl>
-                                      </p:cBhvr>
-                                    </p:animEffect>
-                                  </p:childTnLst>
-                                </p:cTn>
-                              </p:par>
-                              <p:par>
-                                <p:cTn id="8" presetID="22" presetClass="entr" presetSubtype="8" fill="hold" grpId="0" nodeType="withEffect">
+                                <p:cTn id="5" presetID="22" presetClass="entr" presetSubtype="8" fill="hold" grpId="0" nodeType="withEffect">
                                   <p:stCondLst>
                                     <p:cond delay="0"/>
                                   </p:stCondLst>
                                   <p:childTnLst>
                                     <p:set>
                                       <p:cBhvr>
-                                        <p:cTn id="9" dur="1" fill="hold">
+                                        <p:cTn id="6" dur="1" fill="hold">
                                           <p:stCondLst>
                                             <p:cond delay="0"/>
                                           </p:stCondLst>
@@ -4485,9 +4389,44 @@
                                     </p:set>
                                     <p:animEffect transition="in" filter="wipe(left)">
                                       <p:cBhvr>
+                                        <p:cTn id="7" dur="1000"/>
+                                        <p:tgtEl>
+                                          <p:spTgt spid="2"/>
+                                        </p:tgtEl>
+                                      </p:cBhvr>
+                                    </p:animEffect>
+                                  </p:childTnLst>
+                                </p:cTn>
+                              </p:par>
+                              <p:par>
+                                <p:cTn id="8" presetID="10" presetClass="entr" presetSubtype="0" fill="hold" nodeType="withEffect">
+                                  <p:stCondLst>
+                                    <p:cond delay="1000"/>
+                                  </p:stCondLst>
+                                  <p:childTnLst>
+                                    <p:set>
+                                      <p:cBhvr>
+                                        <p:cTn id="9" dur="1" fill="hold">
+                                          <p:stCondLst>
+                                            <p:cond delay="0"/>
+                                          </p:stCondLst>
+                                        </p:cTn>
+                                        <p:tgtEl>
+                                          <p:spTgt spid="4"/>
+                                        </p:tgtEl>
+                                        <p:attrNameLst>
+                                          <p:attrName>style.visibility</p:attrName>
+                                        </p:attrNameLst>
+                                      </p:cBhvr>
+                                      <p:to>
+                                        <p:strVal val="visible"/>
+                                      </p:to>
+                                    </p:set>
+                                    <p:animEffect transition="in" filter="fade">
+                                      <p:cBhvr>
                                         <p:cTn id="10" dur="500"/>
                                         <p:tgtEl>
-                                          <p:spTgt spid="2"/>
+                                          <p:spTgt spid="4"/>
                                         </p:tgtEl>
                                       </p:cBhvr>
                                     </p:animEffect>
@@ -4567,11 +4506,7 @@
           <a:p>
             <a:r>
               <a:rPr lang="en-US" sz="4000" dirty="0" smtClean="0"/>
-              <a:t>Assigns User </a:t>
-            </a:r>
-            <a:r>
-              <a:rPr lang="en-US" sz="4000" dirty="0" smtClean="0"/>
-              <a:t>A Unique Test Session ID</a:t>
+              <a:t>Assigns User A Unique Test Session ID</a:t>
             </a:r>
           </a:p>
           <a:p>
@@ -4700,7 +4635,7 @@
                                     </p:set>
                                     <p:animEffect transition="in" filter="wipe(left)">
                                       <p:cBhvr>
-                                        <p:cTn id="7" dur="500"/>
+                                        <p:cTn id="7" dur="1250"/>
                                         <p:tgtEl>
                                           <p:spTgt spid="2"/>
                                         </p:tgtEl>
@@ -4712,7 +4647,7 @@
                               <p:par>
                                 <p:cTn id="8" presetID="1" presetClass="entr" presetSubtype="0" fill="hold" nodeType="withEffect">
                                   <p:stCondLst>
-                                    <p:cond delay="1000"/>
+                                    <p:cond delay="1250"/>
                                   </p:stCondLst>
                                   <p:childTnLst>
                                     <p:set>
@@ -4961,9 +4896,53 @@
           </a:p>
         </p:txBody>
       </p:sp>
+      <p:sp>
+        <p:nvSpPr>
+          <p:cNvPr id="5" name="Title 4"/>
+          <p:cNvSpPr>
+            <a:spLocks noGrp="1"/>
+          </p:cNvSpPr>
+          <p:nvPr>
+            <p:ph type="title"/>
+          </p:nvPr>
+        </p:nvSpPr>
+        <p:spPr>
+          <a:xfrm>
+            <a:off x="609600" y="274638"/>
+            <a:ext cx="4013200" cy="6380162"/>
+          </a:xfrm>
+        </p:spPr>
+        <p:txBody>
+          <a:bodyPr anchor="t">
+            <a:normAutofit/>
+          </a:bodyPr>
+          <a:lstStyle/>
+          <a:p>
+            <a:r>
+              <a:rPr lang="en-US" dirty="0" smtClean="0"/>
+              <a:t>Overview -  </a:t>
+            </a:r>
+            <a:br>
+              <a:rPr lang="en-US" dirty="0" smtClean="0"/>
+            </a:br>
+            <a:r>
+              <a:rPr lang="en-US" dirty="0" smtClean="0"/>
+              <a:t>User Test </a:t>
+            </a:r>
+            <a:br>
+              <a:rPr lang="en-US" dirty="0" smtClean="0"/>
+            </a:br>
+            <a:r>
+              <a:rPr lang="en-US" dirty="0" smtClean="0"/>
+              <a:t>Screen</a:t>
+            </a:r>
+            <a:endParaRPr lang="en-US" dirty="0"/>
+          </a:p>
+        </p:txBody>
+      </p:sp>
       <p:pic>
         <p:nvPicPr>
-          <p:cNvPr id="4" name="Picture 3"/>
+          <p:cNvPr id="2" name="Picture 1"/>
           <p:cNvPicPr>
             <a:picLocks noChangeAspect="1"/>
           </p:cNvPicPr>
@@ -4977,58 +4956,14 @@
         </p:blipFill>
         <p:spPr>
           <a:xfrm>
-            <a:off x="4255029" y="119021"/>
-            <a:ext cx="6679142" cy="6641084"/>
+            <a:off x="4400550" y="140494"/>
+            <a:ext cx="6686550" cy="6648450"/>
           </a:xfrm>
           <a:prstGeom prst="rect">
             <a:avLst/>
           </a:prstGeom>
         </p:spPr>
       </p:pic>
-      <p:sp>
-        <p:nvSpPr>
-          <p:cNvPr id="5" name="Title 4"/>
-          <p:cNvSpPr>
-            <a:spLocks noGrp="1"/>
-          </p:cNvSpPr>
-          <p:nvPr>
-            <p:ph type="title"/>
-          </p:nvPr>
-        </p:nvSpPr>
-        <p:spPr>
-          <a:xfrm>
-            <a:off x="609600" y="274638"/>
-            <a:ext cx="4013200" cy="6380162"/>
-          </a:xfrm>
-        </p:spPr>
-        <p:txBody>
-          <a:bodyPr anchor="t">
-            <a:normAutofit/>
-          </a:bodyPr>
-          <a:lstStyle/>
-          <a:p>
-            <a:r>
-              <a:rPr lang="en-US" dirty="0" smtClean="0"/>
-              <a:t>Overview -  </a:t>
-            </a:r>
-            <a:br>
-              <a:rPr lang="en-US" dirty="0" smtClean="0"/>
-            </a:br>
-            <a:r>
-              <a:rPr lang="en-US" dirty="0" smtClean="0"/>
-              <a:t>User Test </a:t>
-            </a:r>
-            <a:br>
-              <a:rPr lang="en-US" dirty="0" smtClean="0"/>
-            </a:br>
-            <a:r>
-              <a:rPr lang="en-US" dirty="0" smtClean="0"/>
-              <a:t>Screen</a:t>
-            </a:r>
-            <a:endParaRPr lang="en-US" dirty="0"/>
-          </a:p>
-        </p:txBody>
-      </p:sp>
     </p:spTree>
     <p:extLst>
       <p:ext uri="{BB962C8B-B14F-4D97-AF65-F5344CB8AC3E}">
@@ -5100,7 +5035,7 @@
                                     </p:set>
                                     <p:animEffect transition="in" filter="wipe(up)">
                                       <p:cBhvr>
-                                        <p:cTn id="7" dur="500"/>
+                                        <p:cTn id="7" dur="1000"/>
                                         <p:tgtEl>
                                           <p:spTgt spid="5"/>
                                         </p:tgtEl>
@@ -5123,7 +5058,7 @@
                                           </p:stCondLst>
                                         </p:cTn>
                                         <p:tgtEl>
-                                          <p:spTgt spid="4"/>
+                                          <p:spTgt spid="2"/>
                                         </p:tgtEl>
                                         <p:attrNameLst>
                                           <p:attrName>style.visibility</p:attrName>
@@ -5135,9 +5070,9 @@
                                     </p:set>
                                     <p:animEffect transition="in" filter="fade">
                                       <p:cBhvr>
-                                        <p:cTn id="10" dur="10"/>
+                                        <p:cTn id="10" dur="500"/>
                                         <p:tgtEl>
-                                          <p:spTgt spid="4"/>
+                                          <p:spTgt spid="2"/>
                                         </p:tgtEl>
                                       </p:cBhvr>
                                     </p:animEffect>
@@ -5195,28 +5130,6 @@
           <a:chExt cx="0" cy="0"/>
         </a:xfrm>
       </p:grpSpPr>
-      <p:sp>
-        <p:nvSpPr>
-          <p:cNvPr id="3" name="Content Placeholder 2"/>
-          <p:cNvSpPr>
-            <a:spLocks noGrp="1"/>
-          </p:cNvSpPr>
-          <p:nvPr>
-            <p:ph idx="1"/>
-          </p:nvPr>
-        </p:nvSpPr>
-        <p:spPr/>
-        <p:txBody>
-          <a:bodyPr/>
-          <a:lstStyle/>
-          <a:p>
-            <a:endParaRPr lang="en-US" dirty="0" smtClean="0"/>
-          </a:p>
-          <a:p>
-            <a:endParaRPr lang="en-US" dirty="0"/>
-          </a:p>
-        </p:txBody>
-      </p:sp>
       <p:sp>
         <p:nvSpPr>
           <p:cNvPr id="2" name="Title 1"/>
@@ -5458,12 +5371,12 @@
               <a:t>Select User, then </a:t>
             </a:r>
             <a:r>
-              <a:rPr lang="en-US" sz="4000" dirty="0" err="1"/>
-              <a:t>TestID</a:t>
+              <a:rPr lang="en-US" sz="4000" dirty="0" smtClean="0"/>
+              <a:t>Test ID </a:t>
             </a:r>
             <a:r>
               <a:rPr lang="en-US" sz="4000" dirty="0"/>
-              <a:t> and Date, and View </a:t>
+              <a:t>and Date, and View </a:t>
             </a:r>
             <a:r>
               <a:rPr lang="en-US" sz="4000" dirty="0" smtClean="0"/>
@@ -5485,6 +5398,389 @@
     <p:extLst>
       <p:ext uri="{BB962C8B-B14F-4D97-AF65-F5344CB8AC3E}">
         <p14:creationId xmlns:p14="http://schemas.microsoft.com/office/powerpoint/2010/main" val="3330300547"/>
+      </p:ext>
+    </p:extLst>
+  </p:cSld>
+  <p:clrMapOvr>
+    <a:masterClrMapping/>
+  </p:clrMapOvr>
+  <mc:AlternateContent xmlns:mc="http://schemas.openxmlformats.org/markup-compatibility/2006" xmlns:p14="http://schemas.microsoft.com/office/powerpoint/2010/main">
+    <mc:Choice Requires="p14">
+      <p:transition spd="med" p14:dur="700">
+        <p:fade/>
+      </p:transition>
+    </mc:Choice>
+    <mc:Fallback xmlns="">
+      <p:transition spd="med">
+        <p:fade/>
+      </p:transition>
+    </mc:Fallback>
+  </mc:AlternateContent>
+  <p:timing>
+    <p:tnLst>
+      <p:par>
+        <p:cTn id="1" dur="indefinite" restart="never" nodeType="tmRoot">
+          <p:childTnLst>
+            <p:seq concurrent="1" nextAc="seek">
+              <p:cTn id="2" dur="indefinite" nodeType="mainSeq">
+                <p:childTnLst>
+                  <p:par>
+                    <p:cTn id="3" fill="hold">
+                      <p:stCondLst>
+                        <p:cond delay="indefinite"/>
+                        <p:cond evt="onBegin" delay="0">
+                          <p:tn val="2"/>
+                        </p:cond>
+                      </p:stCondLst>
+                      <p:childTnLst>
+                        <p:par>
+                          <p:cTn id="4" fill="hold">
+                            <p:stCondLst>
+                              <p:cond delay="0"/>
+                            </p:stCondLst>
+                            <p:childTnLst>
+                              <p:par>
+                                <p:cTn id="5" presetID="1" presetClass="entr" presetSubtype="0" fill="hold" nodeType="withEffect">
+                                  <p:stCondLst>
+                                    <p:cond delay="1250"/>
+                                  </p:stCondLst>
+                                  <p:childTnLst>
+                                    <p:set>
+                                      <p:cBhvr>
+                                        <p:cTn id="6" dur="1" fill="hold">
+                                          <p:stCondLst>
+                                            <p:cond delay="0"/>
+                                          </p:stCondLst>
+                                        </p:cTn>
+                                        <p:tgtEl>
+                                          <p:spTgt spid="4">
+                                            <p:txEl>
+                                              <p:pRg st="0" end="0"/>
+                                            </p:txEl>
+                                          </p:spTgt>
+                                        </p:tgtEl>
+                                        <p:attrNameLst>
+                                          <p:attrName>style.visibility</p:attrName>
+                                        </p:attrNameLst>
+                                      </p:cBhvr>
+                                      <p:to>
+                                        <p:strVal val="visible"/>
+                                      </p:to>
+                                    </p:set>
+                                  </p:childTnLst>
+                                </p:cTn>
+                              </p:par>
+                              <p:par>
+                                <p:cTn id="7" presetID="22" presetClass="entr" presetSubtype="8" fill="hold" grpId="0" nodeType="withEffect">
+                                  <p:stCondLst>
+                                    <p:cond delay="0"/>
+                                  </p:stCondLst>
+                                  <p:childTnLst>
+                                    <p:set>
+                                      <p:cBhvr>
+                                        <p:cTn id="8" dur="1" fill="hold">
+                                          <p:stCondLst>
+                                            <p:cond delay="0"/>
+                                          </p:stCondLst>
+                                        </p:cTn>
+                                        <p:tgtEl>
+                                          <p:spTgt spid="2"/>
+                                        </p:tgtEl>
+                                        <p:attrNameLst>
+                                          <p:attrName>style.visibility</p:attrName>
+                                        </p:attrNameLst>
+                                      </p:cBhvr>
+                                      <p:to>
+                                        <p:strVal val="visible"/>
+                                      </p:to>
+                                    </p:set>
+                                    <p:animEffect transition="in" filter="wipe(left)">
+                                      <p:cBhvr>
+                                        <p:cTn id="9" dur="1000"/>
+                                        <p:tgtEl>
+                                          <p:spTgt spid="2"/>
+                                        </p:tgtEl>
+                                      </p:cBhvr>
+                                    </p:animEffect>
+                                  </p:childTnLst>
+                                </p:cTn>
+                              </p:par>
+                            </p:childTnLst>
+                          </p:cTn>
+                        </p:par>
+                      </p:childTnLst>
+                    </p:cTn>
+                  </p:par>
+                  <p:par>
+                    <p:cTn id="10" fill="hold">
+                      <p:stCondLst>
+                        <p:cond delay="indefinite"/>
+                      </p:stCondLst>
+                      <p:childTnLst>
+                        <p:par>
+                          <p:cTn id="11" fill="hold">
+                            <p:stCondLst>
+                              <p:cond delay="0"/>
+                            </p:stCondLst>
+                            <p:childTnLst>
+                              <p:par>
+                                <p:cTn id="12" presetID="1" presetClass="entr" presetSubtype="0" fill="hold" grpId="0" nodeType="clickEffect">
+                                  <p:stCondLst>
+                                    <p:cond delay="0"/>
+                                  </p:stCondLst>
+                                  <p:childTnLst>
+                                    <p:set>
+                                      <p:cBhvr>
+                                        <p:cTn id="13" dur="1" fill="hold">
+                                          <p:stCondLst>
+                                            <p:cond delay="0"/>
+                                          </p:stCondLst>
+                                        </p:cTn>
+                                        <p:tgtEl>
+                                          <p:spTgt spid="4">
+                                            <p:txEl>
+                                              <p:pRg st="1" end="1"/>
+                                            </p:txEl>
+                                          </p:spTgt>
+                                        </p:tgtEl>
+                                        <p:attrNameLst>
+                                          <p:attrName>style.visibility</p:attrName>
+                                        </p:attrNameLst>
+                                      </p:cBhvr>
+                                      <p:to>
+                                        <p:strVal val="visible"/>
+                                      </p:to>
+                                    </p:set>
+                                  </p:childTnLst>
+                                </p:cTn>
+                              </p:par>
+                            </p:childTnLst>
+                          </p:cTn>
+                        </p:par>
+                      </p:childTnLst>
+                    </p:cTn>
+                  </p:par>
+                  <p:par>
+                    <p:cTn id="14" fill="hold">
+                      <p:stCondLst>
+                        <p:cond delay="indefinite"/>
+                      </p:stCondLst>
+                      <p:childTnLst>
+                        <p:par>
+                          <p:cTn id="15" fill="hold">
+                            <p:stCondLst>
+                              <p:cond delay="0"/>
+                            </p:stCondLst>
+                            <p:childTnLst>
+                              <p:par>
+                                <p:cTn id="16" presetID="1" presetClass="entr" presetSubtype="0" fill="hold" grpId="0" nodeType="clickEffect">
+                                  <p:stCondLst>
+                                    <p:cond delay="0"/>
+                                  </p:stCondLst>
+                                  <p:childTnLst>
+                                    <p:set>
+                                      <p:cBhvr>
+                                        <p:cTn id="17" dur="1" fill="hold">
+                                          <p:stCondLst>
+                                            <p:cond delay="0"/>
+                                          </p:stCondLst>
+                                        </p:cTn>
+                                        <p:tgtEl>
+                                          <p:spTgt spid="4">
+                                            <p:txEl>
+                                              <p:pRg st="2" end="2"/>
+                                            </p:txEl>
+                                          </p:spTgt>
+                                        </p:tgtEl>
+                                        <p:attrNameLst>
+                                          <p:attrName>style.visibility</p:attrName>
+                                        </p:attrNameLst>
+                                      </p:cBhvr>
+                                      <p:to>
+                                        <p:strVal val="visible"/>
+                                      </p:to>
+                                    </p:set>
+                                  </p:childTnLst>
+                                </p:cTn>
+                              </p:par>
+                            </p:childTnLst>
+                          </p:cTn>
+                        </p:par>
+                      </p:childTnLst>
+                    </p:cTn>
+                  </p:par>
+                </p:childTnLst>
+              </p:cTn>
+              <p:prevCondLst>
+                <p:cond evt="onPrev" delay="0">
+                  <p:tgtEl>
+                    <p:sldTgt/>
+                  </p:tgtEl>
+                </p:cond>
+              </p:prevCondLst>
+              <p:nextCondLst>
+                <p:cond evt="onNext" delay="0">
+                  <p:tgtEl>
+                    <p:sldTgt/>
+                  </p:tgtEl>
+                </p:cond>
+              </p:nextCondLst>
+            </p:seq>
+          </p:childTnLst>
+        </p:cTn>
+      </p:par>
+    </p:tnLst>
+    <p:bldLst>
+      <p:bldP spid="2" grpId="0"/>
+      <p:bldP spid="4" grpId="0" uiExpand="1" build="allAtOnce"/>
+    </p:bldLst>
+  </p:timing>
+</p:sld>
+</file>
+
+<file path=ppt/slides/slide14.xml><?xml version="1.0" encoding="utf-8"?>
+<p:sld xmlns:a="http://schemas.openxmlformats.org/drawingml/2006/main" xmlns:r="http://schemas.openxmlformats.org/officeDocument/2006/relationships" xmlns:p="http://schemas.openxmlformats.org/presentationml/2006/main">
+  <p:cSld>
+    <p:spTree>
+      <p:nvGrpSpPr>
+        <p:cNvPr id="1" name=""/>
+        <p:cNvGrpSpPr/>
+        <p:nvPr/>
+      </p:nvGrpSpPr>
+      <p:grpSpPr>
+        <a:xfrm>
+          <a:off x="0" y="0"/>
+          <a:ext cx="0" cy="0"/>
+          <a:chOff x="0" y="0"/>
+          <a:chExt cx="0" cy="0"/>
+        </a:xfrm>
+      </p:grpSpPr>
+      <p:sp>
+        <p:nvSpPr>
+          <p:cNvPr id="3" name="Content Placeholder 2"/>
+          <p:cNvSpPr>
+            <a:spLocks noGrp="1"/>
+          </p:cNvSpPr>
+          <p:nvPr>
+            <p:ph idx="1"/>
+          </p:nvPr>
+        </p:nvSpPr>
+        <p:spPr>
+          <a:xfrm>
+            <a:off x="609600" y="1595672"/>
+            <a:ext cx="9956800" cy="4525963"/>
+          </a:xfrm>
+        </p:spPr>
+        <p:txBody>
+          <a:bodyPr/>
+          <a:lstStyle/>
+          <a:p>
+            <a:pPr lvl="1"/>
+            <a:endParaRPr lang="en-US" dirty="0" smtClean="0"/>
+          </a:p>
+          <a:p>
+            <a:endParaRPr lang="en-US" dirty="0"/>
+          </a:p>
+        </p:txBody>
+      </p:sp>
+      <p:sp>
+        <p:nvSpPr>
+          <p:cNvPr id="5" name="Title 4"/>
+          <p:cNvSpPr>
+            <a:spLocks noGrp="1"/>
+          </p:cNvSpPr>
+          <p:nvPr>
+            <p:ph type="title"/>
+          </p:nvPr>
+        </p:nvSpPr>
+        <p:spPr/>
+        <p:txBody>
+          <a:bodyPr/>
+          <a:lstStyle/>
+          <a:p>
+            <a:r>
+              <a:rPr lang="en-US" dirty="0"/>
+              <a:t>Overview - Test Results Reporting</a:t>
+            </a:r>
+          </a:p>
+        </p:txBody>
+      </p:sp>
+      <p:pic>
+        <p:nvPicPr>
+          <p:cNvPr id="2" name="Picture 1"/>
+          <p:cNvPicPr>
+            <a:picLocks noChangeAspect="1"/>
+          </p:cNvPicPr>
+          <p:nvPr/>
+        </p:nvPicPr>
+        <p:blipFill>
+          <a:blip r:embed="rId2"/>
+          <a:stretch>
+            <a:fillRect/>
+          </a:stretch>
+        </p:blipFill>
+        <p:spPr>
+          <a:xfrm>
+            <a:off x="170391" y="1911026"/>
+            <a:ext cx="3905250" cy="3905250"/>
+          </a:xfrm>
+          <a:prstGeom prst="rect">
+            <a:avLst/>
+          </a:prstGeom>
+        </p:spPr>
+      </p:pic>
+      <p:pic>
+        <p:nvPicPr>
+          <p:cNvPr id="8" name="Picture 7"/>
+          <p:cNvPicPr>
+            <a:picLocks noChangeAspect="1"/>
+          </p:cNvPicPr>
+          <p:nvPr/>
+        </p:nvPicPr>
+        <p:blipFill>
+          <a:blip r:embed="rId3"/>
+          <a:stretch>
+            <a:fillRect/>
+          </a:stretch>
+        </p:blipFill>
+        <p:spPr>
+          <a:xfrm>
+            <a:off x="4143374" y="1906029"/>
+            <a:ext cx="3905250" cy="3905250"/>
+          </a:xfrm>
+          <a:prstGeom prst="rect">
+            <a:avLst/>
+          </a:prstGeom>
+        </p:spPr>
+      </p:pic>
+      <p:pic>
+        <p:nvPicPr>
+          <p:cNvPr id="10" name="Picture 9"/>
+          <p:cNvPicPr>
+            <a:picLocks noChangeAspect="1"/>
+          </p:cNvPicPr>
+          <p:nvPr/>
+        </p:nvPicPr>
+        <p:blipFill>
+          <a:blip r:embed="rId4"/>
+          <a:stretch>
+            <a:fillRect/>
+          </a:stretch>
+        </p:blipFill>
+        <p:spPr>
+          <a:xfrm>
+            <a:off x="8116357" y="1901501"/>
+            <a:ext cx="3905250" cy="3905250"/>
+          </a:xfrm>
+          <a:prstGeom prst="rect">
+            <a:avLst/>
+          </a:prstGeom>
+        </p:spPr>
+      </p:pic>
+    </p:spTree>
+    <p:extLst>
+      <p:ext uri="{BB962C8B-B14F-4D97-AF65-F5344CB8AC3E}">
+        <p14:creationId xmlns:p14="http://schemas.microsoft.com/office/powerpoint/2010/main" val="2533236408"/>
       </p:ext>
     </p:extLst>
   </p:cSld>
@@ -5540,7 +5836,7 @@
                                           </p:stCondLst>
                                         </p:cTn>
                                         <p:tgtEl>
-                                          <p:spTgt spid="2"/>
+                                          <p:spTgt spid="5"/>
                                         </p:tgtEl>
                                         <p:attrNameLst>
                                           <p:attrName>style.visibility</p:attrName>
@@ -5554,295 +5850,28 @@
                                       <p:cBhvr>
                                         <p:cTn id="7" dur="500"/>
                                         <p:tgtEl>
-                                          <p:spTgt spid="2"/>
+                                          <p:spTgt spid="5"/>
                                         </p:tgtEl>
                                       </p:cBhvr>
                                     </p:animEffect>
                                   </p:childTnLst>
                                 </p:cTn>
                               </p:par>
-                            </p:childTnLst>
-                          </p:cTn>
-                        </p:par>
-                      </p:childTnLst>
-                    </p:cTn>
-                  </p:par>
-                  <p:par>
-                    <p:cTn id="8" fill="hold">
-                      <p:stCondLst>
-                        <p:cond delay="indefinite"/>
-                      </p:stCondLst>
-                      <p:childTnLst>
-                        <p:par>
-                          <p:cTn id="9" fill="hold">
-                            <p:stCondLst>
-                              <p:cond delay="0"/>
-                            </p:stCondLst>
-                            <p:childTnLst>
                               <p:par>
-                                <p:cTn id="10" presetID="1" presetClass="entr" presetSubtype="0" fill="hold" nodeType="clickEffect">
-                                  <p:stCondLst>
-                                    <p:cond delay="0"/>
-                                  </p:stCondLst>
-                                  <p:childTnLst>
-                                    <p:set>
-                                      <p:cBhvr>
-                                        <p:cTn id="11" dur="1" fill="hold">
-                                          <p:stCondLst>
-                                            <p:cond delay="0"/>
-                                          </p:stCondLst>
-                                        </p:cTn>
-                                        <p:tgtEl>
-                                          <p:spTgt spid="4">
-                                            <p:txEl>
-                                              <p:pRg st="0" end="0"/>
-                                            </p:txEl>
-                                          </p:spTgt>
-                                        </p:tgtEl>
-                                        <p:attrNameLst>
-                                          <p:attrName>style.visibility</p:attrName>
-                                        </p:attrNameLst>
-                                      </p:cBhvr>
-                                      <p:to>
-                                        <p:strVal val="visible"/>
-                                      </p:to>
-                                    </p:set>
-                                  </p:childTnLst>
-                                </p:cTn>
-                              </p:par>
-                            </p:childTnLst>
-                          </p:cTn>
-                        </p:par>
-                      </p:childTnLst>
-                    </p:cTn>
-                  </p:par>
-                </p:childTnLst>
-              </p:cTn>
-              <p:prevCondLst>
-                <p:cond evt="onPrev" delay="0">
-                  <p:tgtEl>
-                    <p:sldTgt/>
-                  </p:tgtEl>
-                </p:cond>
-              </p:prevCondLst>
-              <p:nextCondLst>
-                <p:cond evt="onNext" delay="0">
-                  <p:tgtEl>
-                    <p:sldTgt/>
-                  </p:tgtEl>
-                </p:cond>
-              </p:nextCondLst>
-            </p:seq>
-          </p:childTnLst>
-        </p:cTn>
-      </p:par>
-    </p:tnLst>
-    <p:bldLst>
-      <p:bldP spid="2" grpId="0"/>
-    </p:bldLst>
-  </p:timing>
-</p:sld>
-</file>
-
-<file path=ppt/slides/slide14.xml><?xml version="1.0" encoding="utf-8"?>
-<p:sld xmlns:a="http://schemas.openxmlformats.org/drawingml/2006/main" xmlns:r="http://schemas.openxmlformats.org/officeDocument/2006/relationships" xmlns:p="http://schemas.openxmlformats.org/presentationml/2006/main">
-  <p:cSld>
-    <p:spTree>
-      <p:nvGrpSpPr>
-        <p:cNvPr id="1" name=""/>
-        <p:cNvGrpSpPr/>
-        <p:nvPr/>
-      </p:nvGrpSpPr>
-      <p:grpSpPr>
-        <a:xfrm>
-          <a:off x="0" y="0"/>
-          <a:ext cx="0" cy="0"/>
-          <a:chOff x="0" y="0"/>
-          <a:chExt cx="0" cy="0"/>
-        </a:xfrm>
-      </p:grpSpPr>
-      <p:sp>
-        <p:nvSpPr>
-          <p:cNvPr id="3" name="Content Placeholder 2"/>
-          <p:cNvSpPr>
-            <a:spLocks noGrp="1"/>
-          </p:cNvSpPr>
-          <p:nvPr>
-            <p:ph idx="1"/>
-          </p:nvPr>
-        </p:nvSpPr>
-        <p:spPr>
-          <a:xfrm>
-            <a:off x="609600" y="1595672"/>
-            <a:ext cx="9956800" cy="4525963"/>
-          </a:xfrm>
-        </p:spPr>
-        <p:txBody>
-          <a:bodyPr/>
-          <a:lstStyle/>
-          <a:p>
-            <a:pPr lvl="1"/>
-            <a:endParaRPr lang="en-US" dirty="0" smtClean="0"/>
-          </a:p>
-          <a:p>
-            <a:endParaRPr lang="en-US" dirty="0"/>
-          </a:p>
-        </p:txBody>
-      </p:sp>
-      <p:pic>
-        <p:nvPicPr>
-          <p:cNvPr id="4" name="Picture 3"/>
-          <p:cNvPicPr>
-            <a:picLocks noChangeAspect="1"/>
-          </p:cNvPicPr>
-          <p:nvPr/>
-        </p:nvPicPr>
-        <p:blipFill>
-          <a:blip r:embed="rId2"/>
-          <a:stretch>
-            <a:fillRect/>
-          </a:stretch>
-        </p:blipFill>
-        <p:spPr>
-          <a:xfrm>
-            <a:off x="4148137" y="1906029"/>
-            <a:ext cx="3895725" cy="3905250"/>
-          </a:xfrm>
-          <a:prstGeom prst="rect">
-            <a:avLst/>
-          </a:prstGeom>
-        </p:spPr>
-      </p:pic>
-      <p:pic>
-        <p:nvPicPr>
-          <p:cNvPr id="6" name="Picture 5"/>
-          <p:cNvPicPr>
-            <a:picLocks noChangeAspect="1"/>
-          </p:cNvPicPr>
-          <p:nvPr/>
-        </p:nvPicPr>
-        <p:blipFill>
-          <a:blip r:embed="rId3"/>
-          <a:stretch>
-            <a:fillRect/>
-          </a:stretch>
-        </p:blipFill>
-        <p:spPr>
-          <a:xfrm>
-            <a:off x="151341" y="1906029"/>
-            <a:ext cx="3924300" cy="3905250"/>
-          </a:xfrm>
-          <a:prstGeom prst="rect">
-            <a:avLst/>
-          </a:prstGeom>
-        </p:spPr>
-      </p:pic>
-      <p:pic>
-        <p:nvPicPr>
-          <p:cNvPr id="7" name="Picture 6"/>
-          <p:cNvPicPr>
-            <a:picLocks noChangeAspect="1"/>
-          </p:cNvPicPr>
-          <p:nvPr/>
-        </p:nvPicPr>
-        <p:blipFill>
-          <a:blip r:embed="rId4"/>
-          <a:stretch>
-            <a:fillRect/>
-          </a:stretch>
-        </p:blipFill>
-        <p:spPr>
-          <a:xfrm>
-            <a:off x="8116358" y="1906029"/>
-            <a:ext cx="3914775" cy="3905250"/>
-          </a:xfrm>
-          <a:prstGeom prst="rect">
-            <a:avLst/>
-          </a:prstGeom>
-        </p:spPr>
-      </p:pic>
-      <p:sp>
-        <p:nvSpPr>
-          <p:cNvPr id="5" name="Title 4"/>
-          <p:cNvSpPr>
-            <a:spLocks noGrp="1"/>
-          </p:cNvSpPr>
-          <p:nvPr>
-            <p:ph type="title"/>
-          </p:nvPr>
-        </p:nvSpPr>
-        <p:spPr/>
-        <p:txBody>
-          <a:bodyPr/>
-          <a:lstStyle/>
-          <a:p>
-            <a:r>
-              <a:rPr lang="en-US" dirty="0"/>
-              <a:t>Overview - Test Results Reporting</a:t>
-            </a:r>
-          </a:p>
-        </p:txBody>
-      </p:sp>
-    </p:spTree>
-    <p:extLst>
-      <p:ext uri="{BB962C8B-B14F-4D97-AF65-F5344CB8AC3E}">
-        <p14:creationId xmlns:p14="http://schemas.microsoft.com/office/powerpoint/2010/main" val="2533236408"/>
-      </p:ext>
-    </p:extLst>
-  </p:cSld>
-  <p:clrMapOvr>
-    <a:masterClrMapping/>
-  </p:clrMapOvr>
-  <mc:AlternateContent xmlns:mc="http://schemas.openxmlformats.org/markup-compatibility/2006" xmlns:p14="http://schemas.microsoft.com/office/powerpoint/2010/main">
-    <mc:Choice Requires="p14">
-      <p:transition spd="med" p14:dur="700">
-        <p:fade/>
-      </p:transition>
-    </mc:Choice>
-    <mc:Fallback xmlns="">
-      <p:transition spd="med">
-        <p:fade/>
-      </p:transition>
-    </mc:Fallback>
-  </mc:AlternateContent>
-  <p:timing>
-    <p:tnLst>
-      <p:par>
-        <p:cTn id="1" dur="indefinite" restart="never" nodeType="tmRoot">
-          <p:childTnLst>
-            <p:seq concurrent="1" nextAc="seek">
-              <p:cTn id="2" dur="indefinite" nodeType="mainSeq">
-                <p:childTnLst>
-                  <p:par>
-                    <p:cTn id="3" fill="hold">
-                      <p:stCondLst>
-                        <p:cond delay="indefinite"/>
-                        <p:cond evt="onBegin" delay="0">
-                          <p:tn val="2"/>
-                        </p:cond>
-                      </p:stCondLst>
-                      <p:childTnLst>
-                        <p:par>
-                          <p:cTn id="4" fill="hold">
-                            <p:stCondLst>
-                              <p:cond delay="0"/>
-                            </p:stCondLst>
-                            <p:childTnLst>
-                              <p:par>
-                                <p:cTn id="5" presetID="10" presetClass="entr" presetSubtype="0" fill="hold" nodeType="withEffect">
+                                <p:cTn id="8" presetID="10" presetClass="entr" presetSubtype="0" fill="hold" nodeType="withEffect">
                                   <p:stCondLst>
                                     <p:cond delay="1000"/>
                                   </p:stCondLst>
                                   <p:childTnLst>
                                     <p:set>
                                       <p:cBhvr>
-                                        <p:cTn id="6" dur="1" fill="hold">
+                                        <p:cTn id="9" dur="1" fill="hold">
                                           <p:stCondLst>
                                             <p:cond delay="0"/>
                                           </p:stCondLst>
                                         </p:cTn>
                                         <p:tgtEl>
-                                          <p:spTgt spid="6"/>
+                                          <p:spTgt spid="2"/>
                                         </p:tgtEl>
                                         <p:attrNameLst>
                                           <p:attrName>style.visibility</p:attrName>
@@ -5854,44 +5883,9 @@
                                     </p:set>
                                     <p:animEffect transition="in" filter="fade">
                                       <p:cBhvr>
-                                        <p:cTn id="7" dur="500"/>
-                                        <p:tgtEl>
-                                          <p:spTgt spid="6"/>
-                                        </p:tgtEl>
-                                      </p:cBhvr>
-                                    </p:animEffect>
-                                  </p:childTnLst>
-                                </p:cTn>
-                              </p:par>
-                              <p:par>
-                                <p:cTn id="8" presetID="22" presetClass="entr" presetSubtype="8" fill="hold" grpId="0" nodeType="withEffect">
-                                  <p:stCondLst>
-                                    <p:cond delay="0"/>
-                                  </p:stCondLst>
-                                  <p:childTnLst>
-                                    <p:set>
-                                      <p:cBhvr>
-                                        <p:cTn id="9" dur="1" fill="hold">
-                                          <p:stCondLst>
-                                            <p:cond delay="0"/>
-                                          </p:stCondLst>
-                                        </p:cTn>
-                                        <p:tgtEl>
-                                          <p:spTgt spid="5"/>
-                                        </p:tgtEl>
-                                        <p:attrNameLst>
-                                          <p:attrName>style.visibility</p:attrName>
-                                        </p:attrNameLst>
-                                      </p:cBhvr>
-                                      <p:to>
-                                        <p:strVal val="visible"/>
-                                      </p:to>
-                                    </p:set>
-                                    <p:animEffect transition="in" filter="wipe(left)">
-                                      <p:cBhvr>
                                         <p:cTn id="10" dur="500"/>
                                         <p:tgtEl>
-                                          <p:spTgt spid="5"/>
+                                          <p:spTgt spid="2"/>
                                         </p:tgtEl>
                                       </p:cBhvr>
                                     </p:animEffect>
@@ -5930,7 +5924,7 @@
                                           </p:stCondLst>
                                         </p:cTn>
                                         <p:tgtEl>
-                                          <p:spTgt spid="4"/>
+                                          <p:spTgt spid="8"/>
                                         </p:tgtEl>
                                         <p:attrNameLst>
                                           <p:attrName>style.visibility</p:attrName>
@@ -5944,7 +5938,7 @@
                                       <p:cBhvr>
                                         <p:cTn id="15" dur="500"/>
                                         <p:tgtEl>
-                                          <p:spTgt spid="4"/>
+                                          <p:spTgt spid="8"/>
                                         </p:tgtEl>
                                       </p:cBhvr>
                                     </p:animEffect>
@@ -5983,7 +5977,7 @@
                                           </p:stCondLst>
                                         </p:cTn>
                                         <p:tgtEl>
-                                          <p:spTgt spid="7"/>
+                                          <p:spTgt spid="10"/>
                                         </p:tgtEl>
                                         <p:attrNameLst>
                                           <p:attrName>style.visibility</p:attrName>
@@ -5997,7 +5991,7 @@
                                       <p:cBhvr>
                                         <p:cTn id="20" dur="500"/>
                                         <p:tgtEl>
-                                          <p:spTgt spid="7"/>
+                                          <p:spTgt spid="10"/>
                                         </p:tgtEl>
                                       </p:cBhvr>
                                     </p:animEffect>
@@ -6065,11 +6059,17 @@
             <p:ph type="title"/>
           </p:nvPr>
         </p:nvSpPr>
-        <p:spPr/>
+        <p:spPr>
+          <a:xfrm>
+            <a:off x="609600" y="274638"/>
+            <a:ext cx="9956800" cy="6259512"/>
+          </a:xfrm>
+        </p:spPr>
         <p:txBody>
           <a:bodyPr/>
           <a:lstStyle/>
           <a:p>
+            <a:pPr algn="ctr"/>
             <a:r>
               <a:rPr lang="en-US" dirty="0" smtClean="0"/>
               <a:t>Application Demo	</a:t>
@@ -6088,13 +6088,13 @@
   <p:clrMapOvr>
     <a:masterClrMapping/>
   </p:clrMapOvr>
-  <mc:AlternateContent xmlns:mc="http://schemas.openxmlformats.org/markup-compatibility/2006">
-    <mc:Choice xmlns:p14="http://schemas.microsoft.com/office/powerpoint/2010/main" Requires="p14">
+  <mc:AlternateContent xmlns:mc="http://schemas.openxmlformats.org/markup-compatibility/2006" xmlns:p14="http://schemas.microsoft.com/office/powerpoint/2010/main">
+    <mc:Choice Requires="p14">
       <p:transition spd="med" p14:dur="700">
         <p:fade/>
       </p:transition>
     </mc:Choice>
-    <mc:Fallback>
+    <mc:Fallback xmlns="">
       <p:transition spd="med">
         <p:fade/>
       </p:transition>
@@ -6143,12 +6143,8 @@
           <a:lstStyle/>
           <a:p>
             <a:r>
-              <a:rPr lang="en-US" sz="4000" dirty="0"/>
-              <a:t>Knowledge </a:t>
-            </a:r>
-            <a:r>
               <a:rPr lang="en-US" sz="4000" dirty="0" smtClean="0"/>
-              <a:t>Sharing</a:t>
+              <a:t>Knowledge Sharing</a:t>
             </a:r>
             <a:endParaRPr lang="en-US" sz="4000" dirty="0" smtClean="0"/>
           </a:p>
@@ -6157,7 +6153,6 @@
               <a:rPr lang="en-US" sz="4000" dirty="0" smtClean="0"/>
               <a:t>Work Flow Interruption</a:t>
             </a:r>
-            <a:endParaRPr lang="en-US" sz="4000" dirty="0" smtClean="0"/>
           </a:p>
           <a:p>
             <a:r>
@@ -6198,11 +6193,7 @@
           <a:p>
             <a:r>
               <a:rPr lang="en-US" dirty="0" smtClean="0"/>
-              <a:t>Lessons </a:t>
-            </a:r>
-            <a:r>
-              <a:rPr lang="en-US" dirty="0" smtClean="0"/>
-              <a:t>Learned</a:t>
+              <a:t>Lessons Learned</a:t>
             </a:r>
             <a:endParaRPr lang="en-US" dirty="0"/>
           </a:p>
@@ -6279,7 +6270,7 @@
                                     </p:set>
                                     <p:animEffect transition="in" filter="wipe(left)">
                                       <p:cBhvr>
-                                        <p:cTn id="7" dur="500"/>
+                                        <p:cTn id="7" dur="1000"/>
                                         <p:tgtEl>
                                           <p:spTgt spid="2"/>
                                         </p:tgtEl>
@@ -6288,33 +6279,15 @@
                                   </p:childTnLst>
                                 </p:cTn>
                               </p:par>
-                            </p:childTnLst>
-                          </p:cTn>
-                        </p:par>
-                      </p:childTnLst>
-                    </p:cTn>
-                  </p:par>
-                  <p:par>
-                    <p:cTn id="8" fill="hold">
-                      <p:stCondLst>
-                        <p:cond delay="indefinite"/>
-                      </p:stCondLst>
-                      <p:childTnLst>
-                        <p:par>
-                          <p:cTn id="9" fill="hold">
-                            <p:stCondLst>
-                              <p:cond delay="0"/>
-                            </p:stCondLst>
-                            <p:childTnLst>
                               <p:par>
-                                <p:cTn id="10" presetID="1" presetClass="entr" presetSubtype="0" fill="hold" nodeType="clickEffect">
+                                <p:cTn id="8" presetID="1" presetClass="entr" presetSubtype="0" fill="hold" nodeType="withEffect">
                                   <p:stCondLst>
-                                    <p:cond delay="0"/>
+                                    <p:cond delay="1000"/>
                                   </p:stCondLst>
                                   <p:childTnLst>
                                     <p:set>
                                       <p:cBhvr>
-                                        <p:cTn id="11" dur="1" fill="hold">
+                                        <p:cTn id="9" dur="1" fill="hold">
                                           <p:stCondLst>
                                             <p:cond delay="0"/>
                                           </p:stCondLst>
@@ -6344,26 +6317,26 @@
                     </p:cTn>
                   </p:par>
                   <p:par>
-                    <p:cTn id="12" fill="hold">
+                    <p:cTn id="10" fill="hold">
                       <p:stCondLst>
                         <p:cond delay="indefinite"/>
                       </p:stCondLst>
                       <p:childTnLst>
                         <p:par>
-                          <p:cTn id="13" fill="hold">
+                          <p:cTn id="11" fill="hold">
                             <p:stCondLst>
                               <p:cond delay="0"/>
                             </p:stCondLst>
                             <p:childTnLst>
                               <p:par>
-                                <p:cTn id="14" presetID="1" presetClass="entr" presetSubtype="0" fill="hold" nodeType="clickEffect">
+                                <p:cTn id="12" presetID="1" presetClass="entr" presetSubtype="0" fill="hold" nodeType="clickEffect">
                                   <p:stCondLst>
                                     <p:cond delay="0"/>
                                   </p:stCondLst>
                                   <p:childTnLst>
                                     <p:set>
                                       <p:cBhvr>
-                                        <p:cTn id="15" dur="1" fill="hold">
+                                        <p:cTn id="13" dur="1" fill="hold">
                                           <p:stCondLst>
                                             <p:cond delay="0"/>
                                           </p:stCondLst>
@@ -6393,26 +6366,26 @@
                     </p:cTn>
                   </p:par>
                   <p:par>
-                    <p:cTn id="16" fill="hold">
+                    <p:cTn id="14" fill="hold">
                       <p:stCondLst>
                         <p:cond delay="indefinite"/>
                       </p:stCondLst>
                       <p:childTnLst>
                         <p:par>
-                          <p:cTn id="17" fill="hold">
+                          <p:cTn id="15" fill="hold">
                             <p:stCondLst>
                               <p:cond delay="0"/>
                             </p:stCondLst>
                             <p:childTnLst>
                               <p:par>
-                                <p:cTn id="18" presetID="1" presetClass="entr" presetSubtype="0" fill="hold" nodeType="clickEffect">
+                                <p:cTn id="16" presetID="1" presetClass="entr" presetSubtype="0" fill="hold" nodeType="clickEffect">
                                   <p:stCondLst>
                                     <p:cond delay="0"/>
                                   </p:stCondLst>
                                   <p:childTnLst>
                                     <p:set>
                                       <p:cBhvr>
-                                        <p:cTn id="19" dur="1" fill="hold">
+                                        <p:cTn id="17" dur="1" fill="hold">
                                           <p:stCondLst>
                                             <p:cond delay="0"/>
                                           </p:stCondLst>
@@ -6442,26 +6415,26 @@
                     </p:cTn>
                   </p:par>
                   <p:par>
-                    <p:cTn id="20" fill="hold">
+                    <p:cTn id="18" fill="hold">
                       <p:stCondLst>
                         <p:cond delay="indefinite"/>
                       </p:stCondLst>
                       <p:childTnLst>
                         <p:par>
-                          <p:cTn id="21" fill="hold">
+                          <p:cTn id="19" fill="hold">
                             <p:stCondLst>
                               <p:cond delay="0"/>
                             </p:stCondLst>
                             <p:childTnLst>
                               <p:par>
-                                <p:cTn id="22" presetID="1" presetClass="entr" presetSubtype="0" fill="hold" nodeType="clickEffect">
+                                <p:cTn id="20" presetID="1" presetClass="entr" presetSubtype="0" fill="hold" nodeType="clickEffect">
                                   <p:stCondLst>
                                     <p:cond delay="0"/>
                                   </p:stCondLst>
                                   <p:childTnLst>
                                     <p:set>
                                       <p:cBhvr>
-                                        <p:cTn id="23" dur="1" fill="hold">
+                                        <p:cTn id="21" dur="1" fill="hold">
                                           <p:stCondLst>
                                             <p:cond delay="0"/>
                                           </p:stCondLst>
@@ -7024,18 +6997,14 @@
           <a:p>
             <a:r>
               <a:rPr lang="en-US" sz="4000" dirty="0" smtClean="0"/>
-              <a:t>Application Demo</a:t>
+              <a:t>Demo</a:t>
             </a:r>
             <a:endParaRPr lang="en-US" sz="4000" dirty="0" smtClean="0"/>
           </a:p>
           <a:p>
             <a:r>
               <a:rPr lang="en-US" sz="4000" dirty="0" smtClean="0"/>
-              <a:t>Lessons </a:t>
-            </a:r>
-            <a:r>
-              <a:rPr lang="en-US" sz="4000" dirty="0" smtClean="0"/>
-              <a:t>Learned</a:t>
+              <a:t>Lessons Learned</a:t>
             </a:r>
           </a:p>
           <a:p>
@@ -7137,7 +7106,7 @@
                                     </p:set>
                                     <p:animEffect transition="in" filter="wipe(left)">
                                       <p:cBhvr>
-                                        <p:cTn id="7" dur="500"/>
+                                        <p:cTn id="7" dur="1000"/>
                                         <p:tgtEl>
                                           <p:spTgt spid="2"/>
                                         </p:tgtEl>
@@ -7656,7 +7625,7 @@
                                     </p:set>
                                     <p:animEffect transition="in" filter="wipe(left)">
                                       <p:cBhvr>
-                                        <p:cTn id="7" dur="500"/>
+                                        <p:cTn id="7" dur="1000"/>
                                         <p:tgtEl>
                                           <p:spTgt spid="2"/>
                                         </p:tgtEl>
@@ -8175,7 +8144,7 @@
                                     </p:set>
                                     <p:animEffect transition="in" filter="wipe(left)">
                                       <p:cBhvr>
-                                        <p:cTn id="7" dur="500"/>
+                                        <p:cTn id="7" dur="1000"/>
                                         <p:tgtEl>
                                           <p:spTgt spid="2"/>
                                         </p:tgtEl>
@@ -8187,7 +8156,7 @@
                               <p:par>
                                 <p:cTn id="8" presetID="1" presetClass="entr" presetSubtype="0" fill="hold" nodeType="withEffect">
                                   <p:stCondLst>
-                                    <p:cond delay="0"/>
+                                    <p:cond delay="500"/>
                                   </p:stCondLst>
                                   <p:childTnLst>
                                     <p:set>
@@ -8886,8 +8855,8 @@
         </p:blipFill>
         <p:spPr>
           <a:xfrm>
-            <a:off x="2669969" y="2281254"/>
-            <a:ext cx="5805291" cy="2726133"/>
+            <a:off x="3250995" y="2500330"/>
+            <a:ext cx="4959556" cy="2328980"/>
           </a:xfrm>
           <a:prstGeom prst="rect">
             <a:avLst/>
@@ -9108,29 +9077,6 @@
       </p:grpSpPr>
       <p:sp>
         <p:nvSpPr>
-          <p:cNvPr id="3" name="Content Placeholder 2"/>
-          <p:cNvSpPr>
-            <a:spLocks noGrp="1"/>
-          </p:cNvSpPr>
-          <p:nvPr>
-            <p:ph idx="1"/>
-          </p:nvPr>
-        </p:nvSpPr>
-        <p:spPr/>
-        <p:txBody>
-          <a:bodyPr/>
-          <a:lstStyle/>
-          <a:p>
-            <a:pPr lvl="1"/>
-            <a:endParaRPr lang="en-US" dirty="0" smtClean="0"/>
-          </a:p>
-          <a:p>
-            <a:endParaRPr lang="en-US" dirty="0"/>
-          </a:p>
-        </p:txBody>
-      </p:sp>
-      <p:sp>
-        <p:nvSpPr>
           <p:cNvPr id="2" name="Title 1"/>
           <p:cNvSpPr>
             <a:spLocks noGrp="1"/>
@@ -9146,11 +9092,7 @@
           <a:p>
             <a:r>
               <a:rPr lang="en-US" dirty="0" smtClean="0"/>
-              <a:t>Overview </a:t>
-            </a:r>
-            <a:r>
-              <a:rPr lang="en-US" dirty="0" smtClean="0"/>
-              <a:t>– Registration Screen</a:t>
+              <a:t>Overview – Registration Screen</a:t>
             </a:r>
             <a:endParaRPr lang="en-US" dirty="0"/>
           </a:p>
@@ -9158,7 +9100,7 @@
       </p:sp>
       <p:pic>
         <p:nvPicPr>
-          <p:cNvPr id="4" name="Picture 3"/>
+          <p:cNvPr id="5" name="Picture 4"/>
           <p:cNvPicPr>
             <a:picLocks noChangeAspect="1"/>
           </p:cNvPicPr>
@@ -9172,8 +9114,8 @@
         </p:blipFill>
         <p:spPr>
           <a:xfrm>
-            <a:off x="2669969" y="2281254"/>
-            <a:ext cx="5805291" cy="2726133"/>
+            <a:off x="3114676" y="1417638"/>
+            <a:ext cx="5276849" cy="4880259"/>
           </a:xfrm>
           <a:prstGeom prst="rect">
             <a:avLst/>
@@ -9251,7 +9193,7 @@
                                     </p:set>
                                     <p:animEffect transition="in" filter="wipe(left)">
                                       <p:cBhvr>
-                                        <p:cTn id="7" dur="500"/>
+                                        <p:cTn id="7" dur="1000"/>
                                         <p:tgtEl>
                                           <p:spTgt spid="2"/>
                                         </p:tgtEl>
@@ -9261,7 +9203,7 @@
                                 </p:cTn>
                               </p:par>
                               <p:par>
-                                <p:cTn id="8" presetID="53" presetClass="entr" presetSubtype="16" fill="hold" nodeType="withEffect">
+                                <p:cTn id="8" presetID="10" presetClass="entr" presetSubtype="0" fill="hold" nodeType="withEffect">
                                   <p:stCondLst>
                                     <p:cond delay="1000"/>
                                   </p:stCondLst>
@@ -9274,7 +9216,7 @@
                                           </p:stCondLst>
                                         </p:cTn>
                                         <p:tgtEl>
-                                          <p:spTgt spid="4"/>
+                                          <p:spTgt spid="5"/>
                                         </p:tgtEl>
                                         <p:attrNameLst>
                                           <p:attrName>style.visibility</p:attrName>
@@ -9284,57 +9226,11 @@
                                         <p:strVal val="visible"/>
                                       </p:to>
                                     </p:set>
-                                    <p:anim calcmode="lin" valueType="num">
-                                      <p:cBhvr>
-                                        <p:cTn id="10" dur="10" fill="hold"/>
-                                        <p:tgtEl>
-                                          <p:spTgt spid="4"/>
-                                        </p:tgtEl>
-                                        <p:attrNameLst>
-                                          <p:attrName>ppt_w</p:attrName>
-                                        </p:attrNameLst>
-                                      </p:cBhvr>
-                                      <p:tavLst>
-                                        <p:tav tm="0">
-                                          <p:val>
-                                            <p:fltVal val="0"/>
-                                          </p:val>
-                                        </p:tav>
-                                        <p:tav tm="100000">
-                                          <p:val>
-                                            <p:strVal val="#ppt_w"/>
-                                          </p:val>
-                                        </p:tav>
-                                      </p:tavLst>
-                                    </p:anim>
-                                    <p:anim calcmode="lin" valueType="num">
-                                      <p:cBhvr>
-                                        <p:cTn id="11" dur="10" fill="hold"/>
-                                        <p:tgtEl>
-                                          <p:spTgt spid="4"/>
-                                        </p:tgtEl>
-                                        <p:attrNameLst>
-                                          <p:attrName>ppt_h</p:attrName>
-                                        </p:attrNameLst>
-                                      </p:cBhvr>
-                                      <p:tavLst>
-                                        <p:tav tm="0">
-                                          <p:val>
-                                            <p:fltVal val="0"/>
-                                          </p:val>
-                                        </p:tav>
-                                        <p:tav tm="100000">
-                                          <p:val>
-                                            <p:strVal val="#ppt_h"/>
-                                          </p:val>
-                                        </p:tav>
-                                      </p:tavLst>
-                                    </p:anim>
                                     <p:animEffect transition="in" filter="fade">
                                       <p:cBhvr>
-                                        <p:cTn id="12" dur="10"/>
+                                        <p:cTn id="10" dur="500"/>
                                         <p:tgtEl>
-                                          <p:spTgt spid="4"/>
+                                          <p:spTgt spid="5"/>
                                         </p:tgtEl>
                                       </p:cBhvr>
                                     </p:animEffect>

--- a/assigns/assign10/t1-a10.pptx
+++ b/assigns/assign10/t1-a10.pptx
@@ -245,7 +245,7 @@
           <a:p>
             <a:fld id="{85B84C55-34AB-4F04-8C6E-103378987567}" type="datetimeFigureOut">
               <a:rPr lang="en-US" smtClean="0"/>
-              <a:t>6/7/2015</a:t>
+              <a:t>6/8/2015</a:t>
             </a:fld>
             <a:endParaRPr lang="en-US" dirty="0"/>
           </a:p>
@@ -410,7 +410,7 @@
           <a:p>
             <a:fld id="{86832DD9-7C6A-4C91-8CF1-0788B8213502}" type="datetimeFigureOut">
               <a:rPr lang="en-US" smtClean="0"/>
-              <a:t>6/7/2015</a:t>
+              <a:t>6/8/2015</a:t>
             </a:fld>
             <a:endParaRPr lang="en-US" dirty="0"/>
           </a:p>
@@ -796,7 +796,7 @@
           <a:p>
             <a:fld id="{8A57DA2E-A198-42B8-A77A-6063A9DC8646}" type="datetime1">
               <a:rPr lang="en-US" smtClean="0"/>
-              <a:t>6/7/2015</a:t>
+              <a:t>6/8/2015</a:t>
             </a:fld>
             <a:endParaRPr lang="en-US" dirty="0"/>
           </a:p>
@@ -1211,7 +1211,7 @@
           <a:p>
             <a:fld id="{5D0B467C-85F7-469C-B16D-CF41F04F5F22}" type="datetime1">
               <a:rPr lang="en-US" smtClean="0"/>
-              <a:t>6/7/2015</a:t>
+              <a:t>6/8/2015</a:t>
             </a:fld>
             <a:endParaRPr lang="en-US" dirty="0"/>
           </a:p>
@@ -1393,7 +1393,7 @@
           <a:p>
             <a:fld id="{38E79436-BD82-44D9-9B6F-6D45FC4FB282}" type="datetime1">
               <a:rPr lang="en-US" smtClean="0"/>
-              <a:t>6/7/2015</a:t>
+              <a:t>6/8/2015</a:t>
             </a:fld>
             <a:endParaRPr lang="en-US" dirty="0"/>
           </a:p>
@@ -1585,7 +1585,7 @@
           <a:p>
             <a:fld id="{6955B0D3-E9C4-4790-9AFC-472238E9D978}" type="datetime1">
               <a:rPr lang="en-US" smtClean="0"/>
-              <a:t>6/7/2015</a:t>
+              <a:t>6/8/2015</a:t>
             </a:fld>
             <a:endParaRPr lang="en-US" dirty="0"/>
           </a:p>
@@ -1771,7 +1771,7 @@
           <a:p>
             <a:fld id="{A9EFB39F-05CF-4198-9763-0EA4BE92E0D0}" type="datetime1">
               <a:rPr lang="en-US" smtClean="0"/>
-              <a:t>6/7/2015</a:t>
+              <a:t>6/8/2015</a:t>
             </a:fld>
             <a:endParaRPr lang="en-US" dirty="0"/>
           </a:p>
@@ -2008,7 +2008,7 @@
           <a:p>
             <a:fld id="{FF2491D0-1B86-4F30-8D90-913BBBB0A4F2}" type="datetime1">
               <a:rPr lang="en-US" smtClean="0"/>
-              <a:t>6/7/2015</a:t>
+              <a:t>6/8/2015</a:t>
             </a:fld>
             <a:endParaRPr lang="en-US" dirty="0"/>
           </a:p>
@@ -2289,7 +2289,7 @@
           <a:p>
             <a:fld id="{A28FD5D4-22BE-49CA-89DE-DEB7778B4EA0}" type="datetime1">
               <a:rPr lang="en-US" smtClean="0"/>
-              <a:t>6/7/2015</a:t>
+              <a:t>6/8/2015</a:t>
             </a:fld>
             <a:endParaRPr lang="en-US" dirty="0"/>
           </a:p>
@@ -2680,7 +2680,7 @@
           <a:p>
             <a:fld id="{98A942CB-856E-4E4B-8C89-197AEAE66A5F}" type="datetime1">
               <a:rPr lang="en-US" smtClean="0"/>
-              <a:t>6/7/2015</a:t>
+              <a:t>6/8/2015</a:t>
             </a:fld>
             <a:endParaRPr lang="en-US" dirty="0"/>
           </a:p>
@@ -2819,7 +2819,7 @@
           <a:p>
             <a:fld id="{90C5A565-20AE-4CD1-A4DD-E062216372E9}" type="datetime1">
               <a:rPr lang="en-US" smtClean="0"/>
-              <a:t>6/7/2015</a:t>
+              <a:t>6/8/2015</a:t>
             </a:fld>
             <a:endParaRPr lang="en-US" dirty="0"/>
           </a:p>
@@ -2999,7 +2999,7 @@
           <a:p>
             <a:fld id="{43669077-B497-459B-927D-21898BE78E1B}" type="datetime1">
               <a:rPr lang="en-US" smtClean="0"/>
-              <a:t>6/7/2015</a:t>
+              <a:t>6/8/2015</a:t>
             </a:fld>
             <a:endParaRPr lang="en-US" dirty="0"/>
           </a:p>
@@ -3270,7 +3270,7 @@
           <a:p>
             <a:fld id="{E5371151-446F-4595-B3D3-21EF3A6E9BFE}" type="datetime1">
               <a:rPr lang="en-US" smtClean="0"/>
-              <a:t>6/7/2015</a:t>
+              <a:t>6/8/2015</a:t>
             </a:fld>
             <a:endParaRPr lang="en-US" dirty="0"/>
           </a:p>
@@ -3585,7 +3585,7 @@
           <a:p>
             <a:fld id="{671E04DB-BE65-47F8-B877-7DBE6DFA71B8}" type="datetime1">
               <a:rPr lang="en-US" smtClean="0"/>
-              <a:t>6/7/2015</a:t>
+              <a:t>6/8/2015</a:t>
             </a:fld>
             <a:endParaRPr lang="en-US" dirty="0"/>
           </a:p>
@@ -5382,15 +5382,7 @@
               <a:rPr lang="en-US" sz="4000" dirty="0" smtClean="0"/>
               <a:t>Results</a:t>
             </a:r>
-          </a:p>
-          <a:p>
-            <a:r>
-              <a:rPr lang="en-US" sz="4000" dirty="0"/>
-              <a:t>View Progress Meter During the User Test</a:t>
-            </a:r>
-          </a:p>
-          <a:p>
-            <a:endParaRPr lang="en-US" sz="4000" dirty="0"/>
+            <a:endParaRPr lang="en-US" sz="4000" dirty="0" smtClean="0"/>
           </a:p>
         </p:txBody>
       </p:sp>
@@ -5540,55 +5532,6 @@
                                           <p:spTgt spid="4">
                                             <p:txEl>
                                               <p:pRg st="1" end="1"/>
-                                            </p:txEl>
-                                          </p:spTgt>
-                                        </p:tgtEl>
-                                        <p:attrNameLst>
-                                          <p:attrName>style.visibility</p:attrName>
-                                        </p:attrNameLst>
-                                      </p:cBhvr>
-                                      <p:to>
-                                        <p:strVal val="visible"/>
-                                      </p:to>
-                                    </p:set>
-                                  </p:childTnLst>
-                                </p:cTn>
-                              </p:par>
-                            </p:childTnLst>
-                          </p:cTn>
-                        </p:par>
-                      </p:childTnLst>
-                    </p:cTn>
-                  </p:par>
-                  <p:par>
-                    <p:cTn id="14" fill="hold">
-                      <p:stCondLst>
-                        <p:cond delay="indefinite"/>
-                      </p:stCondLst>
-                      <p:childTnLst>
-                        <p:par>
-                          <p:cTn id="15" fill="hold">
-                            <p:stCondLst>
-                              <p:cond delay="0"/>
-                            </p:stCondLst>
-                            <p:childTnLst>
-                              <p:par>
-                                <p:cTn id="16" presetID="1" presetClass="entr" presetSubtype="0" fill="hold" grpId="0" nodeType="clickEffect">
-                                  <p:stCondLst>
-                                    <p:cond delay="0"/>
-                                  </p:stCondLst>
-                                  <p:childTnLst>
-                                    <p:set>
-                                      <p:cBhvr>
-                                        <p:cTn id="17" dur="1" fill="hold">
-                                          <p:stCondLst>
-                                            <p:cond delay="0"/>
-                                          </p:stCondLst>
-                                        </p:cTn>
-                                        <p:tgtEl>
-                                          <p:spTgt spid="4">
-                                            <p:txEl>
-                                              <p:pRg st="2" end="2"/>
                                             </p:txEl>
                                           </p:spTgt>
                                         </p:tgtEl>
@@ -6146,7 +6089,6 @@
               <a:rPr lang="en-US" sz="4000" dirty="0" smtClean="0"/>
               <a:t>Knowledge Sharing</a:t>
             </a:r>
-            <a:endParaRPr lang="en-US" sz="4000" dirty="0" smtClean="0"/>
           </a:p>
           <a:p>
             <a:r>
@@ -6999,7 +6941,6 @@
               <a:rPr lang="en-US" sz="4000" dirty="0" smtClean="0"/>
               <a:t>Demo</a:t>
             </a:r>
-            <a:endParaRPr lang="en-US" sz="4000" dirty="0" smtClean="0"/>
           </a:p>
           <a:p>
             <a:r>
